--- a/car_lights.pptx
+++ b/car_lights.pptx
@@ -1,25 +1,120 @@
 
 <file path=ppt/presentation.xml><?xml version="1.0" encoding="utf-8"?>
-<p:presentation xmlns:a="http://schemas.openxmlformats.org/drawingml/2006/main" xmlns:p="http://schemas.openxmlformats.org/presentationml/2006/main" xmlns:r="http://schemas.openxmlformats.org/officeDocument/2006/relationships">
+<p:presentation xmlns:a="http://schemas.openxmlformats.org/drawingml/2006/main" xmlns:r="http://schemas.openxmlformats.org/officeDocument/2006/relationships" xmlns:p="http://schemas.openxmlformats.org/presentationml/2006/main">
   <p:sldMasterIdLst>
-    <p:sldMasterId id="2147483648" r:id="rId2"/>
+    <p:sldMasterId id="2147483648" r:id="rId1"/>
   </p:sldMasterIdLst>
   <p:sldIdLst>
-    <p:sldId id="256" r:id="rId3"/>
-    <p:sldId id="257" r:id="rId4"/>
-    <p:sldId id="258" r:id="rId5"/>
-    <p:sldId id="259" r:id="rId6"/>
-    <p:sldId id="260" r:id="rId7"/>
-    <p:sldId id="261" r:id="rId8"/>
-    <p:sldId id="262" r:id="rId9"/>
+    <p:sldId id="256" r:id="rId2"/>
+    <p:sldId id="257" r:id="rId3"/>
+    <p:sldId id="258" r:id="rId4"/>
+    <p:sldId id="259" r:id="rId5"/>
+    <p:sldId id="260" r:id="rId6"/>
+    <p:sldId id="261" r:id="rId7"/>
+    <p:sldId id="262" r:id="rId8"/>
   </p:sldIdLst>
   <p:sldSz cx="10080625" cy="7559675"/>
-  <p:notesSz cx="7559675" cy="10691812"/>
+  <p:notesSz cx="7559675" cy="10691813"/>
+  <p:defaultTextStyle>
+    <a:defPPr>
+      <a:defRPr lang="pl-PL"/>
+    </a:defPPr>
+    <a:lvl1pPr marL="0" algn="l" defTabSz="914400" rtl="0" eaLnBrk="1" latinLnBrk="0" hangingPunct="1">
+      <a:defRPr sz="1800" kern="1200">
+        <a:solidFill>
+          <a:schemeClr val="tx1"/>
+        </a:solidFill>
+        <a:latin typeface="+mn-lt"/>
+        <a:ea typeface="+mn-ea"/>
+        <a:cs typeface="+mn-cs"/>
+      </a:defRPr>
+    </a:lvl1pPr>
+    <a:lvl2pPr marL="457200" algn="l" defTabSz="914400" rtl="0" eaLnBrk="1" latinLnBrk="0" hangingPunct="1">
+      <a:defRPr sz="1800" kern="1200">
+        <a:solidFill>
+          <a:schemeClr val="tx1"/>
+        </a:solidFill>
+        <a:latin typeface="+mn-lt"/>
+        <a:ea typeface="+mn-ea"/>
+        <a:cs typeface="+mn-cs"/>
+      </a:defRPr>
+    </a:lvl2pPr>
+    <a:lvl3pPr marL="914400" algn="l" defTabSz="914400" rtl="0" eaLnBrk="1" latinLnBrk="0" hangingPunct="1">
+      <a:defRPr sz="1800" kern="1200">
+        <a:solidFill>
+          <a:schemeClr val="tx1"/>
+        </a:solidFill>
+        <a:latin typeface="+mn-lt"/>
+        <a:ea typeface="+mn-ea"/>
+        <a:cs typeface="+mn-cs"/>
+      </a:defRPr>
+    </a:lvl3pPr>
+    <a:lvl4pPr marL="1371600" algn="l" defTabSz="914400" rtl="0" eaLnBrk="1" latinLnBrk="0" hangingPunct="1">
+      <a:defRPr sz="1800" kern="1200">
+        <a:solidFill>
+          <a:schemeClr val="tx1"/>
+        </a:solidFill>
+        <a:latin typeface="+mn-lt"/>
+        <a:ea typeface="+mn-ea"/>
+        <a:cs typeface="+mn-cs"/>
+      </a:defRPr>
+    </a:lvl4pPr>
+    <a:lvl5pPr marL="1828800" algn="l" defTabSz="914400" rtl="0" eaLnBrk="1" latinLnBrk="0" hangingPunct="1">
+      <a:defRPr sz="1800" kern="1200">
+        <a:solidFill>
+          <a:schemeClr val="tx1"/>
+        </a:solidFill>
+        <a:latin typeface="+mn-lt"/>
+        <a:ea typeface="+mn-ea"/>
+        <a:cs typeface="+mn-cs"/>
+      </a:defRPr>
+    </a:lvl5pPr>
+    <a:lvl6pPr marL="2286000" algn="l" defTabSz="914400" rtl="0" eaLnBrk="1" latinLnBrk="0" hangingPunct="1">
+      <a:defRPr sz="1800" kern="1200">
+        <a:solidFill>
+          <a:schemeClr val="tx1"/>
+        </a:solidFill>
+        <a:latin typeface="+mn-lt"/>
+        <a:ea typeface="+mn-ea"/>
+        <a:cs typeface="+mn-cs"/>
+      </a:defRPr>
+    </a:lvl6pPr>
+    <a:lvl7pPr marL="2743200" algn="l" defTabSz="914400" rtl="0" eaLnBrk="1" latinLnBrk="0" hangingPunct="1">
+      <a:defRPr sz="1800" kern="1200">
+        <a:solidFill>
+          <a:schemeClr val="tx1"/>
+        </a:solidFill>
+        <a:latin typeface="+mn-lt"/>
+        <a:ea typeface="+mn-ea"/>
+        <a:cs typeface="+mn-cs"/>
+      </a:defRPr>
+    </a:lvl7pPr>
+    <a:lvl8pPr marL="3200400" algn="l" defTabSz="914400" rtl="0" eaLnBrk="1" latinLnBrk="0" hangingPunct="1">
+      <a:defRPr sz="1800" kern="1200">
+        <a:solidFill>
+          <a:schemeClr val="tx1"/>
+        </a:solidFill>
+        <a:latin typeface="+mn-lt"/>
+        <a:ea typeface="+mn-ea"/>
+        <a:cs typeface="+mn-cs"/>
+      </a:defRPr>
+    </a:lvl8pPr>
+    <a:lvl9pPr marL="3657600" algn="l" defTabSz="914400" rtl="0" eaLnBrk="1" latinLnBrk="0" hangingPunct="1">
+      <a:defRPr sz="1800" kern="1200">
+        <a:solidFill>
+          <a:schemeClr val="tx1"/>
+        </a:solidFill>
+        <a:latin typeface="+mn-lt"/>
+        <a:ea typeface="+mn-ea"/>
+        <a:cs typeface="+mn-cs"/>
+      </a:defRPr>
+    </a:lvl9pPr>
+  </p:defaultTextStyle>
 </p:presentation>
 </file>
 
 <file path=ppt/slideLayouts/slideLayout1.xml><?xml version="1.0" encoding="utf-8"?>
-<p:sldLayout xmlns:a="http://schemas.openxmlformats.org/drawingml/2006/main" xmlns:p="http://schemas.openxmlformats.org/presentationml/2006/main" xmlns:r="http://schemas.openxmlformats.org/officeDocument/2006/relationships" type="blank" preserve="1">
+<p:sldLayout xmlns:a="http://schemas.openxmlformats.org/drawingml/2006/main" xmlns:r="http://schemas.openxmlformats.org/officeDocument/2006/relationships" xmlns:p="http://schemas.openxmlformats.org/presentationml/2006/main" type="blank" preserve="1">
   <p:cSld name="Blank Slide">
     <p:spTree>
       <p:nvGrpSpPr>
@@ -37,11 +132,14 @@
       </p:grpSpPr>
     </p:spTree>
   </p:cSld>
+  <p:clrMapOvr>
+    <a:masterClrMapping/>
+  </p:clrMapOvr>
 </p:sldLayout>
 </file>
 
 <file path=ppt/slideLayouts/slideLayout10.xml><?xml version="1.0" encoding="utf-8"?>
-<p:sldLayout xmlns:a="http://schemas.openxmlformats.org/drawingml/2006/main" xmlns:p="http://schemas.openxmlformats.org/presentationml/2006/main" xmlns:r="http://schemas.openxmlformats.org/officeDocument/2006/relationships" type="objOverTx" preserve="1">
+<p:sldLayout xmlns:a="http://schemas.openxmlformats.org/drawingml/2006/main" xmlns:r="http://schemas.openxmlformats.org/officeDocument/2006/relationships" xmlns:p="http://schemas.openxmlformats.org/presentationml/2006/main" type="objOverTx" preserve="1">
   <p:cSld name="Title, Content over Content">
     <p:spTree>
       <p:nvGrpSpPr>
@@ -77,7 +175,8 @@
           </a:prstGeom>
         </p:spPr>
         <p:txBody>
-          <a:bodyPr lIns="0" rIns="0" tIns="0" bIns="0" anchor="ctr"/>
+          <a:bodyPr lIns="0" tIns="0" rIns="0" bIns="0" anchor="ctr"/>
+          <a:lstStyle/>
           <a:p>
             <a:pPr algn="ctr"/>
             <a:endParaRPr/>
@@ -104,7 +203,8 @@
           </a:prstGeom>
         </p:spPr>
         <p:txBody>
-          <a:bodyPr lIns="0" rIns="0" tIns="0" bIns="0"/>
+          <a:bodyPr lIns="0" tIns="0" rIns="0" bIns="0"/>
+          <a:lstStyle/>
           <a:p>
             <a:endParaRPr/>
           </a:p>
@@ -130,7 +230,8 @@
           </a:prstGeom>
         </p:spPr>
         <p:txBody>
-          <a:bodyPr lIns="0" rIns="0" tIns="0" bIns="0"/>
+          <a:bodyPr lIns="0" tIns="0" rIns="0" bIns="0"/>
+          <a:lstStyle/>
           <a:p>
             <a:endParaRPr/>
           </a:p>
@@ -138,11 +239,14 @@
       </p:sp>
     </p:spTree>
   </p:cSld>
+  <p:clrMapOvr>
+    <a:masterClrMapping/>
+  </p:clrMapOvr>
 </p:sldLayout>
 </file>
 
 <file path=ppt/slideLayouts/slideLayout11.xml><?xml version="1.0" encoding="utf-8"?>
-<p:sldLayout xmlns:a="http://schemas.openxmlformats.org/drawingml/2006/main" xmlns:p="http://schemas.openxmlformats.org/presentationml/2006/main" xmlns:r="http://schemas.openxmlformats.org/officeDocument/2006/relationships" type="fourObj" preserve="1">
+<p:sldLayout xmlns:a="http://schemas.openxmlformats.org/drawingml/2006/main" xmlns:r="http://schemas.openxmlformats.org/officeDocument/2006/relationships" xmlns:p="http://schemas.openxmlformats.org/presentationml/2006/main" type="fourObj" preserve="1">
   <p:cSld name="Title, 4 Content">
     <p:spTree>
       <p:nvGrpSpPr>
@@ -178,7 +282,8 @@
           </a:prstGeom>
         </p:spPr>
         <p:txBody>
-          <a:bodyPr lIns="0" rIns="0" tIns="0" bIns="0" anchor="ctr"/>
+          <a:bodyPr lIns="0" tIns="0" rIns="0" bIns="0" anchor="ctr"/>
+          <a:lstStyle/>
           <a:p>
             <a:pPr algn="ctr"/>
             <a:endParaRPr/>
@@ -205,7 +310,8 @@
           </a:prstGeom>
         </p:spPr>
         <p:txBody>
-          <a:bodyPr lIns="0" rIns="0" tIns="0" bIns="0"/>
+          <a:bodyPr lIns="0" tIns="0" rIns="0" bIns="0"/>
+          <a:lstStyle/>
           <a:p>
             <a:endParaRPr/>
           </a:p>
@@ -231,7 +337,8 @@
           </a:prstGeom>
         </p:spPr>
         <p:txBody>
-          <a:bodyPr lIns="0" rIns="0" tIns="0" bIns="0"/>
+          <a:bodyPr lIns="0" tIns="0" rIns="0" bIns="0"/>
+          <a:lstStyle/>
           <a:p>
             <a:endParaRPr/>
           </a:p>
@@ -257,7 +364,8 @@
           </a:prstGeom>
         </p:spPr>
         <p:txBody>
-          <a:bodyPr lIns="0" rIns="0" tIns="0" bIns="0"/>
+          <a:bodyPr lIns="0" tIns="0" rIns="0" bIns="0"/>
+          <a:lstStyle/>
           <a:p>
             <a:endParaRPr/>
           </a:p>
@@ -283,7 +391,8 @@
           </a:prstGeom>
         </p:spPr>
         <p:txBody>
-          <a:bodyPr lIns="0" rIns="0" tIns="0" bIns="0"/>
+          <a:bodyPr lIns="0" tIns="0" rIns="0" bIns="0"/>
+          <a:lstStyle/>
           <a:p>
             <a:endParaRPr/>
           </a:p>
@@ -291,11 +400,14 @@
       </p:sp>
     </p:spTree>
   </p:cSld>
+  <p:clrMapOvr>
+    <a:masterClrMapping/>
+  </p:clrMapOvr>
 </p:sldLayout>
 </file>
 
 <file path=ppt/slideLayouts/slideLayout12.xml><?xml version="1.0" encoding="utf-8"?>
-<p:sldLayout xmlns:a="http://schemas.openxmlformats.org/drawingml/2006/main" xmlns:p="http://schemas.openxmlformats.org/presentationml/2006/main" xmlns:r="http://schemas.openxmlformats.org/officeDocument/2006/relationships" type="blank" preserve="1">
+<p:sldLayout xmlns:a="http://schemas.openxmlformats.org/drawingml/2006/main" xmlns:r="http://schemas.openxmlformats.org/officeDocument/2006/relationships" xmlns:p="http://schemas.openxmlformats.org/presentationml/2006/main" type="blank" preserve="1">
   <p:cSld name="Title, 6 Content">
     <p:spTree>
       <p:nvGrpSpPr>
@@ -331,7 +443,8 @@
           </a:prstGeom>
         </p:spPr>
         <p:txBody>
-          <a:bodyPr lIns="0" rIns="0" tIns="0" bIns="0" anchor="ctr"/>
+          <a:bodyPr lIns="0" tIns="0" rIns="0" bIns="0" anchor="ctr"/>
+          <a:lstStyle/>
           <a:p>
             <a:pPr algn="ctr"/>
             <a:endParaRPr/>
@@ -358,7 +471,8 @@
           </a:prstGeom>
         </p:spPr>
         <p:txBody>
-          <a:bodyPr lIns="0" rIns="0" tIns="0" bIns="0"/>
+          <a:bodyPr lIns="0" tIns="0" rIns="0" bIns="0"/>
+          <a:lstStyle/>
           <a:p>
             <a:endParaRPr/>
           </a:p>
@@ -384,7 +498,8 @@
           </a:prstGeom>
         </p:spPr>
         <p:txBody>
-          <a:bodyPr lIns="0" rIns="0" tIns="0" bIns="0"/>
+          <a:bodyPr lIns="0" tIns="0" rIns="0" bIns="0"/>
+          <a:lstStyle/>
           <a:p>
             <a:endParaRPr/>
           </a:p>
@@ -392,7 +507,7 @@
       </p:sp>
       <p:pic>
         <p:nvPicPr>
-          <p:cNvPr id="37" name="" descr=""/>
+          <p:cNvPr id="37" name="Obraz 36"/>
           <p:cNvPicPr/>
           <p:nvPr/>
         </p:nvPicPr>
@@ -415,12 +530,12 @@
       </p:pic>
       <p:pic>
         <p:nvPicPr>
-          <p:cNvPr id="38" name="" descr=""/>
+          <p:cNvPr id="38" name="Obraz 37"/>
           <p:cNvPicPr/>
           <p:nvPr/>
         </p:nvPicPr>
         <p:blipFill>
-          <a:blip r:embed="rId3"/>
+          <a:blip r:embed="rId2"/>
           <a:stretch/>
         </p:blipFill>
         <p:spPr>
@@ -438,11 +553,14 @@
       </p:pic>
     </p:spTree>
   </p:cSld>
+  <p:clrMapOvr>
+    <a:masterClrMapping/>
+  </p:clrMapOvr>
 </p:sldLayout>
 </file>
 
 <file path=ppt/slideLayouts/slideLayout2.xml><?xml version="1.0" encoding="utf-8"?>
-<p:sldLayout xmlns:a="http://schemas.openxmlformats.org/drawingml/2006/main" xmlns:p="http://schemas.openxmlformats.org/presentationml/2006/main" xmlns:r="http://schemas.openxmlformats.org/officeDocument/2006/relationships" type="tx" preserve="1">
+<p:sldLayout xmlns:a="http://schemas.openxmlformats.org/drawingml/2006/main" xmlns:r="http://schemas.openxmlformats.org/officeDocument/2006/relationships" xmlns:p="http://schemas.openxmlformats.org/presentationml/2006/main" type="tx" preserve="1">
   <p:cSld name="Title Slide">
     <p:spTree>
       <p:nvGrpSpPr>
@@ -478,7 +596,8 @@
           </a:prstGeom>
         </p:spPr>
         <p:txBody>
-          <a:bodyPr lIns="0" rIns="0" tIns="0" bIns="0" anchor="ctr"/>
+          <a:bodyPr lIns="0" tIns="0" rIns="0" bIns="0" anchor="ctr"/>
+          <a:lstStyle/>
           <a:p>
             <a:pPr algn="ctr"/>
             <a:endParaRPr/>
@@ -505,7 +624,8 @@
           </a:prstGeom>
         </p:spPr>
         <p:txBody>
-          <a:bodyPr lIns="0" rIns="0" tIns="0" bIns="0" anchor="ctr"/>
+          <a:bodyPr lIns="0" tIns="0" rIns="0" bIns="0" anchor="ctr"/>
+          <a:lstStyle/>
           <a:p>
             <a:pPr algn="ctr"/>
             <a:endParaRPr/>
@@ -514,11 +634,14 @@
       </p:sp>
     </p:spTree>
   </p:cSld>
+  <p:clrMapOvr>
+    <a:masterClrMapping/>
+  </p:clrMapOvr>
 </p:sldLayout>
 </file>
 
 <file path=ppt/slideLayouts/slideLayout3.xml><?xml version="1.0" encoding="utf-8"?>
-<p:sldLayout xmlns:a="http://schemas.openxmlformats.org/drawingml/2006/main" xmlns:p="http://schemas.openxmlformats.org/presentationml/2006/main" xmlns:r="http://schemas.openxmlformats.org/officeDocument/2006/relationships" type="obj" preserve="1">
+<p:sldLayout xmlns:a="http://schemas.openxmlformats.org/drawingml/2006/main" xmlns:r="http://schemas.openxmlformats.org/officeDocument/2006/relationships" xmlns:p="http://schemas.openxmlformats.org/presentationml/2006/main" type="obj" preserve="1">
   <p:cSld name="Title, Content">
     <p:spTree>
       <p:nvGrpSpPr>
@@ -554,7 +677,8 @@
           </a:prstGeom>
         </p:spPr>
         <p:txBody>
-          <a:bodyPr lIns="0" rIns="0" tIns="0" bIns="0" anchor="ctr"/>
+          <a:bodyPr lIns="0" tIns="0" rIns="0" bIns="0" anchor="ctr"/>
+          <a:lstStyle/>
           <a:p>
             <a:pPr algn="ctr"/>
             <a:endParaRPr/>
@@ -581,7 +705,8 @@
           </a:prstGeom>
         </p:spPr>
         <p:txBody>
-          <a:bodyPr lIns="0" rIns="0" tIns="0" bIns="0"/>
+          <a:bodyPr lIns="0" tIns="0" rIns="0" bIns="0"/>
+          <a:lstStyle/>
           <a:p>
             <a:endParaRPr/>
           </a:p>
@@ -589,11 +714,14 @@
       </p:sp>
     </p:spTree>
   </p:cSld>
+  <p:clrMapOvr>
+    <a:masterClrMapping/>
+  </p:clrMapOvr>
 </p:sldLayout>
 </file>
 
 <file path=ppt/slideLayouts/slideLayout4.xml><?xml version="1.0" encoding="utf-8"?>
-<p:sldLayout xmlns:a="http://schemas.openxmlformats.org/drawingml/2006/main" xmlns:p="http://schemas.openxmlformats.org/presentationml/2006/main" xmlns:r="http://schemas.openxmlformats.org/officeDocument/2006/relationships" type="twoObj" preserve="1">
+<p:sldLayout xmlns:a="http://schemas.openxmlformats.org/drawingml/2006/main" xmlns:r="http://schemas.openxmlformats.org/officeDocument/2006/relationships" xmlns:p="http://schemas.openxmlformats.org/presentationml/2006/main" type="twoObj" preserve="1">
   <p:cSld name="Title, 2 Content">
     <p:spTree>
       <p:nvGrpSpPr>
@@ -629,7 +757,8 @@
           </a:prstGeom>
         </p:spPr>
         <p:txBody>
-          <a:bodyPr lIns="0" rIns="0" tIns="0" bIns="0" anchor="ctr"/>
+          <a:bodyPr lIns="0" tIns="0" rIns="0" bIns="0" anchor="ctr"/>
+          <a:lstStyle/>
           <a:p>
             <a:pPr algn="ctr"/>
             <a:endParaRPr/>
@@ -656,7 +785,8 @@
           </a:prstGeom>
         </p:spPr>
         <p:txBody>
-          <a:bodyPr lIns="0" rIns="0" tIns="0" bIns="0"/>
+          <a:bodyPr lIns="0" tIns="0" rIns="0" bIns="0"/>
+          <a:lstStyle/>
           <a:p>
             <a:endParaRPr/>
           </a:p>
@@ -682,7 +812,8 @@
           </a:prstGeom>
         </p:spPr>
         <p:txBody>
-          <a:bodyPr lIns="0" rIns="0" tIns="0" bIns="0"/>
+          <a:bodyPr lIns="0" tIns="0" rIns="0" bIns="0"/>
+          <a:lstStyle/>
           <a:p>
             <a:endParaRPr/>
           </a:p>
@@ -690,11 +821,14 @@
       </p:sp>
     </p:spTree>
   </p:cSld>
+  <p:clrMapOvr>
+    <a:masterClrMapping/>
+  </p:clrMapOvr>
 </p:sldLayout>
 </file>
 
 <file path=ppt/slideLayouts/slideLayout5.xml><?xml version="1.0" encoding="utf-8"?>
-<p:sldLayout xmlns:a="http://schemas.openxmlformats.org/drawingml/2006/main" xmlns:p="http://schemas.openxmlformats.org/presentationml/2006/main" xmlns:r="http://schemas.openxmlformats.org/officeDocument/2006/relationships" type="titleOnly" preserve="1">
+<p:sldLayout xmlns:a="http://schemas.openxmlformats.org/drawingml/2006/main" xmlns:r="http://schemas.openxmlformats.org/officeDocument/2006/relationships" xmlns:p="http://schemas.openxmlformats.org/presentationml/2006/main" type="titleOnly" preserve="1">
   <p:cSld name="Title Only">
     <p:spTree>
       <p:nvGrpSpPr>
@@ -730,7 +864,8 @@
           </a:prstGeom>
         </p:spPr>
         <p:txBody>
-          <a:bodyPr lIns="0" rIns="0" tIns="0" bIns="0" anchor="ctr"/>
+          <a:bodyPr lIns="0" tIns="0" rIns="0" bIns="0" anchor="ctr"/>
+          <a:lstStyle/>
           <a:p>
             <a:pPr algn="ctr"/>
             <a:endParaRPr/>
@@ -739,11 +874,14 @@
       </p:sp>
     </p:spTree>
   </p:cSld>
+  <p:clrMapOvr>
+    <a:masterClrMapping/>
+  </p:clrMapOvr>
 </p:sldLayout>
 </file>
 
 <file path=ppt/slideLayouts/slideLayout6.xml><?xml version="1.0" encoding="utf-8"?>
-<p:sldLayout xmlns:a="http://schemas.openxmlformats.org/drawingml/2006/main" xmlns:p="http://schemas.openxmlformats.org/presentationml/2006/main" xmlns:r="http://schemas.openxmlformats.org/officeDocument/2006/relationships" type="objOnly" preserve="1">
+<p:sldLayout xmlns:a="http://schemas.openxmlformats.org/drawingml/2006/main" xmlns:r="http://schemas.openxmlformats.org/officeDocument/2006/relationships" xmlns:p="http://schemas.openxmlformats.org/presentationml/2006/main" type="objOnly" preserve="1">
   <p:cSld name="Centered Text">
     <p:spTree>
       <p:nvGrpSpPr>
@@ -779,7 +917,8 @@
           </a:prstGeom>
         </p:spPr>
         <p:txBody>
-          <a:bodyPr lIns="0" rIns="0" tIns="0" bIns="0" anchor="ctr"/>
+          <a:bodyPr lIns="0" tIns="0" rIns="0" bIns="0" anchor="ctr"/>
+          <a:lstStyle/>
           <a:p>
             <a:pPr algn="ctr"/>
             <a:endParaRPr/>
@@ -788,11 +927,14 @@
       </p:sp>
     </p:spTree>
   </p:cSld>
+  <p:clrMapOvr>
+    <a:masterClrMapping/>
+  </p:clrMapOvr>
 </p:sldLayout>
 </file>
 
 <file path=ppt/slideLayouts/slideLayout7.xml><?xml version="1.0" encoding="utf-8"?>
-<p:sldLayout xmlns:a="http://schemas.openxmlformats.org/drawingml/2006/main" xmlns:p="http://schemas.openxmlformats.org/presentationml/2006/main" xmlns:r="http://schemas.openxmlformats.org/officeDocument/2006/relationships" type="twoObjAndObj" preserve="1">
+<p:sldLayout xmlns:a="http://schemas.openxmlformats.org/drawingml/2006/main" xmlns:r="http://schemas.openxmlformats.org/officeDocument/2006/relationships" xmlns:p="http://schemas.openxmlformats.org/presentationml/2006/main" type="twoObjAndObj" preserve="1">
   <p:cSld name="Title, 2 Content and Content">
     <p:spTree>
       <p:nvGrpSpPr>
@@ -828,7 +970,8 @@
           </a:prstGeom>
         </p:spPr>
         <p:txBody>
-          <a:bodyPr lIns="0" rIns="0" tIns="0" bIns="0" anchor="ctr"/>
+          <a:bodyPr lIns="0" tIns="0" rIns="0" bIns="0" anchor="ctr"/>
+          <a:lstStyle/>
           <a:p>
             <a:pPr algn="ctr"/>
             <a:endParaRPr/>
@@ -855,7 +998,8 @@
           </a:prstGeom>
         </p:spPr>
         <p:txBody>
-          <a:bodyPr lIns="0" rIns="0" tIns="0" bIns="0"/>
+          <a:bodyPr lIns="0" tIns="0" rIns="0" bIns="0"/>
+          <a:lstStyle/>
           <a:p>
             <a:endParaRPr/>
           </a:p>
@@ -881,7 +1025,8 @@
           </a:prstGeom>
         </p:spPr>
         <p:txBody>
-          <a:bodyPr lIns="0" rIns="0" tIns="0" bIns="0"/>
+          <a:bodyPr lIns="0" tIns="0" rIns="0" bIns="0"/>
+          <a:lstStyle/>
           <a:p>
             <a:endParaRPr/>
           </a:p>
@@ -907,7 +1052,8 @@
           </a:prstGeom>
         </p:spPr>
         <p:txBody>
-          <a:bodyPr lIns="0" rIns="0" tIns="0" bIns="0"/>
+          <a:bodyPr lIns="0" tIns="0" rIns="0" bIns="0"/>
+          <a:lstStyle/>
           <a:p>
             <a:endParaRPr/>
           </a:p>
@@ -915,11 +1061,14 @@
       </p:sp>
     </p:spTree>
   </p:cSld>
+  <p:clrMapOvr>
+    <a:masterClrMapping/>
+  </p:clrMapOvr>
 </p:sldLayout>
 </file>
 
 <file path=ppt/slideLayouts/slideLayout8.xml><?xml version="1.0" encoding="utf-8"?>
-<p:sldLayout xmlns:a="http://schemas.openxmlformats.org/drawingml/2006/main" xmlns:p="http://schemas.openxmlformats.org/presentationml/2006/main" xmlns:r="http://schemas.openxmlformats.org/officeDocument/2006/relationships" type="objAndTwoObj" preserve="1">
+<p:sldLayout xmlns:a="http://schemas.openxmlformats.org/drawingml/2006/main" xmlns:r="http://schemas.openxmlformats.org/officeDocument/2006/relationships" xmlns:p="http://schemas.openxmlformats.org/presentationml/2006/main" type="objAndTwoObj" preserve="1">
   <p:cSld name="Title Content and 2 Content">
     <p:spTree>
       <p:nvGrpSpPr>
@@ -955,7 +1104,8 @@
           </a:prstGeom>
         </p:spPr>
         <p:txBody>
-          <a:bodyPr lIns="0" rIns="0" tIns="0" bIns="0" anchor="ctr"/>
+          <a:bodyPr lIns="0" tIns="0" rIns="0" bIns="0" anchor="ctr"/>
+          <a:lstStyle/>
           <a:p>
             <a:pPr algn="ctr"/>
             <a:endParaRPr/>
@@ -982,7 +1132,8 @@
           </a:prstGeom>
         </p:spPr>
         <p:txBody>
-          <a:bodyPr lIns="0" rIns="0" tIns="0" bIns="0"/>
+          <a:bodyPr lIns="0" tIns="0" rIns="0" bIns="0"/>
+          <a:lstStyle/>
           <a:p>
             <a:endParaRPr/>
           </a:p>
@@ -1008,7 +1159,8 @@
           </a:prstGeom>
         </p:spPr>
         <p:txBody>
-          <a:bodyPr lIns="0" rIns="0" tIns="0" bIns="0"/>
+          <a:bodyPr lIns="0" tIns="0" rIns="0" bIns="0"/>
+          <a:lstStyle/>
           <a:p>
             <a:endParaRPr/>
           </a:p>
@@ -1034,7 +1186,8 @@
           </a:prstGeom>
         </p:spPr>
         <p:txBody>
-          <a:bodyPr lIns="0" rIns="0" tIns="0" bIns="0"/>
+          <a:bodyPr lIns="0" tIns="0" rIns="0" bIns="0"/>
+          <a:lstStyle/>
           <a:p>
             <a:endParaRPr/>
           </a:p>
@@ -1042,11 +1195,14 @@
       </p:sp>
     </p:spTree>
   </p:cSld>
+  <p:clrMapOvr>
+    <a:masterClrMapping/>
+  </p:clrMapOvr>
 </p:sldLayout>
 </file>
 
 <file path=ppt/slideLayouts/slideLayout9.xml><?xml version="1.0" encoding="utf-8"?>
-<p:sldLayout xmlns:a="http://schemas.openxmlformats.org/drawingml/2006/main" xmlns:p="http://schemas.openxmlformats.org/presentationml/2006/main" xmlns:r="http://schemas.openxmlformats.org/officeDocument/2006/relationships" type="twoObjOverTx" preserve="1">
+<p:sldLayout xmlns:a="http://schemas.openxmlformats.org/drawingml/2006/main" xmlns:r="http://schemas.openxmlformats.org/officeDocument/2006/relationships" xmlns:p="http://schemas.openxmlformats.org/presentationml/2006/main" type="twoObjOverTx" preserve="1">
   <p:cSld name="Title, 2 Content over Content">
     <p:spTree>
       <p:nvGrpSpPr>
@@ -1082,7 +1238,8 @@
           </a:prstGeom>
         </p:spPr>
         <p:txBody>
-          <a:bodyPr lIns="0" rIns="0" tIns="0" bIns="0" anchor="ctr"/>
+          <a:bodyPr lIns="0" tIns="0" rIns="0" bIns="0" anchor="ctr"/>
+          <a:lstStyle/>
           <a:p>
             <a:pPr algn="ctr"/>
             <a:endParaRPr/>
@@ -1109,7 +1266,8 @@
           </a:prstGeom>
         </p:spPr>
         <p:txBody>
-          <a:bodyPr lIns="0" rIns="0" tIns="0" bIns="0"/>
+          <a:bodyPr lIns="0" tIns="0" rIns="0" bIns="0"/>
+          <a:lstStyle/>
           <a:p>
             <a:endParaRPr/>
           </a:p>
@@ -1135,7 +1293,8 @@
           </a:prstGeom>
         </p:spPr>
         <p:txBody>
-          <a:bodyPr lIns="0" rIns="0" tIns="0" bIns="0"/>
+          <a:bodyPr lIns="0" tIns="0" rIns="0" bIns="0"/>
+          <a:lstStyle/>
           <a:p>
             <a:endParaRPr/>
           </a:p>
@@ -1161,7 +1320,8 @@
           </a:prstGeom>
         </p:spPr>
         <p:txBody>
-          <a:bodyPr lIns="0" rIns="0" tIns="0" bIns="0"/>
+          <a:bodyPr lIns="0" tIns="0" rIns="0" bIns="0"/>
+          <a:lstStyle/>
           <a:p>
             <a:endParaRPr/>
           </a:p>
@@ -1169,20 +1329,24 @@
       </p:sp>
     </p:spTree>
   </p:cSld>
+  <p:clrMapOvr>
+    <a:masterClrMapping/>
+  </p:clrMapOvr>
 </p:sldLayout>
 </file>
 
 <file path=ppt/slideMasters/slideMaster1.xml><?xml version="1.0" encoding="utf-8"?>
-<p:sldMaster xmlns:a="http://schemas.openxmlformats.org/drawingml/2006/main" xmlns:p="http://schemas.openxmlformats.org/presentationml/2006/main" xmlns:r="http://schemas.openxmlformats.org/officeDocument/2006/relationships">
+<p:sldMaster xmlns:a="http://schemas.openxmlformats.org/drawingml/2006/main" xmlns:r="http://schemas.openxmlformats.org/officeDocument/2006/relationships" xmlns:p="http://schemas.openxmlformats.org/presentationml/2006/main">
   <p:cSld>
     <p:bg>
       <p:bgPr>
         <a:blipFill>
-          <a:blip r:embed="rId2"/>
+          <a:blip r:embed="rId14"/>
           <a:stretch>
             <a:fillRect/>
           </a:stretch>
         </a:blipFill>
+        <a:effectLst/>
       </p:bgPr>
     </p:bg>
     <p:spTree>
@@ -1201,7 +1365,7 @@
       </p:grpSpPr>
       <p:sp>
         <p:nvSpPr>
-          <p:cNvPr id="0" name="PlaceHolder 1"/>
+          <p:cNvPr id="5" name="PlaceHolder 1"/>
           <p:cNvSpPr>
             <a:spLocks noGrp="1"/>
           </p:cNvSpPr>
@@ -1219,7 +1383,8 @@
           </a:prstGeom>
         </p:spPr>
         <p:txBody>
-          <a:bodyPr lIns="0" rIns="0" tIns="0" bIns="0" anchor="ctr"/>
+          <a:bodyPr lIns="0" tIns="0" rIns="0" bIns="0" anchor="ctr"/>
+          <a:lstStyle/>
           <a:p>
             <a:pPr algn="ctr"/>
             <a:r>
@@ -1234,7 +1399,7 @@
       </p:sp>
       <p:sp>
         <p:nvSpPr>
-          <p:cNvPr id="1" name="PlaceHolder 2"/>
+          <p:cNvPr id="6" name="PlaceHolder 2"/>
           <p:cNvSpPr>
             <a:spLocks noGrp="1"/>
           </p:cNvSpPr>
@@ -1252,7 +1417,8 @@
           </a:prstGeom>
         </p:spPr>
         <p:txBody>
-          <a:bodyPr lIns="0" rIns="0" tIns="0" bIns="0"/>
+          <a:bodyPr lIns="0" tIns="0" rIns="0" bIns="0"/>
+          <a:lstStyle/>
           <a:p>
             <a:pPr>
               <a:buSzPct val="45000"/>
@@ -1373,7 +1539,8 @@
           </a:prstGeom>
         </p:spPr>
         <p:txBody>
-          <a:bodyPr lIns="0" rIns="0" tIns="0" bIns="0"/>
+          <a:bodyPr lIns="0" tIns="0" rIns="0" bIns="0"/>
+          <a:lstStyle/>
           <a:p>
             <a:r>
               <a:rPr lang="pl-PL" sz="1400">
@@ -1405,7 +1572,8 @@
           </a:prstGeom>
         </p:spPr>
         <p:txBody>
-          <a:bodyPr lIns="0" rIns="0" tIns="0" bIns="0"/>
+          <a:bodyPr lIns="0" tIns="0" rIns="0" bIns="0"/>
+          <a:lstStyle/>
           <a:p>
             <a:pPr algn="ctr"/>
             <a:r>
@@ -1438,14 +1606,15 @@
           </a:prstGeom>
         </p:spPr>
         <p:txBody>
-          <a:bodyPr lIns="0" rIns="0" tIns="0" bIns="0"/>
+          <a:bodyPr lIns="0" tIns="0" rIns="0" bIns="0"/>
+          <a:lstStyle/>
           <a:p>
             <a:pPr algn="r"/>
             <a:fld id="{4BB0830B-121A-4EDE-8C54-D202AEBFFBA7}" type="slidenum">
               <a:rPr lang="pl-PL" sz="1400">
                 <a:latin typeface="Times New Roman"/>
               </a:rPr>
-              <a:t>&lt;numer&gt;</a:t>
+              <a:t>‹#›</a:t>
             </a:fld>
             <a:endParaRPr/>
           </a:p>
@@ -1453,35 +1622,316 @@
       </p:sp>
     </p:spTree>
   </p:cSld>
-  <p:clrMap bg1="lt1" bg2="lt2" tx1="dk1" tx2="dk2" accent1="accent1" accent2="accent2" accent3="accent3" accent4="accent4" accent5="accent5" accent6="accent6" hlink="hlink" folHlink="folHlink"/>
+  <p:clrMap bg1="lt1" tx1="dk1" bg2="lt2" tx2="dk2" accent1="accent1" accent2="accent2" accent3="accent3" accent4="accent4" accent5="accent5" accent6="accent6" hlink="hlink" folHlink="folHlink"/>
   <p:sldLayoutIdLst>
-    <p:sldLayoutId id="2147483649" r:id="rId3"/>
-    <p:sldLayoutId id="2147483650" r:id="rId4"/>
-    <p:sldLayoutId id="2147483651" r:id="rId5"/>
-    <p:sldLayoutId id="2147483652" r:id="rId6"/>
-    <p:sldLayoutId id="2147483653" r:id="rId7"/>
-    <p:sldLayoutId id="2147483654" r:id="rId8"/>
-    <p:sldLayoutId id="2147483655" r:id="rId9"/>
-    <p:sldLayoutId id="2147483656" r:id="rId10"/>
-    <p:sldLayoutId id="2147483657" r:id="rId11"/>
-    <p:sldLayoutId id="2147483658" r:id="rId12"/>
-    <p:sldLayoutId id="2147483659" r:id="rId13"/>
-    <p:sldLayoutId id="2147483660" r:id="rId14"/>
+    <p:sldLayoutId id="2147483649" r:id="rId1"/>
+    <p:sldLayoutId id="2147483650" r:id="rId2"/>
+    <p:sldLayoutId id="2147483651" r:id="rId3"/>
+    <p:sldLayoutId id="2147483652" r:id="rId4"/>
+    <p:sldLayoutId id="2147483653" r:id="rId5"/>
+    <p:sldLayoutId id="2147483654" r:id="rId6"/>
+    <p:sldLayoutId id="2147483655" r:id="rId7"/>
+    <p:sldLayoutId id="2147483656" r:id="rId8"/>
+    <p:sldLayoutId id="2147483657" r:id="rId9"/>
+    <p:sldLayoutId id="2147483658" r:id="rId10"/>
+    <p:sldLayoutId id="2147483659" r:id="rId11"/>
+    <p:sldLayoutId id="2147483660" r:id="rId12"/>
   </p:sldLayoutIdLst>
+  <p:txStyles>
+    <p:titleStyle>
+      <a:lvl1pPr algn="l" defTabSz="914400" rtl="0" eaLnBrk="1" latinLnBrk="0" hangingPunct="1">
+        <a:lnSpc>
+          <a:spcPct val="90000"/>
+        </a:lnSpc>
+        <a:spcBef>
+          <a:spcPct val="0"/>
+        </a:spcBef>
+        <a:buNone/>
+        <a:defRPr sz="4400" kern="1200">
+          <a:solidFill>
+            <a:schemeClr val="tx1"/>
+          </a:solidFill>
+          <a:latin typeface="+mj-lt"/>
+          <a:ea typeface="+mj-ea"/>
+          <a:cs typeface="+mj-cs"/>
+        </a:defRPr>
+      </a:lvl1pPr>
+    </p:titleStyle>
+    <p:bodyStyle>
+      <a:lvl1pPr marL="228600" indent="-228600" algn="l" defTabSz="914400" rtl="0" eaLnBrk="1" latinLnBrk="0" hangingPunct="1">
+        <a:lnSpc>
+          <a:spcPct val="90000"/>
+        </a:lnSpc>
+        <a:spcBef>
+          <a:spcPts val="1000"/>
+        </a:spcBef>
+        <a:buFont typeface="Arial" panose="020B0604020202020204" pitchFamily="34" charset="0"/>
+        <a:buChar char="•"/>
+        <a:defRPr sz="2800" kern="1200">
+          <a:solidFill>
+            <a:schemeClr val="tx1"/>
+          </a:solidFill>
+          <a:latin typeface="+mn-lt"/>
+          <a:ea typeface="+mn-ea"/>
+          <a:cs typeface="+mn-cs"/>
+        </a:defRPr>
+      </a:lvl1pPr>
+      <a:lvl2pPr marL="685800" indent="-228600" algn="l" defTabSz="914400" rtl="0" eaLnBrk="1" latinLnBrk="0" hangingPunct="1">
+        <a:lnSpc>
+          <a:spcPct val="90000"/>
+        </a:lnSpc>
+        <a:spcBef>
+          <a:spcPts val="500"/>
+        </a:spcBef>
+        <a:buFont typeface="Arial" panose="020B0604020202020204" pitchFamily="34" charset="0"/>
+        <a:buChar char="•"/>
+        <a:defRPr sz="2400" kern="1200">
+          <a:solidFill>
+            <a:schemeClr val="tx1"/>
+          </a:solidFill>
+          <a:latin typeface="+mn-lt"/>
+          <a:ea typeface="+mn-ea"/>
+          <a:cs typeface="+mn-cs"/>
+        </a:defRPr>
+      </a:lvl2pPr>
+      <a:lvl3pPr marL="1143000" indent="-228600" algn="l" defTabSz="914400" rtl="0" eaLnBrk="1" latinLnBrk="0" hangingPunct="1">
+        <a:lnSpc>
+          <a:spcPct val="90000"/>
+        </a:lnSpc>
+        <a:spcBef>
+          <a:spcPts val="500"/>
+        </a:spcBef>
+        <a:buFont typeface="Arial" panose="020B0604020202020204" pitchFamily="34" charset="0"/>
+        <a:buChar char="•"/>
+        <a:defRPr sz="2000" kern="1200">
+          <a:solidFill>
+            <a:schemeClr val="tx1"/>
+          </a:solidFill>
+          <a:latin typeface="+mn-lt"/>
+          <a:ea typeface="+mn-ea"/>
+          <a:cs typeface="+mn-cs"/>
+        </a:defRPr>
+      </a:lvl3pPr>
+      <a:lvl4pPr marL="1600200" indent="-228600" algn="l" defTabSz="914400" rtl="0" eaLnBrk="1" latinLnBrk="0" hangingPunct="1">
+        <a:lnSpc>
+          <a:spcPct val="90000"/>
+        </a:lnSpc>
+        <a:spcBef>
+          <a:spcPts val="500"/>
+        </a:spcBef>
+        <a:buFont typeface="Arial" panose="020B0604020202020204" pitchFamily="34" charset="0"/>
+        <a:buChar char="•"/>
+        <a:defRPr sz="1800" kern="1200">
+          <a:solidFill>
+            <a:schemeClr val="tx1"/>
+          </a:solidFill>
+          <a:latin typeface="+mn-lt"/>
+          <a:ea typeface="+mn-ea"/>
+          <a:cs typeface="+mn-cs"/>
+        </a:defRPr>
+      </a:lvl4pPr>
+      <a:lvl5pPr marL="2057400" indent="-228600" algn="l" defTabSz="914400" rtl="0" eaLnBrk="1" latinLnBrk="0" hangingPunct="1">
+        <a:lnSpc>
+          <a:spcPct val="90000"/>
+        </a:lnSpc>
+        <a:spcBef>
+          <a:spcPts val="500"/>
+        </a:spcBef>
+        <a:buFont typeface="Arial" panose="020B0604020202020204" pitchFamily="34" charset="0"/>
+        <a:buChar char="•"/>
+        <a:defRPr sz="1800" kern="1200">
+          <a:solidFill>
+            <a:schemeClr val="tx1"/>
+          </a:solidFill>
+          <a:latin typeface="+mn-lt"/>
+          <a:ea typeface="+mn-ea"/>
+          <a:cs typeface="+mn-cs"/>
+        </a:defRPr>
+      </a:lvl5pPr>
+      <a:lvl6pPr marL="2514600" indent="-228600" algn="l" defTabSz="914400" rtl="0" eaLnBrk="1" latinLnBrk="0" hangingPunct="1">
+        <a:lnSpc>
+          <a:spcPct val="90000"/>
+        </a:lnSpc>
+        <a:spcBef>
+          <a:spcPts val="500"/>
+        </a:spcBef>
+        <a:buFont typeface="Arial" panose="020B0604020202020204" pitchFamily="34" charset="0"/>
+        <a:buChar char="•"/>
+        <a:defRPr sz="1800" kern="1200">
+          <a:solidFill>
+            <a:schemeClr val="tx1"/>
+          </a:solidFill>
+          <a:latin typeface="+mn-lt"/>
+          <a:ea typeface="+mn-ea"/>
+          <a:cs typeface="+mn-cs"/>
+        </a:defRPr>
+      </a:lvl6pPr>
+      <a:lvl7pPr marL="2971800" indent="-228600" algn="l" defTabSz="914400" rtl="0" eaLnBrk="1" latinLnBrk="0" hangingPunct="1">
+        <a:lnSpc>
+          <a:spcPct val="90000"/>
+        </a:lnSpc>
+        <a:spcBef>
+          <a:spcPts val="500"/>
+        </a:spcBef>
+        <a:buFont typeface="Arial" panose="020B0604020202020204" pitchFamily="34" charset="0"/>
+        <a:buChar char="•"/>
+        <a:defRPr sz="1800" kern="1200">
+          <a:solidFill>
+            <a:schemeClr val="tx1"/>
+          </a:solidFill>
+          <a:latin typeface="+mn-lt"/>
+          <a:ea typeface="+mn-ea"/>
+          <a:cs typeface="+mn-cs"/>
+        </a:defRPr>
+      </a:lvl7pPr>
+      <a:lvl8pPr marL="3429000" indent="-228600" algn="l" defTabSz="914400" rtl="0" eaLnBrk="1" latinLnBrk="0" hangingPunct="1">
+        <a:lnSpc>
+          <a:spcPct val="90000"/>
+        </a:lnSpc>
+        <a:spcBef>
+          <a:spcPts val="500"/>
+        </a:spcBef>
+        <a:buFont typeface="Arial" panose="020B0604020202020204" pitchFamily="34" charset="0"/>
+        <a:buChar char="•"/>
+        <a:defRPr sz="1800" kern="1200">
+          <a:solidFill>
+            <a:schemeClr val="tx1"/>
+          </a:solidFill>
+          <a:latin typeface="+mn-lt"/>
+          <a:ea typeface="+mn-ea"/>
+          <a:cs typeface="+mn-cs"/>
+        </a:defRPr>
+      </a:lvl8pPr>
+      <a:lvl9pPr marL="3886200" indent="-228600" algn="l" defTabSz="914400" rtl="0" eaLnBrk="1" latinLnBrk="0" hangingPunct="1">
+        <a:lnSpc>
+          <a:spcPct val="90000"/>
+        </a:lnSpc>
+        <a:spcBef>
+          <a:spcPts val="500"/>
+        </a:spcBef>
+        <a:buFont typeface="Arial" panose="020B0604020202020204" pitchFamily="34" charset="0"/>
+        <a:buChar char="•"/>
+        <a:defRPr sz="1800" kern="1200">
+          <a:solidFill>
+            <a:schemeClr val="tx1"/>
+          </a:solidFill>
+          <a:latin typeface="+mn-lt"/>
+          <a:ea typeface="+mn-ea"/>
+          <a:cs typeface="+mn-cs"/>
+        </a:defRPr>
+      </a:lvl9pPr>
+    </p:bodyStyle>
+    <p:otherStyle>
+      <a:defPPr>
+        <a:defRPr lang="pl-PL"/>
+      </a:defPPr>
+      <a:lvl1pPr marL="0" algn="l" defTabSz="914400" rtl="0" eaLnBrk="1" latinLnBrk="0" hangingPunct="1">
+        <a:defRPr sz="1800" kern="1200">
+          <a:solidFill>
+            <a:schemeClr val="tx1"/>
+          </a:solidFill>
+          <a:latin typeface="+mn-lt"/>
+          <a:ea typeface="+mn-ea"/>
+          <a:cs typeface="+mn-cs"/>
+        </a:defRPr>
+      </a:lvl1pPr>
+      <a:lvl2pPr marL="457200" algn="l" defTabSz="914400" rtl="0" eaLnBrk="1" latinLnBrk="0" hangingPunct="1">
+        <a:defRPr sz="1800" kern="1200">
+          <a:solidFill>
+            <a:schemeClr val="tx1"/>
+          </a:solidFill>
+          <a:latin typeface="+mn-lt"/>
+          <a:ea typeface="+mn-ea"/>
+          <a:cs typeface="+mn-cs"/>
+        </a:defRPr>
+      </a:lvl2pPr>
+      <a:lvl3pPr marL="914400" algn="l" defTabSz="914400" rtl="0" eaLnBrk="1" latinLnBrk="0" hangingPunct="1">
+        <a:defRPr sz="1800" kern="1200">
+          <a:solidFill>
+            <a:schemeClr val="tx1"/>
+          </a:solidFill>
+          <a:latin typeface="+mn-lt"/>
+          <a:ea typeface="+mn-ea"/>
+          <a:cs typeface="+mn-cs"/>
+        </a:defRPr>
+      </a:lvl3pPr>
+      <a:lvl4pPr marL="1371600" algn="l" defTabSz="914400" rtl="0" eaLnBrk="1" latinLnBrk="0" hangingPunct="1">
+        <a:defRPr sz="1800" kern="1200">
+          <a:solidFill>
+            <a:schemeClr val="tx1"/>
+          </a:solidFill>
+          <a:latin typeface="+mn-lt"/>
+          <a:ea typeface="+mn-ea"/>
+          <a:cs typeface="+mn-cs"/>
+        </a:defRPr>
+      </a:lvl4pPr>
+      <a:lvl5pPr marL="1828800" algn="l" defTabSz="914400" rtl="0" eaLnBrk="1" latinLnBrk="0" hangingPunct="1">
+        <a:defRPr sz="1800" kern="1200">
+          <a:solidFill>
+            <a:schemeClr val="tx1"/>
+          </a:solidFill>
+          <a:latin typeface="+mn-lt"/>
+          <a:ea typeface="+mn-ea"/>
+          <a:cs typeface="+mn-cs"/>
+        </a:defRPr>
+      </a:lvl5pPr>
+      <a:lvl6pPr marL="2286000" algn="l" defTabSz="914400" rtl="0" eaLnBrk="1" latinLnBrk="0" hangingPunct="1">
+        <a:defRPr sz="1800" kern="1200">
+          <a:solidFill>
+            <a:schemeClr val="tx1"/>
+          </a:solidFill>
+          <a:latin typeface="+mn-lt"/>
+          <a:ea typeface="+mn-ea"/>
+          <a:cs typeface="+mn-cs"/>
+        </a:defRPr>
+      </a:lvl6pPr>
+      <a:lvl7pPr marL="2743200" algn="l" defTabSz="914400" rtl="0" eaLnBrk="1" latinLnBrk="0" hangingPunct="1">
+        <a:defRPr sz="1800" kern="1200">
+          <a:solidFill>
+            <a:schemeClr val="tx1"/>
+          </a:solidFill>
+          <a:latin typeface="+mn-lt"/>
+          <a:ea typeface="+mn-ea"/>
+          <a:cs typeface="+mn-cs"/>
+        </a:defRPr>
+      </a:lvl7pPr>
+      <a:lvl8pPr marL="3200400" algn="l" defTabSz="914400" rtl="0" eaLnBrk="1" latinLnBrk="0" hangingPunct="1">
+        <a:defRPr sz="1800" kern="1200">
+          <a:solidFill>
+            <a:schemeClr val="tx1"/>
+          </a:solidFill>
+          <a:latin typeface="+mn-lt"/>
+          <a:ea typeface="+mn-ea"/>
+          <a:cs typeface="+mn-cs"/>
+        </a:defRPr>
+      </a:lvl8pPr>
+      <a:lvl9pPr marL="3657600" algn="l" defTabSz="914400" rtl="0" eaLnBrk="1" latinLnBrk="0" hangingPunct="1">
+        <a:defRPr sz="1800" kern="1200">
+          <a:solidFill>
+            <a:schemeClr val="tx1"/>
+          </a:solidFill>
+          <a:latin typeface="+mn-lt"/>
+          <a:ea typeface="+mn-ea"/>
+          <a:cs typeface="+mn-cs"/>
+        </a:defRPr>
+      </a:lvl9pPr>
+    </p:otherStyle>
+  </p:txStyles>
 </p:sldMaster>
 </file>
 
 <file path=ppt/slides/slide1.xml><?xml version="1.0" encoding="utf-8"?>
-<p:sld xmlns:a="http://schemas.openxmlformats.org/drawingml/2006/main" xmlns:p="http://schemas.openxmlformats.org/presentationml/2006/main" xmlns:r="http://schemas.openxmlformats.org/officeDocument/2006/relationships">
+<p:sld xmlns:a="http://schemas.openxmlformats.org/drawingml/2006/main" xmlns:r="http://schemas.openxmlformats.org/officeDocument/2006/relationships" xmlns:p="http://schemas.openxmlformats.org/presentationml/2006/main">
   <p:cSld>
     <p:bg>
       <p:bgPr>
         <a:blipFill>
-          <a:blip r:embed="rId1"/>
+          <a:blip r:embed="rId2"/>
           <a:stretch>
             <a:fillRect/>
           </a:stretch>
         </a:blipFill>
+        <a:effectLst/>
       </p:bgPr>
     </p:bg>
     <p:spTree>
@@ -1518,30 +1968,22 @@
           </a:ln>
         </p:spPr>
         <p:txBody>
-          <a:bodyPr lIns="0" rIns="0" tIns="0" bIns="0" anchor="ctr"/>
+          <a:bodyPr lIns="0" tIns="0" rIns="0" bIns="0" anchor="ctr"/>
+          <a:lstStyle/>
           <a:p>
             <a:pPr algn="ctr"/>
             <a:r>
-              <a:rPr lang="pl-PL" sz="4400">
-                <a:latin typeface="Arial"/>
+              <a:rPr lang="pl-PL" sz="4400" dirty="0">
+                <a:latin typeface="Cambria Math" panose="02040503050406030204" pitchFamily="18" charset="0"/>
+                <a:ea typeface="Cambria Math" panose="02040503050406030204" pitchFamily="18" charset="0"/>
               </a:rPr>
-              <a:t>Model układu sterującego dla świateł zewnętrznych w samochodzie</a:t>
-            </a:r>
-            <a:r>
-              <a:rPr lang="pl-PL" sz="4400">
-                <a:latin typeface="Arial"/>
-              </a:rPr>
-              <a:t>
+              <a:t>Model układu sterującego dla świateł zewnętrznych w samochodzie
 </a:t>
             </a:r>
-            <a:r>
-              <a:rPr lang="pl-PL" sz="4400">
-                <a:latin typeface="Arial"/>
-              </a:rPr>
-              <a:t>
-</a:t>
-            </a:r>
-            <a:endParaRPr/>
+            <a:endParaRPr dirty="0">
+              <a:latin typeface="Cambria Math" panose="02040503050406030204" pitchFamily="18" charset="0"/>
+              <a:ea typeface="Cambria Math" panose="02040503050406030204" pitchFamily="18" charset="0"/>
+            </a:endParaRPr>
           </a:p>
         </p:txBody>
       </p:sp>
@@ -1565,158 +2007,135 @@
           </a:ln>
         </p:spPr>
         <p:txBody>
-          <a:bodyPr lIns="0" rIns="0" tIns="0" bIns="0" anchor="ctr"/>
+          <a:bodyPr lIns="0" tIns="0" rIns="0" bIns="0" anchor="ctr"/>
+          <a:lstStyle/>
           <a:p>
             <a:pPr algn="r"/>
-            <a:endParaRPr/>
+            <a:endParaRPr dirty="0">
+              <a:latin typeface="Cambria Math" panose="02040503050406030204" pitchFamily="18" charset="0"/>
+              <a:ea typeface="Cambria Math" panose="02040503050406030204" pitchFamily="18" charset="0"/>
+            </a:endParaRPr>
           </a:p>
           <a:p>
             <a:pPr algn="r"/>
             <a:r>
-              <a:rPr lang="pl-PL" sz="2000">
+              <a:rPr lang="pl-PL" sz="2000" dirty="0">
                 <a:solidFill>
                   <a:srgbClr val="000000"/>
                 </a:solidFill>
-                <a:latin typeface="Arial"/>
+                <a:latin typeface="Cambria Math" panose="02040503050406030204" pitchFamily="18" charset="0"/>
+                <a:ea typeface="Cambria Math" panose="02040503050406030204" pitchFamily="18" charset="0"/>
               </a:rPr>
               <a:t>Laboratorium Automatyki Pojazdowej  </a:t>
             </a:r>
-            <a:endParaRPr/>
+            <a:endParaRPr dirty="0">
+              <a:latin typeface="Cambria Math" panose="02040503050406030204" pitchFamily="18" charset="0"/>
+              <a:ea typeface="Cambria Math" panose="02040503050406030204" pitchFamily="18" charset="0"/>
+            </a:endParaRPr>
           </a:p>
           <a:p>
             <a:pPr algn="r"/>
-            <a:endParaRPr/>
+            <a:endParaRPr dirty="0">
+              <a:latin typeface="Cambria Math" panose="02040503050406030204" pitchFamily="18" charset="0"/>
+              <a:ea typeface="Cambria Math" panose="02040503050406030204" pitchFamily="18" charset="0"/>
+            </a:endParaRPr>
           </a:p>
           <a:p>
             <a:pPr algn="r"/>
-            <a:endParaRPr/>
+            <a:endParaRPr dirty="0">
+              <a:latin typeface="Cambria Math" panose="02040503050406030204" pitchFamily="18" charset="0"/>
+              <a:ea typeface="Cambria Math" panose="02040503050406030204" pitchFamily="18" charset="0"/>
+            </a:endParaRPr>
           </a:p>
           <a:p>
             <a:r>
-              <a:rPr lang="pl-PL" sz="2400">
-                <a:latin typeface="Arial"/>
+              <a:rPr lang="pl-PL" sz="2400" dirty="0">
+                <a:latin typeface="Cambria Math" panose="02040503050406030204" pitchFamily="18" charset="0"/>
+                <a:ea typeface="Cambria Math" panose="02040503050406030204" pitchFamily="18" charset="0"/>
               </a:rPr>
               <a:t>Aleksander Pasiut (kierownik zespołu)</a:t>
             </a:r>
-            <a:endParaRPr/>
+            <a:endParaRPr dirty="0">
+              <a:latin typeface="Cambria Math" panose="02040503050406030204" pitchFamily="18" charset="0"/>
+              <a:ea typeface="Cambria Math" panose="02040503050406030204" pitchFamily="18" charset="0"/>
+            </a:endParaRPr>
           </a:p>
           <a:p>
             <a:r>
-              <a:rPr lang="pl-PL" sz="2400">
-                <a:latin typeface="Arial"/>
+              <a:rPr lang="pl-PL" sz="2400" dirty="0">
+                <a:latin typeface="Cambria Math" panose="02040503050406030204" pitchFamily="18" charset="0"/>
+                <a:ea typeface="Cambria Math" panose="02040503050406030204" pitchFamily="18" charset="0"/>
               </a:rPr>
-              <a:t>Andrzej Brodzicki                                 </a:t>
-            </a:r>
-            <a:endParaRPr/>
-          </a:p>
-          <a:p>
-            <a:r>
-              <a:rPr lang="pl-PL" sz="2400">
-                <a:latin typeface="Arial"/>
-              </a:rPr>
-              <a:t>Michał Trojnarski</a:t>
+              <a:t>Andrzej </a:t>
             </a:r>
             <a:r>
-              <a:rPr lang="pl-PL" sz="2400">
-                <a:latin typeface="Arial"/>
+              <a:rPr lang="pl-PL" sz="2400" dirty="0" err="1">
+                <a:latin typeface="Cambria Math" panose="02040503050406030204" pitchFamily="18" charset="0"/>
+                <a:ea typeface="Cambria Math" panose="02040503050406030204" pitchFamily="18" charset="0"/>
               </a:rPr>
-              <a:t>	</a:t>
+              <a:t>Brodzicki</a:t>
             </a:r>
             <a:r>
-              <a:rPr lang="pl-PL" sz="2400">
-                <a:latin typeface="Arial"/>
+              <a:rPr lang="pl-PL" sz="2400" dirty="0">
+                <a:latin typeface="Cambria Math" panose="02040503050406030204" pitchFamily="18" charset="0"/>
+                <a:ea typeface="Cambria Math" panose="02040503050406030204" pitchFamily="18" charset="0"/>
               </a:rPr>
-              <a:t>	</a:t>
+              <a:t>                                 </a:t>
+            </a:r>
+            <a:endParaRPr dirty="0">
+              <a:latin typeface="Cambria Math" panose="02040503050406030204" pitchFamily="18" charset="0"/>
+              <a:ea typeface="Cambria Math" panose="02040503050406030204" pitchFamily="18" charset="0"/>
+            </a:endParaRPr>
+          </a:p>
+          <a:p>
+            <a:r>
+              <a:rPr lang="pl-PL" sz="2400" dirty="0">
+                <a:latin typeface="Cambria Math" panose="02040503050406030204" pitchFamily="18" charset="0"/>
+                <a:ea typeface="Cambria Math" panose="02040503050406030204" pitchFamily="18" charset="0"/>
+              </a:rPr>
+              <a:t>Michał </a:t>
             </a:r>
             <a:r>
-              <a:rPr lang="pl-PL" sz="2400">
-                <a:latin typeface="Arial"/>
+              <a:rPr lang="pl-PL" sz="2400" dirty="0" err="1">
+                <a:latin typeface="Cambria Math" panose="02040503050406030204" pitchFamily="18" charset="0"/>
+                <a:ea typeface="Cambria Math" panose="02040503050406030204" pitchFamily="18" charset="0"/>
               </a:rPr>
-              <a:t>	</a:t>
+              <a:t>Trojnarski</a:t>
             </a:r>
             <a:r>
-              <a:rPr lang="pl-PL" sz="2400">
-                <a:latin typeface="Arial"/>
+              <a:rPr lang="pl-PL" sz="2400" dirty="0">
+                <a:latin typeface="Cambria Math" panose="02040503050406030204" pitchFamily="18" charset="0"/>
+                <a:ea typeface="Cambria Math" panose="02040503050406030204" pitchFamily="18" charset="0"/>
               </a:rPr>
-              <a:t>	</a:t>
+              <a:t>						    </a:t>
             </a:r>
+            <a:endParaRPr dirty="0">
+              <a:latin typeface="Cambria Math" panose="02040503050406030204" pitchFamily="18" charset="0"/>
+              <a:ea typeface="Cambria Math" panose="02040503050406030204" pitchFamily="18" charset="0"/>
+            </a:endParaRPr>
+          </a:p>
+          <a:p>
             <a:r>
-              <a:rPr lang="pl-PL" sz="2400">
-                <a:latin typeface="Arial"/>
+              <a:rPr lang="pl-PL" sz="2400" dirty="0">
+                <a:latin typeface="Cambria Math" panose="02040503050406030204" pitchFamily="18" charset="0"/>
+                <a:ea typeface="Cambria Math" panose="02040503050406030204" pitchFamily="18" charset="0"/>
               </a:rPr>
-              <a:t>	</a:t>
+              <a:t>Mateusz Wąsala							</a:t>
             </a:r>
-            <a:r>
-              <a:rPr lang="pl-PL" sz="2400">
-                <a:latin typeface="Arial"/>
-              </a:rPr>
-              <a:t>	</a:t>
-            </a:r>
-            <a:r>
-              <a:rPr lang="pl-PL" sz="2400">
-                <a:latin typeface="Arial"/>
-              </a:rPr>
-              <a:t>    </a:t>
-            </a:r>
-            <a:endParaRPr/>
-          </a:p>
-          <a:p>
-            <a:r>
-              <a:rPr lang="pl-PL" sz="2400">
-                <a:latin typeface="Arial"/>
-              </a:rPr>
-              <a:t>Mateusz Wąsala</a:t>
-            </a:r>
-            <a:r>
-              <a:rPr lang="pl-PL" sz="2400">
-                <a:latin typeface="Arial"/>
-              </a:rPr>
-              <a:t>	</a:t>
-            </a:r>
-            <a:r>
-              <a:rPr lang="pl-PL" sz="2400">
-                <a:latin typeface="Arial"/>
-              </a:rPr>
-              <a:t>	</a:t>
-            </a:r>
-            <a:r>
-              <a:rPr lang="pl-PL" sz="2400">
-                <a:latin typeface="Arial"/>
-              </a:rPr>
-              <a:t>	</a:t>
-            </a:r>
-            <a:r>
-              <a:rPr lang="pl-PL" sz="2400">
-                <a:latin typeface="Arial"/>
-              </a:rPr>
-              <a:t>	</a:t>
-            </a:r>
-            <a:r>
-              <a:rPr lang="pl-PL" sz="2400">
-                <a:latin typeface="Arial"/>
-              </a:rPr>
-              <a:t>	</a:t>
-            </a:r>
-            <a:r>
-              <a:rPr lang="pl-PL" sz="2400">
-                <a:latin typeface="Arial"/>
-              </a:rPr>
-              <a:t>	</a:t>
-            </a:r>
-            <a:r>
-              <a:rPr lang="pl-PL" sz="2400">
-                <a:latin typeface="Arial"/>
-              </a:rPr>
-              <a:t>	</a:t>
-            </a:r>
-            <a:endParaRPr/>
+            <a:endParaRPr dirty="0">
+              <a:latin typeface="Cambria Math" panose="02040503050406030204" pitchFamily="18" charset="0"/>
+              <a:ea typeface="Cambria Math" panose="02040503050406030204" pitchFamily="18" charset="0"/>
+            </a:endParaRPr>
           </a:p>
         </p:txBody>
       </p:sp>
     </p:spTree>
   </p:cSld>
+  <p:clrMapOvr>
+    <a:masterClrMapping/>
+  </p:clrMapOvr>
   <p:transition>
-    <p:fade thruBlk="true"/>
+    <p:fade thruBlk="1"/>
   </p:transition>
   <p:timing>
     <p:tnLst>
@@ -1726,14 +2145,14 @@
             <p:seq>
               <p:cTn id="2" nodeType="mainSeq"/>
               <p:prevCondLst>
-                <p:cond delay="0" evt="onPrev">
+                <p:cond evt="onPrev" delay="0">
                   <p:tgtEl>
                     <p:sldTgt/>
                   </p:tgtEl>
                 </p:cond>
               </p:prevCondLst>
               <p:nextCondLst>
-                <p:cond delay="0" evt="onNext">
+                <p:cond evt="onNext" delay="0">
                   <p:tgtEl>
                     <p:sldTgt/>
                   </p:tgtEl>
@@ -1749,7 +2168,7 @@
 </file>
 
 <file path=ppt/slides/slide2.xml><?xml version="1.0" encoding="utf-8"?>
-<p:sld xmlns:a="http://schemas.openxmlformats.org/drawingml/2006/main" xmlns:p="http://schemas.openxmlformats.org/presentationml/2006/main" xmlns:r="http://schemas.openxmlformats.org/officeDocument/2006/relationships">
+<p:sld xmlns:a="http://schemas.openxmlformats.org/drawingml/2006/main" xmlns:r="http://schemas.openxmlformats.org/officeDocument/2006/relationships" xmlns:p="http://schemas.openxmlformats.org/presentationml/2006/main">
   <p:cSld>
     <p:spTree>
       <p:nvGrpSpPr>
@@ -1785,16 +2204,21 @@
           </a:ln>
         </p:spPr>
         <p:txBody>
-          <a:bodyPr lIns="0" rIns="0" tIns="0" bIns="0" anchor="ctr"/>
+          <a:bodyPr lIns="0" tIns="0" rIns="0" bIns="0" anchor="ctr"/>
+          <a:lstStyle/>
           <a:p>
             <a:pPr algn="ctr"/>
             <a:r>
-              <a:rPr lang="pl-PL" sz="4400">
-                <a:latin typeface="Arial"/>
+              <a:rPr lang="pl-PL" sz="4400" dirty="0">
+                <a:latin typeface="Cambria Math" panose="02040503050406030204" pitchFamily="18" charset="0"/>
+                <a:ea typeface="Cambria Math" panose="02040503050406030204" pitchFamily="18" charset="0"/>
               </a:rPr>
               <a:t>Cel projektu</a:t>
             </a:r>
-            <a:endParaRPr/>
+            <a:endParaRPr dirty="0">
+              <a:latin typeface="Cambria Math" panose="02040503050406030204" pitchFamily="18" charset="0"/>
+              <a:ea typeface="Cambria Math" panose="02040503050406030204" pitchFamily="18" charset="0"/>
+            </a:endParaRPr>
           </a:p>
         </p:txBody>
       </p:sp>
@@ -1818,89 +2242,188 @@
           </a:ln>
         </p:spPr>
         <p:txBody>
-          <a:bodyPr lIns="0" rIns="0" tIns="0" bIns="0"/>
+          <a:bodyPr lIns="0" tIns="0" rIns="0" bIns="0"/>
+          <a:lstStyle/>
+          <a:p>
+            <a:pPr marL="457200" indent="-457200">
+              <a:buSzPct val="45000"/>
+              <a:buFont typeface="Wingdings" panose="05000000000000000000" pitchFamily="2" charset="2"/>
+              <a:buChar char="q"/>
+            </a:pPr>
+            <a:r>
+              <a:rPr lang="pl-PL" sz="3200" dirty="0">
+                <a:solidFill>
+                  <a:srgbClr val="000000"/>
+                </a:solidFill>
+                <a:latin typeface="Cambria Math" panose="02040503050406030204" pitchFamily="18" charset="0"/>
+                <a:ea typeface="Cambria Math" panose="02040503050406030204" pitchFamily="18" charset="0"/>
+              </a:rPr>
+              <a:t>Wdrożenie podejścia modelowego (model-</a:t>
+            </a:r>
+            <a:r>
+              <a:rPr lang="pl-PL" sz="3200" dirty="0" err="1">
+                <a:solidFill>
+                  <a:srgbClr val="000000"/>
+                </a:solidFill>
+                <a:latin typeface="Cambria Math" panose="02040503050406030204" pitchFamily="18" charset="0"/>
+                <a:ea typeface="Cambria Math" panose="02040503050406030204" pitchFamily="18" charset="0"/>
+              </a:rPr>
+              <a:t>based</a:t>
+            </a:r>
+            <a:r>
+              <a:rPr lang="pl-PL" sz="3200" dirty="0">
+                <a:solidFill>
+                  <a:srgbClr val="000000"/>
+                </a:solidFill>
+                <a:latin typeface="Cambria Math" panose="02040503050406030204" pitchFamily="18" charset="0"/>
+                <a:ea typeface="Cambria Math" panose="02040503050406030204" pitchFamily="18" charset="0"/>
+              </a:rPr>
+              <a:t> design) w projektowaniu elektronicznych systemów sterowania stosowanych w branży motoryzacyjnej</a:t>
+            </a:r>
+            <a:endParaRPr sz="3200" dirty="0">
+              <a:latin typeface="Cambria Math" panose="02040503050406030204" pitchFamily="18" charset="0"/>
+              <a:ea typeface="Cambria Math" panose="02040503050406030204" pitchFamily="18" charset="0"/>
+            </a:endParaRPr>
+          </a:p>
+          <a:p>
+            <a:pPr marL="457200" indent="-457200">
+              <a:buSzPct val="45000"/>
+              <a:buFont typeface="Wingdings" panose="05000000000000000000" pitchFamily="2" charset="2"/>
+              <a:buChar char="q"/>
+            </a:pPr>
+            <a:r>
+              <a:rPr lang="pl-PL" sz="3200" dirty="0">
+                <a:solidFill>
+                  <a:srgbClr val="000000"/>
+                </a:solidFill>
+                <a:latin typeface="Cambria Math" panose="02040503050406030204" pitchFamily="18" charset="0"/>
+                <a:ea typeface="Cambria Math" panose="02040503050406030204" pitchFamily="18" charset="0"/>
+              </a:rPr>
+              <a:t>Stworzenie modelu symulacyjnego świateł zewnętrznych w samochodzie (</a:t>
+            </a:r>
+            <a:r>
+              <a:rPr lang="pl-PL" sz="3200" dirty="0" err="1">
+                <a:solidFill>
+                  <a:srgbClr val="000000"/>
+                </a:solidFill>
+                <a:latin typeface="Cambria Math" panose="02040503050406030204" pitchFamily="18" charset="0"/>
+                <a:ea typeface="Cambria Math" panose="02040503050406030204" pitchFamily="18" charset="0"/>
+              </a:rPr>
+              <a:t>Matlab</a:t>
+            </a:r>
+            <a:r>
+              <a:rPr lang="pl-PL" sz="3200" dirty="0">
+                <a:solidFill>
+                  <a:srgbClr val="000000"/>
+                </a:solidFill>
+                <a:latin typeface="Cambria Math" panose="02040503050406030204" pitchFamily="18" charset="0"/>
+                <a:ea typeface="Cambria Math" panose="02040503050406030204" pitchFamily="18" charset="0"/>
+              </a:rPr>
+              <a:t>, </a:t>
+            </a:r>
+            <a:r>
+              <a:rPr lang="pl-PL" sz="3200" dirty="0" err="1">
+                <a:solidFill>
+                  <a:srgbClr val="000000"/>
+                </a:solidFill>
+                <a:latin typeface="Cambria Math" panose="02040503050406030204" pitchFamily="18" charset="0"/>
+                <a:ea typeface="Cambria Math" panose="02040503050406030204" pitchFamily="18" charset="0"/>
+              </a:rPr>
+              <a:t>Simulink</a:t>
+            </a:r>
+            <a:r>
+              <a:rPr lang="pl-PL" sz="3200" dirty="0">
+                <a:solidFill>
+                  <a:srgbClr val="000000"/>
+                </a:solidFill>
+                <a:latin typeface="Cambria Math" panose="02040503050406030204" pitchFamily="18" charset="0"/>
+                <a:ea typeface="Cambria Math" panose="02040503050406030204" pitchFamily="18" charset="0"/>
+              </a:rPr>
+              <a:t>, </a:t>
+            </a:r>
+            <a:r>
+              <a:rPr lang="pl-PL" sz="3200" dirty="0" err="1">
+                <a:solidFill>
+                  <a:srgbClr val="000000"/>
+                </a:solidFill>
+                <a:latin typeface="Cambria Math" panose="02040503050406030204" pitchFamily="18" charset="0"/>
+                <a:ea typeface="Cambria Math" panose="02040503050406030204" pitchFamily="18" charset="0"/>
+              </a:rPr>
+              <a:t>Stateflow</a:t>
+            </a:r>
+            <a:r>
+              <a:rPr lang="pl-PL" sz="3200" dirty="0">
+                <a:solidFill>
+                  <a:srgbClr val="000000"/>
+                </a:solidFill>
+                <a:latin typeface="Cambria Math" panose="02040503050406030204" pitchFamily="18" charset="0"/>
+                <a:ea typeface="Cambria Math" panose="02040503050406030204" pitchFamily="18" charset="0"/>
+              </a:rPr>
+              <a:t>)</a:t>
+            </a:r>
+            <a:endParaRPr sz="3200" dirty="0">
+              <a:latin typeface="Cambria Math" panose="02040503050406030204" pitchFamily="18" charset="0"/>
+              <a:ea typeface="Cambria Math" panose="02040503050406030204" pitchFamily="18" charset="0"/>
+            </a:endParaRPr>
+          </a:p>
+          <a:p>
+            <a:pPr marL="457200" indent="-457200">
+              <a:buSzPct val="45000"/>
+              <a:buFont typeface="Wingdings" panose="05000000000000000000" pitchFamily="2" charset="2"/>
+              <a:buChar char="q"/>
+            </a:pPr>
+            <a:r>
+              <a:rPr lang="pl-PL" sz="3200" dirty="0">
+                <a:solidFill>
+                  <a:srgbClr val="000000"/>
+                </a:solidFill>
+                <a:latin typeface="Cambria Math" panose="02040503050406030204" pitchFamily="18" charset="0"/>
+                <a:ea typeface="Cambria Math" panose="02040503050406030204" pitchFamily="18" charset="0"/>
+              </a:rPr>
+              <a:t>Przeprowadzenie testów funkcjonalności z uwzględnieniem sytuacji wyjątkowych i awaryjnych</a:t>
+            </a:r>
+            <a:endParaRPr sz="3200" dirty="0">
+              <a:latin typeface="Cambria Math" panose="02040503050406030204" pitchFamily="18" charset="0"/>
+              <a:ea typeface="Cambria Math" panose="02040503050406030204" pitchFamily="18" charset="0"/>
+            </a:endParaRPr>
+          </a:p>
           <a:p>
             <a:pPr>
               <a:buSzPct val="45000"/>
               <a:buFont typeface="StarSymbol"/>
               <a:buChar char=""/>
             </a:pPr>
-            <a:r>
-              <a:rPr lang="pl-PL" sz="3600">
-                <a:solidFill>
-                  <a:srgbClr val="000000"/>
-                </a:solidFill>
-                <a:latin typeface="Arial"/>
-              </a:rPr>
-              <a:t>Wdrożenie podejścia modelowego (model-based design) w projektowaniu elektronicznych systemów sterowania stosowanych w branży motoryzacyjnej</a:t>
-            </a:r>
-            <a:endParaRPr/>
-          </a:p>
-          <a:p>
-            <a:pPr>
-              <a:buSzPct val="45000"/>
-              <a:buFont typeface="StarSymbol"/>
-              <a:buChar char=""/>
-            </a:pPr>
-            <a:r>
-              <a:rPr lang="pl-PL" sz="3600">
-                <a:solidFill>
-                  <a:srgbClr val="000000"/>
-                </a:solidFill>
-                <a:latin typeface="Arial"/>
-              </a:rPr>
-              <a:t>Stworzenie modelu symulacyjnego świateł zewnętrznych w samochodzie (Matlab, Simulink, Stateflow)</a:t>
-            </a:r>
-            <a:endParaRPr/>
-          </a:p>
-          <a:p>
-            <a:pPr>
-              <a:buSzPct val="45000"/>
-              <a:buFont typeface="StarSymbol"/>
-              <a:buChar char=""/>
-            </a:pPr>
-            <a:r>
-              <a:rPr lang="pl-PL" sz="3600">
-                <a:solidFill>
-                  <a:srgbClr val="000000"/>
-                </a:solidFill>
-                <a:latin typeface="Arial"/>
-              </a:rPr>
-              <a:t>Przeprowadzenie testów funkcjonalności z uwzględnieniem sytuacji wyjątkowych i awaryjnych</a:t>
-            </a:r>
-            <a:endParaRPr/>
-          </a:p>
-          <a:p>
-            <a:pPr>
-              <a:buSzPct val="45000"/>
-              <a:buFont typeface="StarSymbol"/>
-              <a:buChar char=""/>
-            </a:pPr>
-            <a:endParaRPr/>
+            <a:endParaRPr sz="3200" dirty="0">
+              <a:latin typeface="Cambria Math" panose="02040503050406030204" pitchFamily="18" charset="0"/>
+              <a:ea typeface="Cambria Math" panose="02040503050406030204" pitchFamily="18" charset="0"/>
+            </a:endParaRPr>
           </a:p>
         </p:txBody>
       </p:sp>
     </p:spTree>
   </p:cSld>
+  <p:clrMapOvr>
+    <a:masterClrMapping/>
+  </p:clrMapOvr>
   <p:transition>
-    <p:fade thruBlk="true"/>
+    <p:fade thruBlk="1"/>
   </p:transition>
   <p:timing>
     <p:tnLst>
       <p:par>
-        <p:cTn id="3" dur="indefinite" restart="never" nodeType="tmRoot">
+        <p:cTn id="1" dur="indefinite" restart="never" nodeType="tmRoot">
           <p:childTnLst>
             <p:seq>
-              <p:cTn id="4" nodeType="mainSeq"/>
+              <p:cTn id="2" nodeType="mainSeq"/>
               <p:prevCondLst>
-                <p:cond delay="0" evt="onPrev">
+                <p:cond evt="onPrev" delay="0">
                   <p:tgtEl>
                     <p:sldTgt/>
                   </p:tgtEl>
                 </p:cond>
               </p:prevCondLst>
               <p:nextCondLst>
-                <p:cond delay="0" evt="onNext">
+                <p:cond evt="onNext" delay="0">
                   <p:tgtEl>
                     <p:sldTgt/>
                   </p:tgtEl>
@@ -1916,7 +2439,7 @@
 </file>
 
 <file path=ppt/slides/slide3.xml><?xml version="1.0" encoding="utf-8"?>
-<p:sld xmlns:a="http://schemas.openxmlformats.org/drawingml/2006/main" xmlns:p="http://schemas.openxmlformats.org/presentationml/2006/main" xmlns:r="http://schemas.openxmlformats.org/officeDocument/2006/relationships">
+<p:sld xmlns:a="http://schemas.openxmlformats.org/drawingml/2006/main" xmlns:r="http://schemas.openxmlformats.org/officeDocument/2006/relationships" xmlns:p="http://schemas.openxmlformats.org/presentationml/2006/main">
   <p:cSld>
     <p:spTree>
       <p:nvGrpSpPr>
@@ -1952,16 +2475,21 @@
           </a:ln>
         </p:spPr>
         <p:txBody>
-          <a:bodyPr lIns="0" rIns="0" tIns="0" bIns="0" anchor="ctr"/>
+          <a:bodyPr lIns="0" tIns="0" rIns="0" bIns="0" anchor="ctr"/>
+          <a:lstStyle/>
           <a:p>
             <a:pPr algn="ctr"/>
             <a:r>
-              <a:rPr lang="pl-PL" sz="4400">
-                <a:latin typeface="Arial"/>
+              <a:rPr lang="pl-PL" sz="4400" dirty="0">
+                <a:latin typeface="Cambria Math" panose="02040503050406030204" pitchFamily="18" charset="0"/>
+                <a:ea typeface="Cambria Math" panose="02040503050406030204" pitchFamily="18" charset="0"/>
               </a:rPr>
               <a:t>Środowisko</a:t>
             </a:r>
-            <a:endParaRPr/>
+            <a:endParaRPr dirty="0">
+              <a:latin typeface="Cambria Math" panose="02040503050406030204" pitchFamily="18" charset="0"/>
+              <a:ea typeface="Cambria Math" panose="02040503050406030204" pitchFamily="18" charset="0"/>
+            </a:endParaRPr>
           </a:p>
         </p:txBody>
       </p:sp>
@@ -1985,69 +2513,107 @@
           </a:ln>
         </p:spPr>
         <p:txBody>
-          <a:bodyPr lIns="0" rIns="0" tIns="0" bIns="0"/>
+          <a:bodyPr lIns="0" tIns="0" rIns="0" bIns="0"/>
+          <a:lstStyle/>
           <a:p>
             <a:r>
-              <a:rPr lang="pl-PL" sz="3200">
-                <a:latin typeface="Arial Black"/>
+              <a:rPr lang="pl-PL" sz="3200" dirty="0" err="1">
+                <a:latin typeface="Cambria Math" panose="02040503050406030204" pitchFamily="18" charset="0"/>
+                <a:ea typeface="Cambria Math" panose="02040503050406030204" pitchFamily="18" charset="0"/>
               </a:rPr>
               <a:t>Matlab</a:t>
             </a:r>
-            <a:endParaRPr/>
+            <a:endParaRPr dirty="0">
+              <a:latin typeface="Cambria Math" panose="02040503050406030204" pitchFamily="18" charset="0"/>
+              <a:ea typeface="Cambria Math" panose="02040503050406030204" pitchFamily="18" charset="0"/>
+            </a:endParaRPr>
           </a:p>
           <a:p>
             <a:r>
-              <a:rPr lang="pl-PL" sz="3200">
-                <a:latin typeface="Arial"/>
+              <a:rPr lang="pl-PL" sz="3200" dirty="0">
+                <a:latin typeface="Cambria Math" panose="02040503050406030204" pitchFamily="18" charset="0"/>
+                <a:ea typeface="Cambria Math" panose="02040503050406030204" pitchFamily="18" charset="0"/>
               </a:rPr>
               <a:t>              </a:t>
             </a:r>
-            <a:endParaRPr/>
+            <a:endParaRPr dirty="0">
+              <a:latin typeface="Cambria Math" panose="02040503050406030204" pitchFamily="18" charset="0"/>
+              <a:ea typeface="Cambria Math" panose="02040503050406030204" pitchFamily="18" charset="0"/>
+            </a:endParaRPr>
           </a:p>
           <a:p>
             <a:r>
-              <a:rPr lang="pl-PL" sz="3200">
-                <a:latin typeface="Arial"/>
+              <a:rPr lang="pl-PL" sz="3200" dirty="0">
+                <a:latin typeface="Cambria Math" panose="02040503050406030204" pitchFamily="18" charset="0"/>
+                <a:ea typeface="Cambria Math" panose="02040503050406030204" pitchFamily="18" charset="0"/>
               </a:rPr>
               <a:t>             </a:t>
             </a:r>
             <a:r>
-              <a:rPr lang="pl-PL" sz="3200">
-                <a:latin typeface="Arial Black"/>
+              <a:rPr lang="pl-PL" sz="3200" dirty="0" err="1">
+                <a:latin typeface="Cambria Math" panose="02040503050406030204" pitchFamily="18" charset="0"/>
+                <a:ea typeface="Cambria Math" panose="02040503050406030204" pitchFamily="18" charset="0"/>
               </a:rPr>
-              <a:t>Simulink  </a:t>
+              <a:t>Simulink</a:t>
             </a:r>
             <a:r>
-              <a:rPr lang="pl-PL" sz="2000">
-                <a:latin typeface="Arial Black"/>
+              <a:rPr lang="pl-PL" sz="3200" dirty="0">
+                <a:latin typeface="Cambria Math" panose="02040503050406030204" pitchFamily="18" charset="0"/>
+                <a:ea typeface="Cambria Math" panose="02040503050406030204" pitchFamily="18" charset="0"/>
+              </a:rPr>
+              <a:t>  </a:t>
+            </a:r>
+            <a:r>
+              <a:rPr lang="pl-PL" sz="2000" dirty="0">
+                <a:latin typeface="Cambria Math" panose="02040503050406030204" pitchFamily="18" charset="0"/>
+                <a:ea typeface="Cambria Math" panose="02040503050406030204" pitchFamily="18" charset="0"/>
               </a:rPr>
               <a:t>budowa modeli i przeprowadzanie                                                       symulacji komputerowych</a:t>
             </a:r>
-            <a:endParaRPr/>
-          </a:p>
-          <a:p>
-            <a:endParaRPr/>
+            <a:endParaRPr dirty="0">
+              <a:latin typeface="Cambria Math" panose="02040503050406030204" pitchFamily="18" charset="0"/>
+              <a:ea typeface="Cambria Math" panose="02040503050406030204" pitchFamily="18" charset="0"/>
+            </a:endParaRPr>
+          </a:p>
+          <a:p>
+            <a:endParaRPr dirty="0">
+              <a:latin typeface="Cambria Math" panose="02040503050406030204" pitchFamily="18" charset="0"/>
+              <a:ea typeface="Cambria Math" panose="02040503050406030204" pitchFamily="18" charset="0"/>
+            </a:endParaRPr>
           </a:p>
           <a:p>
             <a:r>
-              <a:rPr lang="pl-PL" sz="3200">
-                <a:latin typeface="Arial"/>
+              <a:rPr lang="pl-PL" sz="3200" dirty="0">
+                <a:latin typeface="Cambria Math" panose="02040503050406030204" pitchFamily="18" charset="0"/>
+                <a:ea typeface="Cambria Math" panose="02040503050406030204" pitchFamily="18" charset="0"/>
               </a:rPr>
               <a:t>                              </a:t>
             </a:r>
             <a:r>
-              <a:rPr lang="pl-PL" sz="3200">
-                <a:latin typeface="Arial Black"/>
+              <a:rPr lang="pl-PL" sz="3200" dirty="0" err="1">
+                <a:latin typeface="Cambria Math" panose="02040503050406030204" pitchFamily="18" charset="0"/>
+                <a:ea typeface="Cambria Math" panose="02040503050406030204" pitchFamily="18" charset="0"/>
               </a:rPr>
-              <a:t>Stateflow </a:t>
+              <a:t>Stateflow</a:t>
             </a:r>
             <a:r>
-              <a:rPr lang="pl-PL" sz="2000">
-                <a:latin typeface="Arial Black"/>
+              <a:rPr lang="pl-PL" sz="3200" dirty="0">
+                <a:latin typeface="Cambria Math" panose="02040503050406030204" pitchFamily="18" charset="0"/>
+                <a:ea typeface="Cambria Math" panose="02040503050406030204" pitchFamily="18" charset="0"/>
+              </a:rPr>
+              <a:t> </a:t>
+            </a:r>
+            <a:r>
+              <a:rPr lang="pl-PL" sz="2000" dirty="0">
+                <a:latin typeface="Cambria Math" panose="02040503050406030204" pitchFamily="18" charset="0"/>
+                <a:ea typeface="Cambria Math" panose="02040503050406030204" pitchFamily="18" charset="0"/>
               </a:rPr>
               <a:t>graficzna reprezentacja                                                                        i symulacja układów                                                                             decyzyjnych (logicznych)</a:t>
             </a:r>
-            <a:endParaRPr/>
+            <a:endParaRPr dirty="0">
+              <a:latin typeface="Cambria Math" panose="02040503050406030204" pitchFamily="18" charset="0"/>
+              <a:ea typeface="Cambria Math" panose="02040503050406030204" pitchFamily="18" charset="0"/>
+            </a:endParaRPr>
           </a:p>
         </p:txBody>
       </p:sp>
@@ -2066,18 +2632,24 @@
             <a:avLst/>
           </a:prstGeom>
           <a:solidFill>
-            <a:srgbClr val="729fcf"/>
+            <a:srgbClr val="729FCF"/>
           </a:solidFill>
           <a:ln>
             <a:solidFill>
-              <a:srgbClr val="3465a4"/>
+              <a:srgbClr val="3465A4"/>
             </a:solidFill>
           </a:ln>
         </p:spPr>
         <p:style>
-          <a:lnRef idx="0"/>
-          <a:fillRef idx="0"/>
-          <a:effectRef idx="0"/>
+          <a:lnRef idx="0">
+            <a:scrgbClr r="0" g="0" b="0"/>
+          </a:lnRef>
+          <a:fillRef idx="0">
+            <a:scrgbClr r="0" g="0" b="0"/>
+          </a:fillRef>
+          <a:effectRef idx="0">
+            <a:scrgbClr r="0" g="0" b="0"/>
+          </a:effectRef>
           <a:fontRef idx="minor"/>
         </p:style>
       </p:sp>
@@ -2096,42 +2668,51 @@
             <a:avLst/>
           </a:prstGeom>
           <a:solidFill>
-            <a:srgbClr val="729fcf"/>
+            <a:srgbClr val="729FCF"/>
           </a:solidFill>
           <a:ln>
             <a:solidFill>
-              <a:srgbClr val="3465a4"/>
+              <a:srgbClr val="3465A4"/>
             </a:solidFill>
           </a:ln>
         </p:spPr>
         <p:style>
-          <a:lnRef idx="0"/>
-          <a:fillRef idx="0"/>
-          <a:effectRef idx="0"/>
+          <a:lnRef idx="0">
+            <a:scrgbClr r="0" g="0" b="0"/>
+          </a:lnRef>
+          <a:fillRef idx="0">
+            <a:scrgbClr r="0" g="0" b="0"/>
+          </a:fillRef>
+          <a:effectRef idx="0">
+            <a:scrgbClr r="0" g="0" b="0"/>
+          </a:effectRef>
           <a:fontRef idx="minor"/>
         </p:style>
       </p:sp>
     </p:spTree>
   </p:cSld>
+  <p:clrMapOvr>
+    <a:masterClrMapping/>
+  </p:clrMapOvr>
   <p:transition>
-    <p:fade thruBlk="true"/>
+    <p:fade thruBlk="1"/>
   </p:transition>
   <p:timing>
     <p:tnLst>
       <p:par>
-        <p:cTn id="5" dur="indefinite" restart="never" nodeType="tmRoot">
+        <p:cTn id="1" dur="indefinite" restart="never" nodeType="tmRoot">
           <p:childTnLst>
             <p:seq>
-              <p:cTn id="6" nodeType="mainSeq"/>
+              <p:cTn id="2" nodeType="mainSeq"/>
               <p:prevCondLst>
-                <p:cond delay="0" evt="onPrev">
+                <p:cond evt="onPrev" delay="0">
                   <p:tgtEl>
                     <p:sldTgt/>
                   </p:tgtEl>
                 </p:cond>
               </p:prevCondLst>
               <p:nextCondLst>
-                <p:cond delay="0" evt="onNext">
+                <p:cond evt="onNext" delay="0">
                   <p:tgtEl>
                     <p:sldTgt/>
                   </p:tgtEl>
@@ -2147,7 +2728,7 @@
 </file>
 
 <file path=ppt/slides/slide4.xml><?xml version="1.0" encoding="utf-8"?>
-<p:sld xmlns:a="http://schemas.openxmlformats.org/drawingml/2006/main" xmlns:p="http://schemas.openxmlformats.org/presentationml/2006/main" xmlns:r="http://schemas.openxmlformats.org/officeDocument/2006/relationships">
+<p:sld xmlns:a="http://schemas.openxmlformats.org/drawingml/2006/main" xmlns:r="http://schemas.openxmlformats.org/officeDocument/2006/relationships" xmlns:p="http://schemas.openxmlformats.org/presentationml/2006/main">
   <p:cSld>
     <p:spTree>
       <p:nvGrpSpPr>
@@ -2183,16 +2764,21 @@
           </a:ln>
         </p:spPr>
         <p:txBody>
-          <a:bodyPr lIns="0" rIns="0" tIns="0" bIns="0" anchor="ctr"/>
+          <a:bodyPr lIns="0" tIns="0" rIns="0" bIns="0" anchor="ctr"/>
+          <a:lstStyle/>
           <a:p>
             <a:pPr algn="ctr"/>
             <a:r>
-              <a:rPr lang="pl-PL" sz="4400">
-                <a:latin typeface="Arial"/>
+              <a:rPr lang="pl-PL" sz="4400" dirty="0">
+                <a:latin typeface="Cambria Math" panose="02040503050406030204" pitchFamily="18" charset="0"/>
+                <a:ea typeface="Cambria Math" panose="02040503050406030204" pitchFamily="18" charset="0"/>
               </a:rPr>
               <a:t>Koncepcja modelu</a:t>
             </a:r>
-            <a:endParaRPr/>
+            <a:endParaRPr dirty="0">
+              <a:latin typeface="Cambria Math" panose="02040503050406030204" pitchFamily="18" charset="0"/>
+              <a:ea typeface="Cambria Math" panose="02040503050406030204" pitchFamily="18" charset="0"/>
+            </a:endParaRPr>
           </a:p>
         </p:txBody>
       </p:sp>
@@ -2216,7 +2802,8 @@
           </a:ln>
         </p:spPr>
         <p:txBody>
-          <a:bodyPr lIns="0" rIns="0" tIns="0" bIns="0"/>
+          <a:bodyPr lIns="0" tIns="0" rIns="0" bIns="0"/>
+          <a:lstStyle/>
           <a:p>
             <a:pPr>
               <a:buSzPct val="45000"/>
@@ -2250,28 +2837,35 @@
             <a:avLst/>
           </a:prstGeom>
           <a:solidFill>
-            <a:srgbClr val="729fcf"/>
+            <a:srgbClr val="729FCF"/>
           </a:solidFill>
           <a:ln>
             <a:solidFill>
-              <a:srgbClr val="3465a4"/>
+              <a:srgbClr val="3465A4"/>
             </a:solidFill>
           </a:ln>
         </p:spPr>
         <p:style>
-          <a:lnRef idx="0"/>
-          <a:fillRef idx="0"/>
-          <a:effectRef idx="0"/>
+          <a:lnRef idx="0">
+            <a:scrgbClr r="0" g="0" b="0"/>
+          </a:lnRef>
+          <a:fillRef idx="0">
+            <a:scrgbClr r="0" g="0" b="0"/>
+          </a:fillRef>
+          <a:effectRef idx="0">
+            <a:scrgbClr r="0" g="0" b="0"/>
+          </a:effectRef>
           <a:fontRef idx="minor"/>
         </p:style>
         <p:txBody>
-          <a:bodyPr wrap="none" lIns="90000" rIns="90000" tIns="45000" bIns="45000" anchor="ctr"/>
+          <a:bodyPr wrap="none" lIns="90000" tIns="45000" rIns="90000" bIns="45000" anchor="ctr"/>
+          <a:lstStyle/>
           <a:p>
             <a:pPr algn="ctr"/>
             <a:r>
               <a:rPr lang="pl-PL" sz="1500">
                 <a:solidFill>
-                  <a:srgbClr val="ffffff"/>
+                  <a:srgbClr val="FFFFFF"/>
                 </a:solidFill>
                 <a:latin typeface="Lucida Console"/>
               </a:rPr>
@@ -2284,7 +2878,7 @@
             <a:r>
               <a:rPr lang="pl-PL" sz="1500">
                 <a:solidFill>
-                  <a:srgbClr val="ffffff"/>
+                  <a:srgbClr val="FFFFFF"/>
                 </a:solidFill>
                 <a:latin typeface="Lucida Console"/>
               </a:rPr>
@@ -2297,7 +2891,7 @@
             <a:r>
               <a:rPr lang="pl-PL" sz="1500">
                 <a:solidFill>
-                  <a:srgbClr val="ffffff"/>
+                  <a:srgbClr val="FFFFFF"/>
                 </a:solidFill>
                 <a:latin typeface="Lucida Console"/>
               </a:rPr>
@@ -2322,47 +2916,54 @@
             <a:avLst/>
           </a:prstGeom>
           <a:solidFill>
-            <a:srgbClr val="729fcf"/>
+            <a:srgbClr val="729FCF"/>
           </a:solidFill>
           <a:ln>
             <a:solidFill>
-              <a:srgbClr val="3465a4"/>
+              <a:srgbClr val="3465A4"/>
             </a:solidFill>
           </a:ln>
         </p:spPr>
         <p:style>
-          <a:lnRef idx="0"/>
-          <a:fillRef idx="0"/>
-          <a:effectRef idx="0"/>
+          <a:lnRef idx="0">
+            <a:scrgbClr r="0" g="0" b="0"/>
+          </a:lnRef>
+          <a:fillRef idx="0">
+            <a:scrgbClr r="0" g="0" b="0"/>
+          </a:fillRef>
+          <a:effectRef idx="0">
+            <a:scrgbClr r="0" g="0" b="0"/>
+          </a:effectRef>
           <a:fontRef idx="minor"/>
         </p:style>
         <p:txBody>
-          <a:bodyPr wrap="none" lIns="90000" rIns="90000" tIns="45000" bIns="45000" anchor="ctr"/>
+          <a:bodyPr wrap="none" lIns="90000" tIns="45000" rIns="90000" bIns="45000" anchor="ctr"/>
+          <a:lstStyle/>
           <a:p>
             <a:pPr algn="ctr"/>
             <a:r>
-              <a:rPr lang="pl-PL" sz="1500">
+              <a:rPr lang="pl-PL" sz="1500" dirty="0">
                 <a:solidFill>
-                  <a:srgbClr val="ffffff"/>
+                  <a:srgbClr val="FFFFFF"/>
                 </a:solidFill>
                 <a:latin typeface="Lucida Console"/>
               </a:rPr>
               <a:t>Konwersja na</a:t>
             </a:r>
-            <a:endParaRPr/>
+            <a:endParaRPr dirty="0"/>
           </a:p>
           <a:p>
             <a:pPr algn="ctr"/>
             <a:r>
-              <a:rPr lang="pl-PL" sz="1500">
+              <a:rPr lang="pl-PL" sz="1500" dirty="0">
                 <a:solidFill>
-                  <a:srgbClr val="ffffff"/>
+                  <a:srgbClr val="FFFFFF"/>
                 </a:solidFill>
                 <a:latin typeface="Lucida Console"/>
               </a:rPr>
               <a:t>dane liczbowe</a:t>
             </a:r>
-            <a:endParaRPr/>
+            <a:endParaRPr dirty="0"/>
           </a:p>
         </p:txBody>
       </p:sp>
@@ -2384,18 +2985,24 @@
             </a:avLst>
           </a:prstGeom>
           <a:solidFill>
-            <a:srgbClr val="729fcf"/>
+            <a:srgbClr val="729FCF"/>
           </a:solidFill>
           <a:ln>
             <a:solidFill>
-              <a:srgbClr val="3465a4"/>
+              <a:srgbClr val="3465A4"/>
             </a:solidFill>
           </a:ln>
         </p:spPr>
         <p:style>
-          <a:lnRef idx="0"/>
-          <a:fillRef idx="0"/>
-          <a:effectRef idx="0"/>
+          <a:lnRef idx="0">
+            <a:scrgbClr r="0" g="0" b="0"/>
+          </a:lnRef>
+          <a:fillRef idx="0">
+            <a:scrgbClr r="0" g="0" b="0"/>
+          </a:fillRef>
+          <a:effectRef idx="0">
+            <a:scrgbClr r="0" g="0" b="0"/>
+          </a:effectRef>
           <a:fontRef idx="minor"/>
         </p:style>
       </p:sp>
@@ -2417,18 +3024,24 @@
             </a:avLst>
           </a:prstGeom>
           <a:solidFill>
-            <a:srgbClr val="729fcf"/>
+            <a:srgbClr val="729FCF"/>
           </a:solidFill>
           <a:ln>
             <a:solidFill>
-              <a:srgbClr val="3465a4"/>
+              <a:srgbClr val="3465A4"/>
             </a:solidFill>
           </a:ln>
         </p:spPr>
         <p:style>
-          <a:lnRef idx="0"/>
-          <a:fillRef idx="0"/>
-          <a:effectRef idx="0"/>
+          <a:lnRef idx="0">
+            <a:scrgbClr r="0" g="0" b="0"/>
+          </a:lnRef>
+          <a:fillRef idx="0">
+            <a:scrgbClr r="0" g="0" b="0"/>
+          </a:fillRef>
+          <a:effectRef idx="0">
+            <a:scrgbClr r="0" g="0" b="0"/>
+          </a:effectRef>
           <a:fontRef idx="minor"/>
         </p:style>
       </p:sp>
@@ -2450,18 +3063,24 @@
             </a:avLst>
           </a:prstGeom>
           <a:solidFill>
-            <a:srgbClr val="729fcf"/>
+            <a:srgbClr val="729FCF"/>
           </a:solidFill>
           <a:ln>
             <a:solidFill>
-              <a:srgbClr val="3465a4"/>
+              <a:srgbClr val="3465A4"/>
             </a:solidFill>
           </a:ln>
         </p:spPr>
         <p:style>
-          <a:lnRef idx="0"/>
-          <a:fillRef idx="0"/>
-          <a:effectRef idx="0"/>
+          <a:lnRef idx="0">
+            <a:scrgbClr r="0" g="0" b="0"/>
+          </a:lnRef>
+          <a:fillRef idx="0">
+            <a:scrgbClr r="0" g="0" b="0"/>
+          </a:fillRef>
+          <a:effectRef idx="0">
+            <a:scrgbClr r="0" g="0" b="0"/>
+          </a:effectRef>
           <a:fontRef idx="minor"/>
         </p:style>
       </p:sp>
@@ -2483,18 +3102,24 @@
             </a:avLst>
           </a:prstGeom>
           <a:solidFill>
-            <a:srgbClr val="729fcf"/>
+            <a:srgbClr val="729FCF"/>
           </a:solidFill>
           <a:ln>
             <a:solidFill>
-              <a:srgbClr val="3465a4"/>
+              <a:srgbClr val="3465A4"/>
             </a:solidFill>
           </a:ln>
         </p:spPr>
         <p:style>
-          <a:lnRef idx="0"/>
-          <a:fillRef idx="0"/>
-          <a:effectRef idx="0"/>
+          <a:lnRef idx="0">
+            <a:scrgbClr r="0" g="0" b="0"/>
+          </a:lnRef>
+          <a:fillRef idx="0">
+            <a:scrgbClr r="0" g="0" b="0"/>
+          </a:fillRef>
+          <a:effectRef idx="0">
+            <a:scrgbClr r="0" g="0" b="0"/>
+          </a:effectRef>
           <a:fontRef idx="minor"/>
         </p:style>
       </p:sp>
@@ -2516,18 +3141,24 @@
             </a:avLst>
           </a:prstGeom>
           <a:solidFill>
-            <a:srgbClr val="729fcf"/>
+            <a:srgbClr val="729FCF"/>
           </a:solidFill>
           <a:ln>
             <a:solidFill>
-              <a:srgbClr val="3465a4"/>
+              <a:srgbClr val="3465A4"/>
             </a:solidFill>
           </a:ln>
         </p:spPr>
         <p:style>
-          <a:lnRef idx="0"/>
-          <a:fillRef idx="0"/>
-          <a:effectRef idx="0"/>
+          <a:lnRef idx="0">
+            <a:scrgbClr r="0" g="0" b="0"/>
+          </a:lnRef>
+          <a:fillRef idx="0">
+            <a:scrgbClr r="0" g="0" b="0"/>
+          </a:fillRef>
+          <a:effectRef idx="0">
+            <a:scrgbClr r="0" g="0" b="0"/>
+          </a:effectRef>
           <a:fontRef idx="minor"/>
         </p:style>
       </p:sp>
@@ -2546,28 +3177,35 @@
             <a:avLst/>
           </a:prstGeom>
           <a:solidFill>
-            <a:srgbClr val="ff8080"/>
+            <a:srgbClr val="FF8080"/>
           </a:solidFill>
           <a:ln>
             <a:solidFill>
-              <a:srgbClr val="3465a4"/>
+              <a:srgbClr val="3465A4"/>
             </a:solidFill>
           </a:ln>
         </p:spPr>
         <p:style>
-          <a:lnRef idx="0"/>
-          <a:fillRef idx="0"/>
-          <a:effectRef idx="0"/>
+          <a:lnRef idx="0">
+            <a:scrgbClr r="0" g="0" b="0"/>
+          </a:lnRef>
+          <a:fillRef idx="0">
+            <a:scrgbClr r="0" g="0" b="0"/>
+          </a:fillRef>
+          <a:effectRef idx="0">
+            <a:scrgbClr r="0" g="0" b="0"/>
+          </a:effectRef>
           <a:fontRef idx="minor"/>
         </p:style>
         <p:txBody>
-          <a:bodyPr wrap="none" lIns="90000" rIns="90000" tIns="45000" bIns="45000" anchor="ctr"/>
+          <a:bodyPr wrap="none" lIns="90000" tIns="45000" rIns="90000" bIns="45000" anchor="ctr"/>
+          <a:lstStyle/>
           <a:p>
             <a:pPr algn="ctr"/>
             <a:r>
               <a:rPr lang="pl-PL" sz="1500">
                 <a:solidFill>
-                  <a:srgbClr val="ffffff"/>
+                  <a:srgbClr val="FFFFFF"/>
                 </a:solidFill>
                 <a:latin typeface="Lucida Console"/>
               </a:rPr>
@@ -2592,28 +3230,35 @@
             <a:avLst/>
           </a:prstGeom>
           <a:solidFill>
-            <a:srgbClr val="3465a4"/>
+            <a:srgbClr val="3465A4"/>
           </a:solidFill>
           <a:ln>
             <a:solidFill>
-              <a:srgbClr val="3465a4"/>
+              <a:srgbClr val="3465A4"/>
             </a:solidFill>
           </a:ln>
         </p:spPr>
         <p:style>
-          <a:lnRef idx="0"/>
-          <a:fillRef idx="0"/>
-          <a:effectRef idx="0"/>
+          <a:lnRef idx="0">
+            <a:scrgbClr r="0" g="0" b="0"/>
+          </a:lnRef>
+          <a:fillRef idx="0">
+            <a:scrgbClr r="0" g="0" b="0"/>
+          </a:fillRef>
+          <a:effectRef idx="0">
+            <a:scrgbClr r="0" g="0" b="0"/>
+          </a:effectRef>
           <a:fontRef idx="minor"/>
         </p:style>
         <p:txBody>
-          <a:bodyPr wrap="none" lIns="90000" rIns="90000" tIns="45000" bIns="45000" anchor="ctr"/>
+          <a:bodyPr wrap="none" lIns="90000" tIns="45000" rIns="90000" bIns="45000" anchor="ctr"/>
+          <a:lstStyle/>
           <a:p>
             <a:pPr algn="ctr"/>
             <a:r>
               <a:rPr lang="pl-PL" sz="1500">
                 <a:solidFill>
-                  <a:srgbClr val="ffffff"/>
+                  <a:srgbClr val="FFFFFF"/>
                 </a:solidFill>
                 <a:latin typeface="Lucida Console"/>
               </a:rPr>
@@ -2626,7 +3271,7 @@
             <a:r>
               <a:rPr lang="pl-PL" sz="1500">
                 <a:solidFill>
-                  <a:srgbClr val="ffffff"/>
+                  <a:srgbClr val="FFFFFF"/>
                 </a:solidFill>
                 <a:latin typeface="Lucida Console"/>
               </a:rPr>
@@ -2654,18 +3299,24 @@
             </a:avLst>
           </a:prstGeom>
           <a:solidFill>
-            <a:srgbClr val="729fcf"/>
+            <a:srgbClr val="729FCF"/>
           </a:solidFill>
           <a:ln>
             <a:solidFill>
-              <a:srgbClr val="3465a4"/>
+              <a:srgbClr val="3465A4"/>
             </a:solidFill>
           </a:ln>
         </p:spPr>
         <p:style>
-          <a:lnRef idx="0"/>
-          <a:fillRef idx="0"/>
-          <a:effectRef idx="0"/>
+          <a:lnRef idx="0">
+            <a:scrgbClr r="0" g="0" b="0"/>
+          </a:lnRef>
+          <a:fillRef idx="0">
+            <a:scrgbClr r="0" g="0" b="0"/>
+          </a:fillRef>
+          <a:effectRef idx="0">
+            <a:scrgbClr r="0" g="0" b="0"/>
+          </a:effectRef>
           <a:fontRef idx="minor"/>
         </p:style>
       </p:sp>
@@ -2684,28 +3335,35 @@
             <a:avLst/>
           </a:prstGeom>
           <a:solidFill>
-            <a:srgbClr val="579d1c"/>
+            <a:srgbClr val="579D1C"/>
           </a:solidFill>
           <a:ln>
             <a:solidFill>
-              <a:srgbClr val="3465a4"/>
+              <a:srgbClr val="3465A4"/>
             </a:solidFill>
           </a:ln>
         </p:spPr>
         <p:style>
-          <a:lnRef idx="0"/>
-          <a:fillRef idx="0"/>
-          <a:effectRef idx="0"/>
+          <a:lnRef idx="0">
+            <a:scrgbClr r="0" g="0" b="0"/>
+          </a:lnRef>
+          <a:fillRef idx="0">
+            <a:scrgbClr r="0" g="0" b="0"/>
+          </a:fillRef>
+          <a:effectRef idx="0">
+            <a:scrgbClr r="0" g="0" b="0"/>
+          </a:effectRef>
           <a:fontRef idx="minor"/>
         </p:style>
         <p:txBody>
-          <a:bodyPr wrap="none" lIns="90000" rIns="90000" tIns="45000" bIns="45000" anchor="ctr"/>
+          <a:bodyPr wrap="none" lIns="90000" tIns="45000" rIns="90000" bIns="45000" anchor="ctr"/>
+          <a:lstStyle/>
           <a:p>
             <a:pPr algn="ctr"/>
             <a:r>
               <a:rPr lang="pl-PL" sz="1500">
                 <a:solidFill>
-                  <a:srgbClr val="ffffff"/>
+                  <a:srgbClr val="FFFFFF"/>
                 </a:solidFill>
                 <a:latin typeface="Lucida Console"/>
               </a:rPr>
@@ -2733,18 +3391,24 @@
             </a:avLst>
           </a:prstGeom>
           <a:solidFill>
-            <a:srgbClr val="729fcf"/>
+            <a:srgbClr val="729FCF"/>
           </a:solidFill>
           <a:ln>
             <a:solidFill>
-              <a:srgbClr val="3465a4"/>
+              <a:srgbClr val="3465A4"/>
             </a:solidFill>
           </a:ln>
         </p:spPr>
         <p:style>
-          <a:lnRef idx="0"/>
-          <a:fillRef idx="0"/>
-          <a:effectRef idx="0"/>
+          <a:lnRef idx="0">
+            <a:scrgbClr r="0" g="0" b="0"/>
+          </a:lnRef>
+          <a:fillRef idx="0">
+            <a:scrgbClr r="0" g="0" b="0"/>
+          </a:fillRef>
+          <a:effectRef idx="0">
+            <a:scrgbClr r="0" g="0" b="0"/>
+          </a:effectRef>
           <a:fontRef idx="minor"/>
         </p:style>
       </p:sp>
@@ -2763,18 +3427,24 @@
             <a:avLst/>
           </a:prstGeom>
           <a:solidFill>
-            <a:srgbClr val="729fcf"/>
+            <a:srgbClr val="729FCF"/>
           </a:solidFill>
           <a:ln>
             <a:solidFill>
-              <a:srgbClr val="3465a4"/>
+              <a:srgbClr val="3465A4"/>
             </a:solidFill>
           </a:ln>
         </p:spPr>
         <p:style>
-          <a:lnRef idx="0"/>
-          <a:fillRef idx="0"/>
-          <a:effectRef idx="0"/>
+          <a:lnRef idx="0">
+            <a:scrgbClr r="0" g="0" b="0"/>
+          </a:lnRef>
+          <a:fillRef idx="0">
+            <a:scrgbClr r="0" g="0" b="0"/>
+          </a:fillRef>
+          <a:effectRef idx="0">
+            <a:scrgbClr r="0" g="0" b="0"/>
+          </a:effectRef>
           <a:fontRef idx="minor"/>
         </p:style>
       </p:sp>
@@ -2793,18 +3463,24 @@
             <a:avLst/>
           </a:prstGeom>
           <a:solidFill>
-            <a:srgbClr val="729fcf"/>
+            <a:srgbClr val="729FCF"/>
           </a:solidFill>
           <a:ln>
             <a:solidFill>
-              <a:srgbClr val="3465a4"/>
+              <a:srgbClr val="3465A4"/>
             </a:solidFill>
           </a:ln>
         </p:spPr>
         <p:style>
-          <a:lnRef idx="0"/>
-          <a:fillRef idx="0"/>
-          <a:effectRef idx="0"/>
+          <a:lnRef idx="0">
+            <a:scrgbClr r="0" g="0" b="0"/>
+          </a:lnRef>
+          <a:fillRef idx="0">
+            <a:scrgbClr r="0" g="0" b="0"/>
+          </a:fillRef>
+          <a:effectRef idx="0">
+            <a:scrgbClr r="0" g="0" b="0"/>
+          </a:effectRef>
           <a:fontRef idx="minor"/>
         </p:style>
       </p:sp>
@@ -2823,18 +3499,24 @@
             <a:avLst/>
           </a:prstGeom>
           <a:solidFill>
-            <a:srgbClr val="729fcf"/>
+            <a:srgbClr val="729FCF"/>
           </a:solidFill>
           <a:ln>
             <a:solidFill>
-              <a:srgbClr val="3465a4"/>
+              <a:srgbClr val="3465A4"/>
             </a:solidFill>
           </a:ln>
         </p:spPr>
         <p:style>
-          <a:lnRef idx="0"/>
-          <a:fillRef idx="0"/>
-          <a:effectRef idx="0"/>
+          <a:lnRef idx="0">
+            <a:scrgbClr r="0" g="0" b="0"/>
+          </a:lnRef>
+          <a:fillRef idx="0">
+            <a:scrgbClr r="0" g="0" b="0"/>
+          </a:fillRef>
+          <a:effectRef idx="0">
+            <a:scrgbClr r="0" g="0" b="0"/>
+          </a:effectRef>
           <a:fontRef idx="minor"/>
         </p:style>
       </p:sp>
@@ -2928,18 +3610,24 @@
             </a:avLst>
           </a:prstGeom>
           <a:solidFill>
-            <a:srgbClr val="729fcf"/>
+            <a:srgbClr val="729FCF"/>
           </a:solidFill>
           <a:ln>
             <a:solidFill>
-              <a:srgbClr val="3465a4"/>
+              <a:srgbClr val="3465A4"/>
             </a:solidFill>
           </a:ln>
         </p:spPr>
         <p:style>
-          <a:lnRef idx="0"/>
-          <a:fillRef idx="0"/>
-          <a:effectRef idx="0"/>
+          <a:lnRef idx="0">
+            <a:scrgbClr r="0" g="0" b="0"/>
+          </a:lnRef>
+          <a:fillRef idx="0">
+            <a:scrgbClr r="0" g="0" b="0"/>
+          </a:fillRef>
+          <a:effectRef idx="0">
+            <a:scrgbClr r="0" g="0" b="0"/>
+          </a:effectRef>
           <a:fontRef idx="minor"/>
         </p:style>
       </p:sp>
@@ -2961,18 +3649,24 @@
             </a:avLst>
           </a:prstGeom>
           <a:solidFill>
-            <a:srgbClr val="729fcf"/>
+            <a:srgbClr val="729FCF"/>
           </a:solidFill>
           <a:ln>
             <a:solidFill>
-              <a:srgbClr val="3465a4"/>
+              <a:srgbClr val="3465A4"/>
             </a:solidFill>
           </a:ln>
         </p:spPr>
         <p:style>
-          <a:lnRef idx="0"/>
-          <a:fillRef idx="0"/>
-          <a:effectRef idx="0"/>
+          <a:lnRef idx="0">
+            <a:scrgbClr r="0" g="0" b="0"/>
+          </a:lnRef>
+          <a:fillRef idx="0">
+            <a:scrgbClr r="0" g="0" b="0"/>
+          </a:fillRef>
+          <a:effectRef idx="0">
+            <a:scrgbClr r="0" g="0" b="0"/>
+          </a:effectRef>
           <a:fontRef idx="minor"/>
         </p:style>
       </p:sp>
@@ -2994,18 +3688,24 @@
             </a:avLst>
           </a:prstGeom>
           <a:solidFill>
-            <a:srgbClr val="729fcf"/>
+            <a:srgbClr val="729FCF"/>
           </a:solidFill>
           <a:ln>
             <a:solidFill>
-              <a:srgbClr val="3465a4"/>
+              <a:srgbClr val="3465A4"/>
             </a:solidFill>
           </a:ln>
         </p:spPr>
         <p:style>
-          <a:lnRef idx="0"/>
-          <a:fillRef idx="0"/>
-          <a:effectRef idx="0"/>
+          <a:lnRef idx="0">
+            <a:scrgbClr r="0" g="0" b="0"/>
+          </a:lnRef>
+          <a:fillRef idx="0">
+            <a:scrgbClr r="0" g="0" b="0"/>
+          </a:fillRef>
+          <a:effectRef idx="0">
+            <a:scrgbClr r="0" g="0" b="0"/>
+          </a:effectRef>
           <a:fontRef idx="minor"/>
         </p:style>
       </p:sp>
@@ -3027,18 +3727,24 @@
             </a:avLst>
           </a:prstGeom>
           <a:solidFill>
-            <a:srgbClr val="729fcf"/>
+            <a:srgbClr val="729FCF"/>
           </a:solidFill>
           <a:ln>
             <a:solidFill>
-              <a:srgbClr val="3465a4"/>
+              <a:srgbClr val="3465A4"/>
             </a:solidFill>
           </a:ln>
         </p:spPr>
         <p:style>
-          <a:lnRef idx="0"/>
-          <a:fillRef idx="0"/>
-          <a:effectRef idx="0"/>
+          <a:lnRef idx="0">
+            <a:scrgbClr r="0" g="0" b="0"/>
+          </a:lnRef>
+          <a:fillRef idx="0">
+            <a:scrgbClr r="0" g="0" b="0"/>
+          </a:fillRef>
+          <a:effectRef idx="0">
+            <a:scrgbClr r="0" g="0" b="0"/>
+          </a:effectRef>
           <a:fontRef idx="minor"/>
         </p:style>
       </p:sp>
@@ -3057,28 +3763,35 @@
             <a:avLst/>
           </a:prstGeom>
           <a:solidFill>
-            <a:srgbClr val="729fcf"/>
+            <a:srgbClr val="729FCF"/>
           </a:solidFill>
           <a:ln>
             <a:solidFill>
-              <a:srgbClr val="3465a4"/>
+              <a:srgbClr val="3465A4"/>
             </a:solidFill>
           </a:ln>
         </p:spPr>
         <p:style>
-          <a:lnRef idx="0"/>
-          <a:fillRef idx="0"/>
-          <a:effectRef idx="0"/>
+          <a:lnRef idx="0">
+            <a:scrgbClr r="0" g="0" b="0"/>
+          </a:lnRef>
+          <a:fillRef idx="0">
+            <a:scrgbClr r="0" g="0" b="0"/>
+          </a:fillRef>
+          <a:effectRef idx="0">
+            <a:scrgbClr r="0" g="0" b="0"/>
+          </a:effectRef>
           <a:fontRef idx="minor"/>
         </p:style>
         <p:txBody>
-          <a:bodyPr wrap="none" lIns="90000" rIns="90000" tIns="45000" bIns="45000" anchor="ctr"/>
+          <a:bodyPr wrap="none" lIns="90000" tIns="45000" rIns="90000" bIns="45000" anchor="ctr"/>
+          <a:lstStyle/>
           <a:p>
             <a:pPr algn="ctr"/>
             <a:r>
               <a:rPr lang="pl-PL" sz="1500">
                 <a:solidFill>
-                  <a:srgbClr val="ffffff"/>
+                  <a:srgbClr val="FFFFFF"/>
                 </a:solidFill>
                 <a:latin typeface="Lucida Console"/>
               </a:rPr>
@@ -3103,28 +3816,35 @@
             <a:avLst/>
           </a:prstGeom>
           <a:solidFill>
-            <a:srgbClr val="729fcf"/>
+            <a:srgbClr val="729FCF"/>
           </a:solidFill>
           <a:ln>
             <a:solidFill>
-              <a:srgbClr val="3465a4"/>
+              <a:srgbClr val="3465A4"/>
             </a:solidFill>
           </a:ln>
         </p:spPr>
         <p:style>
-          <a:lnRef idx="0"/>
-          <a:fillRef idx="0"/>
-          <a:effectRef idx="0"/>
+          <a:lnRef idx="0">
+            <a:scrgbClr r="0" g="0" b="0"/>
+          </a:lnRef>
+          <a:fillRef idx="0">
+            <a:scrgbClr r="0" g="0" b="0"/>
+          </a:fillRef>
+          <a:effectRef idx="0">
+            <a:scrgbClr r="0" g="0" b="0"/>
+          </a:effectRef>
           <a:fontRef idx="minor"/>
         </p:style>
         <p:txBody>
-          <a:bodyPr wrap="none" lIns="90000" rIns="90000" tIns="45000" bIns="45000" anchor="ctr"/>
+          <a:bodyPr wrap="none" lIns="90000" tIns="45000" rIns="90000" bIns="45000" anchor="ctr"/>
+          <a:lstStyle/>
           <a:p>
             <a:pPr algn="ctr"/>
             <a:r>
               <a:rPr lang="pl-PL" sz="1500">
                 <a:solidFill>
-                  <a:srgbClr val="ffffff"/>
+                  <a:srgbClr val="FFFFFF"/>
                 </a:solidFill>
                 <a:latin typeface="Lucida Console"/>
               </a:rPr>
@@ -3137,7 +3857,7 @@
             <a:r>
               <a:rPr lang="pl-PL" sz="1500">
                 <a:solidFill>
-                  <a:srgbClr val="ffffff"/>
+                  <a:srgbClr val="FFFFFF"/>
                 </a:solidFill>
                 <a:latin typeface="Lucida Console"/>
               </a:rPr>
@@ -3150,7 +3870,7 @@
             <a:r>
               <a:rPr lang="pl-PL" sz="1500">
                 <a:solidFill>
-                  <a:srgbClr val="ffffff"/>
+                  <a:srgbClr val="FFFFFF"/>
                 </a:solidFill>
                 <a:latin typeface="Lucida Console"/>
               </a:rPr>
@@ -3175,18 +3895,24 @@
             <a:avLst/>
           </a:prstGeom>
           <a:solidFill>
-            <a:srgbClr val="ff950e"/>
+            <a:srgbClr val="FF950E"/>
           </a:solidFill>
           <a:ln>
             <a:solidFill>
-              <a:srgbClr val="3465a4"/>
+              <a:srgbClr val="3465A4"/>
             </a:solidFill>
           </a:ln>
         </p:spPr>
         <p:style>
-          <a:lnRef idx="0"/>
-          <a:fillRef idx="0"/>
-          <a:effectRef idx="0"/>
+          <a:lnRef idx="0">
+            <a:scrgbClr r="0" g="0" b="0"/>
+          </a:lnRef>
+          <a:fillRef idx="0">
+            <a:scrgbClr r="0" g="0" b="0"/>
+          </a:fillRef>
+          <a:effectRef idx="0">
+            <a:scrgbClr r="0" g="0" b="0"/>
+          </a:effectRef>
           <a:fontRef idx="minor"/>
         </p:style>
       </p:sp>
@@ -3205,18 +3931,24 @@
             <a:avLst/>
           </a:prstGeom>
           <a:solidFill>
-            <a:srgbClr val="c5000b"/>
+            <a:srgbClr val="C5000B"/>
           </a:solidFill>
           <a:ln>
             <a:solidFill>
-              <a:srgbClr val="3465a4"/>
+              <a:srgbClr val="3465A4"/>
             </a:solidFill>
           </a:ln>
         </p:spPr>
         <p:style>
-          <a:lnRef idx="0"/>
-          <a:fillRef idx="0"/>
-          <a:effectRef idx="0"/>
+          <a:lnRef idx="0">
+            <a:scrgbClr r="0" g="0" b="0"/>
+          </a:lnRef>
+          <a:fillRef idx="0">
+            <a:scrgbClr r="0" g="0" b="0"/>
+          </a:fillRef>
+          <a:effectRef idx="0">
+            <a:scrgbClr r="0" g="0" b="0"/>
+          </a:effectRef>
           <a:fontRef idx="minor"/>
         </p:style>
       </p:sp>
@@ -3235,18 +3967,24 @@
             <a:avLst/>
           </a:prstGeom>
           <a:solidFill>
-            <a:srgbClr val="c5000b"/>
+            <a:srgbClr val="C5000B"/>
           </a:solidFill>
           <a:ln>
             <a:solidFill>
-              <a:srgbClr val="3465a4"/>
+              <a:srgbClr val="3465A4"/>
             </a:solidFill>
           </a:ln>
         </p:spPr>
         <p:style>
-          <a:lnRef idx="0"/>
-          <a:fillRef idx="0"/>
-          <a:effectRef idx="0"/>
+          <a:lnRef idx="0">
+            <a:scrgbClr r="0" g="0" b="0"/>
+          </a:lnRef>
+          <a:fillRef idx="0">
+            <a:scrgbClr r="0" g="0" b="0"/>
+          </a:fillRef>
+          <a:effectRef idx="0">
+            <a:scrgbClr r="0" g="0" b="0"/>
+          </a:effectRef>
           <a:fontRef idx="minor"/>
         </p:style>
       </p:sp>
@@ -3265,18 +4003,24 @@
             <a:avLst/>
           </a:prstGeom>
           <a:solidFill>
-            <a:srgbClr val="ff950e"/>
+            <a:srgbClr val="FF950E"/>
           </a:solidFill>
           <a:ln>
             <a:solidFill>
-              <a:srgbClr val="3465a4"/>
+              <a:srgbClr val="3465A4"/>
             </a:solidFill>
           </a:ln>
         </p:spPr>
         <p:style>
-          <a:lnRef idx="0"/>
-          <a:fillRef idx="0"/>
-          <a:effectRef idx="0"/>
+          <a:lnRef idx="0">
+            <a:scrgbClr r="0" g="0" b="0"/>
+          </a:lnRef>
+          <a:fillRef idx="0">
+            <a:scrgbClr r="0" g="0" b="0"/>
+          </a:fillRef>
+          <a:effectRef idx="0">
+            <a:scrgbClr r="0" g="0" b="0"/>
+          </a:effectRef>
           <a:fontRef idx="minor"/>
         </p:style>
       </p:sp>
@@ -3298,18 +4042,24 @@
             </a:avLst>
           </a:prstGeom>
           <a:solidFill>
-            <a:srgbClr val="729fcf"/>
+            <a:srgbClr val="729FCF"/>
           </a:solidFill>
           <a:ln>
             <a:solidFill>
-              <a:srgbClr val="3465a4"/>
+              <a:srgbClr val="3465A4"/>
             </a:solidFill>
           </a:ln>
         </p:spPr>
         <p:style>
-          <a:lnRef idx="0"/>
-          <a:fillRef idx="0"/>
-          <a:effectRef idx="0"/>
+          <a:lnRef idx="0">
+            <a:scrgbClr r="0" g="0" b="0"/>
+          </a:lnRef>
+          <a:fillRef idx="0">
+            <a:scrgbClr r="0" g="0" b="0"/>
+          </a:fillRef>
+          <a:effectRef idx="0">
+            <a:scrgbClr r="0" g="0" b="0"/>
+          </a:effectRef>
           <a:fontRef idx="minor"/>
         </p:style>
       </p:sp>
@@ -3331,18 +4081,24 @@
             </a:avLst>
           </a:prstGeom>
           <a:solidFill>
-            <a:srgbClr val="729fcf"/>
+            <a:srgbClr val="729FCF"/>
           </a:solidFill>
           <a:ln>
             <a:solidFill>
-              <a:srgbClr val="3465a4"/>
+              <a:srgbClr val="3465A4"/>
             </a:solidFill>
           </a:ln>
         </p:spPr>
         <p:style>
-          <a:lnRef idx="0"/>
-          <a:fillRef idx="0"/>
-          <a:effectRef idx="0"/>
+          <a:lnRef idx="0">
+            <a:scrgbClr r="0" g="0" b="0"/>
+          </a:lnRef>
+          <a:fillRef idx="0">
+            <a:scrgbClr r="0" g="0" b="0"/>
+          </a:fillRef>
+          <a:effectRef idx="0">
+            <a:scrgbClr r="0" g="0" b="0"/>
+          </a:effectRef>
           <a:fontRef idx="minor"/>
         </p:style>
       </p:sp>
@@ -3364,42 +4120,51 @@
             </a:avLst>
           </a:prstGeom>
           <a:solidFill>
-            <a:srgbClr val="729fcf"/>
+            <a:srgbClr val="729FCF"/>
           </a:solidFill>
           <a:ln>
             <a:solidFill>
-              <a:srgbClr val="3465a4"/>
+              <a:srgbClr val="3465A4"/>
             </a:solidFill>
           </a:ln>
         </p:spPr>
         <p:style>
-          <a:lnRef idx="0"/>
-          <a:fillRef idx="0"/>
-          <a:effectRef idx="0"/>
+          <a:lnRef idx="0">
+            <a:scrgbClr r="0" g="0" b="0"/>
+          </a:lnRef>
+          <a:fillRef idx="0">
+            <a:scrgbClr r="0" g="0" b="0"/>
+          </a:fillRef>
+          <a:effectRef idx="0">
+            <a:scrgbClr r="0" g="0" b="0"/>
+          </a:effectRef>
           <a:fontRef idx="minor"/>
         </p:style>
       </p:sp>
     </p:spTree>
   </p:cSld>
+  <p:clrMapOvr>
+    <a:masterClrMapping/>
+  </p:clrMapOvr>
   <p:transition>
-    <p:fade thruBlk="true"/>
+    <p:fade thruBlk="1"/>
   </p:transition>
   <p:timing>
     <p:tnLst>
       <p:par>
-        <p:cTn id="7" dur="indefinite" restart="never" nodeType="tmRoot">
+        <p:cTn id="1" dur="indefinite" restart="never" nodeType="tmRoot">
           <p:childTnLst>
             <p:seq>
-              <p:cTn id="8" nodeType="mainSeq"/>
+              <p:cTn id="2" nodeType="mainSeq"/>
               <p:prevCondLst>
-                <p:cond delay="0" evt="onPrev">
+                <p:cond evt="onPrev" delay="0">
                   <p:tgtEl>
                     <p:sldTgt/>
                   </p:tgtEl>
                 </p:cond>
               </p:prevCondLst>
               <p:nextCondLst>
-                <p:cond delay="0" evt="onNext">
+                <p:cond evt="onNext" delay="0">
                   <p:tgtEl>
                     <p:sldTgt/>
                   </p:tgtEl>
@@ -3415,7 +4180,7 @@
 </file>
 
 <file path=ppt/slides/slide5.xml><?xml version="1.0" encoding="utf-8"?>
-<p:sld xmlns:a="http://schemas.openxmlformats.org/drawingml/2006/main" xmlns:p="http://schemas.openxmlformats.org/presentationml/2006/main" xmlns:r="http://schemas.openxmlformats.org/officeDocument/2006/relationships">
+<p:sld xmlns:a="http://schemas.openxmlformats.org/drawingml/2006/main" xmlns:r="http://schemas.openxmlformats.org/officeDocument/2006/relationships" xmlns:p="http://schemas.openxmlformats.org/presentationml/2006/main">
   <p:cSld>
     <p:spTree>
       <p:nvGrpSpPr>
@@ -3451,16 +4216,21 @@
           </a:ln>
         </p:spPr>
         <p:txBody>
-          <a:bodyPr lIns="0" rIns="0" tIns="0" bIns="0" anchor="ctr"/>
+          <a:bodyPr lIns="0" tIns="0" rIns="0" bIns="0" anchor="ctr"/>
+          <a:lstStyle/>
           <a:p>
             <a:pPr algn="ctr"/>
             <a:r>
-              <a:rPr lang="pl-PL" sz="4400">
-                <a:latin typeface="Arial"/>
+              <a:rPr lang="pl-PL" sz="4400" dirty="0">
+                <a:latin typeface="Cambria Math" panose="02040503050406030204" pitchFamily="18" charset="0"/>
+                <a:ea typeface="Cambria Math" panose="02040503050406030204" pitchFamily="18" charset="0"/>
               </a:rPr>
               <a:t>Przykład przeprowadzanych testów</a:t>
             </a:r>
-            <a:endParaRPr/>
+            <a:endParaRPr dirty="0">
+              <a:latin typeface="Cambria Math" panose="02040503050406030204" pitchFamily="18" charset="0"/>
+              <a:ea typeface="Cambria Math" panose="02040503050406030204" pitchFamily="18" charset="0"/>
+            </a:endParaRPr>
           </a:p>
         </p:txBody>
       </p:sp>
@@ -3468,464 +4238,884 @@
         <p:nvGraphicFramePr>
           <p:cNvPr id="81" name="Table 2"/>
           <p:cNvGraphicFramePr/>
-          <p:nvPr/>
+          <p:nvPr>
+            <p:extLst>
+              <p:ext uri="{D42A27DB-BD31-4B8C-83A1-F6EECF244321}">
+                <p14:modId xmlns:p14="http://schemas.microsoft.com/office/powerpoint/2010/main" val="509021944"/>
+              </p:ext>
+            </p:extLst>
+          </p:nvPr>
         </p:nvGraphicFramePr>
         <p:xfrm>
-          <a:off x="482760" y="1307520"/>
-          <a:ext cx="9071280" cy="5555880"/>
+          <a:off x="482758" y="1307520"/>
+          <a:ext cx="8940210" cy="5796867"/>
         </p:xfrm>
         <a:graphic>
           <a:graphicData uri="http://schemas.openxmlformats.org/drawingml/2006/table">
             <a:tbl>
               <a:tblPr/>
               <a:tblGrid>
-                <a:gridCol w="1814040"/>
-                <a:gridCol w="1814040"/>
-                <a:gridCol w="1814040"/>
-                <a:gridCol w="1814040"/>
-                <a:gridCol w="1815480"/>
+                <a:gridCol w="1787758">
+                  <a:extLst>
+                    <a:ext uri="{9D8B030D-6E8A-4147-A177-3AD203B41FA5}">
+                      <a16:colId xmlns:a16="http://schemas.microsoft.com/office/drawing/2014/main" val="20000"/>
+                    </a:ext>
+                  </a:extLst>
+                </a:gridCol>
+                <a:gridCol w="1787758">
+                  <a:extLst>
+                    <a:ext uri="{9D8B030D-6E8A-4147-A177-3AD203B41FA5}">
+                      <a16:colId xmlns:a16="http://schemas.microsoft.com/office/drawing/2014/main" val="20001"/>
+                    </a:ext>
+                  </a:extLst>
+                </a:gridCol>
+                <a:gridCol w="1787758">
+                  <a:extLst>
+                    <a:ext uri="{9D8B030D-6E8A-4147-A177-3AD203B41FA5}">
+                      <a16:colId xmlns:a16="http://schemas.microsoft.com/office/drawing/2014/main" val="20002"/>
+                    </a:ext>
+                  </a:extLst>
+                </a:gridCol>
+                <a:gridCol w="1787758">
+                  <a:extLst>
+                    <a:ext uri="{9D8B030D-6E8A-4147-A177-3AD203B41FA5}">
+                      <a16:colId xmlns:a16="http://schemas.microsoft.com/office/drawing/2014/main" val="20003"/>
+                    </a:ext>
+                  </a:extLst>
+                </a:gridCol>
+                <a:gridCol w="1789178">
+                  <a:extLst>
+                    <a:ext uri="{9D8B030D-6E8A-4147-A177-3AD203B41FA5}">
+                      <a16:colId xmlns:a16="http://schemas.microsoft.com/office/drawing/2014/main" val="20004"/>
+                    </a:ext>
+                  </a:extLst>
+                </a:gridCol>
               </a:tblGrid>
-              <a:tr h="1465560">
+              <a:tr h="1014143">
                 <a:tc>
                   <a:txBody>
-                    <a:bodyPr lIns="90000" rIns="90000" tIns="46800" bIns="46800"/>
-                    <a:p>
-                      <a:r>
-                        <a:rPr lang="pl-PL" sz="1500" strike="noStrike">
+                    <a:bodyPr/>
+                    <a:lstStyle/>
+                    <a:p>
+                      <a:r>
+                        <a:rPr lang="pl-PL" sz="1600" b="0" strike="noStrike" dirty="0" err="1">
                           <a:solidFill>
-                            <a:srgbClr val="ffffff"/>
+                            <a:schemeClr val="tx1"/>
                           </a:solidFill>
-                          <a:latin typeface="Lucida Console"/>
-                          <a:ea typeface="Microsoft YaHei"/>
-                        </a:rPr>
-                        <a:t>inputs tested (inputs which value affects outputs)</a:t>
-                      </a:r>
-                      <a:endParaRPr/>
+                          <a:latin typeface="Cambria Math" panose="02040503050406030204" pitchFamily="18" charset="0"/>
+                          <a:ea typeface="Cambria Math" panose="02040503050406030204" pitchFamily="18" charset="0"/>
+                        </a:rPr>
+                        <a:t>inputs</a:t>
+                      </a:r>
+                      <a:r>
+                        <a:rPr lang="pl-PL" sz="1600" b="0" strike="noStrike" dirty="0">
+                          <a:solidFill>
+                            <a:schemeClr val="tx1"/>
+                          </a:solidFill>
+                          <a:latin typeface="Cambria Math" panose="02040503050406030204" pitchFamily="18" charset="0"/>
+                          <a:ea typeface="Cambria Math" panose="02040503050406030204" pitchFamily="18" charset="0"/>
+                        </a:rPr>
+                        <a:t> </a:t>
+                      </a:r>
+                      <a:r>
+                        <a:rPr lang="pl-PL" sz="1600" b="0" strike="noStrike" dirty="0" err="1">
+                          <a:solidFill>
+                            <a:schemeClr val="tx1"/>
+                          </a:solidFill>
+                          <a:latin typeface="Cambria Math" panose="02040503050406030204" pitchFamily="18" charset="0"/>
+                          <a:ea typeface="Cambria Math" panose="02040503050406030204" pitchFamily="18" charset="0"/>
+                        </a:rPr>
+                        <a:t>tested</a:t>
+                      </a:r>
+                      <a:r>
+                        <a:rPr lang="pl-PL" sz="1600" b="0" strike="noStrike" dirty="0">
+                          <a:solidFill>
+                            <a:schemeClr val="tx1"/>
+                          </a:solidFill>
+                          <a:latin typeface="Cambria Math" panose="02040503050406030204" pitchFamily="18" charset="0"/>
+                          <a:ea typeface="Cambria Math" panose="02040503050406030204" pitchFamily="18" charset="0"/>
+                        </a:rPr>
+                        <a:t> (</a:t>
+                      </a:r>
+                      <a:r>
+                        <a:rPr lang="pl-PL" sz="1600" b="0" strike="noStrike" dirty="0" err="1">
+                          <a:solidFill>
+                            <a:schemeClr val="tx1"/>
+                          </a:solidFill>
+                          <a:latin typeface="Cambria Math" panose="02040503050406030204" pitchFamily="18" charset="0"/>
+                          <a:ea typeface="Cambria Math" panose="02040503050406030204" pitchFamily="18" charset="0"/>
+                        </a:rPr>
+                        <a:t>inputs</a:t>
+                      </a:r>
+                      <a:r>
+                        <a:rPr lang="pl-PL" sz="1600" b="0" strike="noStrike" dirty="0">
+                          <a:solidFill>
+                            <a:schemeClr val="tx1"/>
+                          </a:solidFill>
+                          <a:latin typeface="Cambria Math" panose="02040503050406030204" pitchFamily="18" charset="0"/>
+                          <a:ea typeface="Cambria Math" panose="02040503050406030204" pitchFamily="18" charset="0"/>
+                        </a:rPr>
+                        <a:t> </a:t>
+                      </a:r>
+                      <a:r>
+                        <a:rPr lang="pl-PL" sz="1600" b="0" strike="noStrike" dirty="0" err="1">
+                          <a:solidFill>
+                            <a:schemeClr val="tx1"/>
+                          </a:solidFill>
+                          <a:latin typeface="Cambria Math" panose="02040503050406030204" pitchFamily="18" charset="0"/>
+                          <a:ea typeface="Cambria Math" panose="02040503050406030204" pitchFamily="18" charset="0"/>
+                        </a:rPr>
+                        <a:t>which</a:t>
+                      </a:r>
+                      <a:r>
+                        <a:rPr lang="pl-PL" sz="1600" b="0" strike="noStrike" dirty="0">
+                          <a:solidFill>
+                            <a:schemeClr val="tx1"/>
+                          </a:solidFill>
+                          <a:latin typeface="Cambria Math" panose="02040503050406030204" pitchFamily="18" charset="0"/>
+                          <a:ea typeface="Cambria Math" panose="02040503050406030204" pitchFamily="18" charset="0"/>
+                        </a:rPr>
+                        <a:t> </a:t>
+                      </a:r>
+                      <a:r>
+                        <a:rPr lang="pl-PL" sz="1600" b="0" strike="noStrike" dirty="0" err="1">
+                          <a:solidFill>
+                            <a:schemeClr val="tx1"/>
+                          </a:solidFill>
+                          <a:latin typeface="Cambria Math" panose="02040503050406030204" pitchFamily="18" charset="0"/>
+                          <a:ea typeface="Cambria Math" panose="02040503050406030204" pitchFamily="18" charset="0"/>
+                        </a:rPr>
+                        <a:t>value</a:t>
+                      </a:r>
+                      <a:r>
+                        <a:rPr lang="pl-PL" sz="1600" b="0" strike="noStrike" dirty="0">
+                          <a:solidFill>
+                            <a:schemeClr val="tx1"/>
+                          </a:solidFill>
+                          <a:latin typeface="Cambria Math" panose="02040503050406030204" pitchFamily="18" charset="0"/>
+                          <a:ea typeface="Cambria Math" panose="02040503050406030204" pitchFamily="18" charset="0"/>
+                        </a:rPr>
+                        <a:t> </a:t>
+                      </a:r>
+                      <a:r>
+                        <a:rPr lang="pl-PL" sz="1600" b="0" strike="noStrike" dirty="0" err="1">
+                          <a:solidFill>
+                            <a:schemeClr val="tx1"/>
+                          </a:solidFill>
+                          <a:latin typeface="Cambria Math" panose="02040503050406030204" pitchFamily="18" charset="0"/>
+                          <a:ea typeface="Cambria Math" panose="02040503050406030204" pitchFamily="18" charset="0"/>
+                        </a:rPr>
+                        <a:t>affects</a:t>
+                      </a:r>
+                      <a:r>
+                        <a:rPr lang="pl-PL" sz="1600" b="0" strike="noStrike" dirty="0">
+                          <a:solidFill>
+                            <a:schemeClr val="tx1"/>
+                          </a:solidFill>
+                          <a:latin typeface="Cambria Math" panose="02040503050406030204" pitchFamily="18" charset="0"/>
+                          <a:ea typeface="Cambria Math" panose="02040503050406030204" pitchFamily="18" charset="0"/>
+                        </a:rPr>
+                        <a:t> </a:t>
+                      </a:r>
+                      <a:r>
+                        <a:rPr lang="pl-PL" sz="1600" b="0" strike="noStrike" dirty="0" err="1">
+                          <a:solidFill>
+                            <a:schemeClr val="tx1"/>
+                          </a:solidFill>
+                          <a:latin typeface="Cambria Math" panose="02040503050406030204" pitchFamily="18" charset="0"/>
+                          <a:ea typeface="Cambria Math" panose="02040503050406030204" pitchFamily="18" charset="0"/>
+                        </a:rPr>
+                        <a:t>outputs</a:t>
+                      </a:r>
+                      <a:r>
+                        <a:rPr lang="pl-PL" sz="1600" b="0" strike="noStrike" dirty="0">
+                          <a:solidFill>
+                            <a:schemeClr val="tx1"/>
+                          </a:solidFill>
+                          <a:latin typeface="Cambria Math" panose="02040503050406030204" pitchFamily="18" charset="0"/>
+                          <a:ea typeface="Cambria Math" panose="02040503050406030204" pitchFamily="18" charset="0"/>
+                        </a:rPr>
+                        <a:t>)</a:t>
+                      </a:r>
+                      <a:endParaRPr sz="1600" b="0" dirty="0">
+                        <a:solidFill>
+                          <a:schemeClr val="tx1"/>
+                        </a:solidFill>
+                        <a:latin typeface="Cambria Math" panose="02040503050406030204" pitchFamily="18" charset="0"/>
+                        <a:ea typeface="Cambria Math" panose="02040503050406030204" pitchFamily="18" charset="0"/>
+                      </a:endParaRPr>
                     </a:p>
                   </a:txBody>
                   <a:tcPr/>
                 </a:tc>
                 <a:tc>
                   <a:txBody>
-                    <a:bodyPr lIns="90000" rIns="90000" tIns="46800" bIns="46800"/>
-                    <a:p>
-                      <a:r>
-                        <a:rPr lang="pl-PL" sz="1500" strike="noStrike">
+                    <a:bodyPr/>
+                    <a:lstStyle/>
+                    <a:p>
+                      <a:r>
+                        <a:rPr lang="pl-PL" sz="1600" b="0" strike="noStrike" dirty="0" err="1">
                           <a:solidFill>
-                            <a:srgbClr val="ffffff"/>
+                            <a:schemeClr val="tx1"/>
                           </a:solidFill>
-                          <a:latin typeface="Lucida Console"/>
-                          <a:ea typeface="Microsoft YaHei"/>
-                        </a:rPr>
-                        <a:t>outputs tested</a:t>
-                      </a:r>
-                      <a:endParaRPr/>
+                          <a:latin typeface="Cambria Math" panose="02040503050406030204" pitchFamily="18" charset="0"/>
+                          <a:ea typeface="Cambria Math" panose="02040503050406030204" pitchFamily="18" charset="0"/>
+                        </a:rPr>
+                        <a:t>outputs</a:t>
+                      </a:r>
+                      <a:r>
+                        <a:rPr lang="pl-PL" sz="1600" b="0" strike="noStrike" dirty="0">
+                          <a:solidFill>
+                            <a:schemeClr val="tx1"/>
+                          </a:solidFill>
+                          <a:latin typeface="Cambria Math" panose="02040503050406030204" pitchFamily="18" charset="0"/>
+                          <a:ea typeface="Cambria Math" panose="02040503050406030204" pitchFamily="18" charset="0"/>
+                        </a:rPr>
+                        <a:t> </a:t>
+                      </a:r>
+                      <a:r>
+                        <a:rPr lang="pl-PL" sz="1600" b="0" strike="noStrike" dirty="0" err="1">
+                          <a:solidFill>
+                            <a:schemeClr val="tx1"/>
+                          </a:solidFill>
+                          <a:latin typeface="Cambria Math" panose="02040503050406030204" pitchFamily="18" charset="0"/>
+                          <a:ea typeface="Cambria Math" panose="02040503050406030204" pitchFamily="18" charset="0"/>
+                        </a:rPr>
+                        <a:t>tested</a:t>
+                      </a:r>
+                      <a:endParaRPr sz="1600" b="0" dirty="0">
+                        <a:solidFill>
+                          <a:schemeClr val="tx1"/>
+                        </a:solidFill>
+                        <a:latin typeface="Cambria Math" panose="02040503050406030204" pitchFamily="18" charset="0"/>
+                        <a:ea typeface="Cambria Math" panose="02040503050406030204" pitchFamily="18" charset="0"/>
+                      </a:endParaRPr>
                     </a:p>
                   </a:txBody>
                   <a:tcPr/>
                 </a:tc>
                 <a:tc>
                   <a:txBody>
-                    <a:bodyPr lIns="90000" rIns="90000" tIns="46800" bIns="46800"/>
-                    <a:p>
-                      <a:r>
-                        <a:rPr lang="pl-PL" sz="1500" strike="noStrike">
+                    <a:bodyPr/>
+                    <a:lstStyle/>
+                    <a:p>
+                      <a:r>
+                        <a:rPr lang="pl-PL" sz="1600" b="0" strike="noStrike" dirty="0">
                           <a:solidFill>
-                            <a:srgbClr val="ffffff"/>
+                            <a:schemeClr val="tx1"/>
                           </a:solidFill>
-                          <a:latin typeface="Lucida Console"/>
-                          <a:ea typeface="Microsoft YaHei"/>
-                        </a:rPr>
-                        <a:t>test description</a:t>
-                      </a:r>
-                      <a:endParaRPr/>
+                          <a:latin typeface="Cambria Math" panose="02040503050406030204" pitchFamily="18" charset="0"/>
+                          <a:ea typeface="Cambria Math" panose="02040503050406030204" pitchFamily="18" charset="0"/>
+                        </a:rPr>
+                        <a:t>test </a:t>
+                      </a:r>
+                      <a:r>
+                        <a:rPr lang="pl-PL" sz="1600" b="0" strike="noStrike" dirty="0" err="1">
+                          <a:solidFill>
+                            <a:schemeClr val="tx1"/>
+                          </a:solidFill>
+                          <a:latin typeface="Cambria Math" panose="02040503050406030204" pitchFamily="18" charset="0"/>
+                          <a:ea typeface="Cambria Math" panose="02040503050406030204" pitchFamily="18" charset="0"/>
+                        </a:rPr>
+                        <a:t>description</a:t>
+                      </a:r>
+                      <a:endParaRPr sz="1600" b="0" dirty="0">
+                        <a:solidFill>
+                          <a:schemeClr val="tx1"/>
+                        </a:solidFill>
+                        <a:latin typeface="Cambria Math" panose="02040503050406030204" pitchFamily="18" charset="0"/>
+                        <a:ea typeface="Cambria Math" panose="02040503050406030204" pitchFamily="18" charset="0"/>
+                      </a:endParaRPr>
                     </a:p>
                   </a:txBody>
                   <a:tcPr/>
                 </a:tc>
                 <a:tc>
                   <a:txBody>
-                    <a:bodyPr lIns="90000" rIns="90000" tIns="46800" bIns="46800"/>
-                    <a:p>
-                      <a:r>
-                        <a:rPr lang="pl-PL" sz="1500" strike="noStrike">
+                    <a:bodyPr/>
+                    <a:lstStyle/>
+                    <a:p>
+                      <a:r>
+                        <a:rPr lang="pl-PL" sz="1600" b="0" strike="noStrike" dirty="0" err="1">
                           <a:solidFill>
-                            <a:srgbClr val="ffffff"/>
+                            <a:schemeClr val="tx1"/>
                           </a:solidFill>
-                          <a:latin typeface="Lucida Console"/>
-                          <a:ea typeface="Microsoft YaHei"/>
-                        </a:rPr>
-                        <a:t>expected result</a:t>
-                      </a:r>
-                      <a:endParaRPr/>
+                          <a:latin typeface="Cambria Math" panose="02040503050406030204" pitchFamily="18" charset="0"/>
+                          <a:ea typeface="Cambria Math" panose="02040503050406030204" pitchFamily="18" charset="0"/>
+                        </a:rPr>
+                        <a:t>expected</a:t>
+                      </a:r>
+                      <a:r>
+                        <a:rPr lang="pl-PL" sz="1600" b="0" strike="noStrike" dirty="0">
+                          <a:solidFill>
+                            <a:schemeClr val="tx1"/>
+                          </a:solidFill>
+                          <a:latin typeface="Cambria Math" panose="02040503050406030204" pitchFamily="18" charset="0"/>
+                          <a:ea typeface="Cambria Math" panose="02040503050406030204" pitchFamily="18" charset="0"/>
+                        </a:rPr>
+                        <a:t> </a:t>
+                      </a:r>
+                      <a:r>
+                        <a:rPr lang="pl-PL" sz="1600" b="0" strike="noStrike" dirty="0" err="1">
+                          <a:solidFill>
+                            <a:schemeClr val="tx1"/>
+                          </a:solidFill>
+                          <a:latin typeface="Cambria Math" panose="02040503050406030204" pitchFamily="18" charset="0"/>
+                          <a:ea typeface="Cambria Math" panose="02040503050406030204" pitchFamily="18" charset="0"/>
+                        </a:rPr>
+                        <a:t>result</a:t>
+                      </a:r>
+                      <a:endParaRPr sz="1600" b="0" dirty="0">
+                        <a:solidFill>
+                          <a:schemeClr val="tx1"/>
+                        </a:solidFill>
+                        <a:latin typeface="Cambria Math" panose="02040503050406030204" pitchFamily="18" charset="0"/>
+                        <a:ea typeface="Cambria Math" panose="02040503050406030204" pitchFamily="18" charset="0"/>
+                      </a:endParaRPr>
                     </a:p>
                   </a:txBody>
                   <a:tcPr/>
                 </a:tc>
                 <a:tc>
                   <a:txBody>
-                    <a:bodyPr lIns="90000" rIns="90000" tIns="46800" bIns="46800"/>
-                    <a:p>
-                      <a:r>
-                        <a:rPr lang="pl-PL" sz="1500" strike="noStrike">
+                    <a:bodyPr/>
+                    <a:lstStyle/>
+                    <a:p>
+                      <a:r>
+                        <a:rPr lang="pl-PL" sz="1600" b="0" strike="noStrike" dirty="0" err="1">
                           <a:solidFill>
-                            <a:srgbClr val="ffffff"/>
+                            <a:schemeClr val="tx1"/>
                           </a:solidFill>
-                          <a:latin typeface="Lucida Console"/>
-                          <a:ea typeface="Microsoft YaHei"/>
+                          <a:latin typeface="Cambria Math" panose="02040503050406030204" pitchFamily="18" charset="0"/>
+                          <a:ea typeface="Cambria Math" panose="02040503050406030204" pitchFamily="18" charset="0"/>
                         </a:rPr>
                         <a:t>result</a:t>
                       </a:r>
-                      <a:endParaRPr/>
+                      <a:endParaRPr sz="1600" b="0" dirty="0">
+                        <a:solidFill>
+                          <a:schemeClr val="tx1"/>
+                        </a:solidFill>
+                        <a:latin typeface="Cambria Math" panose="02040503050406030204" pitchFamily="18" charset="0"/>
+                        <a:ea typeface="Cambria Math" panose="02040503050406030204" pitchFamily="18" charset="0"/>
+                      </a:endParaRPr>
                     </a:p>
                   </a:txBody>
                   <a:tcPr/>
                 </a:tc>
+                <a:extLst>
+                  <a:ext uri="{0D108BD9-81ED-4DB2-BD59-A6C34878D82A}">
+                    <a16:rowId xmlns:a16="http://schemas.microsoft.com/office/drawing/2014/main" val="10000"/>
+                  </a:ext>
+                </a:extLst>
               </a:tr>
-              <a:tr h="752760">
+              <a:tr h="1427945">
                 <a:tc>
                   <a:txBody>
-                    <a:bodyPr lIns="90000" rIns="90000" tIns="46800" bIns="46800"/>
-                    <a:p>
-                      <a:r>
-                        <a:rPr lang="pl-PL" sz="1500" strike="noStrike">
+                    <a:bodyPr/>
+                    <a:lstStyle/>
+                    <a:p>
+                      <a:r>
+                        <a:rPr lang="pl-PL" sz="1600" b="0" strike="noStrike">
                           <a:solidFill>
                             <a:srgbClr val="000000"/>
                           </a:solidFill>
-                          <a:latin typeface="Lucida Console"/>
-                          <a:ea typeface="Microsoft YaHei"/>
+                          <a:latin typeface="Cambria Math" panose="02040503050406030204" pitchFamily="18" charset="0"/>
+                          <a:ea typeface="Cambria Math" panose="02040503050406030204" pitchFamily="18" charset="0"/>
                         </a:rPr>
                         <a:t>voltmeter</a:t>
                       </a:r>
-                      <a:endParaRPr/>
+                      <a:endParaRPr sz="1600" b="0">
+                        <a:latin typeface="Cambria Math" panose="02040503050406030204" pitchFamily="18" charset="0"/>
+                        <a:ea typeface="Cambria Math" panose="02040503050406030204" pitchFamily="18" charset="0"/>
+                      </a:endParaRPr>
                     </a:p>
                   </a:txBody>
                   <a:tcPr/>
                 </a:tc>
                 <a:tc>
                   <a:txBody>
-                    <a:bodyPr lIns="90000" rIns="90000" tIns="46800" bIns="46800"/>
-                    <a:p>
-                      <a:r>
-                        <a:rPr lang="pl-PL" sz="1500" strike="noStrike">
+                    <a:bodyPr/>
+                    <a:lstStyle/>
+                    <a:p>
+                      <a:r>
+                        <a:rPr lang="pl-PL" sz="1600" b="0" strike="noStrike" dirty="0" err="1">
                           <a:solidFill>
                             <a:srgbClr val="000000"/>
                           </a:solidFill>
-                          <a:latin typeface="Lucida Console"/>
-                          <a:ea typeface="Microsoft YaHei"/>
+                          <a:latin typeface="Cambria Math" panose="02040503050406030204" pitchFamily="18" charset="0"/>
+                          <a:ea typeface="Cambria Math" panose="02040503050406030204" pitchFamily="18" charset="0"/>
                         </a:rPr>
                         <a:t>all</a:t>
                       </a:r>
-                      <a:endParaRPr/>
+                      <a:endParaRPr sz="1600" b="0" dirty="0">
+                        <a:latin typeface="Cambria Math" panose="02040503050406030204" pitchFamily="18" charset="0"/>
+                        <a:ea typeface="Cambria Math" panose="02040503050406030204" pitchFamily="18" charset="0"/>
+                      </a:endParaRPr>
                     </a:p>
                   </a:txBody>
                   <a:tcPr/>
                 </a:tc>
                 <a:tc>
                   <a:txBody>
-                    <a:bodyPr lIns="90000" rIns="90000" tIns="46800" bIns="46800"/>
-                    <a:p>
-                      <a:r>
-                        <a:rPr lang="pl-PL" sz="1500" strike="noStrike">
+                    <a:bodyPr/>
+                    <a:lstStyle/>
+                    <a:p>
+                      <a:r>
+                        <a:rPr lang="pl-PL" sz="1600" b="0" strike="noStrike">
                           <a:solidFill>
                             <a:srgbClr val="000000"/>
                           </a:solidFill>
-                          <a:latin typeface="Lucida Console"/>
-                          <a:ea typeface="Microsoft YaHei"/>
+                          <a:latin typeface="Cambria Math" panose="02040503050406030204" pitchFamily="18" charset="0"/>
+                          <a:ea typeface="Cambria Math" panose="02040503050406030204" pitchFamily="18" charset="0"/>
                         </a:rPr>
                         <a:t>operational voltage: 4 random values from range (0;6) u (18;+inf)</a:t>
                       </a:r>
-                      <a:endParaRPr/>
+                      <a:endParaRPr sz="1600" b="0">
+                        <a:latin typeface="Cambria Math" panose="02040503050406030204" pitchFamily="18" charset="0"/>
+                        <a:ea typeface="Cambria Math" panose="02040503050406030204" pitchFamily="18" charset="0"/>
+                      </a:endParaRPr>
                     </a:p>
                   </a:txBody>
                   <a:tcPr/>
                 </a:tc>
                 <a:tc>
                   <a:txBody>
-                    <a:bodyPr lIns="90000" rIns="90000" tIns="46800" bIns="46800"/>
-                    <a:p>
-                      <a:r>
-                        <a:rPr lang="pl-PL" sz="1500" strike="noStrike">
+                    <a:bodyPr/>
+                    <a:lstStyle/>
+                    <a:p>
+                      <a:r>
+                        <a:rPr lang="pl-PL" sz="1600" b="0" strike="noStrike">
                           <a:solidFill>
                             <a:srgbClr val="000000"/>
                           </a:solidFill>
-                          <a:latin typeface="Lucida Console"/>
-                          <a:ea typeface="Microsoft YaHei"/>
+                          <a:latin typeface="Cambria Math" panose="02040503050406030204" pitchFamily="18" charset="0"/>
+                          <a:ea typeface="Cambria Math" panose="02040503050406030204" pitchFamily="18" charset="0"/>
                         </a:rPr>
                         <a:t>all outputs inactive</a:t>
                       </a:r>
-                      <a:endParaRPr/>
+                      <a:endParaRPr sz="1600" b="0">
+                        <a:latin typeface="Cambria Math" panose="02040503050406030204" pitchFamily="18" charset="0"/>
+                        <a:ea typeface="Cambria Math" panose="02040503050406030204" pitchFamily="18" charset="0"/>
+                      </a:endParaRPr>
                     </a:p>
                   </a:txBody>
                   <a:tcPr/>
                 </a:tc>
                 <a:tc>
                   <a:txBody>
-                    <a:bodyPr lIns="90000" rIns="90000" tIns="46800" bIns="46800"/>
-                    <a:p>
-                      <a:r>
-                        <a:rPr lang="pl-PL" sz="1500">
-                          <a:latin typeface="Lucida Console"/>
+                    <a:bodyPr/>
+                    <a:lstStyle/>
+                    <a:p>
+                      <a:r>
+                        <a:rPr lang="pl-PL" sz="1600" b="0">
+                          <a:latin typeface="Cambria Math" panose="02040503050406030204" pitchFamily="18" charset="0"/>
+                          <a:ea typeface="Cambria Math" panose="02040503050406030204" pitchFamily="18" charset="0"/>
                         </a:rPr>
                         <a:t>OK</a:t>
                       </a:r>
-                      <a:endParaRPr/>
+                      <a:endParaRPr sz="1600" b="0">
+                        <a:latin typeface="Cambria Math" panose="02040503050406030204" pitchFamily="18" charset="0"/>
+                        <a:ea typeface="Cambria Math" panose="02040503050406030204" pitchFamily="18" charset="0"/>
+                      </a:endParaRPr>
                     </a:p>
                   </a:txBody>
                   <a:tcPr/>
                 </a:tc>
+                <a:extLst>
+                  <a:ext uri="{0D108BD9-81ED-4DB2-BD59-A6C34878D82A}">
+                    <a16:rowId xmlns:a16="http://schemas.microsoft.com/office/drawing/2014/main" val="10001"/>
+                  </a:ext>
+                </a:extLst>
               </a:tr>
-              <a:tr h="1078920">
+              <a:tr h="1651061">
                 <a:tc>
                   <a:txBody>
-                    <a:bodyPr lIns="90000" rIns="90000" tIns="46800" bIns="46800"/>
-                    <a:p>
-                      <a:r>
-                        <a:rPr lang="pl-PL" sz="1500" strike="noStrike">
+                    <a:bodyPr/>
+                    <a:lstStyle/>
+                    <a:p>
+                      <a:r>
+                        <a:rPr lang="pl-PL" sz="1600" b="0" strike="noStrike" dirty="0" err="1">
                           <a:solidFill>
                             <a:srgbClr val="000000"/>
                           </a:solidFill>
-                          <a:latin typeface="Lucida Console"/>
-                          <a:ea typeface="Microsoft YaHei"/>
-                        </a:rPr>
-                        <a:t>low beam switch</a:t>
-                      </a:r>
-                      <a:endParaRPr/>
+                          <a:latin typeface="Cambria Math" panose="02040503050406030204" pitchFamily="18" charset="0"/>
+                          <a:ea typeface="Cambria Math" panose="02040503050406030204" pitchFamily="18" charset="0"/>
+                        </a:rPr>
+                        <a:t>low</a:t>
+                      </a:r>
+                      <a:r>
+                        <a:rPr lang="pl-PL" sz="1600" b="0" strike="noStrike" dirty="0">
+                          <a:solidFill>
+                            <a:srgbClr val="000000"/>
+                          </a:solidFill>
+                          <a:latin typeface="Cambria Math" panose="02040503050406030204" pitchFamily="18" charset="0"/>
+                          <a:ea typeface="Cambria Math" panose="02040503050406030204" pitchFamily="18" charset="0"/>
+                        </a:rPr>
+                        <a:t> </a:t>
+                      </a:r>
+                      <a:r>
+                        <a:rPr lang="pl-PL" sz="1600" b="0" strike="noStrike" dirty="0" err="1">
+                          <a:solidFill>
+                            <a:srgbClr val="000000"/>
+                          </a:solidFill>
+                          <a:latin typeface="Cambria Math" panose="02040503050406030204" pitchFamily="18" charset="0"/>
+                          <a:ea typeface="Cambria Math" panose="02040503050406030204" pitchFamily="18" charset="0"/>
+                        </a:rPr>
+                        <a:t>beam</a:t>
+                      </a:r>
+                      <a:r>
+                        <a:rPr lang="pl-PL" sz="1600" b="0" strike="noStrike" dirty="0">
+                          <a:solidFill>
+                            <a:srgbClr val="000000"/>
+                          </a:solidFill>
+                          <a:latin typeface="Cambria Math" panose="02040503050406030204" pitchFamily="18" charset="0"/>
+                          <a:ea typeface="Cambria Math" panose="02040503050406030204" pitchFamily="18" charset="0"/>
+                        </a:rPr>
+                        <a:t> </a:t>
+                      </a:r>
+                      <a:r>
+                        <a:rPr lang="pl-PL" sz="1600" b="0" strike="noStrike" dirty="0" err="1">
+                          <a:solidFill>
+                            <a:srgbClr val="000000"/>
+                          </a:solidFill>
+                          <a:latin typeface="Cambria Math" panose="02040503050406030204" pitchFamily="18" charset="0"/>
+                          <a:ea typeface="Cambria Math" panose="02040503050406030204" pitchFamily="18" charset="0"/>
+                        </a:rPr>
+                        <a:t>switch</a:t>
+                      </a:r>
+                      <a:endParaRPr sz="1600" b="0" dirty="0">
+                        <a:latin typeface="Cambria Math" panose="02040503050406030204" pitchFamily="18" charset="0"/>
+                        <a:ea typeface="Cambria Math" panose="02040503050406030204" pitchFamily="18" charset="0"/>
+                      </a:endParaRPr>
                     </a:p>
                   </a:txBody>
                   <a:tcPr/>
                 </a:tc>
                 <a:tc>
                   <a:txBody>
-                    <a:bodyPr lIns="90000" rIns="90000" tIns="46800" bIns="46800"/>
-                    <a:p>
-                      <a:r>
-                        <a:rPr lang="pl-PL" sz="1500">
-                          <a:latin typeface="Lucida Console"/>
+                    <a:bodyPr/>
+                    <a:lstStyle/>
+                    <a:p>
+                      <a:r>
+                        <a:rPr lang="pl-PL" sz="1600" b="0">
+                          <a:latin typeface="Cambria Math" panose="02040503050406030204" pitchFamily="18" charset="0"/>
+                          <a:ea typeface="Cambria Math" panose="02040503050406030204" pitchFamily="18" charset="0"/>
                         </a:rPr>
                         <a:t>-park lights</a:t>
                       </a:r>
-                      <a:endParaRPr/>
-                    </a:p>
-                    <a:p>
-                      <a:r>
-                        <a:rPr lang="pl-PL" sz="1500">
-                          <a:latin typeface="Lucida Console"/>
+                      <a:endParaRPr sz="1600" b="0">
+                        <a:latin typeface="Cambria Math" panose="02040503050406030204" pitchFamily="18" charset="0"/>
+                        <a:ea typeface="Cambria Math" panose="02040503050406030204" pitchFamily="18" charset="0"/>
+                      </a:endParaRPr>
+                    </a:p>
+                    <a:p>
+                      <a:r>
+                        <a:rPr lang="pl-PL" sz="1600" b="0">
+                          <a:latin typeface="Cambria Math" panose="02040503050406030204" pitchFamily="18" charset="0"/>
+                          <a:ea typeface="Cambria Math" panose="02040503050406030204" pitchFamily="18" charset="0"/>
                         </a:rPr>
                         <a:t>-license plate light</a:t>
                       </a:r>
-                      <a:endParaRPr/>
-                    </a:p>
-                    <a:p>
-                      <a:r>
-                        <a:rPr lang="pl-PL" sz="1500">
-                          <a:latin typeface="Lucida Console"/>
+                      <a:endParaRPr sz="1600" b="0">
+                        <a:latin typeface="Cambria Math" panose="02040503050406030204" pitchFamily="18" charset="0"/>
+                        <a:ea typeface="Cambria Math" panose="02040503050406030204" pitchFamily="18" charset="0"/>
+                      </a:endParaRPr>
+                    </a:p>
+                    <a:p>
+                      <a:r>
+                        <a:rPr lang="pl-PL" sz="1600" b="0">
+                          <a:latin typeface="Cambria Math" panose="02040503050406030204" pitchFamily="18" charset="0"/>
+                          <a:ea typeface="Cambria Math" panose="02040503050406030204" pitchFamily="18" charset="0"/>
                         </a:rPr>
                         <a:t>-low beam</a:t>
                       </a:r>
-                      <a:endParaRPr/>
+                      <a:endParaRPr sz="1600" b="0">
+                        <a:latin typeface="Cambria Math" panose="02040503050406030204" pitchFamily="18" charset="0"/>
+                        <a:ea typeface="Cambria Math" panose="02040503050406030204" pitchFamily="18" charset="0"/>
+                      </a:endParaRPr>
                     </a:p>
                   </a:txBody>
                   <a:tcPr/>
                 </a:tc>
                 <a:tc>
                   <a:txBody>
-                    <a:bodyPr lIns="90000" rIns="90000" tIns="46800" bIns="46800"/>
-                    <a:p>
-                      <a:r>
-                        <a:rPr lang="pl-PL" sz="1500">
-                          <a:latin typeface="Lucida Console"/>
+                    <a:bodyPr/>
+                    <a:lstStyle/>
+                    <a:p>
+                      <a:r>
+                        <a:rPr lang="pl-PL" sz="1600" b="0">
+                          <a:latin typeface="Cambria Math" panose="02040503050406030204" pitchFamily="18" charset="0"/>
+                          <a:ea typeface="Cambria Math" panose="02040503050406030204" pitchFamily="18" charset="0"/>
                         </a:rPr>
                         <a:t>-low beam switch: on</a:t>
                       </a:r>
-                      <a:endParaRPr/>
-                    </a:p>
-                    <a:p>
-                      <a:r>
-                        <a:rPr lang="pl-PL" sz="1500">
-                          <a:latin typeface="Lucida Console"/>
+                      <a:endParaRPr sz="1600" b="0">
+                        <a:latin typeface="Cambria Math" panose="02040503050406030204" pitchFamily="18" charset="0"/>
+                        <a:ea typeface="Cambria Math" panose="02040503050406030204" pitchFamily="18" charset="0"/>
+                      </a:endParaRPr>
+                    </a:p>
+                    <a:p>
+                      <a:r>
+                        <a:rPr lang="pl-PL" sz="1600" b="0">
+                          <a:latin typeface="Cambria Math" panose="02040503050406030204" pitchFamily="18" charset="0"/>
+                          <a:ea typeface="Cambria Math" panose="02040503050406030204" pitchFamily="18" charset="0"/>
                         </a:rPr>
                         <a:t>-all key positions</a:t>
                       </a:r>
-                      <a:endParaRPr/>
-                    </a:p>
-                    <a:p>
-                      <a:r>
-                        <a:rPr lang="pl-PL" sz="1500">
-                          <a:latin typeface="Lucida Console"/>
+                      <a:endParaRPr sz="1600" b="0">
+                        <a:latin typeface="Cambria Math" panose="02040503050406030204" pitchFamily="18" charset="0"/>
+                        <a:ea typeface="Cambria Math" panose="02040503050406030204" pitchFamily="18" charset="0"/>
+                      </a:endParaRPr>
+                    </a:p>
+                    <a:p>
+                      <a:r>
+                        <a:rPr lang="pl-PL" sz="1600" b="0">
+                          <a:latin typeface="Cambria Math" panose="02040503050406030204" pitchFamily="18" charset="0"/>
+                          <a:ea typeface="Cambria Math" panose="02040503050406030204" pitchFamily="18" charset="0"/>
                         </a:rPr>
                         <a:t>-all park lights switch values</a:t>
                       </a:r>
-                      <a:endParaRPr/>
+                      <a:endParaRPr sz="1600" b="0">
+                        <a:latin typeface="Cambria Math" panose="02040503050406030204" pitchFamily="18" charset="0"/>
+                        <a:ea typeface="Cambria Math" panose="02040503050406030204" pitchFamily="18" charset="0"/>
+                      </a:endParaRPr>
                     </a:p>
                   </a:txBody>
                   <a:tcPr/>
                 </a:tc>
                 <a:tc>
                   <a:txBody>
-                    <a:bodyPr lIns="90000" rIns="90000" tIns="46800" bIns="46800"/>
-                    <a:p>
-                      <a:r>
-                        <a:rPr lang="pl-PL" sz="1500">
-                          <a:latin typeface="Lucida Console"/>
+                    <a:bodyPr/>
+                    <a:lstStyle/>
+                    <a:p>
+                      <a:r>
+                        <a:rPr lang="pl-PL" sz="1600" b="0">
+                          <a:latin typeface="Cambria Math" panose="02040503050406030204" pitchFamily="18" charset="0"/>
+                          <a:ea typeface="Cambria Math" panose="02040503050406030204" pitchFamily="18" charset="0"/>
                         </a:rPr>
                         <a:t>-park lights active</a:t>
                       </a:r>
-                      <a:endParaRPr/>
-                    </a:p>
-                    <a:p>
-                      <a:r>
-                        <a:rPr lang="pl-PL" sz="1500">
-                          <a:latin typeface="Lucida Console"/>
+                      <a:endParaRPr sz="1600" b="0">
+                        <a:latin typeface="Cambria Math" panose="02040503050406030204" pitchFamily="18" charset="0"/>
+                        <a:ea typeface="Cambria Math" panose="02040503050406030204" pitchFamily="18" charset="0"/>
+                      </a:endParaRPr>
+                    </a:p>
+                    <a:p>
+                      <a:r>
+                        <a:rPr lang="pl-PL" sz="1600" b="0">
+                          <a:latin typeface="Cambria Math" panose="02040503050406030204" pitchFamily="18" charset="0"/>
+                          <a:ea typeface="Cambria Math" panose="02040503050406030204" pitchFamily="18" charset="0"/>
                         </a:rPr>
                         <a:t>-license plate light active</a:t>
                       </a:r>
-                      <a:endParaRPr/>
-                    </a:p>
-                    <a:p>
-                      <a:r>
-                        <a:rPr lang="pl-PL" sz="1500">
-                          <a:latin typeface="Lucida Console"/>
+                      <a:endParaRPr sz="1600" b="0">
+                        <a:latin typeface="Cambria Math" panose="02040503050406030204" pitchFamily="18" charset="0"/>
+                        <a:ea typeface="Cambria Math" panose="02040503050406030204" pitchFamily="18" charset="0"/>
+                      </a:endParaRPr>
+                    </a:p>
+                    <a:p>
+                      <a:r>
+                        <a:rPr lang="pl-PL" sz="1600" b="0">
+                          <a:latin typeface="Cambria Math" panose="02040503050406030204" pitchFamily="18" charset="0"/>
+                          <a:ea typeface="Cambria Math" panose="02040503050406030204" pitchFamily="18" charset="0"/>
                         </a:rPr>
                         <a:t>-low beam active</a:t>
                       </a:r>
-                      <a:endParaRPr/>
+                      <a:endParaRPr sz="1600" b="0">
+                        <a:latin typeface="Cambria Math" panose="02040503050406030204" pitchFamily="18" charset="0"/>
+                        <a:ea typeface="Cambria Math" panose="02040503050406030204" pitchFamily="18" charset="0"/>
+                      </a:endParaRPr>
                     </a:p>
                   </a:txBody>
                   <a:tcPr/>
                 </a:tc>
                 <a:tc>
                   <a:txBody>
-                    <a:bodyPr lIns="90000" rIns="90000" tIns="46800" bIns="46800"/>
-                    <a:p>
-                      <a:r>
-                        <a:rPr lang="pl-PL" sz="1500">
-                          <a:latin typeface="Lucida Console"/>
+                    <a:bodyPr/>
+                    <a:lstStyle/>
+                    <a:p>
+                      <a:r>
+                        <a:rPr lang="pl-PL" sz="1600" b="0">
+                          <a:latin typeface="Cambria Math" panose="02040503050406030204" pitchFamily="18" charset="0"/>
+                          <a:ea typeface="Cambria Math" panose="02040503050406030204" pitchFamily="18" charset="0"/>
                         </a:rPr>
                         <a:t>OK</a:t>
                       </a:r>
-                      <a:endParaRPr/>
+                      <a:endParaRPr sz="1600" b="0">
+                        <a:latin typeface="Cambria Math" panose="02040503050406030204" pitchFamily="18" charset="0"/>
+                        <a:ea typeface="Cambria Math" panose="02040503050406030204" pitchFamily="18" charset="0"/>
+                      </a:endParaRPr>
                     </a:p>
                   </a:txBody>
                   <a:tcPr/>
                 </a:tc>
+                <a:extLst>
+                  <a:ext uri="{0D108BD9-81ED-4DB2-BD59-A6C34878D82A}">
+                    <a16:rowId xmlns:a16="http://schemas.microsoft.com/office/drawing/2014/main" val="10002"/>
+                  </a:ext>
+                </a:extLst>
               </a:tr>
-              <a:tr h="1079640">
+              <a:tr h="1651061">
                 <a:tc>
                   <a:txBody>
-                    <a:bodyPr lIns="90000" rIns="90000" tIns="46800" bIns="46800"/>
-                    <a:p>
-                      <a:r>
-                        <a:rPr lang="pl-PL" sz="1500">
-                          <a:latin typeface="Lucida Console"/>
+                    <a:bodyPr/>
+                    <a:lstStyle/>
+                    <a:p>
+                      <a:r>
+                        <a:rPr lang="pl-PL" sz="1600" b="0">
+                          <a:latin typeface="Cambria Math" panose="02040503050406030204" pitchFamily="18" charset="0"/>
+                          <a:ea typeface="Cambria Math" panose="02040503050406030204" pitchFamily="18" charset="0"/>
                         </a:rPr>
                         <a:t>-key position</a:t>
                       </a:r>
-                      <a:endParaRPr/>
-                    </a:p>
-                    <a:p>
-                      <a:r>
-                        <a:rPr lang="pl-PL" sz="1500">
-                          <a:latin typeface="Lucida Console"/>
+                      <a:endParaRPr sz="1600" b="0">
+                        <a:latin typeface="Cambria Math" panose="02040503050406030204" pitchFamily="18" charset="0"/>
+                        <a:ea typeface="Cambria Math" panose="02040503050406030204" pitchFamily="18" charset="0"/>
+                      </a:endParaRPr>
+                    </a:p>
+                    <a:p>
+                      <a:r>
+                        <a:rPr lang="pl-PL" sz="1600" b="0">
+                          <a:latin typeface="Cambria Math" panose="02040503050406030204" pitchFamily="18" charset="0"/>
+                          <a:ea typeface="Cambria Math" panose="02040503050406030204" pitchFamily="18" charset="0"/>
                         </a:rPr>
                         <a:t>-turn switch</a:t>
                       </a:r>
-                      <a:endParaRPr/>
-                    </a:p>
-                    <a:p>
-                      <a:r>
-                        <a:rPr lang="pl-PL" sz="1500">
-                          <a:latin typeface="Lucida Console"/>
+                      <a:endParaRPr sz="1600" b="0">
+                        <a:latin typeface="Cambria Math" panose="02040503050406030204" pitchFamily="18" charset="0"/>
+                        <a:ea typeface="Cambria Math" panose="02040503050406030204" pitchFamily="18" charset="0"/>
+                      </a:endParaRPr>
+                    </a:p>
+                    <a:p>
+                      <a:r>
+                        <a:rPr lang="pl-PL" sz="1600" b="0">
+                          <a:latin typeface="Cambria Math" panose="02040503050406030204" pitchFamily="18" charset="0"/>
+                          <a:ea typeface="Cambria Math" panose="02040503050406030204" pitchFamily="18" charset="0"/>
                         </a:rPr>
                         <a:t>-hazard switch</a:t>
                       </a:r>
-                      <a:endParaRPr/>
+                      <a:endParaRPr sz="1600" b="0">
+                        <a:latin typeface="Cambria Math" panose="02040503050406030204" pitchFamily="18" charset="0"/>
+                        <a:ea typeface="Cambria Math" panose="02040503050406030204" pitchFamily="18" charset="0"/>
+                      </a:endParaRPr>
                     </a:p>
                   </a:txBody>
                   <a:tcPr/>
                 </a:tc>
                 <a:tc>
                   <a:txBody>
-                    <a:bodyPr lIns="90000" rIns="90000" tIns="46800" bIns="46800"/>
-                    <a:p>
-                      <a:r>
-                        <a:rPr lang="pl-PL" sz="1500">
-                          <a:latin typeface="Lucida Console"/>
+                    <a:bodyPr/>
+                    <a:lstStyle/>
+                    <a:p>
+                      <a:r>
+                        <a:rPr lang="pl-PL" sz="1600" b="0">
+                          <a:latin typeface="Cambria Math" panose="02040503050406030204" pitchFamily="18" charset="0"/>
+                          <a:ea typeface="Cambria Math" panose="02040503050406030204" pitchFamily="18" charset="0"/>
                         </a:rPr>
                         <a:t>turn lights</a:t>
                       </a:r>
-                      <a:endParaRPr/>
+                      <a:endParaRPr sz="1600" b="0">
+                        <a:latin typeface="Cambria Math" panose="02040503050406030204" pitchFamily="18" charset="0"/>
+                        <a:ea typeface="Cambria Math" panose="02040503050406030204" pitchFamily="18" charset="0"/>
+                      </a:endParaRPr>
                     </a:p>
                   </a:txBody>
                   <a:tcPr/>
                 </a:tc>
                 <a:tc>
                   <a:txBody>
-                    <a:bodyPr lIns="90000" rIns="90000" tIns="46800" bIns="46800"/>
-                    <a:p>
-                      <a:r>
-                        <a:rPr lang="pl-PL" sz="1500">
-                          <a:latin typeface="Lucida Console"/>
+                    <a:bodyPr/>
+                    <a:lstStyle/>
+                    <a:p>
+                      <a:r>
+                        <a:rPr lang="pl-PL" sz="1600" b="0">
+                          <a:latin typeface="Cambria Math" panose="02040503050406030204" pitchFamily="18" charset="0"/>
+                          <a:ea typeface="Cambria Math" panose="02040503050406030204" pitchFamily="18" charset="0"/>
                         </a:rPr>
                         <a:t>-key position: run/crank</a:t>
                       </a:r>
-                      <a:endParaRPr/>
-                    </a:p>
-                    <a:p>
-                      <a:r>
-                        <a:rPr lang="pl-PL" sz="1500">
-                          <a:latin typeface="Lucida Console"/>
+                      <a:endParaRPr sz="1600" b="0">
+                        <a:latin typeface="Cambria Math" panose="02040503050406030204" pitchFamily="18" charset="0"/>
+                        <a:ea typeface="Cambria Math" panose="02040503050406030204" pitchFamily="18" charset="0"/>
+                      </a:endParaRPr>
+                    </a:p>
+                    <a:p>
+                      <a:r>
+                        <a:rPr lang="pl-PL" sz="1600" b="0">
+                          <a:latin typeface="Cambria Math" panose="02040503050406030204" pitchFamily="18" charset="0"/>
+                          <a:ea typeface="Cambria Math" panose="02040503050406030204" pitchFamily="18" charset="0"/>
                         </a:rPr>
                         <a:t>-left or right turn switch: on</a:t>
                       </a:r>
-                      <a:endParaRPr/>
-                    </a:p>
-                    <a:p>
-                      <a:r>
-                        <a:rPr lang="pl-PL" sz="1500">
-                          <a:latin typeface="Lucida Console"/>
+                      <a:endParaRPr sz="1600" b="0">
+                        <a:latin typeface="Cambria Math" panose="02040503050406030204" pitchFamily="18" charset="0"/>
+                        <a:ea typeface="Cambria Math" panose="02040503050406030204" pitchFamily="18" charset="0"/>
+                      </a:endParaRPr>
+                    </a:p>
+                    <a:p>
+                      <a:r>
+                        <a:rPr lang="pl-PL" sz="1600" b="0">
+                          <a:latin typeface="Cambria Math" panose="02040503050406030204" pitchFamily="18" charset="0"/>
+                          <a:ea typeface="Cambria Math" panose="02040503050406030204" pitchFamily="18" charset="0"/>
                         </a:rPr>
                         <a:t>-hazard switch: off</a:t>
                       </a:r>
-                      <a:endParaRPr/>
+                      <a:endParaRPr sz="1600" b="0">
+                        <a:latin typeface="Cambria Math" panose="02040503050406030204" pitchFamily="18" charset="0"/>
+                        <a:ea typeface="Cambria Math" panose="02040503050406030204" pitchFamily="18" charset="0"/>
+                      </a:endParaRPr>
                     </a:p>
                   </a:txBody>
                   <a:tcPr/>
                 </a:tc>
                 <a:tc>
                   <a:txBody>
-                    <a:bodyPr lIns="90000" rIns="90000" tIns="46800" bIns="46800"/>
-                    <a:p>
-                      <a:r>
-                        <a:rPr lang="pl-PL" sz="1500" strike="noStrike">
+                    <a:bodyPr/>
+                    <a:lstStyle/>
+                    <a:p>
+                      <a:r>
+                        <a:rPr lang="pl-PL" sz="1600" b="0" strike="noStrike">
                           <a:solidFill>
                             <a:srgbClr val="000000"/>
                           </a:solidFill>
-                          <a:latin typeface="Lucida Console"/>
-                          <a:ea typeface="Microsoft YaHei"/>
+                          <a:latin typeface="Cambria Math" panose="02040503050406030204" pitchFamily="18" charset="0"/>
+                          <a:ea typeface="Cambria Math" panose="02040503050406030204" pitchFamily="18" charset="0"/>
                         </a:rPr>
                         <a:t>left or right turn light active respectively </a:t>
                       </a:r>
-                      <a:endParaRPr/>
+                      <a:endParaRPr sz="1600" b="0">
+                        <a:latin typeface="Cambria Math" panose="02040503050406030204" pitchFamily="18" charset="0"/>
+                        <a:ea typeface="Cambria Math" panose="02040503050406030204" pitchFamily="18" charset="0"/>
+                      </a:endParaRPr>
                     </a:p>
                   </a:txBody>
                   <a:tcPr/>
                 </a:tc>
                 <a:tc>
                   <a:txBody>
-                    <a:bodyPr lIns="90000" rIns="90000" tIns="46800" bIns="46800"/>
-                    <a:p>
-                      <a:r>
-                        <a:rPr lang="pl-PL" sz="1500">
-                          <a:latin typeface="Lucida Console"/>
+                    <a:bodyPr/>
+                    <a:lstStyle/>
+                    <a:p>
+                      <a:r>
+                        <a:rPr lang="pl-PL" sz="1600" b="0" dirty="0">
+                          <a:latin typeface="Cambria Math" panose="02040503050406030204" pitchFamily="18" charset="0"/>
+                          <a:ea typeface="Cambria Math" panose="02040503050406030204" pitchFamily="18" charset="0"/>
                         </a:rPr>
                         <a:t>OK</a:t>
                       </a:r>
-                      <a:endParaRPr/>
+                      <a:endParaRPr sz="1600" b="0" dirty="0">
+                        <a:latin typeface="Cambria Math" panose="02040503050406030204" pitchFamily="18" charset="0"/>
+                        <a:ea typeface="Cambria Math" panose="02040503050406030204" pitchFamily="18" charset="0"/>
+                      </a:endParaRPr>
                     </a:p>
                   </a:txBody>
                   <a:tcPr/>
                 </a:tc>
+                <a:extLst>
+                  <a:ext uri="{0D108BD9-81ED-4DB2-BD59-A6C34878D82A}">
+                    <a16:rowId xmlns:a16="http://schemas.microsoft.com/office/drawing/2014/main" val="10003"/>
+                  </a:ext>
+                </a:extLst>
               </a:tr>
             </a:tbl>
           </a:graphicData>
@@ -3933,25 +5123,28 @@
       </p:graphicFrame>
     </p:spTree>
   </p:cSld>
+  <p:clrMapOvr>
+    <a:masterClrMapping/>
+  </p:clrMapOvr>
   <p:transition>
-    <p:fade thruBlk="true"/>
+    <p:fade thruBlk="1"/>
   </p:transition>
   <p:timing>
     <p:tnLst>
       <p:par>
-        <p:cTn id="9" dur="indefinite" restart="never" nodeType="tmRoot">
+        <p:cTn id="1" dur="indefinite" restart="never" nodeType="tmRoot">
           <p:childTnLst>
             <p:seq>
-              <p:cTn id="10" nodeType="mainSeq"/>
+              <p:cTn id="2" nodeType="mainSeq"/>
               <p:prevCondLst>
-                <p:cond delay="0" evt="onPrev">
+                <p:cond evt="onPrev" delay="0">
                   <p:tgtEl>
                     <p:sldTgt/>
                   </p:tgtEl>
                 </p:cond>
               </p:prevCondLst>
               <p:nextCondLst>
-                <p:cond delay="0" evt="onNext">
+                <p:cond evt="onNext" delay="0">
                   <p:tgtEl>
                     <p:sldTgt/>
                   </p:tgtEl>
@@ -3967,7 +5160,7 @@
 </file>
 
 <file path=ppt/slides/slide6.xml><?xml version="1.0" encoding="utf-8"?>
-<p:sld xmlns:a="http://schemas.openxmlformats.org/drawingml/2006/main" xmlns:p="http://schemas.openxmlformats.org/presentationml/2006/main" xmlns:r="http://schemas.openxmlformats.org/officeDocument/2006/relationships">
+<p:sld xmlns:a="http://schemas.openxmlformats.org/drawingml/2006/main" xmlns:r="http://schemas.openxmlformats.org/officeDocument/2006/relationships" xmlns:p="http://schemas.openxmlformats.org/presentationml/2006/main">
   <p:cSld>
     <p:spTree>
       <p:nvGrpSpPr>
@@ -4003,7 +5196,8 @@
           </a:ln>
         </p:spPr>
         <p:txBody>
-          <a:bodyPr lIns="0" rIns="0" tIns="0" bIns="0" anchor="ctr"/>
+          <a:bodyPr lIns="0" tIns="0" rIns="0" bIns="0" anchor="ctr"/>
+          <a:lstStyle/>
           <a:p>
             <a:pPr algn="ctr"/>
             <a:r>
@@ -4020,26 +5214,57 @@
         <p:nvGraphicFramePr>
           <p:cNvPr id="83" name="Table 2"/>
           <p:cNvGraphicFramePr/>
-          <p:nvPr/>
+          <p:nvPr>
+            <p:extLst>
+              <p:ext uri="{D42A27DB-BD31-4B8C-83A1-F6EECF244321}">
+                <p14:modId xmlns:p14="http://schemas.microsoft.com/office/powerpoint/2010/main" val="3778231619"/>
+              </p:ext>
+            </p:extLst>
+          </p:nvPr>
         </p:nvGraphicFramePr>
         <p:xfrm>
           <a:off x="510480" y="744840"/>
-          <a:ext cx="9071280" cy="6606360"/>
+          <a:ext cx="9071640" cy="6808320"/>
         </p:xfrm>
         <a:graphic>
           <a:graphicData uri="http://schemas.openxmlformats.org/drawingml/2006/table">
             <a:tbl>
               <a:tblPr/>
               <a:tblGrid>
-                <a:gridCol w="2267640"/>
-                <a:gridCol w="2267640"/>
-                <a:gridCol w="2267640"/>
-                <a:gridCol w="2268720"/>
+                <a:gridCol w="2267640">
+                  <a:extLst>
+                    <a:ext uri="{9D8B030D-6E8A-4147-A177-3AD203B41FA5}">
+                      <a16:colId xmlns:a16="http://schemas.microsoft.com/office/drawing/2014/main" val="20000"/>
+                    </a:ext>
+                  </a:extLst>
+                </a:gridCol>
+                <a:gridCol w="2267640">
+                  <a:extLst>
+                    <a:ext uri="{9D8B030D-6E8A-4147-A177-3AD203B41FA5}">
+                      <a16:colId xmlns:a16="http://schemas.microsoft.com/office/drawing/2014/main" val="20001"/>
+                    </a:ext>
+                  </a:extLst>
+                </a:gridCol>
+                <a:gridCol w="2267640">
+                  <a:extLst>
+                    <a:ext uri="{9D8B030D-6E8A-4147-A177-3AD203B41FA5}">
+                      <a16:colId xmlns:a16="http://schemas.microsoft.com/office/drawing/2014/main" val="20002"/>
+                    </a:ext>
+                  </a:extLst>
+                </a:gridCol>
+                <a:gridCol w="2268720">
+                  <a:extLst>
+                    <a:ext uri="{9D8B030D-6E8A-4147-A177-3AD203B41FA5}">
+                      <a16:colId xmlns:a16="http://schemas.microsoft.com/office/drawing/2014/main" val="20003"/>
+                    </a:ext>
+                  </a:extLst>
+                </a:gridCol>
               </a:tblGrid>
               <a:tr h="350280">
                 <a:tc>
                   <a:txBody>
-                    <a:bodyPr lIns="90000" rIns="90000" tIns="46800" bIns="46800"/>
+                    <a:bodyPr/>
+                    <a:lstStyle/>
                     <a:p>
                       <a:pPr algn="ctr"/>
                       <a:r>
@@ -4047,19 +5272,23 @@
                           <a:solidFill>
                             <a:srgbClr val="000000"/>
                           </a:solidFill>
-                          <a:latin typeface="Arial"/>
-                          <a:ea typeface="Arial"/>
+                          <a:latin typeface="Cambria Math" panose="02040503050406030204" pitchFamily="18" charset="0"/>
+                          <a:ea typeface="Cambria Math" panose="02040503050406030204" pitchFamily="18" charset="0"/>
                         </a:rPr>
                         <a:t>Deadline</a:t>
                       </a:r>
-                      <a:endParaRPr/>
+                      <a:endParaRPr>
+                        <a:latin typeface="Cambria Math" panose="02040503050406030204" pitchFamily="18" charset="0"/>
+                        <a:ea typeface="Cambria Math" panose="02040503050406030204" pitchFamily="18" charset="0"/>
+                      </a:endParaRPr>
                     </a:p>
                   </a:txBody>
                   <a:tcPr/>
                 </a:tc>
                 <a:tc>
                   <a:txBody>
-                    <a:bodyPr lIns="90000" rIns="90000" tIns="46800" bIns="46800"/>
+                    <a:bodyPr/>
+                    <a:lstStyle/>
                     <a:p>
                       <a:pPr algn="ctr"/>
                       <a:r>
@@ -4067,19 +5296,23 @@
                           <a:solidFill>
                             <a:srgbClr val="000000"/>
                           </a:solidFill>
-                          <a:latin typeface="Arial"/>
-                          <a:ea typeface="Arial"/>
+                          <a:latin typeface="Cambria Math" panose="02040503050406030204" pitchFamily="18" charset="0"/>
+                          <a:ea typeface="Cambria Math" panose="02040503050406030204" pitchFamily="18" charset="0"/>
                         </a:rPr>
                         <a:t>Kto?</a:t>
                       </a:r>
-                      <a:endParaRPr/>
+                      <a:endParaRPr>
+                        <a:latin typeface="Cambria Math" panose="02040503050406030204" pitchFamily="18" charset="0"/>
+                        <a:ea typeface="Cambria Math" panose="02040503050406030204" pitchFamily="18" charset="0"/>
+                      </a:endParaRPr>
                     </a:p>
                   </a:txBody>
                   <a:tcPr/>
                 </a:tc>
                 <a:tc>
                   <a:txBody>
-                    <a:bodyPr lIns="90000" rIns="90000" tIns="46800" bIns="46800"/>
+                    <a:bodyPr/>
+                    <a:lstStyle/>
                     <a:p>
                       <a:pPr algn="ctr"/>
                       <a:r>
@@ -4087,19 +5320,23 @@
                           <a:solidFill>
                             <a:srgbClr val="000000"/>
                           </a:solidFill>
-                          <a:latin typeface="Arial"/>
-                          <a:ea typeface="Arial"/>
+                          <a:latin typeface="Cambria Math" panose="02040503050406030204" pitchFamily="18" charset="0"/>
+                          <a:ea typeface="Cambria Math" panose="02040503050406030204" pitchFamily="18" charset="0"/>
                         </a:rPr>
                         <a:t>Co?</a:t>
                       </a:r>
-                      <a:endParaRPr/>
+                      <a:endParaRPr>
+                        <a:latin typeface="Cambria Math" panose="02040503050406030204" pitchFamily="18" charset="0"/>
+                        <a:ea typeface="Cambria Math" panose="02040503050406030204" pitchFamily="18" charset="0"/>
+                      </a:endParaRPr>
                     </a:p>
                   </a:txBody>
                   <a:tcPr/>
                 </a:tc>
                 <a:tc>
                   <a:txBody>
-                    <a:bodyPr lIns="90000" rIns="90000" tIns="46800" bIns="46800"/>
+                    <a:bodyPr/>
+                    <a:lstStyle/>
                     <a:p>
                       <a:pPr algn="ctr"/>
                       <a:r>
@@ -4107,589 +5344,772 @@
                           <a:solidFill>
                             <a:srgbClr val="000000"/>
                           </a:solidFill>
-                          <a:latin typeface="Arial"/>
-                          <a:ea typeface="Arial"/>
+                          <a:latin typeface="Cambria Math" panose="02040503050406030204" pitchFamily="18" charset="0"/>
+                          <a:ea typeface="Cambria Math" panose="02040503050406030204" pitchFamily="18" charset="0"/>
                         </a:rPr>
                         <a:t>Zrobione?</a:t>
                       </a:r>
-                      <a:endParaRPr/>
+                      <a:endParaRPr>
+                        <a:latin typeface="Cambria Math" panose="02040503050406030204" pitchFamily="18" charset="0"/>
+                        <a:ea typeface="Cambria Math" panose="02040503050406030204" pitchFamily="18" charset="0"/>
+                      </a:endParaRPr>
                     </a:p>
                   </a:txBody>
                   <a:tcPr/>
                 </a:tc>
+                <a:extLst>
+                  <a:ext uri="{0D108BD9-81ED-4DB2-BD59-A6C34878D82A}">
+                    <a16:rowId xmlns:a16="http://schemas.microsoft.com/office/drawing/2014/main" val="10000"/>
+                  </a:ext>
+                </a:extLst>
               </a:tr>
               <a:tr h="1027080">
                 <a:tc>
                   <a:txBody>
-                    <a:bodyPr lIns="90000" rIns="90000" tIns="46800" bIns="46800"/>
+                    <a:bodyPr/>
+                    <a:lstStyle/>
                     <a:p>
                       <a:r>
                         <a:rPr lang="pl-PL">
                           <a:solidFill>
                             <a:srgbClr val="000000"/>
                           </a:solidFill>
-                          <a:latin typeface="Arial"/>
-                          <a:ea typeface="Arial"/>
+                          <a:latin typeface="Cambria Math" panose="02040503050406030204" pitchFamily="18" charset="0"/>
+                          <a:ea typeface="Cambria Math" panose="02040503050406030204" pitchFamily="18" charset="0"/>
                         </a:rPr>
                         <a:t>23 IV 2016</a:t>
                       </a:r>
-                      <a:endParaRPr/>
+                      <a:endParaRPr>
+                        <a:latin typeface="Cambria Math" panose="02040503050406030204" pitchFamily="18" charset="0"/>
+                        <a:ea typeface="Cambria Math" panose="02040503050406030204" pitchFamily="18" charset="0"/>
+                      </a:endParaRPr>
                     </a:p>
                   </a:txBody>
                   <a:tcPr/>
                 </a:tc>
                 <a:tc>
                   <a:txBody>
-                    <a:bodyPr lIns="90000" rIns="90000" tIns="46800" bIns="46800"/>
+                    <a:bodyPr/>
+                    <a:lstStyle/>
                     <a:p>
                       <a:r>
                         <a:rPr lang="pl-PL" sz="1500">
-                          <a:latin typeface="Calibri"/>
-                          <a:ea typeface="Arial"/>
+                          <a:latin typeface="Cambria Math" panose="02040503050406030204" pitchFamily="18" charset="0"/>
+                          <a:ea typeface="Cambria Math" panose="02040503050406030204" pitchFamily="18" charset="0"/>
                         </a:rPr>
                         <a:t>Michał Trojnarski</a:t>
                       </a:r>
-                      <a:endParaRPr/>
+                      <a:endParaRPr>
+                        <a:latin typeface="Cambria Math" panose="02040503050406030204" pitchFamily="18" charset="0"/>
+                        <a:ea typeface="Cambria Math" panose="02040503050406030204" pitchFamily="18" charset="0"/>
+                      </a:endParaRPr>
                     </a:p>
                     <a:p>
                       <a:r>
                         <a:rPr lang="pl-PL" sz="1500">
-                          <a:latin typeface="Calibri"/>
-                          <a:ea typeface="Arial"/>
+                          <a:latin typeface="Cambria Math" panose="02040503050406030204" pitchFamily="18" charset="0"/>
+                          <a:ea typeface="Cambria Math" panose="02040503050406030204" pitchFamily="18" charset="0"/>
                         </a:rPr>
                         <a:t>Andrzej Brodzicki</a:t>
                       </a:r>
-                      <a:endParaRPr/>
+                      <a:endParaRPr>
+                        <a:latin typeface="Cambria Math" panose="02040503050406030204" pitchFamily="18" charset="0"/>
+                        <a:ea typeface="Cambria Math" panose="02040503050406030204" pitchFamily="18" charset="0"/>
+                      </a:endParaRPr>
                     </a:p>
                   </a:txBody>
                   <a:tcPr/>
                 </a:tc>
                 <a:tc>
                   <a:txBody>
-                    <a:bodyPr lIns="90000" rIns="90000" tIns="46800" bIns="46800"/>
+                    <a:bodyPr/>
+                    <a:lstStyle/>
                     <a:p>
                       <a:r>
                         <a:rPr lang="pl-PL" sz="1500">
                           <a:solidFill>
                             <a:srgbClr val="000000"/>
                           </a:solidFill>
-                          <a:latin typeface="Calibri"/>
-                          <a:ea typeface="Arial"/>
+                          <a:latin typeface="Cambria Math" panose="02040503050406030204" pitchFamily="18" charset="0"/>
+                          <a:ea typeface="Cambria Math" panose="02040503050406030204" pitchFamily="18" charset="0"/>
                         </a:rPr>
                         <a:t>Zaprojektowanie i zrealizowanie w MATLABie modelu układu sterującego</a:t>
                       </a:r>
-                      <a:endParaRPr/>
+                      <a:endParaRPr>
+                        <a:latin typeface="Cambria Math" panose="02040503050406030204" pitchFamily="18" charset="0"/>
+                        <a:ea typeface="Cambria Math" panose="02040503050406030204" pitchFamily="18" charset="0"/>
+                      </a:endParaRPr>
                     </a:p>
                   </a:txBody>
                   <a:tcPr/>
                 </a:tc>
                 <a:tc>
                   <a:txBody>
-                    <a:bodyPr lIns="90000" rIns="90000" tIns="46800" bIns="46800"/>
+                    <a:bodyPr/>
+                    <a:lstStyle/>
                     <a:p>
                       <a:r>
                         <a:rPr lang="pl-PL">
-                          <a:latin typeface="Calibri"/>
+                          <a:latin typeface="Cambria Math" panose="02040503050406030204" pitchFamily="18" charset="0"/>
+                          <a:ea typeface="Cambria Math" panose="02040503050406030204" pitchFamily="18" charset="0"/>
                         </a:rPr>
                         <a:t>TAK</a:t>
                       </a:r>
-                      <a:endParaRPr/>
+                      <a:endParaRPr>
+                        <a:latin typeface="Cambria Math" panose="02040503050406030204" pitchFamily="18" charset="0"/>
+                        <a:ea typeface="Cambria Math" panose="02040503050406030204" pitchFamily="18" charset="0"/>
+                      </a:endParaRPr>
                     </a:p>
                   </a:txBody>
                   <a:tcPr/>
                 </a:tc>
+                <a:extLst>
+                  <a:ext uri="{0D108BD9-81ED-4DB2-BD59-A6C34878D82A}">
+                    <a16:rowId xmlns:a16="http://schemas.microsoft.com/office/drawing/2014/main" val="10001"/>
+                  </a:ext>
+                </a:extLst>
               </a:tr>
               <a:tr h="560520">
                 <a:tc>
                   <a:txBody>
-                    <a:bodyPr lIns="90000" rIns="90000" tIns="46800" bIns="46800"/>
+                    <a:bodyPr/>
+                    <a:lstStyle/>
                     <a:p>
                       <a:r>
                         <a:rPr lang="pl-PL">
                           <a:solidFill>
                             <a:srgbClr val="000000"/>
                           </a:solidFill>
-                          <a:latin typeface="Arial"/>
-                          <a:ea typeface="Arial"/>
+                          <a:latin typeface="Cambria Math" panose="02040503050406030204" pitchFamily="18" charset="0"/>
+                          <a:ea typeface="Cambria Math" panose="02040503050406030204" pitchFamily="18" charset="0"/>
                         </a:rPr>
                         <a:t>23 IV 2016</a:t>
                       </a:r>
-                      <a:endParaRPr/>
+                      <a:endParaRPr>
+                        <a:latin typeface="Cambria Math" panose="02040503050406030204" pitchFamily="18" charset="0"/>
+                        <a:ea typeface="Cambria Math" panose="02040503050406030204" pitchFamily="18" charset="0"/>
+                      </a:endParaRPr>
                     </a:p>
                   </a:txBody>
                   <a:tcPr/>
                 </a:tc>
                 <a:tc>
                   <a:txBody>
-                    <a:bodyPr lIns="90000" rIns="90000" tIns="46800" bIns="46800"/>
+                    <a:bodyPr/>
+                    <a:lstStyle/>
                     <a:p>
                       <a:r>
                         <a:rPr lang="pl-PL" sz="1500">
                           <a:solidFill>
                             <a:srgbClr val="000000"/>
                           </a:solidFill>
-                          <a:latin typeface="Calibri"/>
-                          <a:ea typeface="Arial"/>
+                          <a:latin typeface="Cambria Math" panose="02040503050406030204" pitchFamily="18" charset="0"/>
+                          <a:ea typeface="Cambria Math" panose="02040503050406030204" pitchFamily="18" charset="0"/>
                         </a:rPr>
                         <a:t>Mateusz Wąsala Aleksander Pasiut</a:t>
                       </a:r>
-                      <a:endParaRPr/>
+                      <a:endParaRPr>
+                        <a:latin typeface="Cambria Math" panose="02040503050406030204" pitchFamily="18" charset="0"/>
+                        <a:ea typeface="Cambria Math" panose="02040503050406030204" pitchFamily="18" charset="0"/>
+                      </a:endParaRPr>
                     </a:p>
                   </a:txBody>
                   <a:tcPr/>
                 </a:tc>
                 <a:tc>
                   <a:txBody>
-                    <a:bodyPr lIns="90000" rIns="90000" tIns="46800" bIns="46800"/>
+                    <a:bodyPr/>
+                    <a:lstStyle/>
                     <a:p>
                       <a:r>
                         <a:rPr lang="pl-PL" sz="1500">
                           <a:solidFill>
                             <a:srgbClr val="000000"/>
                           </a:solidFill>
-                          <a:latin typeface="Calibri"/>
-                          <a:ea typeface="Arial"/>
+                          <a:latin typeface="Cambria Math" panose="02040503050406030204" pitchFamily="18" charset="0"/>
+                          <a:ea typeface="Cambria Math" panose="02040503050406030204" pitchFamily="18" charset="0"/>
                         </a:rPr>
                         <a:t>Przygotowanie raportu testów</a:t>
                       </a:r>
-                      <a:endParaRPr/>
+                      <a:endParaRPr>
+                        <a:latin typeface="Cambria Math" panose="02040503050406030204" pitchFamily="18" charset="0"/>
+                        <a:ea typeface="Cambria Math" panose="02040503050406030204" pitchFamily="18" charset="0"/>
+                      </a:endParaRPr>
                     </a:p>
                   </a:txBody>
                   <a:tcPr/>
                 </a:tc>
                 <a:tc>
                   <a:txBody>
-                    <a:bodyPr lIns="90000" rIns="90000" tIns="46800" bIns="46800"/>
+                    <a:bodyPr/>
+                    <a:lstStyle/>
                     <a:p>
                       <a:r>
                         <a:rPr lang="pl-PL">
-                          <a:latin typeface="Calibri"/>
+                          <a:latin typeface="Cambria Math" panose="02040503050406030204" pitchFamily="18" charset="0"/>
+                          <a:ea typeface="Cambria Math" panose="02040503050406030204" pitchFamily="18" charset="0"/>
                         </a:rPr>
                         <a:t>TAK</a:t>
                       </a:r>
-                      <a:endParaRPr/>
+                      <a:endParaRPr>
+                        <a:latin typeface="Cambria Math" panose="02040503050406030204" pitchFamily="18" charset="0"/>
+                        <a:ea typeface="Cambria Math" panose="02040503050406030204" pitchFamily="18" charset="0"/>
+                      </a:endParaRPr>
                     </a:p>
                   </a:txBody>
                   <a:tcPr/>
                 </a:tc>
+                <a:extLst>
+                  <a:ext uri="{0D108BD9-81ED-4DB2-BD59-A6C34878D82A}">
+                    <a16:rowId xmlns:a16="http://schemas.microsoft.com/office/drawing/2014/main" val="10002"/>
+                  </a:ext>
+                </a:extLst>
               </a:tr>
               <a:tr h="1027080">
                 <a:tc>
                   <a:txBody>
-                    <a:bodyPr lIns="90000" rIns="90000" tIns="46800" bIns="46800"/>
+                    <a:bodyPr/>
+                    <a:lstStyle/>
                     <a:p>
                       <a:r>
                         <a:rPr lang="pl-PL">
                           <a:solidFill>
                             <a:srgbClr val="000000"/>
                           </a:solidFill>
-                          <a:latin typeface="Arial"/>
-                          <a:ea typeface="Arial"/>
+                          <a:latin typeface="Cambria Math" panose="02040503050406030204" pitchFamily="18" charset="0"/>
+                          <a:ea typeface="Cambria Math" panose="02040503050406030204" pitchFamily="18" charset="0"/>
                         </a:rPr>
                         <a:t>24 IV 2016</a:t>
                       </a:r>
-                      <a:endParaRPr/>
+                      <a:endParaRPr>
+                        <a:latin typeface="Cambria Math" panose="02040503050406030204" pitchFamily="18" charset="0"/>
+                        <a:ea typeface="Cambria Math" panose="02040503050406030204" pitchFamily="18" charset="0"/>
+                      </a:endParaRPr>
                     </a:p>
                   </a:txBody>
                   <a:tcPr/>
                 </a:tc>
                 <a:tc>
                   <a:txBody>
-                    <a:bodyPr lIns="90000" rIns="90000" tIns="46800" bIns="46800"/>
+                    <a:bodyPr/>
+                    <a:lstStyle/>
                     <a:p>
                       <a:r>
                         <a:rPr lang="pl-PL" sz="1500">
-                          <a:latin typeface="Calibri"/>
-                          <a:ea typeface="Arial"/>
+                          <a:latin typeface="Cambria Math" panose="02040503050406030204" pitchFamily="18" charset="0"/>
+                          <a:ea typeface="Cambria Math" panose="02040503050406030204" pitchFamily="18" charset="0"/>
                         </a:rPr>
                         <a:t>Mateusz Wąsala </a:t>
                       </a:r>
-                      <a:endParaRPr/>
+                      <a:endParaRPr>
+                        <a:latin typeface="Cambria Math" panose="02040503050406030204" pitchFamily="18" charset="0"/>
+                        <a:ea typeface="Cambria Math" panose="02040503050406030204" pitchFamily="18" charset="0"/>
+                      </a:endParaRPr>
                     </a:p>
                     <a:p>
                       <a:r>
                         <a:rPr lang="pl-PL" sz="1500">
-                          <a:latin typeface="Calibri"/>
-                          <a:ea typeface="Arial"/>
+                          <a:latin typeface="Cambria Math" panose="02040503050406030204" pitchFamily="18" charset="0"/>
+                          <a:ea typeface="Cambria Math" panose="02040503050406030204" pitchFamily="18" charset="0"/>
                         </a:rPr>
                         <a:t>Aleksander Pasiut</a:t>
                       </a:r>
-                      <a:endParaRPr/>
+                      <a:endParaRPr>
+                        <a:latin typeface="Cambria Math" panose="02040503050406030204" pitchFamily="18" charset="0"/>
+                        <a:ea typeface="Cambria Math" panose="02040503050406030204" pitchFamily="18" charset="0"/>
+                      </a:endParaRPr>
                     </a:p>
                   </a:txBody>
                   <a:tcPr/>
                 </a:tc>
                 <a:tc>
                   <a:txBody>
-                    <a:bodyPr lIns="90000" rIns="90000" tIns="46800" bIns="46800"/>
+                    <a:bodyPr/>
+                    <a:lstStyle/>
                     <a:p>
                       <a:r>
                         <a:rPr lang="pl-PL" sz="1500">
                           <a:solidFill>
                             <a:srgbClr val="000000"/>
                           </a:solidFill>
-                          <a:latin typeface="Calibri"/>
-                          <a:ea typeface="Arial"/>
+                          <a:latin typeface="Cambria Math" panose="02040503050406030204" pitchFamily="18" charset="0"/>
+                          <a:ea typeface="Cambria Math" panose="02040503050406030204" pitchFamily="18" charset="0"/>
                         </a:rPr>
                         <a:t>Przeprowadzenie wstępnych testów: sprawdzenie ogólnych funkcjonalności</a:t>
                       </a:r>
-                      <a:endParaRPr/>
+                      <a:endParaRPr>
+                        <a:latin typeface="Cambria Math" panose="02040503050406030204" pitchFamily="18" charset="0"/>
+                        <a:ea typeface="Cambria Math" panose="02040503050406030204" pitchFamily="18" charset="0"/>
+                      </a:endParaRPr>
                     </a:p>
                   </a:txBody>
                   <a:tcPr/>
                 </a:tc>
                 <a:tc>
                   <a:txBody>
-                    <a:bodyPr lIns="90000" rIns="90000" tIns="46800" bIns="46800"/>
+                    <a:bodyPr/>
+                    <a:lstStyle/>
                     <a:p>
                       <a:r>
                         <a:rPr lang="pl-PL">
-                          <a:latin typeface="Calibri"/>
+                          <a:latin typeface="Cambria Math" panose="02040503050406030204" pitchFamily="18" charset="0"/>
+                          <a:ea typeface="Cambria Math" panose="02040503050406030204" pitchFamily="18" charset="0"/>
                         </a:rPr>
                         <a:t>TAK</a:t>
                       </a:r>
-                      <a:endParaRPr/>
+                      <a:endParaRPr>
+                        <a:latin typeface="Cambria Math" panose="02040503050406030204" pitchFamily="18" charset="0"/>
+                        <a:ea typeface="Cambria Math" panose="02040503050406030204" pitchFamily="18" charset="0"/>
+                      </a:endParaRPr>
                     </a:p>
                   </a:txBody>
                   <a:tcPr/>
                 </a:tc>
+                <a:extLst>
+                  <a:ext uri="{0D108BD9-81ED-4DB2-BD59-A6C34878D82A}">
+                    <a16:rowId xmlns:a16="http://schemas.microsoft.com/office/drawing/2014/main" val="10003"/>
+                  </a:ext>
+                </a:extLst>
               </a:tr>
               <a:tr h="1027080">
                 <a:tc>
                   <a:txBody>
-                    <a:bodyPr lIns="90000" rIns="90000" tIns="46800" bIns="46800"/>
-                    <a:p>
-                      <a:r>
-                        <a:rPr lang="pl-PL">
+                    <a:bodyPr/>
+                    <a:lstStyle/>
+                    <a:p>
+                      <a:r>
+                        <a:rPr lang="pl-PL" dirty="0">
                           <a:solidFill>
                             <a:srgbClr val="000000"/>
                           </a:solidFill>
-                          <a:latin typeface="Arial"/>
-                          <a:ea typeface="Arial"/>
+                          <a:latin typeface="Cambria Math" panose="02040503050406030204" pitchFamily="18" charset="0"/>
+                          <a:ea typeface="Cambria Math" panose="02040503050406030204" pitchFamily="18" charset="0"/>
                         </a:rPr>
                         <a:t>25 IV 2016</a:t>
                       </a:r>
-                      <a:endParaRPr/>
+                      <a:endParaRPr dirty="0">
+                        <a:latin typeface="Cambria Math" panose="02040503050406030204" pitchFamily="18" charset="0"/>
+                        <a:ea typeface="Cambria Math" panose="02040503050406030204" pitchFamily="18" charset="0"/>
+                      </a:endParaRPr>
                     </a:p>
                   </a:txBody>
                   <a:tcPr/>
                 </a:tc>
                 <a:tc>
                   <a:txBody>
-                    <a:bodyPr lIns="90000" rIns="90000" tIns="46800" bIns="46800"/>
+                    <a:bodyPr/>
+                    <a:lstStyle/>
                     <a:p>
                       <a:r>
                         <a:rPr lang="pl-PL" sz="1500">
-                          <a:latin typeface="Calibri"/>
-                          <a:ea typeface="Arial"/>
+                          <a:latin typeface="Cambria Math" panose="02040503050406030204" pitchFamily="18" charset="0"/>
+                          <a:ea typeface="Cambria Math" panose="02040503050406030204" pitchFamily="18" charset="0"/>
                         </a:rPr>
                         <a:t>Mateusz Wąsala</a:t>
                       </a:r>
-                      <a:endParaRPr/>
+                      <a:endParaRPr>
+                        <a:latin typeface="Cambria Math" panose="02040503050406030204" pitchFamily="18" charset="0"/>
+                        <a:ea typeface="Cambria Math" panose="02040503050406030204" pitchFamily="18" charset="0"/>
+                      </a:endParaRPr>
                     </a:p>
                     <a:p>
                       <a:r>
                         <a:rPr lang="pl-PL" sz="1500">
-                          <a:latin typeface="Calibri"/>
-                          <a:ea typeface="Arial"/>
+                          <a:latin typeface="Cambria Math" panose="02040503050406030204" pitchFamily="18" charset="0"/>
+                          <a:ea typeface="Cambria Math" panose="02040503050406030204" pitchFamily="18" charset="0"/>
                         </a:rPr>
                         <a:t>Aleksander Pasiut</a:t>
                       </a:r>
-                      <a:endParaRPr/>
+                      <a:endParaRPr>
+                        <a:latin typeface="Cambria Math" panose="02040503050406030204" pitchFamily="18" charset="0"/>
+                        <a:ea typeface="Cambria Math" panose="02040503050406030204" pitchFamily="18" charset="0"/>
+                      </a:endParaRPr>
                     </a:p>
                     <a:p>
                       <a:r>
                         <a:rPr lang="pl-PL" sz="1500">
-                          <a:latin typeface="Calibri"/>
-                          <a:ea typeface="Arial"/>
+                          <a:latin typeface="Cambria Math" panose="02040503050406030204" pitchFamily="18" charset="0"/>
+                          <a:ea typeface="Cambria Math" panose="02040503050406030204" pitchFamily="18" charset="0"/>
                         </a:rPr>
                         <a:t>Andrzej Brodzicki</a:t>
                       </a:r>
-                      <a:endParaRPr/>
+                      <a:endParaRPr>
+                        <a:latin typeface="Cambria Math" panose="02040503050406030204" pitchFamily="18" charset="0"/>
+                        <a:ea typeface="Cambria Math" panose="02040503050406030204" pitchFamily="18" charset="0"/>
+                      </a:endParaRPr>
                     </a:p>
                   </a:txBody>
                   <a:tcPr/>
                 </a:tc>
                 <a:tc>
                   <a:txBody>
-                    <a:bodyPr lIns="90000" rIns="90000" tIns="46800" bIns="46800"/>
+                    <a:bodyPr/>
+                    <a:lstStyle/>
                     <a:p>
                       <a:r>
                         <a:rPr lang="pl-PL" sz="1500">
                           <a:solidFill>
                             <a:srgbClr val="000000"/>
                           </a:solidFill>
-                          <a:latin typeface="Calibri"/>
-                          <a:ea typeface="Arial"/>
+                          <a:latin typeface="Cambria Math" panose="02040503050406030204" pitchFamily="18" charset="0"/>
+                          <a:ea typeface="Cambria Math" panose="02040503050406030204" pitchFamily="18" charset="0"/>
                         </a:rPr>
                         <a:t>Rozmowa z klientem w celu uzupełnienia wymagań i rozstrzygnięcia niejasności</a:t>
                       </a:r>
-                      <a:endParaRPr/>
+                      <a:endParaRPr>
+                        <a:latin typeface="Cambria Math" panose="02040503050406030204" pitchFamily="18" charset="0"/>
+                        <a:ea typeface="Cambria Math" panose="02040503050406030204" pitchFamily="18" charset="0"/>
+                      </a:endParaRPr>
                     </a:p>
                   </a:txBody>
                   <a:tcPr/>
                 </a:tc>
                 <a:tc>
                   <a:txBody>
-                    <a:bodyPr lIns="90000" rIns="90000" tIns="46800" bIns="46800"/>
+                    <a:bodyPr/>
+                    <a:lstStyle/>
                     <a:p>
                       <a:r>
                         <a:rPr lang="pl-PL">
-                          <a:latin typeface="Calibri"/>
+                          <a:latin typeface="Cambria Math" panose="02040503050406030204" pitchFamily="18" charset="0"/>
+                          <a:ea typeface="Cambria Math" panose="02040503050406030204" pitchFamily="18" charset="0"/>
                         </a:rPr>
                         <a:t>TAK</a:t>
                       </a:r>
-                      <a:endParaRPr/>
+                      <a:endParaRPr>
+                        <a:latin typeface="Cambria Math" panose="02040503050406030204" pitchFamily="18" charset="0"/>
+                        <a:ea typeface="Cambria Math" panose="02040503050406030204" pitchFamily="18" charset="0"/>
+                      </a:endParaRPr>
                     </a:p>
                   </a:txBody>
                   <a:tcPr/>
                 </a:tc>
+                <a:extLst>
+                  <a:ext uri="{0D108BD9-81ED-4DB2-BD59-A6C34878D82A}">
+                    <a16:rowId xmlns:a16="http://schemas.microsoft.com/office/drawing/2014/main" val="10004"/>
+                  </a:ext>
+                </a:extLst>
               </a:tr>
               <a:tr h="1027080">
                 <a:tc>
                   <a:txBody>
-                    <a:bodyPr lIns="90000" rIns="90000" tIns="46800" bIns="46800"/>
+                    <a:bodyPr/>
+                    <a:lstStyle/>
                     <a:p>
                       <a:r>
                         <a:rPr lang="pl-PL">
                           <a:solidFill>
                             <a:srgbClr val="000000"/>
                           </a:solidFill>
-                          <a:latin typeface="Arial"/>
-                          <a:ea typeface="Arial"/>
+                          <a:latin typeface="Cambria Math" panose="02040503050406030204" pitchFamily="18" charset="0"/>
+                          <a:ea typeface="Cambria Math" panose="02040503050406030204" pitchFamily="18" charset="0"/>
                         </a:rPr>
                         <a:t>7 V 2016</a:t>
                       </a:r>
-                      <a:endParaRPr/>
+                      <a:endParaRPr>
+                        <a:latin typeface="Cambria Math" panose="02040503050406030204" pitchFamily="18" charset="0"/>
+                        <a:ea typeface="Cambria Math" panose="02040503050406030204" pitchFamily="18" charset="0"/>
+                      </a:endParaRPr>
                     </a:p>
                   </a:txBody>
                   <a:tcPr/>
                 </a:tc>
                 <a:tc>
                   <a:txBody>
-                    <a:bodyPr lIns="90000" rIns="90000" tIns="46800" bIns="46800"/>
+                    <a:bodyPr/>
+                    <a:lstStyle/>
                     <a:p>
                       <a:r>
                         <a:rPr lang="pl-PL" sz="1500">
                           <a:solidFill>
                             <a:srgbClr val="000000"/>
                           </a:solidFill>
-                          <a:latin typeface="Calibri"/>
-                          <a:ea typeface="Arial"/>
+                          <a:latin typeface="Cambria Math" panose="02040503050406030204" pitchFamily="18" charset="0"/>
+                          <a:ea typeface="Cambria Math" panose="02040503050406030204" pitchFamily="18" charset="0"/>
                         </a:rPr>
                         <a:t>Mateusz Wąsala Aleksander Pasiut</a:t>
                       </a:r>
-                      <a:endParaRPr/>
+                      <a:endParaRPr>
+                        <a:latin typeface="Cambria Math" panose="02040503050406030204" pitchFamily="18" charset="0"/>
+                        <a:ea typeface="Cambria Math" panose="02040503050406030204" pitchFamily="18" charset="0"/>
+                      </a:endParaRPr>
                     </a:p>
                   </a:txBody>
                   <a:tcPr/>
                 </a:tc>
                 <a:tc>
                   <a:txBody>
-                    <a:bodyPr lIns="90000" rIns="90000" tIns="46800" bIns="46800"/>
+                    <a:bodyPr/>
+                    <a:lstStyle/>
                     <a:p>
                       <a:r>
                         <a:rPr lang="pl-PL" sz="1500">
                           <a:solidFill>
                             <a:srgbClr val="000000"/>
                           </a:solidFill>
-                          <a:latin typeface="Calibri"/>
-                          <a:ea typeface="Arial"/>
+                          <a:latin typeface="Cambria Math" panose="02040503050406030204" pitchFamily="18" charset="0"/>
+                          <a:ea typeface="Cambria Math" panose="02040503050406030204" pitchFamily="18" charset="0"/>
                         </a:rPr>
                         <a:t>Szczegółowa analiza modelu, badanie obsługi błędów i sytuacji wyjątkowych</a:t>
                       </a:r>
-                      <a:endParaRPr/>
+                      <a:endParaRPr>
+                        <a:latin typeface="Cambria Math" panose="02040503050406030204" pitchFamily="18" charset="0"/>
+                        <a:ea typeface="Cambria Math" panose="02040503050406030204" pitchFamily="18" charset="0"/>
+                      </a:endParaRPr>
                     </a:p>
                   </a:txBody>
                   <a:tcPr/>
                 </a:tc>
                 <a:tc>
                   <a:txBody>
-                    <a:bodyPr lIns="90000" rIns="90000" tIns="46800" bIns="46800"/>
+                    <a:bodyPr/>
+                    <a:lstStyle/>
                     <a:p>
                       <a:r>
                         <a:rPr lang="pl-PL">
-                          <a:latin typeface="Calibri"/>
+                          <a:latin typeface="Cambria Math" panose="02040503050406030204" pitchFamily="18" charset="0"/>
+                          <a:ea typeface="Cambria Math" panose="02040503050406030204" pitchFamily="18" charset="0"/>
                         </a:rPr>
                         <a:t>TAK</a:t>
                       </a:r>
-                      <a:endParaRPr/>
+                      <a:endParaRPr>
+                        <a:latin typeface="Cambria Math" panose="02040503050406030204" pitchFamily="18" charset="0"/>
+                        <a:ea typeface="Cambria Math" panose="02040503050406030204" pitchFamily="18" charset="0"/>
+                      </a:endParaRPr>
                     </a:p>
                   </a:txBody>
                   <a:tcPr/>
                 </a:tc>
+                <a:extLst>
+                  <a:ext uri="{0D108BD9-81ED-4DB2-BD59-A6C34878D82A}">
+                    <a16:rowId xmlns:a16="http://schemas.microsoft.com/office/drawing/2014/main" val="10005"/>
+                  </a:ext>
+                </a:extLst>
               </a:tr>
               <a:tr h="560520">
                 <a:tc>
                   <a:txBody>
-                    <a:bodyPr lIns="90000" rIns="90000" tIns="46800" bIns="46800"/>
+                    <a:bodyPr/>
+                    <a:lstStyle/>
                     <a:p>
                       <a:r>
                         <a:rPr lang="pl-PL">
                           <a:solidFill>
                             <a:srgbClr val="000000"/>
                           </a:solidFill>
-                          <a:latin typeface="Arial"/>
-                          <a:ea typeface="Arial"/>
+                          <a:latin typeface="Cambria Math" panose="02040503050406030204" pitchFamily="18" charset="0"/>
+                          <a:ea typeface="Cambria Math" panose="02040503050406030204" pitchFamily="18" charset="0"/>
                         </a:rPr>
                         <a:t>7 V 2016</a:t>
                       </a:r>
-                      <a:endParaRPr/>
+                      <a:endParaRPr>
+                        <a:latin typeface="Cambria Math" panose="02040503050406030204" pitchFamily="18" charset="0"/>
+                        <a:ea typeface="Cambria Math" panose="02040503050406030204" pitchFamily="18" charset="0"/>
+                      </a:endParaRPr>
                     </a:p>
                   </a:txBody>
                   <a:tcPr/>
                 </a:tc>
                 <a:tc>
                   <a:txBody>
-                    <a:bodyPr lIns="90000" rIns="90000" tIns="46800" bIns="46800"/>
+                    <a:bodyPr/>
+                    <a:lstStyle/>
                     <a:p>
                       <a:r>
                         <a:rPr lang="pl-PL" sz="1500">
-                          <a:latin typeface="Calibri"/>
-                          <a:ea typeface="Arial"/>
+                          <a:latin typeface="Cambria Math" panose="02040503050406030204" pitchFamily="18" charset="0"/>
+                          <a:ea typeface="Cambria Math" panose="02040503050406030204" pitchFamily="18" charset="0"/>
                         </a:rPr>
                         <a:t>Michał Trojnarski</a:t>
                       </a:r>
-                      <a:endParaRPr/>
+                      <a:endParaRPr>
+                        <a:latin typeface="Cambria Math" panose="02040503050406030204" pitchFamily="18" charset="0"/>
+                        <a:ea typeface="Cambria Math" panose="02040503050406030204" pitchFamily="18" charset="0"/>
+                      </a:endParaRPr>
                     </a:p>
                     <a:p>
                       <a:r>
                         <a:rPr lang="pl-PL" sz="1500">
-                          <a:latin typeface="Calibri"/>
-                          <a:ea typeface="Arial"/>
+                          <a:latin typeface="Cambria Math" panose="02040503050406030204" pitchFamily="18" charset="0"/>
+                          <a:ea typeface="Cambria Math" panose="02040503050406030204" pitchFamily="18" charset="0"/>
                         </a:rPr>
                         <a:t>Andrzej Brodzicki</a:t>
                       </a:r>
-                      <a:endParaRPr/>
+                      <a:endParaRPr>
+                        <a:latin typeface="Cambria Math" panose="02040503050406030204" pitchFamily="18" charset="0"/>
+                        <a:ea typeface="Cambria Math" panose="02040503050406030204" pitchFamily="18" charset="0"/>
+                      </a:endParaRPr>
                     </a:p>
                   </a:txBody>
                   <a:tcPr/>
                 </a:tc>
                 <a:tc>
                   <a:txBody>
-                    <a:bodyPr lIns="90000" rIns="90000" tIns="46800" bIns="46800"/>
+                    <a:bodyPr/>
+                    <a:lstStyle/>
                     <a:p>
                       <a:r>
                         <a:rPr lang="pl-PL" sz="1500">
                           <a:solidFill>
                             <a:srgbClr val="000000"/>
                           </a:solidFill>
-                          <a:latin typeface="Calibri"/>
-                          <a:ea typeface="Arial"/>
+                          <a:latin typeface="Cambria Math" panose="02040503050406030204" pitchFamily="18" charset="0"/>
+                          <a:ea typeface="Cambria Math" panose="02040503050406030204" pitchFamily="18" charset="0"/>
                         </a:rPr>
                         <a:t>Poprawa wykrytych błędów</a:t>
                       </a:r>
-                      <a:endParaRPr/>
+                      <a:endParaRPr>
+                        <a:latin typeface="Cambria Math" panose="02040503050406030204" pitchFamily="18" charset="0"/>
+                        <a:ea typeface="Cambria Math" panose="02040503050406030204" pitchFamily="18" charset="0"/>
+                      </a:endParaRPr>
                     </a:p>
                   </a:txBody>
                   <a:tcPr/>
                 </a:tc>
                 <a:tc>
                   <a:txBody>
-                    <a:bodyPr lIns="90000" rIns="90000" tIns="46800" bIns="46800"/>
+                    <a:bodyPr/>
+                    <a:lstStyle/>
                     <a:p>
                       <a:r>
                         <a:rPr lang="pl-PL">
-                          <a:latin typeface="Calibri"/>
+                          <a:latin typeface="Cambria Math" panose="02040503050406030204" pitchFamily="18" charset="0"/>
+                          <a:ea typeface="Cambria Math" panose="02040503050406030204" pitchFamily="18" charset="0"/>
                         </a:rPr>
                         <a:t>TAK</a:t>
                       </a:r>
-                      <a:endParaRPr/>
+                      <a:endParaRPr>
+                        <a:latin typeface="Cambria Math" panose="02040503050406030204" pitchFamily="18" charset="0"/>
+                        <a:ea typeface="Cambria Math" panose="02040503050406030204" pitchFamily="18" charset="0"/>
+                      </a:endParaRPr>
                     </a:p>
                   </a:txBody>
                   <a:tcPr/>
                 </a:tc>
+                <a:extLst>
+                  <a:ext uri="{0D108BD9-81ED-4DB2-BD59-A6C34878D82A}">
+                    <a16:rowId xmlns:a16="http://schemas.microsoft.com/office/drawing/2014/main" val="10006"/>
+                  </a:ext>
+                </a:extLst>
               </a:tr>
               <a:tr h="426960">
                 <a:tc>
                   <a:txBody>
-                    <a:bodyPr lIns="90000" rIns="90000" tIns="46800" bIns="46800"/>
+                    <a:bodyPr/>
+                    <a:lstStyle/>
                     <a:p>
                       <a:r>
                         <a:rPr lang="pl-PL">
                           <a:solidFill>
                             <a:srgbClr val="000000"/>
                           </a:solidFill>
-                          <a:latin typeface="Arial"/>
-                          <a:ea typeface="Arial"/>
+                          <a:latin typeface="Cambria Math" panose="02040503050406030204" pitchFamily="18" charset="0"/>
+                          <a:ea typeface="Cambria Math" panose="02040503050406030204" pitchFamily="18" charset="0"/>
                         </a:rPr>
                         <a:t>9 V 2016</a:t>
                       </a:r>
-                      <a:endParaRPr/>
+                      <a:endParaRPr>
+                        <a:latin typeface="Cambria Math" panose="02040503050406030204" pitchFamily="18" charset="0"/>
+                        <a:ea typeface="Cambria Math" panose="02040503050406030204" pitchFamily="18" charset="0"/>
+                      </a:endParaRPr>
                     </a:p>
                   </a:txBody>
                   <a:tcPr/>
                 </a:tc>
                 <a:tc>
                   <a:txBody>
-                    <a:bodyPr lIns="90000" rIns="90000" tIns="46800" bIns="46800"/>
+                    <a:bodyPr/>
+                    <a:lstStyle/>
                     <a:p>
                       <a:r>
                         <a:rPr lang="pl-PL" sz="1500">
-                          <a:latin typeface="Calibri"/>
-                          <a:ea typeface="Arial"/>
+                          <a:latin typeface="Cambria Math" panose="02040503050406030204" pitchFamily="18" charset="0"/>
+                          <a:ea typeface="Cambria Math" panose="02040503050406030204" pitchFamily="18" charset="0"/>
                         </a:rPr>
                         <a:t>Michał Trojnarski</a:t>
                       </a:r>
-                      <a:endParaRPr/>
+                      <a:endParaRPr>
+                        <a:latin typeface="Cambria Math" panose="02040503050406030204" pitchFamily="18" charset="0"/>
+                        <a:ea typeface="Cambria Math" panose="02040503050406030204" pitchFamily="18" charset="0"/>
+                      </a:endParaRPr>
                     </a:p>
                     <a:p>
                       <a:r>
                         <a:rPr lang="pl-PL" sz="1500">
-                          <a:latin typeface="Calibri"/>
-                          <a:ea typeface="Arial"/>
+                          <a:latin typeface="Cambria Math" panose="02040503050406030204" pitchFamily="18" charset="0"/>
+                          <a:ea typeface="Cambria Math" panose="02040503050406030204" pitchFamily="18" charset="0"/>
                         </a:rPr>
                         <a:t>Andrzej Brodzicki</a:t>
                       </a:r>
-                      <a:endParaRPr/>
+                      <a:endParaRPr>
+                        <a:latin typeface="Cambria Math" panose="02040503050406030204" pitchFamily="18" charset="0"/>
+                        <a:ea typeface="Cambria Math" panose="02040503050406030204" pitchFamily="18" charset="0"/>
+                      </a:endParaRPr>
                     </a:p>
                     <a:p>
                       <a:r>
                         <a:rPr lang="pl-PL" sz="1500">
-                          <a:latin typeface="Calibri"/>
-                          <a:ea typeface="Arial"/>
+                          <a:latin typeface="Cambria Math" panose="02040503050406030204" pitchFamily="18" charset="0"/>
+                          <a:ea typeface="Cambria Math" panose="02040503050406030204" pitchFamily="18" charset="0"/>
                         </a:rPr>
                         <a:t>Mateusz Wąsala Aleksander Pasiut</a:t>
                       </a:r>
-                      <a:endParaRPr/>
+                      <a:endParaRPr>
+                        <a:latin typeface="Cambria Math" panose="02040503050406030204" pitchFamily="18" charset="0"/>
+                        <a:ea typeface="Cambria Math" panose="02040503050406030204" pitchFamily="18" charset="0"/>
+                      </a:endParaRPr>
                     </a:p>
                   </a:txBody>
                   <a:tcPr/>
                 </a:tc>
                 <a:tc>
                   <a:txBody>
-                    <a:bodyPr lIns="90000" rIns="90000" tIns="46800" bIns="46800"/>
+                    <a:bodyPr/>
+                    <a:lstStyle/>
                     <a:p>
                       <a:r>
                         <a:rPr lang="pl-PL" sz="1500">
                           <a:solidFill>
                             <a:srgbClr val="000000"/>
                           </a:solidFill>
-                          <a:latin typeface="Calibri"/>
-                          <a:ea typeface="Arial"/>
+                          <a:latin typeface="Cambria Math" panose="02040503050406030204" pitchFamily="18" charset="0"/>
+                          <a:ea typeface="Cambria Math" panose="02040503050406030204" pitchFamily="18" charset="0"/>
                         </a:rPr>
                         <a:t>Przygotowanie prezentacji</a:t>
                       </a:r>
-                      <a:endParaRPr/>
+                      <a:endParaRPr>
+                        <a:latin typeface="Cambria Math" panose="02040503050406030204" pitchFamily="18" charset="0"/>
+                        <a:ea typeface="Cambria Math" panose="02040503050406030204" pitchFamily="18" charset="0"/>
+                      </a:endParaRPr>
                     </a:p>
                   </a:txBody>
                   <a:tcPr/>
                 </a:tc>
                 <a:tc>
                   <a:txBody>
-                    <a:bodyPr lIns="90000" rIns="90000" tIns="46800" bIns="46800"/>
-                    <a:p>
-                      <a:r>
-                        <a:rPr lang="pl-PL">
-                          <a:latin typeface="Calibri"/>
+                    <a:bodyPr/>
+                    <a:lstStyle/>
+                    <a:p>
+                      <a:r>
+                        <a:rPr lang="pl-PL" dirty="0">
+                          <a:latin typeface="Cambria Math" panose="02040503050406030204" pitchFamily="18" charset="0"/>
+                          <a:ea typeface="Cambria Math" panose="02040503050406030204" pitchFamily="18" charset="0"/>
                         </a:rPr>
                         <a:t>TAK</a:t>
                       </a:r>
-                      <a:endParaRPr/>
+                      <a:endParaRPr dirty="0">
+                        <a:latin typeface="Cambria Math" panose="02040503050406030204" pitchFamily="18" charset="0"/>
+                        <a:ea typeface="Cambria Math" panose="02040503050406030204" pitchFamily="18" charset="0"/>
+                      </a:endParaRPr>
                     </a:p>
                   </a:txBody>
                   <a:tcPr/>
                 </a:tc>
+                <a:extLst>
+                  <a:ext uri="{0D108BD9-81ED-4DB2-BD59-A6C34878D82A}">
+                    <a16:rowId xmlns:a16="http://schemas.microsoft.com/office/drawing/2014/main" val="10007"/>
+                  </a:ext>
+                </a:extLst>
               </a:tr>
             </a:tbl>
           </a:graphicData>
@@ -4697,25 +6117,28 @@
       </p:graphicFrame>
     </p:spTree>
   </p:cSld>
+  <p:clrMapOvr>
+    <a:masterClrMapping/>
+  </p:clrMapOvr>
   <p:transition>
-    <p:fade thruBlk="true"/>
+    <p:fade thruBlk="1"/>
   </p:transition>
   <p:timing>
     <p:tnLst>
       <p:par>
-        <p:cTn id="11" dur="indefinite" restart="never" nodeType="tmRoot">
+        <p:cTn id="1" dur="indefinite" restart="never" nodeType="tmRoot">
           <p:childTnLst>
             <p:seq>
-              <p:cTn id="12" nodeType="mainSeq"/>
+              <p:cTn id="2" nodeType="mainSeq"/>
               <p:prevCondLst>
-                <p:cond delay="0" evt="onPrev">
+                <p:cond evt="onPrev" delay="0">
                   <p:tgtEl>
                     <p:sldTgt/>
                   </p:tgtEl>
                 </p:cond>
               </p:prevCondLst>
               <p:nextCondLst>
-                <p:cond delay="0" evt="onNext">
+                <p:cond evt="onNext" delay="0">
                   <p:tgtEl>
                     <p:sldTgt/>
                   </p:tgtEl>
@@ -4731,7 +6154,7 @@
 </file>
 
 <file path=ppt/slides/slide7.xml><?xml version="1.0" encoding="utf-8"?>
-<p:sld xmlns:a="http://schemas.openxmlformats.org/drawingml/2006/main" xmlns:p="http://schemas.openxmlformats.org/presentationml/2006/main" xmlns:r="http://schemas.openxmlformats.org/officeDocument/2006/relationships">
+<p:sld xmlns:a="http://schemas.openxmlformats.org/drawingml/2006/main" xmlns:r="http://schemas.openxmlformats.org/officeDocument/2006/relationships" xmlns:p="http://schemas.openxmlformats.org/presentationml/2006/main">
   <p:cSld>
     <p:spTree>
       <p:nvGrpSpPr>
@@ -4767,16 +6190,21 @@
           </a:ln>
         </p:spPr>
         <p:txBody>
-          <a:bodyPr lIns="0" rIns="0" tIns="0" bIns="0" anchor="ctr"/>
+          <a:bodyPr lIns="0" tIns="0" rIns="0" bIns="0" anchor="ctr"/>
+          <a:lstStyle/>
           <a:p>
             <a:pPr algn="ctr"/>
             <a:r>
-              <a:rPr lang="pl-PL" sz="4400">
-                <a:latin typeface="Arial"/>
+              <a:rPr lang="pl-PL" sz="4400" dirty="0">
+                <a:latin typeface="Cambria Math" panose="02040503050406030204" pitchFamily="18" charset="0"/>
+                <a:ea typeface="Cambria Math" panose="02040503050406030204" pitchFamily="18" charset="0"/>
               </a:rPr>
               <a:t>Wnioski</a:t>
             </a:r>
-            <a:endParaRPr/>
+            <a:endParaRPr dirty="0">
+              <a:latin typeface="Cambria Math" panose="02040503050406030204" pitchFamily="18" charset="0"/>
+              <a:ea typeface="Cambria Math" panose="02040503050406030204" pitchFamily="18" charset="0"/>
+            </a:endParaRPr>
           </a:p>
         </p:txBody>
       </p:sp>
@@ -4800,7 +6228,8 @@
           </a:ln>
         </p:spPr>
         <p:txBody>
-          <a:bodyPr lIns="0" rIns="0" tIns="0" bIns="0"/>
+          <a:bodyPr lIns="0" tIns="0" rIns="0" bIns="0"/>
+          <a:lstStyle/>
           <a:p>
             <a:pPr>
               <a:buSzPct val="45000"/>
@@ -4808,12 +6237,16 @@
               <a:buChar char=""/>
             </a:pPr>
             <a:r>
-              <a:rPr lang="pl-PL" sz="3200">
-                <a:latin typeface="Arial"/>
+              <a:rPr lang="pl-PL" sz="3200" dirty="0">
+                <a:latin typeface="Cambria Math" panose="02040503050406030204" pitchFamily="18" charset="0"/>
+                <a:ea typeface="Cambria Math" panose="02040503050406030204" pitchFamily="18" charset="0"/>
               </a:rPr>
               <a:t>Funkcjonalność modelu</a:t>
             </a:r>
-            <a:endParaRPr/>
+            <a:endParaRPr dirty="0">
+              <a:latin typeface="Cambria Math" panose="02040503050406030204" pitchFamily="18" charset="0"/>
+              <a:ea typeface="Cambria Math" panose="02040503050406030204" pitchFamily="18" charset="0"/>
+            </a:endParaRPr>
           </a:p>
           <a:p>
             <a:pPr>
@@ -4822,12 +6255,16 @@
               <a:buChar char=""/>
             </a:pPr>
             <a:r>
-              <a:rPr lang="pl-PL" sz="3200">
-                <a:latin typeface="Arial"/>
+              <a:rPr lang="pl-PL" sz="3200" dirty="0">
+                <a:latin typeface="Cambria Math" panose="02040503050406030204" pitchFamily="18" charset="0"/>
+                <a:ea typeface="Cambria Math" panose="02040503050406030204" pitchFamily="18" charset="0"/>
               </a:rPr>
               <a:t>Analiza problemu, ograniczenia, pomysły rozwiązania</a:t>
             </a:r>
-            <a:endParaRPr/>
+            <a:endParaRPr dirty="0">
+              <a:latin typeface="Cambria Math" panose="02040503050406030204" pitchFamily="18" charset="0"/>
+              <a:ea typeface="Cambria Math" panose="02040503050406030204" pitchFamily="18" charset="0"/>
+            </a:endParaRPr>
           </a:p>
           <a:p>
             <a:pPr>
@@ -4836,12 +6273,16 @@
               <a:buChar char=""/>
             </a:pPr>
             <a:r>
-              <a:rPr lang="pl-PL" sz="3200">
-                <a:latin typeface="Arial"/>
+              <a:rPr lang="pl-PL" sz="3200" dirty="0">
+                <a:latin typeface="Cambria Math" panose="02040503050406030204" pitchFamily="18" charset="0"/>
+                <a:ea typeface="Cambria Math" panose="02040503050406030204" pitchFamily="18" charset="0"/>
               </a:rPr>
               <a:t>Projekt modelu</a:t>
             </a:r>
-            <a:endParaRPr/>
+            <a:endParaRPr dirty="0">
+              <a:latin typeface="Cambria Math" panose="02040503050406030204" pitchFamily="18" charset="0"/>
+              <a:ea typeface="Cambria Math" panose="02040503050406030204" pitchFamily="18" charset="0"/>
+            </a:endParaRPr>
           </a:p>
           <a:p>
             <a:pPr>
@@ -4850,12 +6291,16 @@
               <a:buChar char=""/>
             </a:pPr>
             <a:r>
-              <a:rPr lang="pl-PL" sz="3200">
-                <a:latin typeface="Arial"/>
+              <a:rPr lang="pl-PL" sz="3200" dirty="0">
+                <a:latin typeface="Cambria Math" panose="02040503050406030204" pitchFamily="18" charset="0"/>
+                <a:ea typeface="Cambria Math" panose="02040503050406030204" pitchFamily="18" charset="0"/>
               </a:rPr>
               <a:t>Tworzenie raportu testów</a:t>
             </a:r>
-            <a:endParaRPr/>
+            <a:endParaRPr dirty="0">
+              <a:latin typeface="Cambria Math" panose="02040503050406030204" pitchFamily="18" charset="0"/>
+              <a:ea typeface="Cambria Math" panose="02040503050406030204" pitchFamily="18" charset="0"/>
+            </a:endParaRPr>
           </a:p>
           <a:p>
             <a:pPr>
@@ -4864,12 +6309,16 @@
               <a:buChar char=""/>
             </a:pPr>
             <a:r>
-              <a:rPr lang="pl-PL" sz="3200">
-                <a:latin typeface="Arial"/>
+              <a:rPr lang="pl-PL" sz="3200" dirty="0">
+                <a:latin typeface="Cambria Math" panose="02040503050406030204" pitchFamily="18" charset="0"/>
+                <a:ea typeface="Cambria Math" panose="02040503050406030204" pitchFamily="18" charset="0"/>
               </a:rPr>
               <a:t>Testowanie</a:t>
             </a:r>
-            <a:endParaRPr/>
+            <a:endParaRPr dirty="0">
+              <a:latin typeface="Cambria Math" panose="02040503050406030204" pitchFamily="18" charset="0"/>
+              <a:ea typeface="Cambria Math" panose="02040503050406030204" pitchFamily="18" charset="0"/>
+            </a:endParaRPr>
           </a:p>
           <a:p>
             <a:pPr>
@@ -4878,36 +6327,43 @@
               <a:buChar char=""/>
             </a:pPr>
             <a:r>
-              <a:rPr lang="pl-PL" sz="3200">
-                <a:latin typeface="Arial"/>
+              <a:rPr lang="pl-PL" sz="3200" dirty="0">
+                <a:latin typeface="Cambria Math" panose="02040503050406030204" pitchFamily="18" charset="0"/>
+                <a:ea typeface="Cambria Math" panose="02040503050406030204" pitchFamily="18" charset="0"/>
               </a:rPr>
               <a:t>Etap końcowy – równoległe testy i poprawki</a:t>
             </a:r>
-            <a:endParaRPr/>
+            <a:endParaRPr dirty="0">
+              <a:latin typeface="Cambria Math" panose="02040503050406030204" pitchFamily="18" charset="0"/>
+              <a:ea typeface="Cambria Math" panose="02040503050406030204" pitchFamily="18" charset="0"/>
+            </a:endParaRPr>
           </a:p>
         </p:txBody>
       </p:sp>
     </p:spTree>
   </p:cSld>
+  <p:clrMapOvr>
+    <a:masterClrMapping/>
+  </p:clrMapOvr>
   <p:transition>
-    <p:fade thruBlk="true"/>
+    <p:fade thruBlk="1"/>
   </p:transition>
   <p:timing>
     <p:tnLst>
       <p:par>
-        <p:cTn id="13" dur="indefinite" restart="never" nodeType="tmRoot">
+        <p:cTn id="1" dur="indefinite" restart="never" nodeType="tmRoot">
           <p:childTnLst>
             <p:seq>
-              <p:cTn id="14" nodeType="mainSeq"/>
+              <p:cTn id="2" nodeType="mainSeq"/>
               <p:prevCondLst>
-                <p:cond delay="0" evt="onPrev">
+                <p:cond evt="onPrev" delay="0">
                   <p:tgtEl>
                     <p:sldTgt/>
                   </p:tgtEl>
                 </p:cond>
               </p:prevCondLst>
               <p:nextCondLst>
-                <p:cond delay="0" evt="onNext">
+                <p:cond evt="onNext" delay="0">
                   <p:tgtEl>
                     <p:sldTgt/>
                   </p:tgtEl>
@@ -5142,5 +6598,7 @@
       </a:bgFillStyleLst>
     </a:fmtScheme>
   </a:themeElements>
+  <a:objectDefaults/>
+  <a:extraClrSchemeLst/>
 </a:theme>
 </file>
--- a/car_lights.pptx
+++ b/car_lights.pptx
@@ -5217,14 +5217,14 @@
           <p:nvPr>
             <p:extLst>
               <p:ext uri="{D42A27DB-BD31-4B8C-83A1-F6EECF244321}">
-                <p14:modId xmlns:p14="http://schemas.microsoft.com/office/powerpoint/2010/main" val="3778231619"/>
+                <p14:modId xmlns:p14="http://schemas.microsoft.com/office/powerpoint/2010/main" val="3447810659"/>
               </p:ext>
             </p:extLst>
           </p:nvPr>
         </p:nvGraphicFramePr>
         <p:xfrm>
           <a:off x="510480" y="744840"/>
-          <a:ext cx="9071640" cy="6808320"/>
+          <a:ext cx="8664517" cy="6720840"/>
         </p:xfrm>
         <a:graphic>
           <a:graphicData uri="http://schemas.openxmlformats.org/drawingml/2006/table">
@@ -5252,7 +5252,7 @@
                     </a:ext>
                   </a:extLst>
                 </a:gridCol>
-                <a:gridCol w="2268720">
+                <a:gridCol w="1861597">
                   <a:extLst>
                     <a:ext uri="{9D8B030D-6E8A-4147-A177-3AD203B41FA5}">
                       <a16:colId xmlns:a16="http://schemas.microsoft.com/office/drawing/2014/main" val="20003"/>
@@ -5260,7 +5260,7 @@
                   </a:extLst>
                 </a:gridCol>
               </a:tblGrid>
-              <a:tr h="350280">
+              <a:tr h="360944">
                 <a:tc>
                   <a:txBody>
                     <a:bodyPr/>
@@ -5363,7 +5363,7 @@
                   </a:ext>
                 </a:extLst>
               </a:tr>
-              <a:tr h="1027080">
+              <a:tr h="992597">
                 <a:tc>
                   <a:txBody>
                     <a:bodyPr/>
@@ -5448,6 +5448,7 @@
                     <a:bodyPr/>
                     <a:lstStyle/>
                     <a:p>
+                      <a:pPr algn="ctr"/>
                       <a:r>
                         <a:rPr lang="pl-PL">
                           <a:latin typeface="Cambria Math" panose="02040503050406030204" pitchFamily="18" charset="0"/>
@@ -5469,7 +5470,7 @@
                   </a:ext>
                 </a:extLst>
               </a:tr>
-              <a:tr h="560520">
+              <a:tr h="541417">
                 <a:tc>
                   <a:txBody>
                     <a:bodyPr/>
@@ -5544,6 +5545,7 @@
                     <a:bodyPr/>
                     <a:lstStyle/>
                     <a:p>
+                      <a:pPr algn="ctr"/>
                       <a:r>
                         <a:rPr lang="pl-PL">
                           <a:latin typeface="Cambria Math" panose="02040503050406030204" pitchFamily="18" charset="0"/>
@@ -5565,7 +5567,7 @@
                   </a:ext>
                 </a:extLst>
               </a:tr>
-              <a:tr h="1027080">
+              <a:tr h="992597">
                 <a:tc>
                   <a:txBody>
                     <a:bodyPr/>
@@ -5650,6 +5652,7 @@
                     <a:bodyPr/>
                     <a:lstStyle/>
                     <a:p>
+                      <a:pPr algn="ctr"/>
                       <a:r>
                         <a:rPr lang="pl-PL">
                           <a:latin typeface="Cambria Math" panose="02040503050406030204" pitchFamily="18" charset="0"/>
@@ -5671,7 +5674,7 @@
                   </a:ext>
                 </a:extLst>
               </a:tr>
-              <a:tr h="1027080">
+              <a:tr h="1218187">
                 <a:tc>
                   <a:txBody>
                     <a:bodyPr/>
@@ -5769,14 +5772,15 @@
                     <a:bodyPr/>
                     <a:lstStyle/>
                     <a:p>
-                      <a:r>
-                        <a:rPr lang="pl-PL">
+                      <a:pPr algn="ctr"/>
+                      <a:r>
+                        <a:rPr lang="pl-PL" dirty="0">
                           <a:latin typeface="Cambria Math" panose="02040503050406030204" pitchFamily="18" charset="0"/>
                           <a:ea typeface="Cambria Math" panose="02040503050406030204" pitchFamily="18" charset="0"/>
                         </a:rPr>
                         <a:t>TAK</a:t>
                       </a:r>
-                      <a:endParaRPr>
+                      <a:endParaRPr dirty="0">
                         <a:latin typeface="Cambria Math" panose="02040503050406030204" pitchFamily="18" charset="0"/>
                         <a:ea typeface="Cambria Math" panose="02040503050406030204" pitchFamily="18" charset="0"/>
                       </a:endParaRPr>
@@ -5790,7 +5794,7 @@
                   </a:ext>
                 </a:extLst>
               </a:tr>
-              <a:tr h="1027080">
+              <a:tr h="992597">
                 <a:tc>
                   <a:txBody>
                     <a:bodyPr/>
@@ -5820,7 +5824,7 @@
                     <a:lstStyle/>
                     <a:p>
                       <a:r>
-                        <a:rPr lang="pl-PL" sz="1500">
+                        <a:rPr lang="pl-PL" sz="1500" dirty="0">
                           <a:solidFill>
                             <a:srgbClr val="000000"/>
                           </a:solidFill>
@@ -5829,7 +5833,7 @@
                         </a:rPr>
                         <a:t>Mateusz Wąsala Aleksander Pasiut</a:t>
                       </a:r>
-                      <a:endParaRPr>
+                      <a:endParaRPr dirty="0">
                         <a:latin typeface="Cambria Math" panose="02040503050406030204" pitchFamily="18" charset="0"/>
                         <a:ea typeface="Cambria Math" panose="02040503050406030204" pitchFamily="18" charset="0"/>
                       </a:endParaRPr>
@@ -5865,6 +5869,7 @@
                     <a:bodyPr/>
                     <a:lstStyle/>
                     <a:p>
+                      <a:pPr algn="ctr"/>
                       <a:r>
                         <a:rPr lang="pl-PL">
                           <a:latin typeface="Cambria Math" panose="02040503050406030204" pitchFamily="18" charset="0"/>
@@ -5886,7 +5891,7 @@
                   </a:ext>
                 </a:extLst>
               </a:tr>
-              <a:tr h="560520">
+              <a:tr h="541417">
                 <a:tc>
                   <a:txBody>
                     <a:bodyPr/>
@@ -5971,6 +5976,7 @@
                     <a:bodyPr/>
                     <a:lstStyle/>
                     <a:p>
+                      <a:pPr algn="ctr"/>
                       <a:r>
                         <a:rPr lang="pl-PL">
                           <a:latin typeface="Cambria Math" panose="02040503050406030204" pitchFamily="18" charset="0"/>
@@ -5992,7 +5998,7 @@
                   </a:ext>
                 </a:extLst>
               </a:tr>
-              <a:tr h="426960">
+              <a:tr h="992597">
                 <a:tc>
                   <a:txBody>
                     <a:bodyPr/>
@@ -6090,6 +6096,7 @@
                     <a:bodyPr/>
                     <a:lstStyle/>
                     <a:p>
+                      <a:pPr algn="ctr"/>
                       <a:r>
                         <a:rPr lang="pl-PL" dirty="0">
                           <a:latin typeface="Cambria Math" panose="02040503050406030204" pitchFamily="18" charset="0"/>
@@ -6231,10 +6238,10 @@
           <a:bodyPr lIns="0" tIns="0" rIns="0" bIns="0"/>
           <a:lstStyle/>
           <a:p>
-            <a:pPr>
+            <a:pPr marL="457200" indent="-457200">
               <a:buSzPct val="45000"/>
-              <a:buFont typeface="StarSymbol"/>
-              <a:buChar char=""/>
+              <a:buFont typeface="Wingdings" panose="05000000000000000000" pitchFamily="2" charset="2"/>
+              <a:buChar char="q"/>
             </a:pPr>
             <a:r>
               <a:rPr lang="pl-PL" sz="3200" dirty="0">
@@ -6249,10 +6256,10 @@
             </a:endParaRPr>
           </a:p>
           <a:p>
-            <a:pPr>
+            <a:pPr marL="457200" indent="-457200">
               <a:buSzPct val="45000"/>
-              <a:buFont typeface="StarSymbol"/>
-              <a:buChar char=""/>
+              <a:buFont typeface="Wingdings" panose="05000000000000000000" pitchFamily="2" charset="2"/>
+              <a:buChar char="q"/>
             </a:pPr>
             <a:r>
               <a:rPr lang="pl-PL" sz="3200" dirty="0">
@@ -6267,10 +6274,10 @@
             </a:endParaRPr>
           </a:p>
           <a:p>
-            <a:pPr>
+            <a:pPr marL="457200" indent="-457200">
               <a:buSzPct val="45000"/>
-              <a:buFont typeface="StarSymbol"/>
-              <a:buChar char=""/>
+              <a:buFont typeface="Wingdings" panose="05000000000000000000" pitchFamily="2" charset="2"/>
+              <a:buChar char="q"/>
             </a:pPr>
             <a:r>
               <a:rPr lang="pl-PL" sz="3200" dirty="0">
@@ -6285,10 +6292,10 @@
             </a:endParaRPr>
           </a:p>
           <a:p>
-            <a:pPr>
+            <a:pPr marL="457200" indent="-457200">
               <a:buSzPct val="45000"/>
-              <a:buFont typeface="StarSymbol"/>
-              <a:buChar char=""/>
+              <a:buFont typeface="Wingdings" panose="05000000000000000000" pitchFamily="2" charset="2"/>
+              <a:buChar char="q"/>
             </a:pPr>
             <a:r>
               <a:rPr lang="pl-PL" sz="3200" dirty="0">
@@ -6303,10 +6310,10 @@
             </a:endParaRPr>
           </a:p>
           <a:p>
-            <a:pPr>
+            <a:pPr marL="457200" indent="-457200">
               <a:buSzPct val="45000"/>
-              <a:buFont typeface="StarSymbol"/>
-              <a:buChar char=""/>
+              <a:buFont typeface="Wingdings" panose="05000000000000000000" pitchFamily="2" charset="2"/>
+              <a:buChar char="q"/>
             </a:pPr>
             <a:r>
               <a:rPr lang="pl-PL" sz="3200" dirty="0">
@@ -6321,10 +6328,10 @@
             </a:endParaRPr>
           </a:p>
           <a:p>
-            <a:pPr>
+            <a:pPr marL="457200" indent="-457200">
               <a:buSzPct val="45000"/>
-              <a:buFont typeface="StarSymbol"/>
-              <a:buChar char=""/>
+              <a:buFont typeface="Wingdings" panose="05000000000000000000" pitchFamily="2" charset="2"/>
+              <a:buChar char="q"/>
             </a:pPr>
             <a:r>
               <a:rPr lang="pl-PL" sz="3200" dirty="0">

--- a/car_lights.pptx
+++ b/car_lights.pptx
@@ -110,6 +110,11 @@
       </a:defRPr>
     </a:lvl9pPr>
   </p:defaultTextStyle>
+  <p:extLst>
+    <p:ext uri="{EFAFB233-063F-42B5-8137-9DF3F51BA10A}">
+      <p15:sldGuideLst xmlns:p15="http://schemas.microsoft.com/office/powerpoint/2012/main"/>
+    </p:ext>
+  </p:extLst>
 </p:presentation>
 </file>
 
@@ -2542,12 +2547,13 @@
             </a:endParaRPr>
           </a:p>
           <a:p>
+            <a:pPr algn="ctr"/>
             <a:r>
               <a:rPr lang="pl-PL" sz="3200" dirty="0">
                 <a:latin typeface="Cambria Math" panose="02040503050406030204" pitchFamily="18" charset="0"/>
                 <a:ea typeface="Cambria Math" panose="02040503050406030204" pitchFamily="18" charset="0"/>
               </a:rPr>
-              <a:t>             </a:t>
+              <a:t>     	</a:t>
             </a:r>
             <a:r>
               <a:rPr lang="pl-PL" sz="3200" dirty="0" err="1">
@@ -2568,8 +2574,10 @@
                 <a:latin typeface="Cambria Math" panose="02040503050406030204" pitchFamily="18" charset="0"/>
                 <a:ea typeface="Cambria Math" panose="02040503050406030204" pitchFamily="18" charset="0"/>
               </a:rPr>
-              <a:t>budowa modeli i przeprowadzanie                                                       symulacji komputerowych</a:t>
+              <a:t>budowa modeli i przeprowadzanie symulacji komputerowych</a:t>
             </a:r>
+          </a:p>
+          <a:p>
             <a:endParaRPr dirty="0">
               <a:latin typeface="Cambria Math" panose="02040503050406030204" pitchFamily="18" charset="0"/>
               <a:ea typeface="Cambria Math" panose="02040503050406030204" pitchFamily="18" charset="0"/>
@@ -2582,6 +2590,7 @@
             </a:endParaRPr>
           </a:p>
           <a:p>
+            <a:pPr algn="ctr"/>
             <a:r>
               <a:rPr lang="pl-PL" sz="3200" dirty="0">
                 <a:latin typeface="Cambria Math" panose="02040503050406030204" pitchFamily="18" charset="0"/>
@@ -2608,7 +2617,7 @@
                 <a:latin typeface="Cambria Math" panose="02040503050406030204" pitchFamily="18" charset="0"/>
                 <a:ea typeface="Cambria Math" panose="02040503050406030204" pitchFamily="18" charset="0"/>
               </a:rPr>
-              <a:t>graficzna reprezentacja                                                                        i symulacja układów                                                                             decyzyjnych (logicznych)</a:t>
+              <a:t>graficzna reprezentacja i symulacja układów decyzyjnych (logicznych)</a:t>
             </a:r>
             <a:endParaRPr dirty="0">
               <a:latin typeface="Cambria Math" panose="02040503050406030204" pitchFamily="18" charset="0"/>
@@ -2619,75 +2628,83 @@
       </p:sp>
       <p:sp>
         <p:nvSpPr>
-          <p:cNvPr id="45" name="CustomShape 3"/>
+          <p:cNvPr id="2" name="Strzałka wygięta w górę 1"/>
           <p:cNvSpPr/>
           <p:nvPr/>
         </p:nvSpPr>
         <p:spPr>
-          <a:xfrm>
-            <a:off x="2520000" y="3960000"/>
-            <a:ext cx="1008000" cy="1800000"/>
-          </a:xfrm>
-          <a:prstGeom prst="rect">
-            <a:avLst/>
-          </a:prstGeom>
-          <a:solidFill>
-            <a:srgbClr val="729FCF"/>
-          </a:solidFill>
-          <a:ln>
-            <a:solidFill>
-              <a:srgbClr val="3465A4"/>
-            </a:solidFill>
-          </a:ln>
+          <a:xfrm rot="5400000">
+            <a:off x="873172" y="2431385"/>
+            <a:ext cx="850392" cy="731520"/>
+          </a:xfrm>
+          <a:prstGeom prst="bentUpArrow">
+            <a:avLst/>
+          </a:prstGeom>
         </p:spPr>
         <p:style>
-          <a:lnRef idx="0">
-            <a:scrgbClr r="0" g="0" b="0"/>
+          <a:lnRef idx="2">
+            <a:schemeClr val="accent1">
+              <a:shade val="50000"/>
+            </a:schemeClr>
           </a:lnRef>
-          <a:fillRef idx="0">
-            <a:scrgbClr r="0" g="0" b="0"/>
+          <a:fillRef idx="1">
+            <a:schemeClr val="accent1"/>
           </a:fillRef>
           <a:effectRef idx="0">
-            <a:scrgbClr r="0" g="0" b="0"/>
+            <a:schemeClr val="accent1"/>
           </a:effectRef>
-          <a:fontRef idx="minor"/>
+          <a:fontRef idx="minor">
+            <a:schemeClr val="lt1"/>
+          </a:fontRef>
         </p:style>
-      </p:sp>
-      <p:sp>
-        <p:nvSpPr>
-          <p:cNvPr id="46" name="CustomShape 4"/>
+        <p:txBody>
+          <a:bodyPr rtlCol="0" anchor="ctr"/>
+          <a:lstStyle/>
+          <a:p>
+            <a:pPr algn="ctr"/>
+            <a:endParaRPr lang="pl-PL"/>
+          </a:p>
+        </p:txBody>
+      </p:sp>
+      <p:sp>
+        <p:nvSpPr>
+          <p:cNvPr id="7" name="Strzałka wygięta w górę 6"/>
           <p:cNvSpPr/>
           <p:nvPr/>
         </p:nvSpPr>
         <p:spPr>
-          <a:xfrm>
-            <a:off x="792000" y="2304000"/>
-            <a:ext cx="1008000" cy="1800000"/>
-          </a:xfrm>
-          <a:prstGeom prst="rect">
-            <a:avLst/>
-          </a:prstGeom>
-          <a:solidFill>
-            <a:srgbClr val="729FCF"/>
-          </a:solidFill>
-          <a:ln>
-            <a:solidFill>
-              <a:srgbClr val="3465A4"/>
-            </a:solidFill>
-          </a:ln>
+          <a:xfrm rot="5400000">
+            <a:off x="2513413" y="3781480"/>
+            <a:ext cx="850392" cy="731520"/>
+          </a:xfrm>
+          <a:prstGeom prst="bentUpArrow">
+            <a:avLst/>
+          </a:prstGeom>
         </p:spPr>
         <p:style>
-          <a:lnRef idx="0">
-            <a:scrgbClr r="0" g="0" b="0"/>
+          <a:lnRef idx="2">
+            <a:schemeClr val="accent1">
+              <a:shade val="50000"/>
+            </a:schemeClr>
           </a:lnRef>
-          <a:fillRef idx="0">
-            <a:scrgbClr r="0" g="0" b="0"/>
+          <a:fillRef idx="1">
+            <a:schemeClr val="accent1"/>
           </a:fillRef>
           <a:effectRef idx="0">
-            <a:scrgbClr r="0" g="0" b="0"/>
+            <a:schemeClr val="accent1"/>
           </a:effectRef>
-          <a:fontRef idx="minor"/>
+          <a:fontRef idx="minor">
+            <a:schemeClr val="lt1"/>
+          </a:fontRef>
         </p:style>
+        <p:txBody>
+          <a:bodyPr rtlCol="0" anchor="ctr"/>
+          <a:lstStyle/>
+          <a:p>
+            <a:pPr algn="ctr"/>
+            <a:endParaRPr lang="pl-PL"/>
+          </a:p>
+        </p:txBody>
       </p:sp>
     </p:spTree>
   </p:cSld>

--- a/car_lights.pptx
+++ b/car_lights.pptx
@@ -2,7 +2,7 @@
 <file path=ppt/presentation.xml><?xml version="1.0" encoding="utf-8"?>
 <p:presentation xmlns:a="http://schemas.openxmlformats.org/drawingml/2006/main" xmlns:r="http://schemas.openxmlformats.org/officeDocument/2006/relationships" xmlns:p="http://schemas.openxmlformats.org/presentationml/2006/main">
   <p:sldMasterIdLst>
-    <p:sldMasterId id="2147483648" r:id="rId1"/>
+    <p:sldMasterId id="2147483718" r:id="rId1"/>
   </p:sldMasterIdLst>
   <p:sldIdLst>
     <p:sldId id="256" r:id="rId2"/>
@@ -17,9 +17,9 @@
   <p:notesSz cx="7559675" cy="10691813"/>
   <p:defaultTextStyle>
     <a:defPPr>
-      <a:defRPr lang="pl-PL"/>
+      <a:defRPr lang="en-US"/>
     </a:defPPr>
-    <a:lvl1pPr marL="0" algn="l" defTabSz="914400" rtl="0" eaLnBrk="1" latinLnBrk="0" hangingPunct="1">
+    <a:lvl1pPr marL="0" algn="l" defTabSz="457200" rtl="0" eaLnBrk="1" latinLnBrk="0" hangingPunct="1">
       <a:defRPr sz="1800" kern="1200">
         <a:solidFill>
           <a:schemeClr val="tx1"/>
@@ -29,7 +29,7 @@
         <a:cs typeface="+mn-cs"/>
       </a:defRPr>
     </a:lvl1pPr>
-    <a:lvl2pPr marL="457200" algn="l" defTabSz="914400" rtl="0" eaLnBrk="1" latinLnBrk="0" hangingPunct="1">
+    <a:lvl2pPr marL="457200" algn="l" defTabSz="457200" rtl="0" eaLnBrk="1" latinLnBrk="0" hangingPunct="1">
       <a:defRPr sz="1800" kern="1200">
         <a:solidFill>
           <a:schemeClr val="tx1"/>
@@ -39,7 +39,7 @@
         <a:cs typeface="+mn-cs"/>
       </a:defRPr>
     </a:lvl2pPr>
-    <a:lvl3pPr marL="914400" algn="l" defTabSz="914400" rtl="0" eaLnBrk="1" latinLnBrk="0" hangingPunct="1">
+    <a:lvl3pPr marL="914400" algn="l" defTabSz="457200" rtl="0" eaLnBrk="1" latinLnBrk="0" hangingPunct="1">
       <a:defRPr sz="1800" kern="1200">
         <a:solidFill>
           <a:schemeClr val="tx1"/>
@@ -49,7 +49,7 @@
         <a:cs typeface="+mn-cs"/>
       </a:defRPr>
     </a:lvl3pPr>
-    <a:lvl4pPr marL="1371600" algn="l" defTabSz="914400" rtl="0" eaLnBrk="1" latinLnBrk="0" hangingPunct="1">
+    <a:lvl4pPr marL="1371600" algn="l" defTabSz="457200" rtl="0" eaLnBrk="1" latinLnBrk="0" hangingPunct="1">
       <a:defRPr sz="1800" kern="1200">
         <a:solidFill>
           <a:schemeClr val="tx1"/>
@@ -59,7 +59,7 @@
         <a:cs typeface="+mn-cs"/>
       </a:defRPr>
     </a:lvl4pPr>
-    <a:lvl5pPr marL="1828800" algn="l" defTabSz="914400" rtl="0" eaLnBrk="1" latinLnBrk="0" hangingPunct="1">
+    <a:lvl5pPr marL="1828800" algn="l" defTabSz="457200" rtl="0" eaLnBrk="1" latinLnBrk="0" hangingPunct="1">
       <a:defRPr sz="1800" kern="1200">
         <a:solidFill>
           <a:schemeClr val="tx1"/>
@@ -69,7 +69,7 @@
         <a:cs typeface="+mn-cs"/>
       </a:defRPr>
     </a:lvl5pPr>
-    <a:lvl6pPr marL="2286000" algn="l" defTabSz="914400" rtl="0" eaLnBrk="1" latinLnBrk="0" hangingPunct="1">
+    <a:lvl6pPr marL="2286000" algn="l" defTabSz="457200" rtl="0" eaLnBrk="1" latinLnBrk="0" hangingPunct="1">
       <a:defRPr sz="1800" kern="1200">
         <a:solidFill>
           <a:schemeClr val="tx1"/>
@@ -79,7 +79,7 @@
         <a:cs typeface="+mn-cs"/>
       </a:defRPr>
     </a:lvl6pPr>
-    <a:lvl7pPr marL="2743200" algn="l" defTabSz="914400" rtl="0" eaLnBrk="1" latinLnBrk="0" hangingPunct="1">
+    <a:lvl7pPr marL="2743200" algn="l" defTabSz="457200" rtl="0" eaLnBrk="1" latinLnBrk="0" hangingPunct="1">
       <a:defRPr sz="1800" kern="1200">
         <a:solidFill>
           <a:schemeClr val="tx1"/>
@@ -89,7 +89,7 @@
         <a:cs typeface="+mn-cs"/>
       </a:defRPr>
     </a:lvl7pPr>
-    <a:lvl8pPr marL="3200400" algn="l" defTabSz="914400" rtl="0" eaLnBrk="1" latinLnBrk="0" hangingPunct="1">
+    <a:lvl8pPr marL="3200400" algn="l" defTabSz="457200" rtl="0" eaLnBrk="1" latinLnBrk="0" hangingPunct="1">
       <a:defRPr sz="1800" kern="1200">
         <a:solidFill>
           <a:schemeClr val="tx1"/>
@@ -99,7 +99,7 @@
         <a:cs typeface="+mn-cs"/>
       </a:defRPr>
     </a:lvl8pPr>
-    <a:lvl9pPr marL="3657600" algn="l" defTabSz="914400" rtl="0" eaLnBrk="1" latinLnBrk="0" hangingPunct="1">
+    <a:lvl9pPr marL="3657600" algn="l" defTabSz="457200" rtl="0" eaLnBrk="1" latinLnBrk="0" hangingPunct="1">
       <a:defRPr sz="1800" kern="1200">
         <a:solidFill>
           <a:schemeClr val="tx1"/>
@@ -119,8 +119,8 @@
 </file>
 
 <file path=ppt/slideLayouts/slideLayout1.xml><?xml version="1.0" encoding="utf-8"?>
-<p:sldLayout xmlns:a="http://schemas.openxmlformats.org/drawingml/2006/main" xmlns:r="http://schemas.openxmlformats.org/officeDocument/2006/relationships" xmlns:p="http://schemas.openxmlformats.org/presentationml/2006/main" type="blank" preserve="1">
-  <p:cSld name="Blank Slide">
+<p:sldLayout xmlns:a="http://schemas.openxmlformats.org/drawingml/2006/main" xmlns:r="http://schemas.openxmlformats.org/officeDocument/2006/relationships" xmlns:p="http://schemas.openxmlformats.org/presentationml/2006/main" showMasterSp="0" type="title" preserve="1">
+  <p:cSld name="Slajd tytułowy">
     <p:spTree>
       <p:nvGrpSpPr>
         <p:cNvPr id="1" name=""/>
@@ -135,7 +135,691 @@
           <a:chExt cx="0" cy="0"/>
         </a:xfrm>
       </p:grpSpPr>
+      <p:grpSp>
+        <p:nvGrpSpPr>
+          <p:cNvPr id="25" name="Group 24"/>
+          <p:cNvGrpSpPr/>
+          <p:nvPr/>
+        </p:nvGrpSpPr>
+        <p:grpSpPr>
+          <a:xfrm>
+            <a:off x="224014" y="1"/>
+            <a:ext cx="4165258" cy="7559676"/>
+            <a:chOff x="203200" y="0"/>
+            <a:chExt cx="3778250" cy="6858001"/>
+          </a:xfrm>
+        </p:grpSpPr>
+        <p:sp>
+          <p:nvSpPr>
+            <p:cNvPr id="14" name="Freeform 6"/>
+            <p:cNvSpPr/>
+            <p:nvPr/>
+          </p:nvSpPr>
+          <p:spPr bwMode="auto">
+            <a:xfrm>
+              <a:off x="641350" y="0"/>
+              <a:ext cx="1365250" cy="3971925"/>
+            </a:xfrm>
+            <a:custGeom>
+              <a:avLst/>
+              <a:gdLst/>
+              <a:ahLst/>
+              <a:cxnLst/>
+              <a:rect l="0" t="0" r="r" b="b"/>
+              <a:pathLst>
+                <a:path w="860" h="2502">
+                  <a:moveTo>
+                    <a:pt x="0" y="2445"/>
+                  </a:moveTo>
+                  <a:lnTo>
+                    <a:pt x="228" y="2502"/>
+                  </a:lnTo>
+                  <a:lnTo>
+                    <a:pt x="860" y="0"/>
+                  </a:lnTo>
+                  <a:lnTo>
+                    <a:pt x="620" y="0"/>
+                  </a:lnTo>
+                  <a:lnTo>
+                    <a:pt x="0" y="2445"/>
+                  </a:lnTo>
+                  <a:close/>
+                </a:path>
+              </a:pathLst>
+            </a:custGeom>
+            <a:solidFill>
+              <a:schemeClr val="accent1"/>
+            </a:solidFill>
+            <a:ln>
+              <a:noFill/>
+            </a:ln>
+          </p:spPr>
+        </p:sp>
+        <p:sp>
+          <p:nvSpPr>
+            <p:cNvPr id="15" name="Freeform 7"/>
+            <p:cNvSpPr/>
+            <p:nvPr/>
+          </p:nvSpPr>
+          <p:spPr bwMode="auto">
+            <a:xfrm>
+              <a:off x="203200" y="0"/>
+              <a:ext cx="1336675" cy="3862388"/>
+            </a:xfrm>
+            <a:custGeom>
+              <a:avLst/>
+              <a:gdLst/>
+              <a:ahLst/>
+              <a:cxnLst/>
+              <a:rect l="0" t="0" r="r" b="b"/>
+              <a:pathLst>
+                <a:path w="842" h="2433">
+                  <a:moveTo>
+                    <a:pt x="842" y="0"/>
+                  </a:moveTo>
+                  <a:lnTo>
+                    <a:pt x="602" y="0"/>
+                  </a:lnTo>
+                  <a:lnTo>
+                    <a:pt x="0" y="2376"/>
+                  </a:lnTo>
+                  <a:lnTo>
+                    <a:pt x="228" y="2433"/>
+                  </a:lnTo>
+                  <a:lnTo>
+                    <a:pt x="842" y="0"/>
+                  </a:lnTo>
+                  <a:close/>
+                </a:path>
+              </a:pathLst>
+            </a:custGeom>
+            <a:solidFill>
+              <a:schemeClr val="tx1">
+                <a:lumMod val="65000"/>
+                <a:lumOff val="35000"/>
+              </a:schemeClr>
+            </a:solidFill>
+            <a:ln>
+              <a:noFill/>
+            </a:ln>
+          </p:spPr>
+        </p:sp>
+        <p:sp>
+          <p:nvSpPr>
+            <p:cNvPr id="16" name="Freeform 8"/>
+            <p:cNvSpPr/>
+            <p:nvPr/>
+          </p:nvSpPr>
+          <p:spPr bwMode="auto">
+            <a:xfrm>
+              <a:off x="207963" y="3776663"/>
+              <a:ext cx="1936750" cy="3081338"/>
+            </a:xfrm>
+            <a:custGeom>
+              <a:avLst/>
+              <a:gdLst/>
+              <a:ahLst/>
+              <a:cxnLst/>
+              <a:rect l="0" t="0" r="r" b="b"/>
+              <a:pathLst>
+                <a:path w="1220" h="1941">
+                  <a:moveTo>
+                    <a:pt x="0" y="0"/>
+                  </a:moveTo>
+                  <a:lnTo>
+                    <a:pt x="1166" y="1941"/>
+                  </a:lnTo>
+                  <a:lnTo>
+                    <a:pt x="1220" y="1941"/>
+                  </a:lnTo>
+                  <a:lnTo>
+                    <a:pt x="0" y="0"/>
+                  </a:lnTo>
+                  <a:close/>
+                </a:path>
+              </a:pathLst>
+            </a:custGeom>
+            <a:solidFill>
+              <a:schemeClr val="tx1">
+                <a:lumMod val="85000"/>
+                <a:lumOff val="15000"/>
+              </a:schemeClr>
+            </a:solidFill>
+            <a:ln>
+              <a:noFill/>
+            </a:ln>
+          </p:spPr>
+        </p:sp>
+        <p:sp>
+          <p:nvSpPr>
+            <p:cNvPr id="20" name="Freeform 9"/>
+            <p:cNvSpPr/>
+            <p:nvPr/>
+          </p:nvSpPr>
+          <p:spPr bwMode="auto">
+            <a:xfrm>
+              <a:off x="646113" y="3886200"/>
+              <a:ext cx="2373313" cy="2971800"/>
+            </a:xfrm>
+            <a:custGeom>
+              <a:avLst/>
+              <a:gdLst/>
+              <a:ahLst/>
+              <a:cxnLst/>
+              <a:rect l="0" t="0" r="r" b="b"/>
+              <a:pathLst>
+                <a:path w="1495" h="1872">
+                  <a:moveTo>
+                    <a:pt x="1495" y="1872"/>
+                  </a:moveTo>
+                  <a:lnTo>
+                    <a:pt x="0" y="0"/>
+                  </a:lnTo>
+                  <a:lnTo>
+                    <a:pt x="1442" y="1872"/>
+                  </a:lnTo>
+                  <a:lnTo>
+                    <a:pt x="1495" y="1872"/>
+                  </a:lnTo>
+                  <a:close/>
+                </a:path>
+              </a:pathLst>
+            </a:custGeom>
+            <a:solidFill>
+              <a:schemeClr val="accent1">
+                <a:lumMod val="50000"/>
+              </a:schemeClr>
+            </a:solidFill>
+            <a:ln>
+              <a:noFill/>
+            </a:ln>
+          </p:spPr>
+        </p:sp>
+        <p:sp>
+          <p:nvSpPr>
+            <p:cNvPr id="21" name="Freeform 10"/>
+            <p:cNvSpPr/>
+            <p:nvPr/>
+          </p:nvSpPr>
+          <p:spPr bwMode="auto">
+            <a:xfrm>
+              <a:off x="641350" y="3881438"/>
+              <a:ext cx="3340100" cy="2976563"/>
+            </a:xfrm>
+            <a:custGeom>
+              <a:avLst/>
+              <a:gdLst/>
+              <a:ahLst/>
+              <a:cxnLst/>
+              <a:rect l="0" t="0" r="r" b="b"/>
+              <a:pathLst>
+                <a:path w="2104" h="1875">
+                  <a:moveTo>
+                    <a:pt x="0" y="0"/>
+                  </a:moveTo>
+                  <a:lnTo>
+                    <a:pt x="3" y="3"/>
+                  </a:lnTo>
+                  <a:lnTo>
+                    <a:pt x="1498" y="1875"/>
+                  </a:lnTo>
+                  <a:lnTo>
+                    <a:pt x="2104" y="1875"/>
+                  </a:lnTo>
+                  <a:lnTo>
+                    <a:pt x="228" y="57"/>
+                  </a:lnTo>
+                  <a:lnTo>
+                    <a:pt x="0" y="0"/>
+                  </a:lnTo>
+                  <a:close/>
+                </a:path>
+              </a:pathLst>
+            </a:custGeom>
+            <a:solidFill>
+              <a:schemeClr val="accent1">
+                <a:lumMod val="75000"/>
+              </a:schemeClr>
+            </a:solidFill>
+            <a:ln>
+              <a:noFill/>
+            </a:ln>
+          </p:spPr>
+        </p:sp>
+        <p:sp>
+          <p:nvSpPr>
+            <p:cNvPr id="22" name="Freeform 11"/>
+            <p:cNvSpPr/>
+            <p:nvPr/>
+          </p:nvSpPr>
+          <p:spPr bwMode="auto">
+            <a:xfrm>
+              <a:off x="203200" y="3771900"/>
+              <a:ext cx="2660650" cy="3086100"/>
+            </a:xfrm>
+            <a:custGeom>
+              <a:avLst/>
+              <a:gdLst/>
+              <a:ahLst/>
+              <a:cxnLst/>
+              <a:rect l="0" t="0" r="r" b="b"/>
+              <a:pathLst>
+                <a:path w="1676" h="1944">
+                  <a:moveTo>
+                    <a:pt x="1676" y="1944"/>
+                  </a:moveTo>
+                  <a:lnTo>
+                    <a:pt x="264" y="111"/>
+                  </a:lnTo>
+                  <a:lnTo>
+                    <a:pt x="225" y="60"/>
+                  </a:lnTo>
+                  <a:lnTo>
+                    <a:pt x="228" y="60"/>
+                  </a:lnTo>
+                  <a:lnTo>
+                    <a:pt x="264" y="111"/>
+                  </a:lnTo>
+                  <a:lnTo>
+                    <a:pt x="234" y="69"/>
+                  </a:lnTo>
+                  <a:lnTo>
+                    <a:pt x="228" y="57"/>
+                  </a:lnTo>
+                  <a:lnTo>
+                    <a:pt x="222" y="54"/>
+                  </a:lnTo>
+                  <a:lnTo>
+                    <a:pt x="0" y="0"/>
+                  </a:lnTo>
+                  <a:lnTo>
+                    <a:pt x="3" y="3"/>
+                  </a:lnTo>
+                  <a:lnTo>
+                    <a:pt x="1223" y="1944"/>
+                  </a:lnTo>
+                  <a:lnTo>
+                    <a:pt x="1676" y="1944"/>
+                  </a:lnTo>
+                  <a:close/>
+                </a:path>
+              </a:pathLst>
+            </a:custGeom>
+            <a:solidFill>
+              <a:schemeClr val="tx1">
+                <a:lumMod val="75000"/>
+                <a:lumOff val="25000"/>
+              </a:schemeClr>
+            </a:solidFill>
+            <a:ln>
+              <a:noFill/>
+            </a:ln>
+          </p:spPr>
+        </p:sp>
+      </p:grpSp>
+      <p:sp>
+        <p:nvSpPr>
+          <p:cNvPr id="2" name="Title 1"/>
+          <p:cNvSpPr>
+            <a:spLocks noGrp="1"/>
+          </p:cNvSpPr>
+          <p:nvPr>
+            <p:ph type="ctrTitle"/>
+          </p:nvPr>
+        </p:nvSpPr>
+        <p:spPr>
+          <a:xfrm>
+            <a:off x="1917869" y="1007958"/>
+            <a:ext cx="7658725" cy="3845167"/>
+          </a:xfrm>
+        </p:spPr>
+        <p:txBody>
+          <a:bodyPr anchor="b">
+            <a:normAutofit/>
+          </a:bodyPr>
+          <a:lstStyle>
+            <a:lvl1pPr algn="r">
+              <a:defRPr sz="5952">
+                <a:effectLst/>
+              </a:defRPr>
+            </a:lvl1pPr>
+          </a:lstStyle>
+          <a:p>
+            <a:r>
+              <a:rPr lang="pl-PL"/>
+              <a:t>Kliknij, aby edytować styl</a:t>
+            </a:r>
+            <a:endParaRPr lang="en-US" dirty="0"/>
+          </a:p>
+        </p:txBody>
+      </p:sp>
+      <p:sp>
+        <p:nvSpPr>
+          <p:cNvPr id="3" name="Subtitle 2"/>
+          <p:cNvSpPr>
+            <a:spLocks noGrp="1"/>
+          </p:cNvSpPr>
+          <p:nvPr>
+            <p:ph type="subTitle" idx="1"/>
+          </p:nvPr>
+        </p:nvSpPr>
+        <p:spPr>
+          <a:xfrm>
+            <a:off x="3223770" y="4853124"/>
+            <a:ext cx="6352826" cy="1504143"/>
+          </a:xfrm>
+        </p:spPr>
+        <p:txBody>
+          <a:bodyPr anchor="t">
+            <a:normAutofit/>
+          </a:bodyPr>
+          <a:lstStyle>
+            <a:lvl1pPr marL="0" indent="0" algn="r">
+              <a:buNone/>
+              <a:defRPr sz="1984">
+                <a:solidFill>
+                  <a:schemeClr val="tx1"/>
+                </a:solidFill>
+              </a:defRPr>
+            </a:lvl1pPr>
+            <a:lvl2pPr marL="503972" indent="0" algn="ctr">
+              <a:buNone/>
+              <a:defRPr>
+                <a:solidFill>
+                  <a:schemeClr val="tx1">
+                    <a:tint val="75000"/>
+                  </a:schemeClr>
+                </a:solidFill>
+              </a:defRPr>
+            </a:lvl2pPr>
+            <a:lvl3pPr marL="1007943" indent="0" algn="ctr">
+              <a:buNone/>
+              <a:defRPr>
+                <a:solidFill>
+                  <a:schemeClr val="tx1">
+                    <a:tint val="75000"/>
+                  </a:schemeClr>
+                </a:solidFill>
+              </a:defRPr>
+            </a:lvl3pPr>
+            <a:lvl4pPr marL="1511915" indent="0" algn="ctr">
+              <a:buNone/>
+              <a:defRPr>
+                <a:solidFill>
+                  <a:schemeClr val="tx1">
+                    <a:tint val="75000"/>
+                  </a:schemeClr>
+                </a:solidFill>
+              </a:defRPr>
+            </a:lvl4pPr>
+            <a:lvl5pPr marL="2015886" indent="0" algn="ctr">
+              <a:buNone/>
+              <a:defRPr>
+                <a:solidFill>
+                  <a:schemeClr val="tx1">
+                    <a:tint val="75000"/>
+                  </a:schemeClr>
+                </a:solidFill>
+              </a:defRPr>
+            </a:lvl5pPr>
+            <a:lvl6pPr marL="2519858" indent="0" algn="ctr">
+              <a:buNone/>
+              <a:defRPr>
+                <a:solidFill>
+                  <a:schemeClr val="tx1">
+                    <a:tint val="75000"/>
+                  </a:schemeClr>
+                </a:solidFill>
+              </a:defRPr>
+            </a:lvl6pPr>
+            <a:lvl7pPr marL="3023829" indent="0" algn="ctr">
+              <a:buNone/>
+              <a:defRPr>
+                <a:solidFill>
+                  <a:schemeClr val="tx1">
+                    <a:tint val="75000"/>
+                  </a:schemeClr>
+                </a:solidFill>
+              </a:defRPr>
+            </a:lvl7pPr>
+            <a:lvl8pPr marL="3527801" indent="0" algn="ctr">
+              <a:buNone/>
+              <a:defRPr>
+                <a:solidFill>
+                  <a:schemeClr val="tx1">
+                    <a:tint val="75000"/>
+                  </a:schemeClr>
+                </a:solidFill>
+              </a:defRPr>
+            </a:lvl8pPr>
+            <a:lvl9pPr marL="4031772" indent="0" algn="ctr">
+              <a:buNone/>
+              <a:defRPr>
+                <a:solidFill>
+                  <a:schemeClr val="tx1">
+                    <a:tint val="75000"/>
+                  </a:schemeClr>
+                </a:solidFill>
+              </a:defRPr>
+            </a:lvl9pPr>
+          </a:lstStyle>
+          <a:p>
+            <a:r>
+              <a:rPr lang="pl-PL"/>
+              <a:t>Kliknij, aby edytować styl wzorca podtytułu</a:t>
+            </a:r>
+            <a:endParaRPr lang="en-US" dirty="0"/>
+          </a:p>
+        </p:txBody>
+      </p:sp>
+      <p:sp>
+        <p:nvSpPr>
+          <p:cNvPr id="4" name="Date Placeholder 3"/>
+          <p:cNvSpPr>
+            <a:spLocks noGrp="1"/>
+          </p:cNvSpPr>
+          <p:nvPr>
+            <p:ph type="dt" sz="half" idx="10"/>
+          </p:nvPr>
+        </p:nvSpPr>
+        <p:spPr>
+          <a:xfrm>
+            <a:off x="8076157" y="6743230"/>
+            <a:ext cx="945304" cy="402483"/>
+          </a:xfrm>
+        </p:spPr>
+        <p:txBody>
+          <a:bodyPr/>
+          <a:lstStyle/>
+          <a:p>
+            <a:r>
+              <a:rPr lang="pl-PL" sz="1400">
+                <a:latin typeface="Times New Roman"/>
+              </a:rPr>
+              <a:t>&lt;data/godzina&gt;</a:t>
+            </a:r>
+            <a:endParaRPr lang="pl-PL"/>
+          </a:p>
+        </p:txBody>
+      </p:sp>
+      <p:sp>
+        <p:nvSpPr>
+          <p:cNvPr id="5" name="Footer Placeholder 4"/>
+          <p:cNvSpPr>
+            <a:spLocks noGrp="1"/>
+          </p:cNvSpPr>
+          <p:nvPr>
+            <p:ph type="ftr" sz="quarter" idx="11"/>
+          </p:nvPr>
+        </p:nvSpPr>
+        <p:spPr>
+          <a:xfrm>
+            <a:off x="3994914" y="6743230"/>
+            <a:ext cx="3979155" cy="402483"/>
+          </a:xfrm>
+        </p:spPr>
+        <p:txBody>
+          <a:bodyPr/>
+          <a:lstStyle/>
+          <a:p>
+            <a:pPr algn="ctr"/>
+            <a:r>
+              <a:rPr lang="pl-PL" sz="1400">
+                <a:latin typeface="Times New Roman"/>
+              </a:rPr>
+              <a:t>&lt;stopka&gt;</a:t>
+            </a:r>
+            <a:endParaRPr lang="pl-PL"/>
+          </a:p>
+        </p:txBody>
+      </p:sp>
+      <p:sp>
+        <p:nvSpPr>
+          <p:cNvPr id="6" name="Slide Number Placeholder 5"/>
+          <p:cNvSpPr>
+            <a:spLocks noGrp="1"/>
+          </p:cNvSpPr>
+          <p:nvPr>
+            <p:ph type="sldNum" sz="quarter" idx="12"/>
+          </p:nvPr>
+        </p:nvSpPr>
+        <p:spPr>
+          <a:xfrm>
+            <a:off x="9122966" y="6743230"/>
+            <a:ext cx="453628" cy="402483"/>
+          </a:xfrm>
+        </p:spPr>
+        <p:txBody>
+          <a:bodyPr/>
+          <a:lstStyle/>
+          <a:p>
+            <a:pPr algn="r"/>
+            <a:fld id="{4BB0830B-121A-4EDE-8C54-D202AEBFFBA7}" type="slidenum">
+              <a:rPr lang="pl-PL" sz="1400" smtClean="0">
+                <a:latin typeface="Times New Roman"/>
+              </a:rPr>
+              <a:t>‹#›</a:t>
+            </a:fld>
+            <a:endParaRPr lang="pl-PL"/>
+          </a:p>
+        </p:txBody>
+      </p:sp>
+      <p:sp>
+        <p:nvSpPr>
+          <p:cNvPr id="23" name="Freeform 12"/>
+          <p:cNvSpPr/>
+          <p:nvPr/>
+        </p:nvSpPr>
+        <p:spPr bwMode="auto">
+          <a:xfrm>
+            <a:off x="224014" y="4157821"/>
+            <a:ext cx="399025" cy="99746"/>
+          </a:xfrm>
+          <a:custGeom>
+            <a:avLst/>
+            <a:gdLst/>
+            <a:ahLst/>
+            <a:cxnLst/>
+            <a:rect l="0" t="0" r="r" b="b"/>
+            <a:pathLst>
+              <a:path w="228" h="57">
+                <a:moveTo>
+                  <a:pt x="228" y="57"/>
+                </a:moveTo>
+                <a:lnTo>
+                  <a:pt x="0" y="0"/>
+                </a:lnTo>
+                <a:lnTo>
+                  <a:pt x="222" y="54"/>
+                </a:lnTo>
+                <a:lnTo>
+                  <a:pt x="228" y="57"/>
+                </a:lnTo>
+                <a:close/>
+              </a:path>
+            </a:pathLst>
+          </a:custGeom>
+          <a:solidFill>
+            <a:srgbClr val="29ABE2"/>
+          </a:solidFill>
+          <a:ln>
+            <a:noFill/>
+          </a:ln>
+          <a:extLst>
+            <a:ext uri="{91240B29-F687-4f45-9708-019B960494DF}">
+              <a14:hiddenLine xmlns="" xmlns:a14="http://schemas.microsoft.com/office/drawing/2010/main" w="9525">
+                <a:solidFill>
+                  <a:srgbClr val="000000"/>
+                </a:solidFill>
+                <a:round/>
+                <a:headEnd/>
+                <a:tailEnd/>
+              </a14:hiddenLine>
+            </a:ext>
+          </a:extLst>
+        </p:spPr>
+      </p:sp>
+      <p:sp>
+        <p:nvSpPr>
+          <p:cNvPr id="24" name="Freeform 13"/>
+          <p:cNvSpPr/>
+          <p:nvPr/>
+        </p:nvSpPr>
+        <p:spPr bwMode="auto">
+          <a:xfrm>
+            <a:off x="617789" y="4262817"/>
+            <a:ext cx="68255" cy="89247"/>
+          </a:xfrm>
+          <a:custGeom>
+            <a:avLst/>
+            <a:gdLst/>
+            <a:ahLst/>
+            <a:cxnLst/>
+            <a:rect l="0" t="0" r="r" b="b"/>
+            <a:pathLst>
+              <a:path w="39" h="51">
+                <a:moveTo>
+                  <a:pt x="0" y="0"/>
+                </a:moveTo>
+                <a:lnTo>
+                  <a:pt x="39" y="51"/>
+                </a:lnTo>
+                <a:lnTo>
+                  <a:pt x="3" y="0"/>
+                </a:lnTo>
+                <a:lnTo>
+                  <a:pt x="0" y="0"/>
+                </a:lnTo>
+                <a:close/>
+              </a:path>
+            </a:pathLst>
+          </a:custGeom>
+          <a:solidFill>
+            <a:srgbClr val="29ABE2"/>
+          </a:solidFill>
+          <a:ln>
+            <a:noFill/>
+          </a:ln>
+          <a:extLst>
+            <a:ext uri="{91240B29-F687-4f45-9708-019B960494DF}">
+              <a14:hiddenLine xmlns="" xmlns:a14="http://schemas.microsoft.com/office/drawing/2010/main" w="9525">
+                <a:solidFill>
+                  <a:srgbClr val="000000"/>
+                </a:solidFill>
+                <a:round/>
+                <a:headEnd/>
+                <a:tailEnd/>
+              </a14:hiddenLine>
+            </a:ext>
+          </a:extLst>
+        </p:spPr>
+      </p:sp>
     </p:spTree>
+    <p:extLst>
+      <p:ext uri="{BB962C8B-B14F-4D97-AF65-F5344CB8AC3E}">
+        <p14:creationId xmlns:p14="http://schemas.microsoft.com/office/powerpoint/2010/main" val="1168979857"/>
+      </p:ext>
+    </p:extLst>
   </p:cSld>
   <p:clrMapOvr>
     <a:masterClrMapping/>
@@ -144,8 +828,8 @@
 </file>
 
 <file path=ppt/slideLayouts/slideLayout10.xml><?xml version="1.0" encoding="utf-8"?>
-<p:sldLayout xmlns:a="http://schemas.openxmlformats.org/drawingml/2006/main" xmlns:r="http://schemas.openxmlformats.org/officeDocument/2006/relationships" xmlns:p="http://schemas.openxmlformats.org/presentationml/2006/main" type="objOverTx" preserve="1">
-  <p:cSld name="Title, Content over Content">
+<p:sldLayout xmlns:a="http://schemas.openxmlformats.org/drawingml/2006/main" xmlns:r="http://schemas.openxmlformats.org/officeDocument/2006/relationships" xmlns:p="http://schemas.openxmlformats.org/presentationml/2006/main" preserve="1">
+  <p:cSld name="Obraz panoramiczny z podpisem">
     <p:spTree>
       <p:nvGrpSpPr>
         <p:cNvPr id="1" name=""/>
@@ -162,7 +846,7 @@
       </p:grpSpPr>
       <p:sp>
         <p:nvSpPr>
-          <p:cNvPr id="26" name="PlaceHolder 1"/>
+          <p:cNvPr id="2" name="Title 1"/>
           <p:cNvSpPr>
             <a:spLocks noGrp="1"/>
           </p:cNvSpPr>
@@ -172,77 +856,273 @@
         </p:nvSpPr>
         <p:spPr>
           <a:xfrm>
-            <a:off x="504000" y="301320"/>
-            <a:ext cx="9071640" cy="1262160"/>
+            <a:off x="1227582" y="5217107"/>
+            <a:ext cx="8285858" cy="624724"/>
           </a:xfrm>
-          <a:prstGeom prst="rect">
-            <a:avLst/>
+        </p:spPr>
+        <p:txBody>
+          <a:bodyPr anchor="b">
+            <a:normAutofit/>
+          </a:bodyPr>
+          <a:lstStyle>
+            <a:lvl1pPr algn="ctr">
+              <a:defRPr sz="2646" b="0"/>
+            </a:lvl1pPr>
+          </a:lstStyle>
+          <a:p>
+            <a:r>
+              <a:rPr lang="pl-PL"/>
+              <a:t>Kliknij, aby edytować styl</a:t>
+            </a:r>
+            <a:endParaRPr lang="en-US" dirty="0"/>
+          </a:p>
+        </p:txBody>
+      </p:sp>
+      <p:sp>
+        <p:nvSpPr>
+          <p:cNvPr id="3" name="Picture Placeholder 2"/>
+          <p:cNvSpPr>
+            <a:spLocks noGrp="1" noChangeAspect="1"/>
+          </p:cNvSpPr>
+          <p:nvPr>
+            <p:ph type="pic" idx="1"/>
+          </p:nvPr>
+        </p:nvSpPr>
+        <p:spPr>
+          <a:xfrm>
+            <a:off x="1973323" y="1027481"/>
+            <a:ext cx="6803171" cy="3488800"/>
+          </a:xfrm>
+          <a:prstGeom prst="roundRect">
+            <a:avLst>
+              <a:gd name="adj" fmla="val 4380"/>
+            </a:avLst>
           </a:prstGeom>
+          <a:ln w="38100">
+            <a:gradFill flip="none" rotWithShape="1">
+              <a:gsLst>
+                <a:gs pos="0">
+                  <a:schemeClr val="bg2"/>
+                </a:gs>
+                <a:gs pos="100000">
+                  <a:schemeClr val="bg2">
+                    <a:lumMod val="75000"/>
+                  </a:schemeClr>
+                </a:gs>
+              </a:gsLst>
+              <a:lin ang="5400000" scaled="0"/>
+              <a:tileRect/>
+            </a:gradFill>
+          </a:ln>
+          <a:effectLst>
+            <a:innerShdw blurRad="57150" dist="38100" dir="14460000">
+              <a:srgbClr val="000000">
+                <a:alpha val="70000"/>
+              </a:srgbClr>
+            </a:innerShdw>
+          </a:effectLst>
         </p:spPr>
         <p:txBody>
-          <a:bodyPr lIns="0" tIns="0" rIns="0" bIns="0" anchor="ctr"/>
-          <a:lstStyle/>
-          <a:p>
-            <a:pPr algn="ctr"/>
-            <a:endParaRPr/>
-          </a:p>
-        </p:txBody>
-      </p:sp>
-      <p:sp>
-        <p:nvSpPr>
-          <p:cNvPr id="27" name="PlaceHolder 2"/>
+          <a:bodyPr anchor="t">
+            <a:normAutofit/>
+          </a:bodyPr>
+          <a:lstStyle>
+            <a:lvl1pPr marL="0" indent="0" algn="ctr">
+              <a:buNone/>
+              <a:defRPr sz="1764"/>
+            </a:lvl1pPr>
+            <a:lvl2pPr marL="503972" indent="0">
+              <a:buNone/>
+              <a:defRPr sz="1764"/>
+            </a:lvl2pPr>
+            <a:lvl3pPr marL="1007943" indent="0">
+              <a:buNone/>
+              <a:defRPr sz="1764"/>
+            </a:lvl3pPr>
+            <a:lvl4pPr marL="1511915" indent="0">
+              <a:buNone/>
+              <a:defRPr sz="1764"/>
+            </a:lvl4pPr>
+            <a:lvl5pPr marL="2015886" indent="0">
+              <a:buNone/>
+              <a:defRPr sz="1764"/>
+            </a:lvl5pPr>
+            <a:lvl6pPr marL="2519858" indent="0">
+              <a:buNone/>
+              <a:defRPr sz="1764"/>
+            </a:lvl6pPr>
+            <a:lvl7pPr marL="3023829" indent="0">
+              <a:buNone/>
+              <a:defRPr sz="1764"/>
+            </a:lvl7pPr>
+            <a:lvl8pPr marL="3527801" indent="0">
+              <a:buNone/>
+              <a:defRPr sz="1764"/>
+            </a:lvl8pPr>
+            <a:lvl9pPr marL="4031772" indent="0">
+              <a:buNone/>
+              <a:defRPr sz="1764"/>
+            </a:lvl9pPr>
+          </a:lstStyle>
+          <a:p>
+            <a:r>
+              <a:rPr lang="pl-PL"/>
+              <a:t>Kliknij ikonę, aby dodać obraz</a:t>
+            </a:r>
+            <a:endParaRPr lang="en-US" dirty="0"/>
+          </a:p>
+        </p:txBody>
+      </p:sp>
+      <p:sp>
+        <p:nvSpPr>
+          <p:cNvPr id="4" name="Text Placeholder 3"/>
           <p:cNvSpPr>
             <a:spLocks noGrp="1"/>
           </p:cNvSpPr>
           <p:nvPr>
-            <p:ph type="body"/>
+            <p:ph type="body" sz="half" idx="2"/>
           </p:nvPr>
         </p:nvSpPr>
         <p:spPr>
           <a:xfrm>
-            <a:off x="504000" y="1769040"/>
-            <a:ext cx="9071640" cy="2091240"/>
+            <a:off x="1227582" y="5841831"/>
+            <a:ext cx="8285858" cy="544226"/>
           </a:xfrm>
-          <a:prstGeom prst="rect">
-            <a:avLst/>
-          </a:prstGeom>
         </p:spPr>
         <p:txBody>
-          <a:bodyPr lIns="0" tIns="0" rIns="0" bIns="0"/>
-          <a:lstStyle/>
-          <a:p>
-            <a:endParaRPr/>
-          </a:p>
-        </p:txBody>
-      </p:sp>
-      <p:sp>
-        <p:nvSpPr>
-          <p:cNvPr id="28" name="PlaceHolder 3"/>
+          <a:bodyPr>
+            <a:normAutofit/>
+          </a:bodyPr>
+          <a:lstStyle>
+            <a:lvl1pPr marL="0" indent="0" algn="ctr">
+              <a:buNone/>
+              <a:defRPr sz="1543"/>
+            </a:lvl1pPr>
+            <a:lvl2pPr marL="503972" indent="0">
+              <a:buNone/>
+              <a:defRPr sz="1323"/>
+            </a:lvl2pPr>
+            <a:lvl3pPr marL="1007943" indent="0">
+              <a:buNone/>
+              <a:defRPr sz="1102"/>
+            </a:lvl3pPr>
+            <a:lvl4pPr marL="1511915" indent="0">
+              <a:buNone/>
+              <a:defRPr sz="992"/>
+            </a:lvl4pPr>
+            <a:lvl5pPr marL="2015886" indent="0">
+              <a:buNone/>
+              <a:defRPr sz="992"/>
+            </a:lvl5pPr>
+            <a:lvl6pPr marL="2519858" indent="0">
+              <a:buNone/>
+              <a:defRPr sz="992"/>
+            </a:lvl6pPr>
+            <a:lvl7pPr marL="3023829" indent="0">
+              <a:buNone/>
+              <a:defRPr sz="992"/>
+            </a:lvl7pPr>
+            <a:lvl8pPr marL="3527801" indent="0">
+              <a:buNone/>
+              <a:defRPr sz="992"/>
+            </a:lvl8pPr>
+            <a:lvl9pPr marL="4031772" indent="0">
+              <a:buNone/>
+              <a:defRPr sz="992"/>
+            </a:lvl9pPr>
+          </a:lstStyle>
+          <a:p>
+            <a:pPr lvl="0"/>
+            <a:r>
+              <a:rPr lang="pl-PL"/>
+              <a:t>Edytuj style wzorca tekstu</a:t>
+            </a:r>
+          </a:p>
+        </p:txBody>
+      </p:sp>
+      <p:sp>
+        <p:nvSpPr>
+          <p:cNvPr id="5" name="Date Placeholder 4"/>
           <p:cNvSpPr>
             <a:spLocks noGrp="1"/>
           </p:cNvSpPr>
           <p:nvPr>
-            <p:ph type="body"/>
+            <p:ph type="dt" sz="half" idx="10"/>
           </p:nvPr>
         </p:nvSpPr>
-        <p:spPr>
-          <a:xfrm>
-            <a:off x="504000" y="4059360"/>
-            <a:ext cx="9071640" cy="2091240"/>
-          </a:xfrm>
-          <a:prstGeom prst="rect">
-            <a:avLst/>
-          </a:prstGeom>
-        </p:spPr>
-        <p:txBody>
-          <a:bodyPr lIns="0" tIns="0" rIns="0" bIns="0"/>
+        <p:spPr/>
+        <p:txBody>
+          <a:bodyPr/>
           <a:lstStyle/>
           <a:p>
-            <a:endParaRPr/>
+            <a:r>
+              <a:rPr lang="pl-PL" sz="1400">
+                <a:latin typeface="Times New Roman"/>
+              </a:rPr>
+              <a:t>&lt;data/godzina&gt;</a:t>
+            </a:r>
+            <a:endParaRPr lang="pl-PL"/>
+          </a:p>
+        </p:txBody>
+      </p:sp>
+      <p:sp>
+        <p:nvSpPr>
+          <p:cNvPr id="6" name="Footer Placeholder 5"/>
+          <p:cNvSpPr>
+            <a:spLocks noGrp="1"/>
+          </p:cNvSpPr>
+          <p:nvPr>
+            <p:ph type="ftr" sz="quarter" idx="11"/>
+          </p:nvPr>
+        </p:nvSpPr>
+        <p:spPr/>
+        <p:txBody>
+          <a:bodyPr/>
+          <a:lstStyle/>
+          <a:p>
+            <a:pPr algn="ctr"/>
+            <a:r>
+              <a:rPr lang="pl-PL" sz="1400">
+                <a:latin typeface="Times New Roman"/>
+              </a:rPr>
+              <a:t>&lt;stopka&gt;</a:t>
+            </a:r>
+            <a:endParaRPr lang="pl-PL"/>
+          </a:p>
+        </p:txBody>
+      </p:sp>
+      <p:sp>
+        <p:nvSpPr>
+          <p:cNvPr id="7" name="Slide Number Placeholder 6"/>
+          <p:cNvSpPr>
+            <a:spLocks noGrp="1"/>
+          </p:cNvSpPr>
+          <p:nvPr>
+            <p:ph type="sldNum" sz="quarter" idx="12"/>
+          </p:nvPr>
+        </p:nvSpPr>
+        <p:spPr/>
+        <p:txBody>
+          <a:bodyPr/>
+          <a:lstStyle/>
+          <a:p>
+            <a:pPr algn="r"/>
+            <a:fld id="{4BB0830B-121A-4EDE-8C54-D202AEBFFBA7}" type="slidenum">
+              <a:rPr lang="pl-PL" sz="1400" smtClean="0">
+                <a:latin typeface="Times New Roman"/>
+              </a:rPr>
+              <a:t>‹#›</a:t>
+            </a:fld>
+            <a:endParaRPr lang="pl-PL"/>
           </a:p>
         </p:txBody>
       </p:sp>
     </p:spTree>
+    <p:extLst>
+      <p:ext uri="{BB962C8B-B14F-4D97-AF65-F5344CB8AC3E}">
+        <p14:creationId xmlns:p14="http://schemas.microsoft.com/office/powerpoint/2010/main" val="3082258586"/>
+      </p:ext>
+    </p:extLst>
   </p:cSld>
   <p:clrMapOvr>
     <a:masterClrMapping/>
@@ -251,8 +1131,8 @@
 </file>
 
 <file path=ppt/slideLayouts/slideLayout11.xml><?xml version="1.0" encoding="utf-8"?>
-<p:sldLayout xmlns:a="http://schemas.openxmlformats.org/drawingml/2006/main" xmlns:r="http://schemas.openxmlformats.org/officeDocument/2006/relationships" xmlns:p="http://schemas.openxmlformats.org/presentationml/2006/main" type="fourObj" preserve="1">
-  <p:cSld name="Title, 4 Content">
+<p:sldLayout xmlns:a="http://schemas.openxmlformats.org/drawingml/2006/main" xmlns:r="http://schemas.openxmlformats.org/officeDocument/2006/relationships" xmlns:p="http://schemas.openxmlformats.org/presentationml/2006/main" preserve="1">
+  <p:cSld name="Tytuł i podpis">
     <p:spTree>
       <p:nvGrpSpPr>
         <p:cNvPr id="1" name=""/>
@@ -269,7 +1149,7 @@
       </p:grpSpPr>
       <p:sp>
         <p:nvSpPr>
-          <p:cNvPr id="29" name="PlaceHolder 1"/>
+          <p:cNvPr id="2" name="Title 1"/>
           <p:cNvSpPr>
             <a:spLocks noGrp="1"/>
           </p:cNvSpPr>
@@ -279,131 +1159,230 @@
         </p:nvSpPr>
         <p:spPr>
           <a:xfrm>
-            <a:off x="504000" y="301320"/>
-            <a:ext cx="9071640" cy="1262160"/>
+            <a:off x="1227584" y="755967"/>
+            <a:ext cx="8285858" cy="3359856"/>
           </a:xfrm>
-          <a:prstGeom prst="rect">
-            <a:avLst/>
-          </a:prstGeom>
         </p:spPr>
         <p:txBody>
-          <a:bodyPr lIns="0" tIns="0" rIns="0" bIns="0" anchor="ctr"/>
-          <a:lstStyle/>
-          <a:p>
-            <a:pPr algn="ctr"/>
-            <a:endParaRPr/>
-          </a:p>
-        </p:txBody>
-      </p:sp>
-      <p:sp>
-        <p:nvSpPr>
-          <p:cNvPr id="30" name="PlaceHolder 2"/>
+          <a:bodyPr anchor="ctr">
+            <a:normAutofit/>
+          </a:bodyPr>
+          <a:lstStyle>
+            <a:lvl1pPr algn="ctr">
+              <a:defRPr sz="3527" b="0" cap="none"/>
+            </a:lvl1pPr>
+          </a:lstStyle>
+          <a:p>
+            <a:r>
+              <a:rPr lang="pl-PL"/>
+              <a:t>Kliknij, aby edytować styl</a:t>
+            </a:r>
+            <a:endParaRPr lang="en-US" dirty="0"/>
+          </a:p>
+        </p:txBody>
+      </p:sp>
+      <p:sp>
+        <p:nvSpPr>
+          <p:cNvPr id="3" name="Text Placeholder 2"/>
           <p:cNvSpPr>
             <a:spLocks noGrp="1"/>
           </p:cNvSpPr>
           <p:nvPr>
-            <p:ph type="body"/>
+            <p:ph type="body" idx="1"/>
           </p:nvPr>
         </p:nvSpPr>
         <p:spPr>
           <a:xfrm>
-            <a:off x="504000" y="1769040"/>
-            <a:ext cx="4426920" cy="2091240"/>
+            <a:off x="1227583" y="4787794"/>
+            <a:ext cx="8285859" cy="1595931"/>
           </a:xfrm>
-          <a:prstGeom prst="rect">
-            <a:avLst/>
-          </a:prstGeom>
         </p:spPr>
         <p:txBody>
-          <a:bodyPr lIns="0" tIns="0" rIns="0" bIns="0"/>
-          <a:lstStyle/>
-          <a:p>
-            <a:endParaRPr/>
-          </a:p>
-        </p:txBody>
-      </p:sp>
-      <p:sp>
-        <p:nvSpPr>
-          <p:cNvPr id="31" name="PlaceHolder 3"/>
+          <a:bodyPr anchor="ctr">
+            <a:normAutofit/>
+          </a:bodyPr>
+          <a:lstStyle>
+            <a:lvl1pPr marL="0" indent="0" algn="ctr">
+              <a:buNone/>
+              <a:defRPr sz="2205">
+                <a:solidFill>
+                  <a:schemeClr val="tx1"/>
+                </a:solidFill>
+              </a:defRPr>
+            </a:lvl1pPr>
+            <a:lvl2pPr marL="503972" indent="0">
+              <a:buNone/>
+              <a:defRPr sz="1984">
+                <a:solidFill>
+                  <a:schemeClr val="tx1">
+                    <a:tint val="75000"/>
+                  </a:schemeClr>
+                </a:solidFill>
+              </a:defRPr>
+            </a:lvl2pPr>
+            <a:lvl3pPr marL="1007943" indent="0">
+              <a:buNone/>
+              <a:defRPr sz="1764">
+                <a:solidFill>
+                  <a:schemeClr val="tx1">
+                    <a:tint val="75000"/>
+                  </a:schemeClr>
+                </a:solidFill>
+              </a:defRPr>
+            </a:lvl3pPr>
+            <a:lvl4pPr marL="1511915" indent="0">
+              <a:buNone/>
+              <a:defRPr sz="1543">
+                <a:solidFill>
+                  <a:schemeClr val="tx1">
+                    <a:tint val="75000"/>
+                  </a:schemeClr>
+                </a:solidFill>
+              </a:defRPr>
+            </a:lvl4pPr>
+            <a:lvl5pPr marL="2015886" indent="0">
+              <a:buNone/>
+              <a:defRPr sz="1543">
+                <a:solidFill>
+                  <a:schemeClr val="tx1">
+                    <a:tint val="75000"/>
+                  </a:schemeClr>
+                </a:solidFill>
+              </a:defRPr>
+            </a:lvl5pPr>
+            <a:lvl6pPr marL="2519858" indent="0">
+              <a:buNone/>
+              <a:defRPr sz="1543">
+                <a:solidFill>
+                  <a:schemeClr val="tx1">
+                    <a:tint val="75000"/>
+                  </a:schemeClr>
+                </a:solidFill>
+              </a:defRPr>
+            </a:lvl6pPr>
+            <a:lvl7pPr marL="3023829" indent="0">
+              <a:buNone/>
+              <a:defRPr sz="1543">
+                <a:solidFill>
+                  <a:schemeClr val="tx1">
+                    <a:tint val="75000"/>
+                  </a:schemeClr>
+                </a:solidFill>
+              </a:defRPr>
+            </a:lvl7pPr>
+            <a:lvl8pPr marL="3527801" indent="0">
+              <a:buNone/>
+              <a:defRPr sz="1543">
+                <a:solidFill>
+                  <a:schemeClr val="tx1">
+                    <a:tint val="75000"/>
+                  </a:schemeClr>
+                </a:solidFill>
+              </a:defRPr>
+            </a:lvl8pPr>
+            <a:lvl9pPr marL="4031772" indent="0">
+              <a:buNone/>
+              <a:defRPr sz="1543">
+                <a:solidFill>
+                  <a:schemeClr val="tx1">
+                    <a:tint val="75000"/>
+                  </a:schemeClr>
+                </a:solidFill>
+              </a:defRPr>
+            </a:lvl9pPr>
+          </a:lstStyle>
+          <a:p>
+            <a:pPr lvl="0"/>
+            <a:r>
+              <a:rPr lang="pl-PL"/>
+              <a:t>Edytuj style wzorca tekstu</a:t>
+            </a:r>
+          </a:p>
+        </p:txBody>
+      </p:sp>
+      <p:sp>
+        <p:nvSpPr>
+          <p:cNvPr id="4" name="Date Placeholder 3"/>
           <p:cNvSpPr>
             <a:spLocks noGrp="1"/>
           </p:cNvSpPr>
           <p:nvPr>
-            <p:ph type="body"/>
+            <p:ph type="dt" sz="half" idx="10"/>
           </p:nvPr>
         </p:nvSpPr>
-        <p:spPr>
-          <a:xfrm>
-            <a:off x="5152680" y="1769040"/>
-            <a:ext cx="4426920" cy="2091240"/>
-          </a:xfrm>
-          <a:prstGeom prst="rect">
-            <a:avLst/>
-          </a:prstGeom>
-        </p:spPr>
-        <p:txBody>
-          <a:bodyPr lIns="0" tIns="0" rIns="0" bIns="0"/>
+        <p:spPr/>
+        <p:txBody>
+          <a:bodyPr/>
           <a:lstStyle/>
           <a:p>
-            <a:endParaRPr/>
-          </a:p>
-        </p:txBody>
-      </p:sp>
-      <p:sp>
-        <p:nvSpPr>
-          <p:cNvPr id="32" name="PlaceHolder 4"/>
+            <a:r>
+              <a:rPr lang="pl-PL" sz="1400">
+                <a:latin typeface="Times New Roman"/>
+              </a:rPr>
+              <a:t>&lt;data/godzina&gt;</a:t>
+            </a:r>
+            <a:endParaRPr lang="pl-PL"/>
+          </a:p>
+        </p:txBody>
+      </p:sp>
+      <p:sp>
+        <p:nvSpPr>
+          <p:cNvPr id="5" name="Footer Placeholder 4"/>
           <p:cNvSpPr>
             <a:spLocks noGrp="1"/>
           </p:cNvSpPr>
           <p:nvPr>
-            <p:ph type="body"/>
+            <p:ph type="ftr" sz="quarter" idx="11"/>
           </p:nvPr>
         </p:nvSpPr>
-        <p:spPr>
-          <a:xfrm>
-            <a:off x="5152680" y="4059360"/>
-            <a:ext cx="4426920" cy="2091240"/>
-          </a:xfrm>
-          <a:prstGeom prst="rect">
-            <a:avLst/>
-          </a:prstGeom>
-        </p:spPr>
-        <p:txBody>
-          <a:bodyPr lIns="0" tIns="0" rIns="0" bIns="0"/>
+        <p:spPr/>
+        <p:txBody>
+          <a:bodyPr/>
           <a:lstStyle/>
           <a:p>
-            <a:endParaRPr/>
-          </a:p>
-        </p:txBody>
-      </p:sp>
-      <p:sp>
-        <p:nvSpPr>
-          <p:cNvPr id="33" name="PlaceHolder 5"/>
+            <a:pPr algn="ctr"/>
+            <a:r>
+              <a:rPr lang="pl-PL" sz="1400">
+                <a:latin typeface="Times New Roman"/>
+              </a:rPr>
+              <a:t>&lt;stopka&gt;</a:t>
+            </a:r>
+            <a:endParaRPr lang="pl-PL"/>
+          </a:p>
+        </p:txBody>
+      </p:sp>
+      <p:sp>
+        <p:nvSpPr>
+          <p:cNvPr id="6" name="Slide Number Placeholder 5"/>
           <p:cNvSpPr>
             <a:spLocks noGrp="1"/>
           </p:cNvSpPr>
           <p:nvPr>
-            <p:ph type="body"/>
+            <p:ph type="sldNum" sz="quarter" idx="12"/>
           </p:nvPr>
         </p:nvSpPr>
-        <p:spPr>
-          <a:xfrm>
-            <a:off x="504000" y="4059360"/>
-            <a:ext cx="4426920" cy="2091240"/>
-          </a:xfrm>
-          <a:prstGeom prst="rect">
-            <a:avLst/>
-          </a:prstGeom>
-        </p:spPr>
-        <p:txBody>
-          <a:bodyPr lIns="0" tIns="0" rIns="0" bIns="0"/>
+        <p:spPr/>
+        <p:txBody>
+          <a:bodyPr/>
           <a:lstStyle/>
           <a:p>
-            <a:endParaRPr/>
+            <a:pPr algn="r"/>
+            <a:fld id="{4BB0830B-121A-4EDE-8C54-D202AEBFFBA7}" type="slidenum">
+              <a:rPr lang="pl-PL" sz="1400" smtClean="0">
+                <a:latin typeface="Times New Roman"/>
+              </a:rPr>
+              <a:t>‹#›</a:t>
+            </a:fld>
+            <a:endParaRPr lang="pl-PL"/>
           </a:p>
         </p:txBody>
       </p:sp>
     </p:spTree>
+    <p:extLst>
+      <p:ext uri="{BB962C8B-B14F-4D97-AF65-F5344CB8AC3E}">
+        <p14:creationId xmlns:p14="http://schemas.microsoft.com/office/powerpoint/2010/main" val="227439814"/>
+      </p:ext>
+    </p:extLst>
   </p:cSld>
   <p:clrMapOvr>
     <a:masterClrMapping/>
@@ -412,8 +1391,8 @@
 </file>
 
 <file path=ppt/slideLayouts/slideLayout12.xml><?xml version="1.0" encoding="utf-8"?>
-<p:sldLayout xmlns:a="http://schemas.openxmlformats.org/drawingml/2006/main" xmlns:r="http://schemas.openxmlformats.org/officeDocument/2006/relationships" xmlns:p="http://schemas.openxmlformats.org/presentationml/2006/main" type="blank" preserve="1">
-  <p:cSld name="Title, 6 Content">
+<p:sldLayout xmlns:a="http://schemas.openxmlformats.org/drawingml/2006/main" xmlns:r="http://schemas.openxmlformats.org/officeDocument/2006/relationships" xmlns:p="http://schemas.openxmlformats.org/presentationml/2006/main" preserve="1">
+  <p:cSld name="Oferta z podpisem">
     <p:spTree>
       <p:nvGrpSpPr>
         <p:cNvPr id="1" name=""/>
@@ -430,7 +1409,239 @@
       </p:grpSpPr>
       <p:sp>
         <p:nvSpPr>
-          <p:cNvPr id="34" name="PlaceHolder 1"/>
+          <p:cNvPr id="14" name="TextBox 13"/>
+          <p:cNvSpPr txBox="1"/>
+          <p:nvPr/>
+        </p:nvSpPr>
+        <p:spPr>
+          <a:xfrm>
+            <a:off x="1068720" y="951323"/>
+            <a:ext cx="504162" cy="644607"/>
+          </a:xfrm>
+          <a:prstGeom prst="rect">
+            <a:avLst/>
+          </a:prstGeom>
+        </p:spPr>
+        <p:txBody>
+          <a:bodyPr vert="horz" lIns="100796" tIns="50398" rIns="100796" bIns="50398" rtlCol="0" anchor="ctr">
+            <a:noAutofit/>
+          </a:bodyPr>
+          <a:lstStyle>
+            <a:lvl1pPr>
+              <a:spcBef>
+                <a:spcPct val="0"/>
+              </a:spcBef>
+              <a:buNone/>
+              <a:defRPr sz="3200" b="0" cap="all">
+                <a:ln w="3175" cmpd="sng">
+                  <a:noFill/>
+                </a:ln>
+                <a:effectLst>
+                  <a:glow rad="38100">
+                    <a:schemeClr val="bg1">
+                      <a:lumMod val="65000"/>
+                      <a:lumOff val="35000"/>
+                      <a:alpha val="40000"/>
+                    </a:schemeClr>
+                  </a:glow>
+                  <a:outerShdw blurRad="28575" dist="38100" dir="14040000" algn="tl" rotWithShape="0">
+                    <a:srgbClr val="000000">
+                      <a:alpha val="25000"/>
+                    </a:srgbClr>
+                  </a:outerShdw>
+                </a:effectLst>
+              </a:defRPr>
+            </a:lvl1pPr>
+            <a:lvl2pPr>
+              <a:defRPr>
+                <a:solidFill>
+                  <a:schemeClr val="tx2"/>
+                </a:solidFill>
+              </a:defRPr>
+            </a:lvl2pPr>
+            <a:lvl3pPr>
+              <a:defRPr>
+                <a:solidFill>
+                  <a:schemeClr val="tx2"/>
+                </a:solidFill>
+              </a:defRPr>
+            </a:lvl3pPr>
+            <a:lvl4pPr>
+              <a:defRPr>
+                <a:solidFill>
+                  <a:schemeClr val="tx2"/>
+                </a:solidFill>
+              </a:defRPr>
+            </a:lvl4pPr>
+            <a:lvl5pPr>
+              <a:defRPr>
+                <a:solidFill>
+                  <a:schemeClr val="tx2"/>
+                </a:solidFill>
+              </a:defRPr>
+            </a:lvl5pPr>
+            <a:lvl6pPr>
+              <a:defRPr>
+                <a:solidFill>
+                  <a:schemeClr val="tx2"/>
+                </a:solidFill>
+              </a:defRPr>
+            </a:lvl6pPr>
+            <a:lvl7pPr>
+              <a:defRPr>
+                <a:solidFill>
+                  <a:schemeClr val="tx2"/>
+                </a:solidFill>
+              </a:defRPr>
+            </a:lvl7pPr>
+            <a:lvl8pPr>
+              <a:defRPr>
+                <a:solidFill>
+                  <a:schemeClr val="tx2"/>
+                </a:solidFill>
+              </a:defRPr>
+            </a:lvl8pPr>
+            <a:lvl9pPr>
+              <a:defRPr>
+                <a:solidFill>
+                  <a:schemeClr val="tx2"/>
+                </a:solidFill>
+              </a:defRPr>
+            </a:lvl9pPr>
+          </a:lstStyle>
+          <a:p>
+            <a:pPr lvl="0"/>
+            <a:r>
+              <a:rPr lang="en-US" sz="8818" dirty="0">
+                <a:solidFill>
+                  <a:schemeClr val="tx1"/>
+                </a:solidFill>
+                <a:effectLst/>
+              </a:rPr>
+              <a:t>“</a:t>
+            </a:r>
+          </a:p>
+        </p:txBody>
+      </p:sp>
+      <p:sp>
+        <p:nvSpPr>
+          <p:cNvPr id="15" name="TextBox 14"/>
+          <p:cNvSpPr txBox="1"/>
+          <p:nvPr/>
+        </p:nvSpPr>
+        <p:spPr>
+          <a:xfrm>
+            <a:off x="9009280" y="3107865"/>
+            <a:ext cx="504162" cy="644607"/>
+          </a:xfrm>
+          <a:prstGeom prst="rect">
+            <a:avLst/>
+          </a:prstGeom>
+        </p:spPr>
+        <p:txBody>
+          <a:bodyPr vert="horz" lIns="100796" tIns="50398" rIns="100796" bIns="50398" rtlCol="0" anchor="ctr">
+            <a:noAutofit/>
+          </a:bodyPr>
+          <a:lstStyle>
+            <a:lvl1pPr>
+              <a:spcBef>
+                <a:spcPct val="0"/>
+              </a:spcBef>
+              <a:buNone/>
+              <a:defRPr sz="3200" b="0" cap="all">
+                <a:ln w="3175" cmpd="sng">
+                  <a:noFill/>
+                </a:ln>
+                <a:effectLst>
+                  <a:glow rad="38100">
+                    <a:schemeClr val="bg1">
+                      <a:lumMod val="65000"/>
+                      <a:lumOff val="35000"/>
+                      <a:alpha val="40000"/>
+                    </a:schemeClr>
+                  </a:glow>
+                  <a:outerShdw blurRad="28575" dist="38100" dir="14040000" algn="tl" rotWithShape="0">
+                    <a:srgbClr val="000000">
+                      <a:alpha val="25000"/>
+                    </a:srgbClr>
+                  </a:outerShdw>
+                </a:effectLst>
+              </a:defRPr>
+            </a:lvl1pPr>
+            <a:lvl2pPr>
+              <a:defRPr>
+                <a:solidFill>
+                  <a:schemeClr val="tx2"/>
+                </a:solidFill>
+              </a:defRPr>
+            </a:lvl2pPr>
+            <a:lvl3pPr>
+              <a:defRPr>
+                <a:solidFill>
+                  <a:schemeClr val="tx2"/>
+                </a:solidFill>
+              </a:defRPr>
+            </a:lvl3pPr>
+            <a:lvl4pPr>
+              <a:defRPr>
+                <a:solidFill>
+                  <a:schemeClr val="tx2"/>
+                </a:solidFill>
+              </a:defRPr>
+            </a:lvl4pPr>
+            <a:lvl5pPr>
+              <a:defRPr>
+                <a:solidFill>
+                  <a:schemeClr val="tx2"/>
+                </a:solidFill>
+              </a:defRPr>
+            </a:lvl5pPr>
+            <a:lvl6pPr>
+              <a:defRPr>
+                <a:solidFill>
+                  <a:schemeClr val="tx2"/>
+                </a:solidFill>
+              </a:defRPr>
+            </a:lvl6pPr>
+            <a:lvl7pPr>
+              <a:defRPr>
+                <a:solidFill>
+                  <a:schemeClr val="tx2"/>
+                </a:solidFill>
+              </a:defRPr>
+            </a:lvl7pPr>
+            <a:lvl8pPr>
+              <a:defRPr>
+                <a:solidFill>
+                  <a:schemeClr val="tx2"/>
+                </a:solidFill>
+              </a:defRPr>
+            </a:lvl8pPr>
+            <a:lvl9pPr>
+              <a:defRPr>
+                <a:solidFill>
+                  <a:schemeClr val="tx2"/>
+                </a:solidFill>
+              </a:defRPr>
+            </a:lvl9pPr>
+          </a:lstStyle>
+          <a:p>
+            <a:pPr lvl="0" algn="r"/>
+            <a:r>
+              <a:rPr lang="en-US" sz="8818" dirty="0">
+                <a:solidFill>
+                  <a:schemeClr val="tx1"/>
+                </a:solidFill>
+                <a:effectLst/>
+              </a:rPr>
+              <a:t>”</a:t>
+            </a:r>
+          </a:p>
+        </p:txBody>
+      </p:sp>
+      <p:sp>
+        <p:nvSpPr>
+          <p:cNvPr id="2" name="Title 1"/>
           <p:cNvSpPr>
             <a:spLocks noGrp="1"/>
           </p:cNvSpPr>
@@ -440,123 +1651,290 @@
         </p:nvSpPr>
         <p:spPr>
           <a:xfrm>
-            <a:off x="504000" y="301320"/>
-            <a:ext cx="9071640" cy="1262160"/>
+            <a:off x="1572884" y="755969"/>
+            <a:ext cx="7688477" cy="3023869"/>
           </a:xfrm>
-          <a:prstGeom prst="rect">
-            <a:avLst/>
-          </a:prstGeom>
         </p:spPr>
         <p:txBody>
-          <a:bodyPr lIns="0" tIns="0" rIns="0" bIns="0" anchor="ctr"/>
-          <a:lstStyle/>
-          <a:p>
-            <a:pPr algn="ctr"/>
-            <a:endParaRPr/>
-          </a:p>
-        </p:txBody>
-      </p:sp>
-      <p:sp>
-        <p:nvSpPr>
-          <p:cNvPr id="35" name="PlaceHolder 2"/>
+          <a:bodyPr anchor="ctr">
+            <a:normAutofit/>
+          </a:bodyPr>
+          <a:lstStyle>
+            <a:lvl1pPr algn="ctr">
+              <a:defRPr sz="3527" b="0" cap="none">
+                <a:solidFill>
+                  <a:schemeClr val="tx1"/>
+                </a:solidFill>
+              </a:defRPr>
+            </a:lvl1pPr>
+          </a:lstStyle>
+          <a:p>
+            <a:r>
+              <a:rPr lang="pl-PL"/>
+              <a:t>Kliknij, aby edytować styl</a:t>
+            </a:r>
+            <a:endParaRPr lang="en-US" dirty="0"/>
+          </a:p>
+        </p:txBody>
+      </p:sp>
+      <p:sp>
+        <p:nvSpPr>
+          <p:cNvPr id="10" name="Text Placeholder 9"/>
           <p:cNvSpPr>
             <a:spLocks noGrp="1"/>
           </p:cNvSpPr>
           <p:nvPr>
-            <p:ph type="body"/>
+            <p:ph type="body" sz="quarter" idx="13"/>
           </p:nvPr>
         </p:nvSpPr>
         <p:spPr>
           <a:xfrm>
-            <a:off x="504000" y="1769040"/>
-            <a:ext cx="9071640" cy="4384440"/>
+            <a:off x="1761943" y="3779836"/>
+            <a:ext cx="7310358" cy="419982"/>
           </a:xfrm>
-          <a:prstGeom prst="rect">
-            <a:avLst/>
-          </a:prstGeom>
         </p:spPr>
         <p:txBody>
-          <a:bodyPr lIns="0" tIns="0" rIns="0" bIns="0"/>
-          <a:lstStyle/>
-          <a:p>
-            <a:endParaRPr/>
-          </a:p>
-        </p:txBody>
-      </p:sp>
-      <p:sp>
-        <p:nvSpPr>
-          <p:cNvPr id="36" name="PlaceHolder 3"/>
+          <a:bodyPr anchor="ctr">
+            <a:normAutofit/>
+          </a:bodyPr>
+          <a:lstStyle>
+            <a:lvl1pPr marL="0" indent="0">
+              <a:buFontTx/>
+              <a:buNone/>
+              <a:defRPr sz="1984"/>
+            </a:lvl1pPr>
+            <a:lvl2pPr marL="503972" indent="0">
+              <a:buFontTx/>
+              <a:buNone/>
+              <a:defRPr/>
+            </a:lvl2pPr>
+            <a:lvl3pPr marL="1007943" indent="0">
+              <a:buFontTx/>
+              <a:buNone/>
+              <a:defRPr/>
+            </a:lvl3pPr>
+            <a:lvl4pPr marL="1511915" indent="0">
+              <a:buFontTx/>
+              <a:buNone/>
+              <a:defRPr/>
+            </a:lvl4pPr>
+            <a:lvl5pPr marL="2015886" indent="0">
+              <a:buFontTx/>
+              <a:buNone/>
+              <a:defRPr/>
+            </a:lvl5pPr>
+          </a:lstStyle>
+          <a:p>
+            <a:pPr lvl="0"/>
+            <a:r>
+              <a:rPr lang="pl-PL"/>
+              <a:t>Edytuj style wzorca tekstu</a:t>
+            </a:r>
+          </a:p>
+        </p:txBody>
+      </p:sp>
+      <p:sp>
+        <p:nvSpPr>
+          <p:cNvPr id="3" name="Text Placeholder 2"/>
           <p:cNvSpPr>
             <a:spLocks noGrp="1"/>
           </p:cNvSpPr>
           <p:nvPr>
-            <p:ph type="body"/>
+            <p:ph type="body" idx="1"/>
           </p:nvPr>
         </p:nvSpPr>
         <p:spPr>
           <a:xfrm>
-            <a:off x="504000" y="1769040"/>
-            <a:ext cx="9071640" cy="4384440"/>
+            <a:off x="1227582" y="4787794"/>
+            <a:ext cx="8285858" cy="1595931"/>
           </a:xfrm>
-          <a:prstGeom prst="rect">
-            <a:avLst/>
-          </a:prstGeom>
         </p:spPr>
         <p:txBody>
-          <a:bodyPr lIns="0" tIns="0" rIns="0" bIns="0"/>
+          <a:bodyPr anchor="ctr">
+            <a:normAutofit/>
+          </a:bodyPr>
+          <a:lstStyle>
+            <a:lvl1pPr marL="0" indent="0" algn="ctr">
+              <a:buNone/>
+              <a:defRPr sz="2205">
+                <a:solidFill>
+                  <a:schemeClr val="tx1"/>
+                </a:solidFill>
+              </a:defRPr>
+            </a:lvl1pPr>
+            <a:lvl2pPr marL="503972" indent="0">
+              <a:buNone/>
+              <a:defRPr sz="1984">
+                <a:solidFill>
+                  <a:schemeClr val="tx1">
+                    <a:tint val="75000"/>
+                  </a:schemeClr>
+                </a:solidFill>
+              </a:defRPr>
+            </a:lvl2pPr>
+            <a:lvl3pPr marL="1007943" indent="0">
+              <a:buNone/>
+              <a:defRPr sz="1764">
+                <a:solidFill>
+                  <a:schemeClr val="tx1">
+                    <a:tint val="75000"/>
+                  </a:schemeClr>
+                </a:solidFill>
+              </a:defRPr>
+            </a:lvl3pPr>
+            <a:lvl4pPr marL="1511915" indent="0">
+              <a:buNone/>
+              <a:defRPr sz="1543">
+                <a:solidFill>
+                  <a:schemeClr val="tx1">
+                    <a:tint val="75000"/>
+                  </a:schemeClr>
+                </a:solidFill>
+              </a:defRPr>
+            </a:lvl4pPr>
+            <a:lvl5pPr marL="2015886" indent="0">
+              <a:buNone/>
+              <a:defRPr sz="1543">
+                <a:solidFill>
+                  <a:schemeClr val="tx1">
+                    <a:tint val="75000"/>
+                  </a:schemeClr>
+                </a:solidFill>
+              </a:defRPr>
+            </a:lvl5pPr>
+            <a:lvl6pPr marL="2519858" indent="0">
+              <a:buNone/>
+              <a:defRPr sz="1543">
+                <a:solidFill>
+                  <a:schemeClr val="tx1">
+                    <a:tint val="75000"/>
+                  </a:schemeClr>
+                </a:solidFill>
+              </a:defRPr>
+            </a:lvl6pPr>
+            <a:lvl7pPr marL="3023829" indent="0">
+              <a:buNone/>
+              <a:defRPr sz="1543">
+                <a:solidFill>
+                  <a:schemeClr val="tx1">
+                    <a:tint val="75000"/>
+                  </a:schemeClr>
+                </a:solidFill>
+              </a:defRPr>
+            </a:lvl7pPr>
+            <a:lvl8pPr marL="3527801" indent="0">
+              <a:buNone/>
+              <a:defRPr sz="1543">
+                <a:solidFill>
+                  <a:schemeClr val="tx1">
+                    <a:tint val="75000"/>
+                  </a:schemeClr>
+                </a:solidFill>
+              </a:defRPr>
+            </a:lvl8pPr>
+            <a:lvl9pPr marL="4031772" indent="0">
+              <a:buNone/>
+              <a:defRPr sz="1543">
+                <a:solidFill>
+                  <a:schemeClr val="tx1">
+                    <a:tint val="75000"/>
+                  </a:schemeClr>
+                </a:solidFill>
+              </a:defRPr>
+            </a:lvl9pPr>
+          </a:lstStyle>
+          <a:p>
+            <a:pPr lvl="0"/>
+            <a:r>
+              <a:rPr lang="pl-PL"/>
+              <a:t>Edytuj style wzorca tekstu</a:t>
+            </a:r>
+          </a:p>
+        </p:txBody>
+      </p:sp>
+      <p:sp>
+        <p:nvSpPr>
+          <p:cNvPr id="4" name="Date Placeholder 3"/>
+          <p:cNvSpPr>
+            <a:spLocks noGrp="1"/>
+          </p:cNvSpPr>
+          <p:nvPr>
+            <p:ph type="dt" sz="half" idx="10"/>
+          </p:nvPr>
+        </p:nvSpPr>
+        <p:spPr/>
+        <p:txBody>
+          <a:bodyPr/>
           <a:lstStyle/>
           <a:p>
-            <a:endParaRPr/>
-          </a:p>
-        </p:txBody>
-      </p:sp>
-      <p:pic>
-        <p:nvPicPr>
-          <p:cNvPr id="37" name="Obraz 36"/>
-          <p:cNvPicPr/>
-          <p:nvPr/>
-        </p:nvPicPr>
-        <p:blipFill>
-          <a:blip r:embed="rId2"/>
-          <a:stretch/>
-        </p:blipFill>
-        <p:spPr>
-          <a:xfrm>
-            <a:off x="2292120" y="1768680"/>
-            <a:ext cx="5495040" cy="4384440"/>
-          </a:xfrm>
-          <a:prstGeom prst="rect">
-            <a:avLst/>
-          </a:prstGeom>
-          <a:ln>
-            <a:noFill/>
-          </a:ln>
-        </p:spPr>
-      </p:pic>
-      <p:pic>
-        <p:nvPicPr>
-          <p:cNvPr id="38" name="Obraz 37"/>
-          <p:cNvPicPr/>
-          <p:nvPr/>
-        </p:nvPicPr>
-        <p:blipFill>
-          <a:blip r:embed="rId2"/>
-          <a:stretch/>
-        </p:blipFill>
-        <p:spPr>
-          <a:xfrm>
-            <a:off x="2292120" y="1768680"/>
-            <a:ext cx="5495040" cy="4384440"/>
-          </a:xfrm>
-          <a:prstGeom prst="rect">
-            <a:avLst/>
-          </a:prstGeom>
-          <a:ln>
-            <a:noFill/>
-          </a:ln>
-        </p:spPr>
-      </p:pic>
+            <a:r>
+              <a:rPr lang="pl-PL" sz="1400">
+                <a:latin typeface="Times New Roman"/>
+              </a:rPr>
+              <a:t>&lt;data/godzina&gt;</a:t>
+            </a:r>
+            <a:endParaRPr lang="pl-PL"/>
+          </a:p>
+        </p:txBody>
+      </p:sp>
+      <p:sp>
+        <p:nvSpPr>
+          <p:cNvPr id="5" name="Footer Placeholder 4"/>
+          <p:cNvSpPr>
+            <a:spLocks noGrp="1"/>
+          </p:cNvSpPr>
+          <p:nvPr>
+            <p:ph type="ftr" sz="quarter" idx="11"/>
+          </p:nvPr>
+        </p:nvSpPr>
+        <p:spPr/>
+        <p:txBody>
+          <a:bodyPr/>
+          <a:lstStyle/>
+          <a:p>
+            <a:pPr algn="ctr"/>
+            <a:r>
+              <a:rPr lang="pl-PL" sz="1400">
+                <a:latin typeface="Times New Roman"/>
+              </a:rPr>
+              <a:t>&lt;stopka&gt;</a:t>
+            </a:r>
+            <a:endParaRPr lang="pl-PL"/>
+          </a:p>
+        </p:txBody>
+      </p:sp>
+      <p:sp>
+        <p:nvSpPr>
+          <p:cNvPr id="6" name="Slide Number Placeholder 5"/>
+          <p:cNvSpPr>
+            <a:spLocks noGrp="1"/>
+          </p:cNvSpPr>
+          <p:nvPr>
+            <p:ph type="sldNum" sz="quarter" idx="12"/>
+          </p:nvPr>
+        </p:nvSpPr>
+        <p:spPr/>
+        <p:txBody>
+          <a:bodyPr/>
+          <a:lstStyle/>
+          <a:p>
+            <a:pPr algn="r"/>
+            <a:fld id="{4BB0830B-121A-4EDE-8C54-D202AEBFFBA7}" type="slidenum">
+              <a:rPr lang="pl-PL" sz="1400" smtClean="0">
+                <a:latin typeface="Times New Roman"/>
+              </a:rPr>
+              <a:t>‹#›</a:t>
+            </a:fld>
+            <a:endParaRPr lang="pl-PL"/>
+          </a:p>
+        </p:txBody>
+      </p:sp>
     </p:spTree>
+    <p:extLst>
+      <p:ext uri="{BB962C8B-B14F-4D97-AF65-F5344CB8AC3E}">
+        <p14:creationId xmlns:p14="http://schemas.microsoft.com/office/powerpoint/2010/main" val="381981664"/>
+      </p:ext>
+    </p:extLst>
   </p:cSld>
   <p:clrMapOvr>
     <a:masterClrMapping/>
@@ -564,8 +1942,1499 @@
 </p:sldLayout>
 </file>
 
-<file path=ppt/slideLayouts/slideLayout2.xml><?xml version="1.0" encoding="utf-8"?>
-<p:sldLayout xmlns:a="http://schemas.openxmlformats.org/drawingml/2006/main" xmlns:r="http://schemas.openxmlformats.org/officeDocument/2006/relationships" xmlns:p="http://schemas.openxmlformats.org/presentationml/2006/main" type="tx" preserve="1">
+<file path=ppt/slideLayouts/slideLayout13.xml><?xml version="1.0" encoding="utf-8"?>
+<p:sldLayout xmlns:a="http://schemas.openxmlformats.org/drawingml/2006/main" xmlns:r="http://schemas.openxmlformats.org/officeDocument/2006/relationships" xmlns:p="http://schemas.openxmlformats.org/presentationml/2006/main" preserve="1">
+  <p:cSld name="Karta nazwy">
+    <p:spTree>
+      <p:nvGrpSpPr>
+        <p:cNvPr id="1" name=""/>
+        <p:cNvGrpSpPr/>
+        <p:nvPr/>
+      </p:nvGrpSpPr>
+      <p:grpSpPr>
+        <a:xfrm>
+          <a:off x="0" y="0"/>
+          <a:ext cx="0" cy="0"/>
+          <a:chOff x="0" y="0"/>
+          <a:chExt cx="0" cy="0"/>
+        </a:xfrm>
+      </p:grpSpPr>
+      <p:sp>
+        <p:nvSpPr>
+          <p:cNvPr id="2" name="Title 1"/>
+          <p:cNvSpPr>
+            <a:spLocks noGrp="1"/>
+          </p:cNvSpPr>
+          <p:nvPr>
+            <p:ph type="title"/>
+          </p:nvPr>
+        </p:nvSpPr>
+        <p:spPr>
+          <a:xfrm>
+            <a:off x="1227585" y="3647098"/>
+            <a:ext cx="8285856" cy="1619080"/>
+          </a:xfrm>
+        </p:spPr>
+        <p:txBody>
+          <a:bodyPr anchor="b">
+            <a:normAutofit/>
+          </a:bodyPr>
+          <a:lstStyle>
+            <a:lvl1pPr algn="r">
+              <a:defRPr sz="3527" b="0" cap="none"/>
+            </a:lvl1pPr>
+          </a:lstStyle>
+          <a:p>
+            <a:r>
+              <a:rPr lang="pl-PL"/>
+              <a:t>Kliknij, aby edytować styl</a:t>
+            </a:r>
+            <a:endParaRPr lang="en-US" dirty="0"/>
+          </a:p>
+        </p:txBody>
+      </p:sp>
+      <p:sp>
+        <p:nvSpPr>
+          <p:cNvPr id="3" name="Text Placeholder 2"/>
+          <p:cNvSpPr>
+            <a:spLocks noGrp="1"/>
+          </p:cNvSpPr>
+          <p:nvPr>
+            <p:ph type="body" idx="1"/>
+          </p:nvPr>
+        </p:nvSpPr>
+        <p:spPr>
+          <a:xfrm>
+            <a:off x="1227583" y="5266178"/>
+            <a:ext cx="8285857" cy="948432"/>
+          </a:xfrm>
+        </p:spPr>
+        <p:txBody>
+          <a:bodyPr anchor="t">
+            <a:normAutofit/>
+          </a:bodyPr>
+          <a:lstStyle>
+            <a:lvl1pPr marL="0" indent="0" algn="r">
+              <a:buNone/>
+              <a:defRPr sz="2205">
+                <a:solidFill>
+                  <a:schemeClr val="tx1"/>
+                </a:solidFill>
+              </a:defRPr>
+            </a:lvl1pPr>
+            <a:lvl2pPr marL="503972" indent="0">
+              <a:buNone/>
+              <a:defRPr sz="1984">
+                <a:solidFill>
+                  <a:schemeClr val="tx1">
+                    <a:tint val="75000"/>
+                  </a:schemeClr>
+                </a:solidFill>
+              </a:defRPr>
+            </a:lvl2pPr>
+            <a:lvl3pPr marL="1007943" indent="0">
+              <a:buNone/>
+              <a:defRPr sz="1764">
+                <a:solidFill>
+                  <a:schemeClr val="tx1">
+                    <a:tint val="75000"/>
+                  </a:schemeClr>
+                </a:solidFill>
+              </a:defRPr>
+            </a:lvl3pPr>
+            <a:lvl4pPr marL="1511915" indent="0">
+              <a:buNone/>
+              <a:defRPr sz="1543">
+                <a:solidFill>
+                  <a:schemeClr val="tx1">
+                    <a:tint val="75000"/>
+                  </a:schemeClr>
+                </a:solidFill>
+              </a:defRPr>
+            </a:lvl4pPr>
+            <a:lvl5pPr marL="2015886" indent="0">
+              <a:buNone/>
+              <a:defRPr sz="1543">
+                <a:solidFill>
+                  <a:schemeClr val="tx1">
+                    <a:tint val="75000"/>
+                  </a:schemeClr>
+                </a:solidFill>
+              </a:defRPr>
+            </a:lvl5pPr>
+            <a:lvl6pPr marL="2519858" indent="0">
+              <a:buNone/>
+              <a:defRPr sz="1543">
+                <a:solidFill>
+                  <a:schemeClr val="tx1">
+                    <a:tint val="75000"/>
+                  </a:schemeClr>
+                </a:solidFill>
+              </a:defRPr>
+            </a:lvl6pPr>
+            <a:lvl7pPr marL="3023829" indent="0">
+              <a:buNone/>
+              <a:defRPr sz="1543">
+                <a:solidFill>
+                  <a:schemeClr val="tx1">
+                    <a:tint val="75000"/>
+                  </a:schemeClr>
+                </a:solidFill>
+              </a:defRPr>
+            </a:lvl7pPr>
+            <a:lvl8pPr marL="3527801" indent="0">
+              <a:buNone/>
+              <a:defRPr sz="1543">
+                <a:solidFill>
+                  <a:schemeClr val="tx1">
+                    <a:tint val="75000"/>
+                  </a:schemeClr>
+                </a:solidFill>
+              </a:defRPr>
+            </a:lvl8pPr>
+            <a:lvl9pPr marL="4031772" indent="0">
+              <a:buNone/>
+              <a:defRPr sz="1543">
+                <a:solidFill>
+                  <a:schemeClr val="tx1">
+                    <a:tint val="75000"/>
+                  </a:schemeClr>
+                </a:solidFill>
+              </a:defRPr>
+            </a:lvl9pPr>
+          </a:lstStyle>
+          <a:p>
+            <a:pPr lvl="0"/>
+            <a:r>
+              <a:rPr lang="pl-PL"/>
+              <a:t>Edytuj style wzorca tekstu</a:t>
+            </a:r>
+          </a:p>
+        </p:txBody>
+      </p:sp>
+      <p:sp>
+        <p:nvSpPr>
+          <p:cNvPr id="4" name="Date Placeholder 3"/>
+          <p:cNvSpPr>
+            <a:spLocks noGrp="1"/>
+          </p:cNvSpPr>
+          <p:nvPr>
+            <p:ph type="dt" sz="half" idx="10"/>
+          </p:nvPr>
+        </p:nvSpPr>
+        <p:spPr/>
+        <p:txBody>
+          <a:bodyPr/>
+          <a:lstStyle/>
+          <a:p>
+            <a:r>
+              <a:rPr lang="pl-PL" sz="1400">
+                <a:latin typeface="Times New Roman"/>
+              </a:rPr>
+              <a:t>&lt;data/godzina&gt;</a:t>
+            </a:r>
+            <a:endParaRPr lang="pl-PL"/>
+          </a:p>
+        </p:txBody>
+      </p:sp>
+      <p:sp>
+        <p:nvSpPr>
+          <p:cNvPr id="5" name="Footer Placeholder 4"/>
+          <p:cNvSpPr>
+            <a:spLocks noGrp="1"/>
+          </p:cNvSpPr>
+          <p:nvPr>
+            <p:ph type="ftr" sz="quarter" idx="11"/>
+          </p:nvPr>
+        </p:nvSpPr>
+        <p:spPr/>
+        <p:txBody>
+          <a:bodyPr/>
+          <a:lstStyle/>
+          <a:p>
+            <a:pPr algn="ctr"/>
+            <a:r>
+              <a:rPr lang="pl-PL" sz="1400">
+                <a:latin typeface="Times New Roman"/>
+              </a:rPr>
+              <a:t>&lt;stopka&gt;</a:t>
+            </a:r>
+            <a:endParaRPr lang="pl-PL"/>
+          </a:p>
+        </p:txBody>
+      </p:sp>
+      <p:sp>
+        <p:nvSpPr>
+          <p:cNvPr id="6" name="Slide Number Placeholder 5"/>
+          <p:cNvSpPr>
+            <a:spLocks noGrp="1"/>
+          </p:cNvSpPr>
+          <p:nvPr>
+            <p:ph type="sldNum" sz="quarter" idx="12"/>
+          </p:nvPr>
+        </p:nvSpPr>
+        <p:spPr/>
+        <p:txBody>
+          <a:bodyPr/>
+          <a:lstStyle/>
+          <a:p>
+            <a:pPr algn="r"/>
+            <a:fld id="{4BB0830B-121A-4EDE-8C54-D202AEBFFBA7}" type="slidenum">
+              <a:rPr lang="pl-PL" sz="1400" smtClean="0">
+                <a:latin typeface="Times New Roman"/>
+              </a:rPr>
+              <a:t>‹#›</a:t>
+            </a:fld>
+            <a:endParaRPr lang="pl-PL"/>
+          </a:p>
+        </p:txBody>
+      </p:sp>
+    </p:spTree>
+    <p:extLst>
+      <p:ext uri="{BB962C8B-B14F-4D97-AF65-F5344CB8AC3E}">
+        <p14:creationId xmlns:p14="http://schemas.microsoft.com/office/powerpoint/2010/main" val="582566168"/>
+      </p:ext>
+    </p:extLst>
+  </p:cSld>
+  <p:clrMapOvr>
+    <a:masterClrMapping/>
+  </p:clrMapOvr>
+</p:sldLayout>
+</file>
+
+<file path=ppt/slideLayouts/slideLayout14.xml><?xml version="1.0" encoding="utf-8"?>
+<p:sldLayout xmlns:a="http://schemas.openxmlformats.org/drawingml/2006/main" xmlns:r="http://schemas.openxmlformats.org/officeDocument/2006/relationships" xmlns:p="http://schemas.openxmlformats.org/presentationml/2006/main" preserve="1">
+  <p:cSld name="Karta nazwy cytatu">
+    <p:spTree>
+      <p:nvGrpSpPr>
+        <p:cNvPr id="1" name=""/>
+        <p:cNvGrpSpPr/>
+        <p:nvPr/>
+      </p:nvGrpSpPr>
+      <p:grpSpPr>
+        <a:xfrm>
+          <a:off x="0" y="0"/>
+          <a:ext cx="0" cy="0"/>
+          <a:chOff x="0" y="0"/>
+          <a:chExt cx="0" cy="0"/>
+        </a:xfrm>
+      </p:grpSpPr>
+      <p:sp>
+        <p:nvSpPr>
+          <p:cNvPr id="14" name="TextBox 13"/>
+          <p:cNvSpPr txBox="1"/>
+          <p:nvPr/>
+        </p:nvSpPr>
+        <p:spPr>
+          <a:xfrm>
+            <a:off x="1068720" y="951323"/>
+            <a:ext cx="504162" cy="644607"/>
+          </a:xfrm>
+          <a:prstGeom prst="rect">
+            <a:avLst/>
+          </a:prstGeom>
+        </p:spPr>
+        <p:txBody>
+          <a:bodyPr vert="horz" lIns="100796" tIns="50398" rIns="100796" bIns="50398" rtlCol="0" anchor="ctr">
+            <a:noAutofit/>
+          </a:bodyPr>
+          <a:lstStyle>
+            <a:lvl1pPr>
+              <a:spcBef>
+                <a:spcPct val="0"/>
+              </a:spcBef>
+              <a:buNone/>
+              <a:defRPr sz="3200" b="0" cap="all">
+                <a:ln w="3175" cmpd="sng">
+                  <a:noFill/>
+                </a:ln>
+                <a:effectLst>
+                  <a:glow rad="38100">
+                    <a:schemeClr val="bg1">
+                      <a:lumMod val="65000"/>
+                      <a:lumOff val="35000"/>
+                      <a:alpha val="40000"/>
+                    </a:schemeClr>
+                  </a:glow>
+                  <a:outerShdw blurRad="28575" dist="38100" dir="14040000" algn="tl" rotWithShape="0">
+                    <a:srgbClr val="000000">
+                      <a:alpha val="25000"/>
+                    </a:srgbClr>
+                  </a:outerShdw>
+                </a:effectLst>
+              </a:defRPr>
+            </a:lvl1pPr>
+            <a:lvl2pPr>
+              <a:defRPr>
+                <a:solidFill>
+                  <a:schemeClr val="tx2"/>
+                </a:solidFill>
+              </a:defRPr>
+            </a:lvl2pPr>
+            <a:lvl3pPr>
+              <a:defRPr>
+                <a:solidFill>
+                  <a:schemeClr val="tx2"/>
+                </a:solidFill>
+              </a:defRPr>
+            </a:lvl3pPr>
+            <a:lvl4pPr>
+              <a:defRPr>
+                <a:solidFill>
+                  <a:schemeClr val="tx2"/>
+                </a:solidFill>
+              </a:defRPr>
+            </a:lvl4pPr>
+            <a:lvl5pPr>
+              <a:defRPr>
+                <a:solidFill>
+                  <a:schemeClr val="tx2"/>
+                </a:solidFill>
+              </a:defRPr>
+            </a:lvl5pPr>
+            <a:lvl6pPr>
+              <a:defRPr>
+                <a:solidFill>
+                  <a:schemeClr val="tx2"/>
+                </a:solidFill>
+              </a:defRPr>
+            </a:lvl6pPr>
+            <a:lvl7pPr>
+              <a:defRPr>
+                <a:solidFill>
+                  <a:schemeClr val="tx2"/>
+                </a:solidFill>
+              </a:defRPr>
+            </a:lvl7pPr>
+            <a:lvl8pPr>
+              <a:defRPr>
+                <a:solidFill>
+                  <a:schemeClr val="tx2"/>
+                </a:solidFill>
+              </a:defRPr>
+            </a:lvl8pPr>
+            <a:lvl9pPr>
+              <a:defRPr>
+                <a:solidFill>
+                  <a:schemeClr val="tx2"/>
+                </a:solidFill>
+              </a:defRPr>
+            </a:lvl9pPr>
+          </a:lstStyle>
+          <a:p>
+            <a:pPr lvl="0"/>
+            <a:r>
+              <a:rPr lang="en-US" sz="8818" dirty="0">
+                <a:solidFill>
+                  <a:schemeClr val="tx1"/>
+                </a:solidFill>
+                <a:effectLst/>
+              </a:rPr>
+              <a:t>“</a:t>
+            </a:r>
+          </a:p>
+        </p:txBody>
+      </p:sp>
+      <p:sp>
+        <p:nvSpPr>
+          <p:cNvPr id="15" name="TextBox 14"/>
+          <p:cNvSpPr txBox="1"/>
+          <p:nvPr/>
+        </p:nvSpPr>
+        <p:spPr>
+          <a:xfrm>
+            <a:off x="9009280" y="3107865"/>
+            <a:ext cx="504162" cy="644607"/>
+          </a:xfrm>
+          <a:prstGeom prst="rect">
+            <a:avLst/>
+          </a:prstGeom>
+        </p:spPr>
+        <p:txBody>
+          <a:bodyPr vert="horz" lIns="100796" tIns="50398" rIns="100796" bIns="50398" rtlCol="0" anchor="ctr">
+            <a:noAutofit/>
+          </a:bodyPr>
+          <a:lstStyle>
+            <a:lvl1pPr>
+              <a:spcBef>
+                <a:spcPct val="0"/>
+              </a:spcBef>
+              <a:buNone/>
+              <a:defRPr sz="3200" b="0" cap="all">
+                <a:ln w="3175" cmpd="sng">
+                  <a:noFill/>
+                </a:ln>
+                <a:effectLst>
+                  <a:glow rad="38100">
+                    <a:schemeClr val="bg1">
+                      <a:lumMod val="65000"/>
+                      <a:lumOff val="35000"/>
+                      <a:alpha val="40000"/>
+                    </a:schemeClr>
+                  </a:glow>
+                  <a:outerShdw blurRad="28575" dist="38100" dir="14040000" algn="tl" rotWithShape="0">
+                    <a:srgbClr val="000000">
+                      <a:alpha val="25000"/>
+                    </a:srgbClr>
+                  </a:outerShdw>
+                </a:effectLst>
+              </a:defRPr>
+            </a:lvl1pPr>
+            <a:lvl2pPr>
+              <a:defRPr>
+                <a:solidFill>
+                  <a:schemeClr val="tx2"/>
+                </a:solidFill>
+              </a:defRPr>
+            </a:lvl2pPr>
+            <a:lvl3pPr>
+              <a:defRPr>
+                <a:solidFill>
+                  <a:schemeClr val="tx2"/>
+                </a:solidFill>
+              </a:defRPr>
+            </a:lvl3pPr>
+            <a:lvl4pPr>
+              <a:defRPr>
+                <a:solidFill>
+                  <a:schemeClr val="tx2"/>
+                </a:solidFill>
+              </a:defRPr>
+            </a:lvl4pPr>
+            <a:lvl5pPr>
+              <a:defRPr>
+                <a:solidFill>
+                  <a:schemeClr val="tx2"/>
+                </a:solidFill>
+              </a:defRPr>
+            </a:lvl5pPr>
+            <a:lvl6pPr>
+              <a:defRPr>
+                <a:solidFill>
+                  <a:schemeClr val="tx2"/>
+                </a:solidFill>
+              </a:defRPr>
+            </a:lvl6pPr>
+            <a:lvl7pPr>
+              <a:defRPr>
+                <a:solidFill>
+                  <a:schemeClr val="tx2"/>
+                </a:solidFill>
+              </a:defRPr>
+            </a:lvl7pPr>
+            <a:lvl8pPr>
+              <a:defRPr>
+                <a:solidFill>
+                  <a:schemeClr val="tx2"/>
+                </a:solidFill>
+              </a:defRPr>
+            </a:lvl8pPr>
+            <a:lvl9pPr>
+              <a:defRPr>
+                <a:solidFill>
+                  <a:schemeClr val="tx2"/>
+                </a:solidFill>
+              </a:defRPr>
+            </a:lvl9pPr>
+          </a:lstStyle>
+          <a:p>
+            <a:pPr lvl="0" algn="r"/>
+            <a:r>
+              <a:rPr lang="en-US" sz="8818" dirty="0">
+                <a:solidFill>
+                  <a:schemeClr val="tx1"/>
+                </a:solidFill>
+                <a:effectLst/>
+              </a:rPr>
+              <a:t>”</a:t>
+            </a:r>
+          </a:p>
+        </p:txBody>
+      </p:sp>
+      <p:sp>
+        <p:nvSpPr>
+          <p:cNvPr id="2" name="Title 1"/>
+          <p:cNvSpPr>
+            <a:spLocks noGrp="1"/>
+          </p:cNvSpPr>
+          <p:nvPr>
+            <p:ph type="title"/>
+          </p:nvPr>
+        </p:nvSpPr>
+        <p:spPr>
+          <a:xfrm>
+            <a:off x="1572884" y="755969"/>
+            <a:ext cx="7688477" cy="3023869"/>
+          </a:xfrm>
+        </p:spPr>
+        <p:txBody>
+          <a:bodyPr anchor="ctr">
+            <a:normAutofit/>
+          </a:bodyPr>
+          <a:lstStyle>
+            <a:lvl1pPr algn="ctr">
+              <a:defRPr sz="3527" b="0" cap="none">
+                <a:solidFill>
+                  <a:schemeClr val="tx1"/>
+                </a:solidFill>
+              </a:defRPr>
+            </a:lvl1pPr>
+          </a:lstStyle>
+          <a:p>
+            <a:r>
+              <a:rPr lang="pl-PL"/>
+              <a:t>Kliknij, aby edytować styl</a:t>
+            </a:r>
+            <a:endParaRPr lang="en-US" dirty="0"/>
+          </a:p>
+        </p:txBody>
+      </p:sp>
+      <p:sp>
+        <p:nvSpPr>
+          <p:cNvPr id="10" name="Text Placeholder 9"/>
+          <p:cNvSpPr>
+            <a:spLocks noGrp="1"/>
+          </p:cNvSpPr>
+          <p:nvPr>
+            <p:ph type="body" sz="quarter" idx="13"/>
+          </p:nvPr>
+        </p:nvSpPr>
+        <p:spPr>
+          <a:xfrm>
+            <a:off x="1227584" y="4283816"/>
+            <a:ext cx="8285857" cy="979958"/>
+          </a:xfrm>
+        </p:spPr>
+        <p:txBody>
+          <a:bodyPr vert="horz" lIns="91440" tIns="45720" rIns="91440" bIns="45720" rtlCol="0" anchor="b">
+            <a:normAutofit/>
+          </a:bodyPr>
+          <a:lstStyle>
+            <a:lvl1pPr algn="r">
+              <a:buNone/>
+              <a:defRPr lang="en-US" sz="2646" b="0" cap="none" dirty="0">
+                <a:ln w="3175" cmpd="sng">
+                  <a:noFill/>
+                </a:ln>
+                <a:solidFill>
+                  <a:schemeClr val="tx1"/>
+                </a:solidFill>
+                <a:effectLst/>
+              </a:defRPr>
+            </a:lvl1pPr>
+          </a:lstStyle>
+          <a:p>
+            <a:pPr marL="0" lvl="0">
+              <a:spcBef>
+                <a:spcPct val="0"/>
+              </a:spcBef>
+              <a:buNone/>
+            </a:pPr>
+            <a:r>
+              <a:rPr lang="pl-PL"/>
+              <a:t>Edytuj style wzorca tekstu</a:t>
+            </a:r>
+          </a:p>
+        </p:txBody>
+      </p:sp>
+      <p:sp>
+        <p:nvSpPr>
+          <p:cNvPr id="3" name="Text Placeholder 2"/>
+          <p:cNvSpPr>
+            <a:spLocks noGrp="1"/>
+          </p:cNvSpPr>
+          <p:nvPr>
+            <p:ph type="body" idx="1"/>
+          </p:nvPr>
+        </p:nvSpPr>
+        <p:spPr>
+          <a:xfrm>
+            <a:off x="1227583" y="5263774"/>
+            <a:ext cx="8285857" cy="1119952"/>
+          </a:xfrm>
+        </p:spPr>
+        <p:txBody>
+          <a:bodyPr anchor="t">
+            <a:normAutofit/>
+          </a:bodyPr>
+          <a:lstStyle>
+            <a:lvl1pPr marL="0" indent="0" algn="r">
+              <a:buNone/>
+              <a:defRPr sz="1984">
+                <a:solidFill>
+                  <a:schemeClr val="tx1"/>
+                </a:solidFill>
+              </a:defRPr>
+            </a:lvl1pPr>
+            <a:lvl2pPr marL="503972" indent="0">
+              <a:buNone/>
+              <a:defRPr sz="1984">
+                <a:solidFill>
+                  <a:schemeClr val="tx1">
+                    <a:tint val="75000"/>
+                  </a:schemeClr>
+                </a:solidFill>
+              </a:defRPr>
+            </a:lvl2pPr>
+            <a:lvl3pPr marL="1007943" indent="0">
+              <a:buNone/>
+              <a:defRPr sz="1764">
+                <a:solidFill>
+                  <a:schemeClr val="tx1">
+                    <a:tint val="75000"/>
+                  </a:schemeClr>
+                </a:solidFill>
+              </a:defRPr>
+            </a:lvl3pPr>
+            <a:lvl4pPr marL="1511915" indent="0">
+              <a:buNone/>
+              <a:defRPr sz="1543">
+                <a:solidFill>
+                  <a:schemeClr val="tx1">
+                    <a:tint val="75000"/>
+                  </a:schemeClr>
+                </a:solidFill>
+              </a:defRPr>
+            </a:lvl4pPr>
+            <a:lvl5pPr marL="2015886" indent="0">
+              <a:buNone/>
+              <a:defRPr sz="1543">
+                <a:solidFill>
+                  <a:schemeClr val="tx1">
+                    <a:tint val="75000"/>
+                  </a:schemeClr>
+                </a:solidFill>
+              </a:defRPr>
+            </a:lvl5pPr>
+            <a:lvl6pPr marL="2519858" indent="0">
+              <a:buNone/>
+              <a:defRPr sz="1543">
+                <a:solidFill>
+                  <a:schemeClr val="tx1">
+                    <a:tint val="75000"/>
+                  </a:schemeClr>
+                </a:solidFill>
+              </a:defRPr>
+            </a:lvl6pPr>
+            <a:lvl7pPr marL="3023829" indent="0">
+              <a:buNone/>
+              <a:defRPr sz="1543">
+                <a:solidFill>
+                  <a:schemeClr val="tx1">
+                    <a:tint val="75000"/>
+                  </a:schemeClr>
+                </a:solidFill>
+              </a:defRPr>
+            </a:lvl7pPr>
+            <a:lvl8pPr marL="3527801" indent="0">
+              <a:buNone/>
+              <a:defRPr sz="1543">
+                <a:solidFill>
+                  <a:schemeClr val="tx1">
+                    <a:tint val="75000"/>
+                  </a:schemeClr>
+                </a:solidFill>
+              </a:defRPr>
+            </a:lvl8pPr>
+            <a:lvl9pPr marL="4031772" indent="0">
+              <a:buNone/>
+              <a:defRPr sz="1543">
+                <a:solidFill>
+                  <a:schemeClr val="tx1">
+                    <a:tint val="75000"/>
+                  </a:schemeClr>
+                </a:solidFill>
+              </a:defRPr>
+            </a:lvl9pPr>
+          </a:lstStyle>
+          <a:p>
+            <a:pPr lvl="0"/>
+            <a:r>
+              <a:rPr lang="pl-PL"/>
+              <a:t>Edytuj style wzorca tekstu</a:t>
+            </a:r>
+          </a:p>
+        </p:txBody>
+      </p:sp>
+      <p:sp>
+        <p:nvSpPr>
+          <p:cNvPr id="4" name="Date Placeholder 3"/>
+          <p:cNvSpPr>
+            <a:spLocks noGrp="1"/>
+          </p:cNvSpPr>
+          <p:nvPr>
+            <p:ph type="dt" sz="half" idx="10"/>
+          </p:nvPr>
+        </p:nvSpPr>
+        <p:spPr/>
+        <p:txBody>
+          <a:bodyPr/>
+          <a:lstStyle/>
+          <a:p>
+            <a:r>
+              <a:rPr lang="pl-PL" sz="1400">
+                <a:latin typeface="Times New Roman"/>
+              </a:rPr>
+              <a:t>&lt;data/godzina&gt;</a:t>
+            </a:r>
+            <a:endParaRPr lang="pl-PL"/>
+          </a:p>
+        </p:txBody>
+      </p:sp>
+      <p:sp>
+        <p:nvSpPr>
+          <p:cNvPr id="5" name="Footer Placeholder 4"/>
+          <p:cNvSpPr>
+            <a:spLocks noGrp="1"/>
+          </p:cNvSpPr>
+          <p:nvPr>
+            <p:ph type="ftr" sz="quarter" idx="11"/>
+          </p:nvPr>
+        </p:nvSpPr>
+        <p:spPr/>
+        <p:txBody>
+          <a:bodyPr/>
+          <a:lstStyle/>
+          <a:p>
+            <a:pPr algn="ctr"/>
+            <a:r>
+              <a:rPr lang="pl-PL" sz="1400">
+                <a:latin typeface="Times New Roman"/>
+              </a:rPr>
+              <a:t>&lt;stopka&gt;</a:t>
+            </a:r>
+            <a:endParaRPr lang="pl-PL"/>
+          </a:p>
+        </p:txBody>
+      </p:sp>
+      <p:sp>
+        <p:nvSpPr>
+          <p:cNvPr id="6" name="Slide Number Placeholder 5"/>
+          <p:cNvSpPr>
+            <a:spLocks noGrp="1"/>
+          </p:cNvSpPr>
+          <p:nvPr>
+            <p:ph type="sldNum" sz="quarter" idx="12"/>
+          </p:nvPr>
+        </p:nvSpPr>
+        <p:spPr/>
+        <p:txBody>
+          <a:bodyPr/>
+          <a:lstStyle/>
+          <a:p>
+            <a:pPr algn="r"/>
+            <a:fld id="{4BB0830B-121A-4EDE-8C54-D202AEBFFBA7}" type="slidenum">
+              <a:rPr lang="pl-PL" sz="1400" smtClean="0">
+                <a:latin typeface="Times New Roman"/>
+              </a:rPr>
+              <a:t>‹#›</a:t>
+            </a:fld>
+            <a:endParaRPr lang="pl-PL"/>
+          </a:p>
+        </p:txBody>
+      </p:sp>
+    </p:spTree>
+    <p:extLst>
+      <p:ext uri="{BB962C8B-B14F-4D97-AF65-F5344CB8AC3E}">
+        <p14:creationId xmlns:p14="http://schemas.microsoft.com/office/powerpoint/2010/main" val="1269091527"/>
+      </p:ext>
+    </p:extLst>
+  </p:cSld>
+  <p:clrMapOvr>
+    <a:masterClrMapping/>
+  </p:clrMapOvr>
+</p:sldLayout>
+</file>
+
+<file path=ppt/slideLayouts/slideLayout15.xml><?xml version="1.0" encoding="utf-8"?>
+<p:sldLayout xmlns:a="http://schemas.openxmlformats.org/drawingml/2006/main" xmlns:r="http://schemas.openxmlformats.org/officeDocument/2006/relationships" xmlns:p="http://schemas.openxmlformats.org/presentationml/2006/main" preserve="1">
+  <p:cSld name="Prawda lub fałsz">
+    <p:spTree>
+      <p:nvGrpSpPr>
+        <p:cNvPr id="1" name=""/>
+        <p:cNvGrpSpPr/>
+        <p:nvPr/>
+      </p:nvGrpSpPr>
+      <p:grpSpPr>
+        <a:xfrm>
+          <a:off x="0" y="0"/>
+          <a:ext cx="0" cy="0"/>
+          <a:chOff x="0" y="0"/>
+          <a:chExt cx="0" cy="0"/>
+        </a:xfrm>
+      </p:grpSpPr>
+      <p:sp>
+        <p:nvSpPr>
+          <p:cNvPr id="2" name="Title 1"/>
+          <p:cNvSpPr>
+            <a:spLocks noGrp="1"/>
+          </p:cNvSpPr>
+          <p:nvPr>
+            <p:ph type="title"/>
+          </p:nvPr>
+        </p:nvSpPr>
+        <p:spPr>
+          <a:xfrm>
+            <a:off x="1227585" y="755969"/>
+            <a:ext cx="8285858" cy="3006371"/>
+          </a:xfrm>
+        </p:spPr>
+        <p:txBody>
+          <a:bodyPr vert="horz" lIns="91440" tIns="45720" rIns="91440" bIns="45720" rtlCol="0" anchor="ctr">
+            <a:normAutofit/>
+          </a:bodyPr>
+          <a:lstStyle>
+            <a:lvl1pPr>
+              <a:defRPr lang="en-US" b="0" dirty="0"/>
+            </a:lvl1pPr>
+          </a:lstStyle>
+          <a:p>
+            <a:pPr marL="0" lvl="0"/>
+            <a:r>
+              <a:rPr lang="pl-PL"/>
+              <a:t>Kliknij, aby edytować styl</a:t>
+            </a:r>
+            <a:endParaRPr lang="en-US" dirty="0"/>
+          </a:p>
+        </p:txBody>
+      </p:sp>
+      <p:sp>
+        <p:nvSpPr>
+          <p:cNvPr id="10" name="Text Placeholder 9"/>
+          <p:cNvSpPr>
+            <a:spLocks noGrp="1"/>
+          </p:cNvSpPr>
+          <p:nvPr>
+            <p:ph type="body" sz="quarter" idx="13"/>
+          </p:nvPr>
+        </p:nvSpPr>
+        <p:spPr>
+          <a:xfrm>
+            <a:off x="1227583" y="3863834"/>
+            <a:ext cx="8285859" cy="923960"/>
+          </a:xfrm>
+        </p:spPr>
+        <p:txBody>
+          <a:bodyPr vert="horz" lIns="91440" tIns="45720" rIns="91440" bIns="45720" rtlCol="0" anchor="b">
+            <a:normAutofit/>
+          </a:bodyPr>
+          <a:lstStyle>
+            <a:lvl1pPr>
+              <a:buNone/>
+              <a:defRPr lang="en-US" sz="3086" b="0" cap="none" dirty="0">
+                <a:ln w="3175" cmpd="sng">
+                  <a:noFill/>
+                </a:ln>
+                <a:solidFill>
+                  <a:schemeClr val="tx1"/>
+                </a:solidFill>
+                <a:effectLst/>
+              </a:defRPr>
+            </a:lvl1pPr>
+          </a:lstStyle>
+          <a:p>
+            <a:pPr marL="0" lvl="0">
+              <a:spcBef>
+                <a:spcPct val="0"/>
+              </a:spcBef>
+              <a:buNone/>
+            </a:pPr>
+            <a:r>
+              <a:rPr lang="pl-PL"/>
+              <a:t>Edytuj style wzorca tekstu</a:t>
+            </a:r>
+          </a:p>
+        </p:txBody>
+      </p:sp>
+      <p:sp>
+        <p:nvSpPr>
+          <p:cNvPr id="3" name="Text Placeholder 2"/>
+          <p:cNvSpPr>
+            <a:spLocks noGrp="1"/>
+          </p:cNvSpPr>
+          <p:nvPr>
+            <p:ph type="body" idx="1"/>
+          </p:nvPr>
+        </p:nvSpPr>
+        <p:spPr>
+          <a:xfrm>
+            <a:off x="1227583" y="4787794"/>
+            <a:ext cx="8285859" cy="1595931"/>
+          </a:xfrm>
+        </p:spPr>
+        <p:txBody>
+          <a:bodyPr anchor="t">
+            <a:normAutofit/>
+          </a:bodyPr>
+          <a:lstStyle>
+            <a:lvl1pPr marL="0" indent="0" algn="l">
+              <a:buNone/>
+              <a:defRPr sz="1984">
+                <a:solidFill>
+                  <a:schemeClr val="tx1"/>
+                </a:solidFill>
+              </a:defRPr>
+            </a:lvl1pPr>
+            <a:lvl2pPr marL="503972" indent="0">
+              <a:buNone/>
+              <a:defRPr sz="1984">
+                <a:solidFill>
+                  <a:schemeClr val="tx1">
+                    <a:tint val="75000"/>
+                  </a:schemeClr>
+                </a:solidFill>
+              </a:defRPr>
+            </a:lvl2pPr>
+            <a:lvl3pPr marL="1007943" indent="0">
+              <a:buNone/>
+              <a:defRPr sz="1764">
+                <a:solidFill>
+                  <a:schemeClr val="tx1">
+                    <a:tint val="75000"/>
+                  </a:schemeClr>
+                </a:solidFill>
+              </a:defRPr>
+            </a:lvl3pPr>
+            <a:lvl4pPr marL="1511915" indent="0">
+              <a:buNone/>
+              <a:defRPr sz="1543">
+                <a:solidFill>
+                  <a:schemeClr val="tx1">
+                    <a:tint val="75000"/>
+                  </a:schemeClr>
+                </a:solidFill>
+              </a:defRPr>
+            </a:lvl4pPr>
+            <a:lvl5pPr marL="2015886" indent="0">
+              <a:buNone/>
+              <a:defRPr sz="1543">
+                <a:solidFill>
+                  <a:schemeClr val="tx1">
+                    <a:tint val="75000"/>
+                  </a:schemeClr>
+                </a:solidFill>
+              </a:defRPr>
+            </a:lvl5pPr>
+            <a:lvl6pPr marL="2519858" indent="0">
+              <a:buNone/>
+              <a:defRPr sz="1543">
+                <a:solidFill>
+                  <a:schemeClr val="tx1">
+                    <a:tint val="75000"/>
+                  </a:schemeClr>
+                </a:solidFill>
+              </a:defRPr>
+            </a:lvl6pPr>
+            <a:lvl7pPr marL="3023829" indent="0">
+              <a:buNone/>
+              <a:defRPr sz="1543">
+                <a:solidFill>
+                  <a:schemeClr val="tx1">
+                    <a:tint val="75000"/>
+                  </a:schemeClr>
+                </a:solidFill>
+              </a:defRPr>
+            </a:lvl7pPr>
+            <a:lvl8pPr marL="3527801" indent="0">
+              <a:buNone/>
+              <a:defRPr sz="1543">
+                <a:solidFill>
+                  <a:schemeClr val="tx1">
+                    <a:tint val="75000"/>
+                  </a:schemeClr>
+                </a:solidFill>
+              </a:defRPr>
+            </a:lvl8pPr>
+            <a:lvl9pPr marL="4031772" indent="0">
+              <a:buNone/>
+              <a:defRPr sz="1543">
+                <a:solidFill>
+                  <a:schemeClr val="tx1">
+                    <a:tint val="75000"/>
+                  </a:schemeClr>
+                </a:solidFill>
+              </a:defRPr>
+            </a:lvl9pPr>
+          </a:lstStyle>
+          <a:p>
+            <a:pPr lvl="0"/>
+            <a:r>
+              <a:rPr lang="pl-PL"/>
+              <a:t>Edytuj style wzorca tekstu</a:t>
+            </a:r>
+          </a:p>
+        </p:txBody>
+      </p:sp>
+      <p:sp>
+        <p:nvSpPr>
+          <p:cNvPr id="4" name="Date Placeholder 3"/>
+          <p:cNvSpPr>
+            <a:spLocks noGrp="1"/>
+          </p:cNvSpPr>
+          <p:nvPr>
+            <p:ph type="dt" sz="half" idx="10"/>
+          </p:nvPr>
+        </p:nvSpPr>
+        <p:spPr/>
+        <p:txBody>
+          <a:bodyPr/>
+          <a:lstStyle/>
+          <a:p>
+            <a:r>
+              <a:rPr lang="pl-PL" sz="1400">
+                <a:latin typeface="Times New Roman"/>
+              </a:rPr>
+              <a:t>&lt;data/godzina&gt;</a:t>
+            </a:r>
+            <a:endParaRPr lang="pl-PL"/>
+          </a:p>
+        </p:txBody>
+      </p:sp>
+      <p:sp>
+        <p:nvSpPr>
+          <p:cNvPr id="5" name="Footer Placeholder 4"/>
+          <p:cNvSpPr>
+            <a:spLocks noGrp="1"/>
+          </p:cNvSpPr>
+          <p:nvPr>
+            <p:ph type="ftr" sz="quarter" idx="11"/>
+          </p:nvPr>
+        </p:nvSpPr>
+        <p:spPr/>
+        <p:txBody>
+          <a:bodyPr/>
+          <a:lstStyle/>
+          <a:p>
+            <a:pPr algn="ctr"/>
+            <a:r>
+              <a:rPr lang="pl-PL" sz="1400">
+                <a:latin typeface="Times New Roman"/>
+              </a:rPr>
+              <a:t>&lt;stopka&gt;</a:t>
+            </a:r>
+            <a:endParaRPr lang="pl-PL"/>
+          </a:p>
+        </p:txBody>
+      </p:sp>
+      <p:sp>
+        <p:nvSpPr>
+          <p:cNvPr id="6" name="Slide Number Placeholder 5"/>
+          <p:cNvSpPr>
+            <a:spLocks noGrp="1"/>
+          </p:cNvSpPr>
+          <p:nvPr>
+            <p:ph type="sldNum" sz="quarter" idx="12"/>
+          </p:nvPr>
+        </p:nvSpPr>
+        <p:spPr/>
+        <p:txBody>
+          <a:bodyPr/>
+          <a:lstStyle/>
+          <a:p>
+            <a:pPr algn="r"/>
+            <a:fld id="{4BB0830B-121A-4EDE-8C54-D202AEBFFBA7}" type="slidenum">
+              <a:rPr lang="pl-PL" sz="1400" smtClean="0">
+                <a:latin typeface="Times New Roman"/>
+              </a:rPr>
+              <a:t>‹#›</a:t>
+            </a:fld>
+            <a:endParaRPr lang="pl-PL"/>
+          </a:p>
+        </p:txBody>
+      </p:sp>
+    </p:spTree>
+    <p:extLst>
+      <p:ext uri="{BB962C8B-B14F-4D97-AF65-F5344CB8AC3E}">
+        <p14:creationId xmlns:p14="http://schemas.microsoft.com/office/powerpoint/2010/main" val="2899548428"/>
+      </p:ext>
+    </p:extLst>
+  </p:cSld>
+  <p:clrMapOvr>
+    <a:masterClrMapping/>
+  </p:clrMapOvr>
+</p:sldLayout>
+</file>
+
+<file path=ppt/slideLayouts/slideLayout16.xml><?xml version="1.0" encoding="utf-8"?>
+<p:sldLayout xmlns:a="http://schemas.openxmlformats.org/drawingml/2006/main" xmlns:r="http://schemas.openxmlformats.org/officeDocument/2006/relationships" xmlns:p="http://schemas.openxmlformats.org/presentationml/2006/main" type="vertTx" preserve="1">
+  <p:cSld name="Tytuł i tekst pionowy">
+    <p:spTree>
+      <p:nvGrpSpPr>
+        <p:cNvPr id="1" name=""/>
+        <p:cNvGrpSpPr/>
+        <p:nvPr/>
+      </p:nvGrpSpPr>
+      <p:grpSpPr>
+        <a:xfrm>
+          <a:off x="0" y="0"/>
+          <a:ext cx="0" cy="0"/>
+          <a:chOff x="0" y="0"/>
+          <a:chExt cx="0" cy="0"/>
+        </a:xfrm>
+      </p:grpSpPr>
+      <p:sp>
+        <p:nvSpPr>
+          <p:cNvPr id="2" name="Title 1"/>
+          <p:cNvSpPr>
+            <a:spLocks noGrp="1"/>
+          </p:cNvSpPr>
+          <p:nvPr>
+            <p:ph type="title"/>
+          </p:nvPr>
+        </p:nvSpPr>
+        <p:spPr/>
+        <p:txBody>
+          <a:bodyPr/>
+          <a:lstStyle>
+            <a:lvl1pPr algn="ctr">
+              <a:defRPr/>
+            </a:lvl1pPr>
+          </a:lstStyle>
+          <a:p>
+            <a:r>
+              <a:rPr lang="pl-PL"/>
+              <a:t>Kliknij, aby edytować styl</a:t>
+            </a:r>
+            <a:endParaRPr lang="en-US" dirty="0"/>
+          </a:p>
+        </p:txBody>
+      </p:sp>
+      <p:sp>
+        <p:nvSpPr>
+          <p:cNvPr id="3" name="Vertical Text Placeholder 2"/>
+          <p:cNvSpPr>
+            <a:spLocks noGrp="1"/>
+          </p:cNvSpPr>
+          <p:nvPr>
+            <p:ph type="body" orient="vert" idx="1"/>
+          </p:nvPr>
+        </p:nvSpPr>
+        <p:spPr/>
+        <p:txBody>
+          <a:bodyPr vert="eaVert" anchor="t"/>
+          <a:lstStyle/>
+          <a:p>
+            <a:pPr lvl="0"/>
+            <a:r>
+              <a:rPr lang="pl-PL"/>
+              <a:t>Edytuj style wzorca tekstu</a:t>
+            </a:r>
+          </a:p>
+          <a:p>
+            <a:pPr lvl="1"/>
+            <a:r>
+              <a:rPr lang="pl-PL"/>
+              <a:t>Drugi poziom</a:t>
+            </a:r>
+          </a:p>
+          <a:p>
+            <a:pPr lvl="2"/>
+            <a:r>
+              <a:rPr lang="pl-PL"/>
+              <a:t>Trzeci poziom</a:t>
+            </a:r>
+          </a:p>
+          <a:p>
+            <a:pPr lvl="3"/>
+            <a:r>
+              <a:rPr lang="pl-PL"/>
+              <a:t>Czwarty poziom</a:t>
+            </a:r>
+          </a:p>
+          <a:p>
+            <a:pPr lvl="4"/>
+            <a:r>
+              <a:rPr lang="pl-PL"/>
+              <a:t>Piąty poziom</a:t>
+            </a:r>
+            <a:endParaRPr lang="en-US" dirty="0"/>
+          </a:p>
+        </p:txBody>
+      </p:sp>
+      <p:sp>
+        <p:nvSpPr>
+          <p:cNvPr id="4" name="Date Placeholder 3"/>
+          <p:cNvSpPr>
+            <a:spLocks noGrp="1"/>
+          </p:cNvSpPr>
+          <p:nvPr>
+            <p:ph type="dt" sz="half" idx="10"/>
+          </p:nvPr>
+        </p:nvSpPr>
+        <p:spPr/>
+        <p:txBody>
+          <a:bodyPr/>
+          <a:lstStyle/>
+          <a:p>
+            <a:r>
+              <a:rPr lang="pl-PL" sz="1400">
+                <a:latin typeface="Times New Roman"/>
+              </a:rPr>
+              <a:t>&lt;data/godzina&gt;</a:t>
+            </a:r>
+            <a:endParaRPr lang="pl-PL"/>
+          </a:p>
+        </p:txBody>
+      </p:sp>
+      <p:sp>
+        <p:nvSpPr>
+          <p:cNvPr id="5" name="Footer Placeholder 4"/>
+          <p:cNvSpPr>
+            <a:spLocks noGrp="1"/>
+          </p:cNvSpPr>
+          <p:nvPr>
+            <p:ph type="ftr" sz="quarter" idx="11"/>
+          </p:nvPr>
+        </p:nvSpPr>
+        <p:spPr/>
+        <p:txBody>
+          <a:bodyPr/>
+          <a:lstStyle/>
+          <a:p>
+            <a:pPr algn="ctr"/>
+            <a:r>
+              <a:rPr lang="pl-PL" sz="1400">
+                <a:latin typeface="Times New Roman"/>
+              </a:rPr>
+              <a:t>&lt;stopka&gt;</a:t>
+            </a:r>
+            <a:endParaRPr lang="pl-PL"/>
+          </a:p>
+        </p:txBody>
+      </p:sp>
+      <p:sp>
+        <p:nvSpPr>
+          <p:cNvPr id="6" name="Slide Number Placeholder 5"/>
+          <p:cNvSpPr>
+            <a:spLocks noGrp="1"/>
+          </p:cNvSpPr>
+          <p:nvPr>
+            <p:ph type="sldNum" sz="quarter" idx="12"/>
+          </p:nvPr>
+        </p:nvSpPr>
+        <p:spPr/>
+        <p:txBody>
+          <a:bodyPr/>
+          <a:lstStyle/>
+          <a:p>
+            <a:pPr algn="r"/>
+            <a:fld id="{4BB0830B-121A-4EDE-8C54-D202AEBFFBA7}" type="slidenum">
+              <a:rPr lang="pl-PL" sz="1400" smtClean="0">
+                <a:latin typeface="Times New Roman"/>
+              </a:rPr>
+              <a:t>‹#›</a:t>
+            </a:fld>
+            <a:endParaRPr lang="pl-PL"/>
+          </a:p>
+        </p:txBody>
+      </p:sp>
+    </p:spTree>
+    <p:extLst>
+      <p:ext uri="{BB962C8B-B14F-4D97-AF65-F5344CB8AC3E}">
+        <p14:creationId xmlns:p14="http://schemas.microsoft.com/office/powerpoint/2010/main" val="3821417223"/>
+      </p:ext>
+    </p:extLst>
+  </p:cSld>
+  <p:clrMapOvr>
+    <a:masterClrMapping/>
+  </p:clrMapOvr>
+</p:sldLayout>
+</file>
+
+<file path=ppt/slideLayouts/slideLayout17.xml><?xml version="1.0" encoding="utf-8"?>
+<p:sldLayout xmlns:a="http://schemas.openxmlformats.org/drawingml/2006/main" xmlns:r="http://schemas.openxmlformats.org/officeDocument/2006/relationships" xmlns:p="http://schemas.openxmlformats.org/presentationml/2006/main" type="vertTitleAndTx" preserve="1">
+  <p:cSld name="Tytuł pionowy i tekst">
+    <p:spTree>
+      <p:nvGrpSpPr>
+        <p:cNvPr id="1" name=""/>
+        <p:cNvGrpSpPr/>
+        <p:nvPr/>
+      </p:nvGrpSpPr>
+      <p:grpSpPr>
+        <a:xfrm>
+          <a:off x="0" y="0"/>
+          <a:ext cx="0" cy="0"/>
+          <a:chOff x="0" y="0"/>
+          <a:chExt cx="0" cy="0"/>
+        </a:xfrm>
+      </p:grpSpPr>
+      <p:sp>
+        <p:nvSpPr>
+          <p:cNvPr id="2" name="Vertical Title 1"/>
+          <p:cNvSpPr>
+            <a:spLocks noGrp="1"/>
+          </p:cNvSpPr>
+          <p:nvPr>
+            <p:ph type="title" orient="vert"/>
+          </p:nvPr>
+        </p:nvSpPr>
+        <p:spPr>
+          <a:xfrm>
+            <a:off x="8049279" y="755968"/>
+            <a:ext cx="1464163" cy="5627758"/>
+          </a:xfrm>
+        </p:spPr>
+        <p:txBody>
+          <a:bodyPr vert="eaVert"/>
+          <a:lstStyle/>
+          <a:p>
+            <a:r>
+              <a:rPr lang="pl-PL"/>
+              <a:t>Kliknij, aby edytować styl</a:t>
+            </a:r>
+            <a:endParaRPr lang="en-US" dirty="0"/>
+          </a:p>
+        </p:txBody>
+      </p:sp>
+      <p:sp>
+        <p:nvSpPr>
+          <p:cNvPr id="3" name="Vertical Text Placeholder 2"/>
+          <p:cNvSpPr>
+            <a:spLocks noGrp="1"/>
+          </p:cNvSpPr>
+          <p:nvPr>
+            <p:ph type="body" orient="vert" idx="1"/>
+          </p:nvPr>
+        </p:nvSpPr>
+        <p:spPr>
+          <a:xfrm>
+            <a:off x="1227584" y="755968"/>
+            <a:ext cx="6632633" cy="5627758"/>
+          </a:xfrm>
+        </p:spPr>
+        <p:txBody>
+          <a:bodyPr vert="eaVert" anchor="t"/>
+          <a:lstStyle/>
+          <a:p>
+            <a:pPr lvl="0"/>
+            <a:r>
+              <a:rPr lang="pl-PL"/>
+              <a:t>Edytuj style wzorca tekstu</a:t>
+            </a:r>
+          </a:p>
+          <a:p>
+            <a:pPr lvl="1"/>
+            <a:r>
+              <a:rPr lang="pl-PL"/>
+              <a:t>Drugi poziom</a:t>
+            </a:r>
+          </a:p>
+          <a:p>
+            <a:pPr lvl="2"/>
+            <a:r>
+              <a:rPr lang="pl-PL"/>
+              <a:t>Trzeci poziom</a:t>
+            </a:r>
+          </a:p>
+          <a:p>
+            <a:pPr lvl="3"/>
+            <a:r>
+              <a:rPr lang="pl-PL"/>
+              <a:t>Czwarty poziom</a:t>
+            </a:r>
+          </a:p>
+          <a:p>
+            <a:pPr lvl="4"/>
+            <a:r>
+              <a:rPr lang="pl-PL"/>
+              <a:t>Piąty poziom</a:t>
+            </a:r>
+            <a:endParaRPr lang="en-US" dirty="0"/>
+          </a:p>
+        </p:txBody>
+      </p:sp>
+      <p:sp>
+        <p:nvSpPr>
+          <p:cNvPr id="4" name="Date Placeholder 3"/>
+          <p:cNvSpPr>
+            <a:spLocks noGrp="1"/>
+          </p:cNvSpPr>
+          <p:nvPr>
+            <p:ph type="dt" sz="half" idx="10"/>
+          </p:nvPr>
+        </p:nvSpPr>
+        <p:spPr/>
+        <p:txBody>
+          <a:bodyPr/>
+          <a:lstStyle/>
+          <a:p>
+            <a:r>
+              <a:rPr lang="pl-PL" sz="1400">
+                <a:latin typeface="Times New Roman"/>
+              </a:rPr>
+              <a:t>&lt;data/godzina&gt;</a:t>
+            </a:r>
+            <a:endParaRPr lang="pl-PL"/>
+          </a:p>
+        </p:txBody>
+      </p:sp>
+      <p:sp>
+        <p:nvSpPr>
+          <p:cNvPr id="5" name="Footer Placeholder 4"/>
+          <p:cNvSpPr>
+            <a:spLocks noGrp="1"/>
+          </p:cNvSpPr>
+          <p:nvPr>
+            <p:ph type="ftr" sz="quarter" idx="11"/>
+          </p:nvPr>
+        </p:nvSpPr>
+        <p:spPr/>
+        <p:txBody>
+          <a:bodyPr/>
+          <a:lstStyle/>
+          <a:p>
+            <a:pPr algn="ctr"/>
+            <a:r>
+              <a:rPr lang="pl-PL" sz="1400">
+                <a:latin typeface="Times New Roman"/>
+              </a:rPr>
+              <a:t>&lt;stopka&gt;</a:t>
+            </a:r>
+            <a:endParaRPr lang="pl-PL"/>
+          </a:p>
+        </p:txBody>
+      </p:sp>
+      <p:sp>
+        <p:nvSpPr>
+          <p:cNvPr id="6" name="Slide Number Placeholder 5"/>
+          <p:cNvSpPr>
+            <a:spLocks noGrp="1"/>
+          </p:cNvSpPr>
+          <p:nvPr>
+            <p:ph type="sldNum" sz="quarter" idx="12"/>
+          </p:nvPr>
+        </p:nvSpPr>
+        <p:spPr/>
+        <p:txBody>
+          <a:bodyPr/>
+          <a:lstStyle/>
+          <a:p>
+            <a:pPr algn="r"/>
+            <a:fld id="{4BB0830B-121A-4EDE-8C54-D202AEBFFBA7}" type="slidenum">
+              <a:rPr lang="pl-PL" sz="1400" smtClean="0">
+                <a:latin typeface="Times New Roman"/>
+              </a:rPr>
+              <a:t>‹#›</a:t>
+            </a:fld>
+            <a:endParaRPr lang="pl-PL"/>
+          </a:p>
+        </p:txBody>
+      </p:sp>
+    </p:spTree>
+    <p:extLst>
+      <p:ext uri="{BB962C8B-B14F-4D97-AF65-F5344CB8AC3E}">
+        <p14:creationId xmlns:p14="http://schemas.microsoft.com/office/powerpoint/2010/main" val="1356289815"/>
+      </p:ext>
+    </p:extLst>
+  </p:cSld>
+  <p:clrMapOvr>
+    <a:masterClrMapping/>
+  </p:clrMapOvr>
+</p:sldLayout>
+</file>
+
+<file path=ppt/slideLayouts/slideLayout18.xml><?xml version="1.0" encoding="utf-8"?>
+<p:sldLayout xmlns:a="http://schemas.openxmlformats.org/drawingml/2006/main" xmlns:r="http://schemas.openxmlformats.org/officeDocument/2006/relationships" xmlns:p="http://schemas.openxmlformats.org/presentationml/2006/main" type="tx">
   <p:cSld name="Title Slide">
     <p:spTree>
       <p:nvGrpSpPr>
@@ -638,6 +3507,11 @@
         </p:txBody>
       </p:sp>
     </p:spTree>
+    <p:extLst>
+      <p:ext uri="{BB962C8B-B14F-4D97-AF65-F5344CB8AC3E}">
+        <p14:creationId xmlns:p14="http://schemas.microsoft.com/office/powerpoint/2010/main" val="478717897"/>
+      </p:ext>
+    </p:extLst>
   </p:cSld>
   <p:clrMapOvr>
     <a:masterClrMapping/>
@@ -645,9 +3519,9 @@
 </p:sldLayout>
 </file>
 
-<file path=ppt/slideLayouts/slideLayout3.xml><?xml version="1.0" encoding="utf-8"?>
+<file path=ppt/slideLayouts/slideLayout2.xml><?xml version="1.0" encoding="utf-8"?>
 <p:sldLayout xmlns:a="http://schemas.openxmlformats.org/drawingml/2006/main" xmlns:r="http://schemas.openxmlformats.org/officeDocument/2006/relationships" xmlns:p="http://schemas.openxmlformats.org/presentationml/2006/main" type="obj" preserve="1">
-  <p:cSld name="Title, Content">
+  <p:cSld name="Tytuł i zawartość">
     <p:spTree>
       <p:nvGrpSpPr>
         <p:cNvPr id="1" name=""/>
@@ -664,7 +3538,7 @@
       </p:grpSpPr>
       <p:sp>
         <p:nvSpPr>
-          <p:cNvPr id="7" name="PlaceHolder 1"/>
+          <p:cNvPr id="2" name="Title 1"/>
           <p:cNvSpPr>
             <a:spLocks noGrp="1"/>
           </p:cNvSpPr>
@@ -674,50 +3548,177 @@
         </p:nvSpPr>
         <p:spPr>
           <a:xfrm>
-            <a:off x="504000" y="301320"/>
-            <a:ext cx="9071640" cy="1262160"/>
+            <a:off x="1082734" y="503979"/>
+            <a:ext cx="8493860" cy="2183906"/>
           </a:xfrm>
-          <a:prstGeom prst="rect">
-            <a:avLst/>
-          </a:prstGeom>
         </p:spPr>
         <p:txBody>
-          <a:bodyPr lIns="0" tIns="0" rIns="0" bIns="0" anchor="ctr"/>
+          <a:bodyPr/>
           <a:lstStyle/>
           <a:p>
-            <a:pPr algn="ctr"/>
-            <a:endParaRPr/>
-          </a:p>
-        </p:txBody>
-      </p:sp>
-      <p:sp>
-        <p:nvSpPr>
-          <p:cNvPr id="8" name="PlaceHolder 2"/>
+            <a:r>
+              <a:rPr lang="pl-PL"/>
+              <a:t>Kliknij, aby edytować styl</a:t>
+            </a:r>
+            <a:endParaRPr lang="en-US" dirty="0"/>
+          </a:p>
+        </p:txBody>
+      </p:sp>
+      <p:sp>
+        <p:nvSpPr>
+          <p:cNvPr id="3" name="Content Placeholder 2"/>
           <p:cNvSpPr>
             <a:spLocks noGrp="1"/>
           </p:cNvSpPr>
           <p:nvPr>
-            <p:ph type="body"/>
+            <p:ph idx="1"/>
           </p:nvPr>
         </p:nvSpPr>
         <p:spPr>
           <a:xfrm>
-            <a:off x="504000" y="1769040"/>
-            <a:ext cx="9071640" cy="4384440"/>
+            <a:off x="1082734" y="2939874"/>
+            <a:ext cx="8493860" cy="3673812"/>
           </a:xfrm>
-          <a:prstGeom prst="rect">
-            <a:avLst/>
-          </a:prstGeom>
         </p:spPr>
         <p:txBody>
-          <a:bodyPr lIns="0" tIns="0" rIns="0" bIns="0"/>
+          <a:bodyPr anchor="ctr"/>
           <a:lstStyle/>
           <a:p>
-            <a:endParaRPr/>
+            <a:pPr lvl="0"/>
+            <a:r>
+              <a:rPr lang="pl-PL"/>
+              <a:t>Edytuj style wzorca tekstu</a:t>
+            </a:r>
+          </a:p>
+          <a:p>
+            <a:pPr lvl="1"/>
+            <a:r>
+              <a:rPr lang="pl-PL"/>
+              <a:t>Drugi poziom</a:t>
+            </a:r>
+          </a:p>
+          <a:p>
+            <a:pPr lvl="2"/>
+            <a:r>
+              <a:rPr lang="pl-PL"/>
+              <a:t>Trzeci poziom</a:t>
+            </a:r>
+          </a:p>
+          <a:p>
+            <a:pPr lvl="3"/>
+            <a:r>
+              <a:rPr lang="pl-PL"/>
+              <a:t>Czwarty poziom</a:t>
+            </a:r>
+          </a:p>
+          <a:p>
+            <a:pPr lvl="4"/>
+            <a:r>
+              <a:rPr lang="pl-PL"/>
+              <a:t>Piąty poziom</a:t>
+            </a:r>
+            <a:endParaRPr lang="en-US" dirty="0"/>
+          </a:p>
+        </p:txBody>
+      </p:sp>
+      <p:sp>
+        <p:nvSpPr>
+          <p:cNvPr id="4" name="Date Placeholder 3"/>
+          <p:cNvSpPr>
+            <a:spLocks noGrp="1"/>
+          </p:cNvSpPr>
+          <p:nvPr>
+            <p:ph type="dt" sz="half" idx="10"/>
+          </p:nvPr>
+        </p:nvSpPr>
+        <p:spPr>
+          <a:xfrm>
+            <a:off x="8096613" y="6733130"/>
+            <a:ext cx="945304" cy="402483"/>
+          </a:xfrm>
+        </p:spPr>
+        <p:txBody>
+          <a:bodyPr/>
+          <a:lstStyle/>
+          <a:p>
+            <a:r>
+              <a:rPr lang="pl-PL" sz="1400">
+                <a:latin typeface="Times New Roman"/>
+              </a:rPr>
+              <a:t>&lt;data/godzina&gt;</a:t>
+            </a:r>
+            <a:endParaRPr lang="pl-PL"/>
+          </a:p>
+        </p:txBody>
+      </p:sp>
+      <p:sp>
+        <p:nvSpPr>
+          <p:cNvPr id="5" name="Footer Placeholder 4"/>
+          <p:cNvSpPr>
+            <a:spLocks noGrp="1"/>
+          </p:cNvSpPr>
+          <p:nvPr>
+            <p:ph type="ftr" sz="quarter" idx="11"/>
+          </p:nvPr>
+        </p:nvSpPr>
+        <p:spPr>
+          <a:xfrm>
+            <a:off x="2174707" y="6733130"/>
+            <a:ext cx="5858886" cy="402483"/>
+          </a:xfrm>
+        </p:spPr>
+        <p:txBody>
+          <a:bodyPr/>
+          <a:lstStyle/>
+          <a:p>
+            <a:pPr algn="ctr"/>
+            <a:r>
+              <a:rPr lang="pl-PL" sz="1400">
+                <a:latin typeface="Times New Roman"/>
+              </a:rPr>
+              <a:t>&lt;stopka&gt;</a:t>
+            </a:r>
+            <a:endParaRPr lang="pl-PL"/>
+          </a:p>
+        </p:txBody>
+      </p:sp>
+      <p:sp>
+        <p:nvSpPr>
+          <p:cNvPr id="6" name="Slide Number Placeholder 5"/>
+          <p:cNvSpPr>
+            <a:spLocks noGrp="1"/>
+          </p:cNvSpPr>
+          <p:nvPr>
+            <p:ph type="sldNum" sz="quarter" idx="12"/>
+          </p:nvPr>
+        </p:nvSpPr>
+        <p:spPr>
+          <a:xfrm>
+            <a:off x="9104938" y="6733130"/>
+            <a:ext cx="471656" cy="402483"/>
+          </a:xfrm>
+        </p:spPr>
+        <p:txBody>
+          <a:bodyPr/>
+          <a:lstStyle/>
+          <a:p>
+            <a:pPr algn="r"/>
+            <a:fld id="{4BB0830B-121A-4EDE-8C54-D202AEBFFBA7}" type="slidenum">
+              <a:rPr lang="pl-PL" sz="1400" smtClean="0">
+                <a:latin typeface="Times New Roman"/>
+              </a:rPr>
+              <a:t>‹#›</a:t>
+            </a:fld>
+            <a:endParaRPr lang="pl-PL"/>
           </a:p>
         </p:txBody>
       </p:sp>
     </p:spTree>
+    <p:extLst>
+      <p:ext uri="{BB962C8B-B14F-4D97-AF65-F5344CB8AC3E}">
+        <p14:creationId xmlns:p14="http://schemas.microsoft.com/office/powerpoint/2010/main" val="1057686112"/>
+      </p:ext>
+    </p:extLst>
   </p:cSld>
   <p:clrMapOvr>
     <a:masterClrMapping/>
@@ -725,9 +3726,9 @@
 </p:sldLayout>
 </file>
 
-<file path=ppt/slideLayouts/slideLayout4.xml><?xml version="1.0" encoding="utf-8"?>
-<p:sldLayout xmlns:a="http://schemas.openxmlformats.org/drawingml/2006/main" xmlns:r="http://schemas.openxmlformats.org/officeDocument/2006/relationships" xmlns:p="http://schemas.openxmlformats.org/presentationml/2006/main" type="twoObj" preserve="1">
-  <p:cSld name="Title, 2 Content">
+<file path=ppt/slideLayouts/slideLayout3.xml><?xml version="1.0" encoding="utf-8"?>
+<p:sldLayout xmlns:a="http://schemas.openxmlformats.org/drawingml/2006/main" xmlns:r="http://schemas.openxmlformats.org/officeDocument/2006/relationships" xmlns:p="http://schemas.openxmlformats.org/presentationml/2006/main" type="secHead" preserve="1">
+  <p:cSld name="Nagłówek sekcji">
     <p:spTree>
       <p:nvGrpSpPr>
         <p:cNvPr id="1" name=""/>
@@ -744,7 +3745,7 @@
       </p:grpSpPr>
       <p:sp>
         <p:nvSpPr>
-          <p:cNvPr id="9" name="PlaceHolder 1"/>
+          <p:cNvPr id="2" name="Title 1"/>
           <p:cNvSpPr>
             <a:spLocks noGrp="1"/>
           </p:cNvSpPr>
@@ -754,77 +3755,233 @@
         </p:nvSpPr>
         <p:spPr>
           <a:xfrm>
-            <a:off x="504000" y="301320"/>
-            <a:ext cx="9071640" cy="1262160"/>
+            <a:off x="2190524" y="2939872"/>
+            <a:ext cx="7386070" cy="2601541"/>
           </a:xfrm>
-          <a:prstGeom prst="rect">
-            <a:avLst/>
-          </a:prstGeom>
         </p:spPr>
         <p:txBody>
-          <a:bodyPr lIns="0" tIns="0" rIns="0" bIns="0" anchor="ctr"/>
-          <a:lstStyle/>
-          <a:p>
-            <a:pPr algn="ctr"/>
-            <a:endParaRPr/>
-          </a:p>
-        </p:txBody>
-      </p:sp>
-      <p:sp>
-        <p:nvSpPr>
-          <p:cNvPr id="10" name="PlaceHolder 2"/>
+          <a:bodyPr anchor="b"/>
+          <a:lstStyle>
+            <a:lvl1pPr algn="r">
+              <a:defRPr sz="4409" b="0" cap="none"/>
+            </a:lvl1pPr>
+          </a:lstStyle>
+          <a:p>
+            <a:r>
+              <a:rPr lang="pl-PL"/>
+              <a:t>Kliknij, aby edytować styl</a:t>
+            </a:r>
+            <a:endParaRPr lang="en-US" dirty="0"/>
+          </a:p>
+        </p:txBody>
+      </p:sp>
+      <p:sp>
+        <p:nvSpPr>
+          <p:cNvPr id="3" name="Text Placeholder 2"/>
           <p:cNvSpPr>
             <a:spLocks noGrp="1"/>
           </p:cNvSpPr>
           <p:nvPr>
-            <p:ph type="body"/>
+            <p:ph type="body" idx="1"/>
           </p:nvPr>
         </p:nvSpPr>
         <p:spPr>
           <a:xfrm>
-            <a:off x="504000" y="1769040"/>
-            <a:ext cx="4426920" cy="4384440"/>
+            <a:off x="2190528" y="5541414"/>
+            <a:ext cx="7386066" cy="948432"/>
           </a:xfrm>
-          <a:prstGeom prst="rect">
-            <a:avLst/>
-          </a:prstGeom>
         </p:spPr>
         <p:txBody>
-          <a:bodyPr lIns="0" tIns="0" rIns="0" bIns="0"/>
-          <a:lstStyle/>
-          <a:p>
-            <a:endParaRPr/>
-          </a:p>
-        </p:txBody>
-      </p:sp>
-      <p:sp>
-        <p:nvSpPr>
-          <p:cNvPr id="11" name="PlaceHolder 3"/>
+          <a:bodyPr anchor="t">
+            <a:normAutofit/>
+          </a:bodyPr>
+          <a:lstStyle>
+            <a:lvl1pPr marL="0" indent="0" algn="r">
+              <a:buNone/>
+              <a:defRPr sz="2205">
+                <a:solidFill>
+                  <a:schemeClr val="tx1"/>
+                </a:solidFill>
+              </a:defRPr>
+            </a:lvl1pPr>
+            <a:lvl2pPr marL="503972" indent="0">
+              <a:buNone/>
+              <a:defRPr sz="1984">
+                <a:solidFill>
+                  <a:schemeClr val="tx1">
+                    <a:tint val="75000"/>
+                  </a:schemeClr>
+                </a:solidFill>
+              </a:defRPr>
+            </a:lvl2pPr>
+            <a:lvl3pPr marL="1007943" indent="0">
+              <a:buNone/>
+              <a:defRPr sz="1764">
+                <a:solidFill>
+                  <a:schemeClr val="tx1">
+                    <a:tint val="75000"/>
+                  </a:schemeClr>
+                </a:solidFill>
+              </a:defRPr>
+            </a:lvl3pPr>
+            <a:lvl4pPr marL="1511915" indent="0">
+              <a:buNone/>
+              <a:defRPr sz="1543">
+                <a:solidFill>
+                  <a:schemeClr val="tx1">
+                    <a:tint val="75000"/>
+                  </a:schemeClr>
+                </a:solidFill>
+              </a:defRPr>
+            </a:lvl4pPr>
+            <a:lvl5pPr marL="2015886" indent="0">
+              <a:buNone/>
+              <a:defRPr sz="1543">
+                <a:solidFill>
+                  <a:schemeClr val="tx1">
+                    <a:tint val="75000"/>
+                  </a:schemeClr>
+                </a:solidFill>
+              </a:defRPr>
+            </a:lvl5pPr>
+            <a:lvl6pPr marL="2519858" indent="0">
+              <a:buNone/>
+              <a:defRPr sz="1543">
+                <a:solidFill>
+                  <a:schemeClr val="tx1">
+                    <a:tint val="75000"/>
+                  </a:schemeClr>
+                </a:solidFill>
+              </a:defRPr>
+            </a:lvl6pPr>
+            <a:lvl7pPr marL="3023829" indent="0">
+              <a:buNone/>
+              <a:defRPr sz="1543">
+                <a:solidFill>
+                  <a:schemeClr val="tx1">
+                    <a:tint val="75000"/>
+                  </a:schemeClr>
+                </a:solidFill>
+              </a:defRPr>
+            </a:lvl7pPr>
+            <a:lvl8pPr marL="3527801" indent="0">
+              <a:buNone/>
+              <a:defRPr sz="1543">
+                <a:solidFill>
+                  <a:schemeClr val="tx1">
+                    <a:tint val="75000"/>
+                  </a:schemeClr>
+                </a:solidFill>
+              </a:defRPr>
+            </a:lvl8pPr>
+            <a:lvl9pPr marL="4031772" indent="0">
+              <a:buNone/>
+              <a:defRPr sz="1543">
+                <a:solidFill>
+                  <a:schemeClr val="tx1">
+                    <a:tint val="75000"/>
+                  </a:schemeClr>
+                </a:solidFill>
+              </a:defRPr>
+            </a:lvl9pPr>
+          </a:lstStyle>
+          <a:p>
+            <a:pPr lvl="0"/>
+            <a:r>
+              <a:rPr lang="pl-PL"/>
+              <a:t>Edytuj style wzorca tekstu</a:t>
+            </a:r>
+          </a:p>
+        </p:txBody>
+      </p:sp>
+      <p:sp>
+        <p:nvSpPr>
+          <p:cNvPr id="4" name="Date Placeholder 3"/>
           <p:cNvSpPr>
             <a:spLocks noGrp="1"/>
           </p:cNvSpPr>
           <p:nvPr>
-            <p:ph type="body"/>
+            <p:ph type="dt" sz="half" idx="10"/>
+          </p:nvPr>
+        </p:nvSpPr>
+        <p:spPr/>
+        <p:txBody>
+          <a:bodyPr/>
+          <a:lstStyle/>
+          <a:p>
+            <a:r>
+              <a:rPr lang="pl-PL" sz="1400">
+                <a:latin typeface="Times New Roman"/>
+              </a:rPr>
+              <a:t>&lt;data/godzina&gt;</a:t>
+            </a:r>
+            <a:endParaRPr lang="pl-PL"/>
+          </a:p>
+        </p:txBody>
+      </p:sp>
+      <p:sp>
+        <p:nvSpPr>
+          <p:cNvPr id="5" name="Footer Placeholder 4"/>
+          <p:cNvSpPr>
+            <a:spLocks noGrp="1"/>
+          </p:cNvSpPr>
+          <p:nvPr>
+            <p:ph type="ftr" sz="quarter" idx="11"/>
+          </p:nvPr>
+        </p:nvSpPr>
+        <p:spPr/>
+        <p:txBody>
+          <a:bodyPr/>
+          <a:lstStyle/>
+          <a:p>
+            <a:pPr algn="ctr"/>
+            <a:r>
+              <a:rPr lang="pl-PL" sz="1400">
+                <a:latin typeface="Times New Roman"/>
+              </a:rPr>
+              <a:t>&lt;stopka&gt;</a:t>
+            </a:r>
+            <a:endParaRPr lang="pl-PL"/>
+          </a:p>
+        </p:txBody>
+      </p:sp>
+      <p:sp>
+        <p:nvSpPr>
+          <p:cNvPr id="6" name="Slide Number Placeholder 5"/>
+          <p:cNvSpPr>
+            <a:spLocks noGrp="1"/>
+          </p:cNvSpPr>
+          <p:nvPr>
+            <p:ph type="sldNum" sz="quarter" idx="12"/>
           </p:nvPr>
         </p:nvSpPr>
         <p:spPr>
           <a:xfrm>
-            <a:off x="5152680" y="1769040"/>
-            <a:ext cx="4426920" cy="4384440"/>
+            <a:off x="9120758" y="6741835"/>
+            <a:ext cx="455836" cy="402483"/>
           </a:xfrm>
-          <a:prstGeom prst="rect">
-            <a:avLst/>
-          </a:prstGeom>
         </p:spPr>
         <p:txBody>
-          <a:bodyPr lIns="0" tIns="0" rIns="0" bIns="0"/>
+          <a:bodyPr/>
           <a:lstStyle/>
           <a:p>
-            <a:endParaRPr/>
+            <a:pPr algn="r"/>
+            <a:fld id="{4BB0830B-121A-4EDE-8C54-D202AEBFFBA7}" type="slidenum">
+              <a:rPr lang="pl-PL" sz="1400" smtClean="0">
+                <a:latin typeface="Times New Roman"/>
+              </a:rPr>
+              <a:t>‹#›</a:t>
+            </a:fld>
+            <a:endParaRPr lang="pl-PL"/>
           </a:p>
         </p:txBody>
       </p:sp>
     </p:spTree>
+    <p:extLst>
+      <p:ext uri="{BB962C8B-B14F-4D97-AF65-F5344CB8AC3E}">
+        <p14:creationId xmlns:p14="http://schemas.microsoft.com/office/powerpoint/2010/main" val="2620777322"/>
+      </p:ext>
+    </p:extLst>
   </p:cSld>
   <p:clrMapOvr>
     <a:masterClrMapping/>
@@ -832,9 +3989,9 @@
 </p:sldLayout>
 </file>
 
-<file path=ppt/slideLayouts/slideLayout5.xml><?xml version="1.0" encoding="utf-8"?>
-<p:sldLayout xmlns:a="http://schemas.openxmlformats.org/drawingml/2006/main" xmlns:r="http://schemas.openxmlformats.org/officeDocument/2006/relationships" xmlns:p="http://schemas.openxmlformats.org/presentationml/2006/main" type="titleOnly" preserve="1">
-  <p:cSld name="Title Only">
+<file path=ppt/slideLayouts/slideLayout4.xml><?xml version="1.0" encoding="utf-8"?>
+<p:sldLayout xmlns:a="http://schemas.openxmlformats.org/drawingml/2006/main" xmlns:r="http://schemas.openxmlformats.org/officeDocument/2006/relationships" xmlns:p="http://schemas.openxmlformats.org/presentationml/2006/main" type="twoObj" preserve="1">
+  <p:cSld name="Dwa elementy zawartości">
     <p:spTree>
       <p:nvGrpSpPr>
         <p:cNvPr id="1" name=""/>
@@ -851,7 +4008,7 @@
       </p:grpSpPr>
       <p:sp>
         <p:nvSpPr>
-          <p:cNvPr id="12" name="PlaceHolder 1"/>
+          <p:cNvPr id="2" name="Title 1"/>
           <p:cNvSpPr>
             <a:spLocks noGrp="1"/>
           </p:cNvSpPr>
@@ -861,23 +4018,279 @@
         </p:nvSpPr>
         <p:spPr>
           <a:xfrm>
-            <a:off x="504000" y="301320"/>
-            <a:ext cx="9071640" cy="1262160"/>
+            <a:off x="1082734" y="755969"/>
+            <a:ext cx="8493860" cy="1931916"/>
           </a:xfrm>
-          <a:prstGeom prst="rect">
-            <a:avLst/>
-          </a:prstGeom>
         </p:spPr>
         <p:txBody>
-          <a:bodyPr lIns="0" tIns="0" rIns="0" bIns="0" anchor="ctr"/>
+          <a:bodyPr/>
           <a:lstStyle/>
           <a:p>
+            <a:r>
+              <a:rPr lang="pl-PL"/>
+              <a:t>Kliknij, aby edytować styl</a:t>
+            </a:r>
+            <a:endParaRPr lang="en-US" dirty="0"/>
+          </a:p>
+        </p:txBody>
+      </p:sp>
+      <p:sp>
+        <p:nvSpPr>
+          <p:cNvPr id="3" name="Content Placeholder 2"/>
+          <p:cNvSpPr>
+            <a:spLocks noGrp="1"/>
+          </p:cNvSpPr>
+          <p:nvPr>
+            <p:ph sz="half" idx="1"/>
+          </p:nvPr>
+        </p:nvSpPr>
+        <p:spPr>
+          <a:xfrm>
+            <a:off x="1082733" y="2939874"/>
+            <a:ext cx="4122976" cy="3713339"/>
+          </a:xfrm>
+        </p:spPr>
+        <p:txBody>
+          <a:bodyPr>
+            <a:normAutofit/>
+          </a:bodyPr>
+          <a:lstStyle>
+            <a:lvl1pPr>
+              <a:defRPr sz="1984"/>
+            </a:lvl1pPr>
+            <a:lvl2pPr>
+              <a:defRPr sz="1764"/>
+            </a:lvl2pPr>
+            <a:lvl3pPr>
+              <a:defRPr sz="1543"/>
+            </a:lvl3pPr>
+            <a:lvl4pPr>
+              <a:defRPr sz="1323"/>
+            </a:lvl4pPr>
+            <a:lvl5pPr>
+              <a:defRPr sz="1323"/>
+            </a:lvl5pPr>
+            <a:lvl6pPr>
+              <a:defRPr sz="1323"/>
+            </a:lvl6pPr>
+            <a:lvl7pPr>
+              <a:defRPr sz="1323"/>
+            </a:lvl7pPr>
+            <a:lvl8pPr>
+              <a:defRPr sz="1323"/>
+            </a:lvl8pPr>
+            <a:lvl9pPr>
+              <a:defRPr sz="1323"/>
+            </a:lvl9pPr>
+          </a:lstStyle>
+          <a:p>
+            <a:pPr lvl="0"/>
+            <a:r>
+              <a:rPr lang="pl-PL"/>
+              <a:t>Edytuj style wzorca tekstu</a:t>
+            </a:r>
+          </a:p>
+          <a:p>
+            <a:pPr lvl="1"/>
+            <a:r>
+              <a:rPr lang="pl-PL"/>
+              <a:t>Drugi poziom</a:t>
+            </a:r>
+          </a:p>
+          <a:p>
+            <a:pPr lvl="2"/>
+            <a:r>
+              <a:rPr lang="pl-PL"/>
+              <a:t>Trzeci poziom</a:t>
+            </a:r>
+          </a:p>
+          <a:p>
+            <a:pPr lvl="3"/>
+            <a:r>
+              <a:rPr lang="pl-PL"/>
+              <a:t>Czwarty poziom</a:t>
+            </a:r>
+          </a:p>
+          <a:p>
+            <a:pPr lvl="4"/>
+            <a:r>
+              <a:rPr lang="pl-PL"/>
+              <a:t>Piąty poziom</a:t>
+            </a:r>
+            <a:endParaRPr lang="en-US" dirty="0"/>
+          </a:p>
+        </p:txBody>
+      </p:sp>
+      <p:sp>
+        <p:nvSpPr>
+          <p:cNvPr id="4" name="Content Placeholder 3"/>
+          <p:cNvSpPr>
+            <a:spLocks noGrp="1"/>
+          </p:cNvSpPr>
+          <p:nvPr>
+            <p:ph sz="half" idx="2"/>
+          </p:nvPr>
+        </p:nvSpPr>
+        <p:spPr>
+          <a:xfrm>
+            <a:off x="5453618" y="2939873"/>
+            <a:ext cx="4122976" cy="3689254"/>
+          </a:xfrm>
+        </p:spPr>
+        <p:txBody>
+          <a:bodyPr>
+            <a:normAutofit/>
+          </a:bodyPr>
+          <a:lstStyle>
+            <a:lvl1pPr>
+              <a:defRPr sz="1984"/>
+            </a:lvl1pPr>
+            <a:lvl2pPr>
+              <a:defRPr sz="1764"/>
+            </a:lvl2pPr>
+            <a:lvl3pPr>
+              <a:defRPr sz="1543"/>
+            </a:lvl3pPr>
+            <a:lvl4pPr>
+              <a:defRPr sz="1323"/>
+            </a:lvl4pPr>
+            <a:lvl5pPr>
+              <a:defRPr sz="1323"/>
+            </a:lvl5pPr>
+            <a:lvl6pPr>
+              <a:defRPr sz="1323"/>
+            </a:lvl6pPr>
+            <a:lvl7pPr>
+              <a:defRPr sz="1323"/>
+            </a:lvl7pPr>
+            <a:lvl8pPr>
+              <a:defRPr sz="1323"/>
+            </a:lvl8pPr>
+            <a:lvl9pPr>
+              <a:defRPr sz="1323"/>
+            </a:lvl9pPr>
+          </a:lstStyle>
+          <a:p>
+            <a:pPr lvl="0"/>
+            <a:r>
+              <a:rPr lang="pl-PL"/>
+              <a:t>Edytuj style wzorca tekstu</a:t>
+            </a:r>
+          </a:p>
+          <a:p>
+            <a:pPr lvl="1"/>
+            <a:r>
+              <a:rPr lang="pl-PL"/>
+              <a:t>Drugi poziom</a:t>
+            </a:r>
+          </a:p>
+          <a:p>
+            <a:pPr lvl="2"/>
+            <a:r>
+              <a:rPr lang="pl-PL"/>
+              <a:t>Trzeci poziom</a:t>
+            </a:r>
+          </a:p>
+          <a:p>
+            <a:pPr lvl="3"/>
+            <a:r>
+              <a:rPr lang="pl-PL"/>
+              <a:t>Czwarty poziom</a:t>
+            </a:r>
+          </a:p>
+          <a:p>
+            <a:pPr lvl="4"/>
+            <a:r>
+              <a:rPr lang="pl-PL"/>
+              <a:t>Piąty poziom</a:t>
+            </a:r>
+            <a:endParaRPr lang="en-US" dirty="0"/>
+          </a:p>
+        </p:txBody>
+      </p:sp>
+      <p:sp>
+        <p:nvSpPr>
+          <p:cNvPr id="5" name="Date Placeholder 4"/>
+          <p:cNvSpPr>
+            <a:spLocks noGrp="1"/>
+          </p:cNvSpPr>
+          <p:nvPr>
+            <p:ph type="dt" sz="half" idx="10"/>
+          </p:nvPr>
+        </p:nvSpPr>
+        <p:spPr/>
+        <p:txBody>
+          <a:bodyPr/>
+          <a:lstStyle/>
+          <a:p>
+            <a:r>
+              <a:rPr lang="pl-PL" sz="1400">
+                <a:latin typeface="Times New Roman"/>
+              </a:rPr>
+              <a:t>&lt;data/godzina&gt;</a:t>
+            </a:r>
+            <a:endParaRPr lang="pl-PL"/>
+          </a:p>
+        </p:txBody>
+      </p:sp>
+      <p:sp>
+        <p:nvSpPr>
+          <p:cNvPr id="6" name="Footer Placeholder 5"/>
+          <p:cNvSpPr>
+            <a:spLocks noGrp="1"/>
+          </p:cNvSpPr>
+          <p:nvPr>
+            <p:ph type="ftr" sz="quarter" idx="11"/>
+          </p:nvPr>
+        </p:nvSpPr>
+        <p:spPr/>
+        <p:txBody>
+          <a:bodyPr/>
+          <a:lstStyle/>
+          <a:p>
             <a:pPr algn="ctr"/>
-            <a:endParaRPr/>
+            <a:r>
+              <a:rPr lang="pl-PL" sz="1400">
+                <a:latin typeface="Times New Roman"/>
+              </a:rPr>
+              <a:t>&lt;stopka&gt;</a:t>
+            </a:r>
+            <a:endParaRPr lang="pl-PL"/>
+          </a:p>
+        </p:txBody>
+      </p:sp>
+      <p:sp>
+        <p:nvSpPr>
+          <p:cNvPr id="7" name="Slide Number Placeholder 6"/>
+          <p:cNvSpPr>
+            <a:spLocks noGrp="1"/>
+          </p:cNvSpPr>
+          <p:nvPr>
+            <p:ph type="sldNum" sz="quarter" idx="12"/>
+          </p:nvPr>
+        </p:nvSpPr>
+        <p:spPr/>
+        <p:txBody>
+          <a:bodyPr/>
+          <a:lstStyle/>
+          <a:p>
+            <a:pPr algn="r"/>
+            <a:fld id="{4BB0830B-121A-4EDE-8C54-D202AEBFFBA7}" type="slidenum">
+              <a:rPr lang="pl-PL" sz="1400" smtClean="0">
+                <a:latin typeface="Times New Roman"/>
+              </a:rPr>
+              <a:t>‹#›</a:t>
+            </a:fld>
+            <a:endParaRPr lang="pl-PL"/>
           </a:p>
         </p:txBody>
       </p:sp>
     </p:spTree>
+    <p:extLst>
+      <p:ext uri="{BB962C8B-B14F-4D97-AF65-F5344CB8AC3E}">
+        <p14:creationId xmlns:p14="http://schemas.microsoft.com/office/powerpoint/2010/main" val="24037461"/>
+      </p:ext>
+    </p:extLst>
   </p:cSld>
   <p:clrMapOvr>
     <a:masterClrMapping/>
@@ -885,9 +4298,9 @@
 </p:sldLayout>
 </file>
 
-<file path=ppt/slideLayouts/slideLayout6.xml><?xml version="1.0" encoding="utf-8"?>
-<p:sldLayout xmlns:a="http://schemas.openxmlformats.org/drawingml/2006/main" xmlns:r="http://schemas.openxmlformats.org/officeDocument/2006/relationships" xmlns:p="http://schemas.openxmlformats.org/presentationml/2006/main" type="objOnly" preserve="1">
-  <p:cSld name="Centered Text">
+<file path=ppt/slideLayouts/slideLayout5.xml><?xml version="1.0" encoding="utf-8"?>
+<p:sldLayout xmlns:a="http://schemas.openxmlformats.org/drawingml/2006/main" xmlns:r="http://schemas.openxmlformats.org/officeDocument/2006/relationships" xmlns:p="http://schemas.openxmlformats.org/presentationml/2006/main" type="twoTxTwoObj" preserve="1">
+  <p:cSld name="Porównanie">
     <p:spTree>
       <p:nvGrpSpPr>
         <p:cNvPr id="1" name=""/>
@@ -904,33 +4317,434 @@
       </p:grpSpPr>
       <p:sp>
         <p:nvSpPr>
-          <p:cNvPr id="13" name="PlaceHolder 1"/>
+          <p:cNvPr id="2" name="Title 1"/>
           <p:cNvSpPr>
             <a:spLocks noGrp="1"/>
           </p:cNvSpPr>
           <p:nvPr>
-            <p:ph type="subTitle"/>
+            <p:ph type="title"/>
+          </p:nvPr>
+        </p:nvSpPr>
+        <p:spPr/>
+        <p:txBody>
+          <a:bodyPr/>
+          <a:lstStyle>
+            <a:lvl1pPr>
+              <a:defRPr/>
+            </a:lvl1pPr>
+          </a:lstStyle>
+          <a:p>
+            <a:r>
+              <a:rPr lang="pl-PL"/>
+              <a:t>Kliknij, aby edytować styl</a:t>
+            </a:r>
+            <a:endParaRPr lang="en-US" dirty="0"/>
+          </a:p>
+        </p:txBody>
+      </p:sp>
+      <p:sp>
+        <p:nvSpPr>
+          <p:cNvPr id="3" name="Text Placeholder 2"/>
+          <p:cNvSpPr>
+            <a:spLocks noGrp="1"/>
+          </p:cNvSpPr>
+          <p:nvPr>
+            <p:ph type="body" idx="1"/>
           </p:nvPr>
         </p:nvSpPr>
         <p:spPr>
           <a:xfrm>
-            <a:off x="504000" y="301320"/>
-            <a:ext cx="9071640" cy="5851800"/>
+            <a:off x="1465661" y="2930540"/>
+            <a:ext cx="3810321" cy="635222"/>
           </a:xfrm>
-          <a:prstGeom prst="rect">
-            <a:avLst/>
-          </a:prstGeom>
         </p:spPr>
         <p:txBody>
-          <a:bodyPr lIns="0" tIns="0" rIns="0" bIns="0" anchor="ctr"/>
+          <a:bodyPr anchor="b">
+            <a:noAutofit/>
+          </a:bodyPr>
+          <a:lstStyle>
+            <a:lvl1pPr marL="0" indent="0">
+              <a:buNone/>
+              <a:defRPr sz="3086" b="0">
+                <a:solidFill>
+                  <a:schemeClr val="accent1">
+                    <a:lumMod val="75000"/>
+                  </a:schemeClr>
+                </a:solidFill>
+              </a:defRPr>
+            </a:lvl1pPr>
+            <a:lvl2pPr marL="503972" indent="0">
+              <a:buNone/>
+              <a:defRPr sz="2205" b="1"/>
+            </a:lvl2pPr>
+            <a:lvl3pPr marL="1007943" indent="0">
+              <a:buNone/>
+              <a:defRPr sz="1984" b="1"/>
+            </a:lvl3pPr>
+            <a:lvl4pPr marL="1511915" indent="0">
+              <a:buNone/>
+              <a:defRPr sz="1764" b="1"/>
+            </a:lvl4pPr>
+            <a:lvl5pPr marL="2015886" indent="0">
+              <a:buNone/>
+              <a:defRPr sz="1764" b="1"/>
+            </a:lvl5pPr>
+            <a:lvl6pPr marL="2519858" indent="0">
+              <a:buNone/>
+              <a:defRPr sz="1764" b="1"/>
+            </a:lvl6pPr>
+            <a:lvl7pPr marL="3023829" indent="0">
+              <a:buNone/>
+              <a:defRPr sz="1764" b="1"/>
+            </a:lvl7pPr>
+            <a:lvl8pPr marL="3527801" indent="0">
+              <a:buNone/>
+              <a:defRPr sz="1764" b="1"/>
+            </a:lvl8pPr>
+            <a:lvl9pPr marL="4031772" indent="0">
+              <a:buNone/>
+              <a:defRPr sz="1764" b="1"/>
+            </a:lvl9pPr>
+          </a:lstStyle>
+          <a:p>
+            <a:pPr lvl="0"/>
+            <a:r>
+              <a:rPr lang="pl-PL"/>
+              <a:t>Edytuj style wzorca tekstu</a:t>
+            </a:r>
+          </a:p>
+        </p:txBody>
+      </p:sp>
+      <p:sp>
+        <p:nvSpPr>
+          <p:cNvPr id="4" name="Content Placeholder 3"/>
+          <p:cNvSpPr>
+            <a:spLocks noGrp="1"/>
+          </p:cNvSpPr>
+          <p:nvPr>
+            <p:ph sz="half" idx="2"/>
+          </p:nvPr>
+        </p:nvSpPr>
+        <p:spPr>
+          <a:xfrm>
+            <a:off x="1227582" y="3676591"/>
+            <a:ext cx="4048398" cy="2937954"/>
+          </a:xfrm>
+        </p:spPr>
+        <p:txBody>
+          <a:bodyPr anchor="t">
+            <a:normAutofit/>
+          </a:bodyPr>
+          <a:lstStyle>
+            <a:lvl1pPr>
+              <a:defRPr sz="1984"/>
+            </a:lvl1pPr>
+            <a:lvl2pPr>
+              <a:defRPr sz="1764"/>
+            </a:lvl2pPr>
+            <a:lvl3pPr>
+              <a:defRPr sz="1543"/>
+            </a:lvl3pPr>
+            <a:lvl4pPr>
+              <a:defRPr sz="1323"/>
+            </a:lvl4pPr>
+            <a:lvl5pPr>
+              <a:defRPr sz="1323"/>
+            </a:lvl5pPr>
+            <a:lvl6pPr>
+              <a:defRPr sz="1323"/>
+            </a:lvl6pPr>
+            <a:lvl7pPr>
+              <a:defRPr sz="1323"/>
+            </a:lvl7pPr>
+            <a:lvl8pPr>
+              <a:defRPr sz="1323"/>
+            </a:lvl8pPr>
+            <a:lvl9pPr>
+              <a:defRPr sz="1323"/>
+            </a:lvl9pPr>
+          </a:lstStyle>
+          <a:p>
+            <a:pPr lvl="0"/>
+            <a:r>
+              <a:rPr lang="pl-PL"/>
+              <a:t>Edytuj style wzorca tekstu</a:t>
+            </a:r>
+          </a:p>
+          <a:p>
+            <a:pPr lvl="1"/>
+            <a:r>
+              <a:rPr lang="pl-PL"/>
+              <a:t>Drugi poziom</a:t>
+            </a:r>
+          </a:p>
+          <a:p>
+            <a:pPr lvl="2"/>
+            <a:r>
+              <a:rPr lang="pl-PL"/>
+              <a:t>Trzeci poziom</a:t>
+            </a:r>
+          </a:p>
+          <a:p>
+            <a:pPr lvl="3"/>
+            <a:r>
+              <a:rPr lang="pl-PL"/>
+              <a:t>Czwarty poziom</a:t>
+            </a:r>
+          </a:p>
+          <a:p>
+            <a:pPr lvl="4"/>
+            <a:r>
+              <a:rPr lang="pl-PL"/>
+              <a:t>Piąty poziom</a:t>
+            </a:r>
+            <a:endParaRPr lang="en-US" dirty="0"/>
+          </a:p>
+        </p:txBody>
+      </p:sp>
+      <p:sp>
+        <p:nvSpPr>
+          <p:cNvPr id="5" name="Text Placeholder 4"/>
+          <p:cNvSpPr>
+            <a:spLocks noGrp="1"/>
+          </p:cNvSpPr>
+          <p:nvPr>
+            <p:ph type="body" sz="quarter" idx="3"/>
+          </p:nvPr>
+        </p:nvSpPr>
+        <p:spPr>
+          <a:xfrm>
+            <a:off x="5690427" y="2939874"/>
+            <a:ext cx="3823015" cy="635222"/>
+          </a:xfrm>
+        </p:spPr>
+        <p:txBody>
+          <a:bodyPr anchor="b">
+            <a:noAutofit/>
+          </a:bodyPr>
+          <a:lstStyle>
+            <a:lvl1pPr marL="0" indent="0">
+              <a:buNone/>
+              <a:defRPr sz="3086" b="0">
+                <a:solidFill>
+                  <a:schemeClr val="accent1">
+                    <a:lumMod val="75000"/>
+                  </a:schemeClr>
+                </a:solidFill>
+              </a:defRPr>
+            </a:lvl1pPr>
+            <a:lvl2pPr marL="503972" indent="0">
+              <a:buNone/>
+              <a:defRPr sz="2205" b="1"/>
+            </a:lvl2pPr>
+            <a:lvl3pPr marL="1007943" indent="0">
+              <a:buNone/>
+              <a:defRPr sz="1984" b="1"/>
+            </a:lvl3pPr>
+            <a:lvl4pPr marL="1511915" indent="0">
+              <a:buNone/>
+              <a:defRPr sz="1764" b="1"/>
+            </a:lvl4pPr>
+            <a:lvl5pPr marL="2015886" indent="0">
+              <a:buNone/>
+              <a:defRPr sz="1764" b="1"/>
+            </a:lvl5pPr>
+            <a:lvl6pPr marL="2519858" indent="0">
+              <a:buNone/>
+              <a:defRPr sz="1764" b="1"/>
+            </a:lvl6pPr>
+            <a:lvl7pPr marL="3023829" indent="0">
+              <a:buNone/>
+              <a:defRPr sz="1764" b="1"/>
+            </a:lvl7pPr>
+            <a:lvl8pPr marL="3527801" indent="0">
+              <a:buNone/>
+              <a:defRPr sz="1764" b="1"/>
+            </a:lvl8pPr>
+            <a:lvl9pPr marL="4031772" indent="0">
+              <a:buNone/>
+              <a:defRPr sz="1764" b="1"/>
+            </a:lvl9pPr>
+          </a:lstStyle>
+          <a:p>
+            <a:pPr lvl="0"/>
+            <a:r>
+              <a:rPr lang="pl-PL"/>
+              <a:t>Edytuj style wzorca tekstu</a:t>
+            </a:r>
+          </a:p>
+        </p:txBody>
+      </p:sp>
+      <p:sp>
+        <p:nvSpPr>
+          <p:cNvPr id="6" name="Content Placeholder 5"/>
+          <p:cNvSpPr>
+            <a:spLocks noGrp="1"/>
+          </p:cNvSpPr>
+          <p:nvPr>
+            <p:ph sz="quarter" idx="4"/>
+          </p:nvPr>
+        </p:nvSpPr>
+        <p:spPr>
+          <a:xfrm>
+            <a:off x="5465042" y="3676591"/>
+            <a:ext cx="4048398" cy="2937954"/>
+          </a:xfrm>
+        </p:spPr>
+        <p:txBody>
+          <a:bodyPr anchor="t">
+            <a:normAutofit/>
+          </a:bodyPr>
+          <a:lstStyle>
+            <a:lvl1pPr>
+              <a:defRPr sz="1984"/>
+            </a:lvl1pPr>
+            <a:lvl2pPr>
+              <a:defRPr sz="1764"/>
+            </a:lvl2pPr>
+            <a:lvl3pPr>
+              <a:defRPr sz="1543"/>
+            </a:lvl3pPr>
+            <a:lvl4pPr>
+              <a:defRPr sz="1323"/>
+            </a:lvl4pPr>
+            <a:lvl5pPr>
+              <a:defRPr sz="1323"/>
+            </a:lvl5pPr>
+            <a:lvl6pPr>
+              <a:defRPr sz="1323"/>
+            </a:lvl6pPr>
+            <a:lvl7pPr>
+              <a:defRPr sz="1323"/>
+            </a:lvl7pPr>
+            <a:lvl8pPr>
+              <a:defRPr sz="1323"/>
+            </a:lvl8pPr>
+            <a:lvl9pPr>
+              <a:defRPr sz="1323"/>
+            </a:lvl9pPr>
+          </a:lstStyle>
+          <a:p>
+            <a:pPr lvl="0"/>
+            <a:r>
+              <a:rPr lang="pl-PL"/>
+              <a:t>Edytuj style wzorca tekstu</a:t>
+            </a:r>
+          </a:p>
+          <a:p>
+            <a:pPr lvl="1"/>
+            <a:r>
+              <a:rPr lang="pl-PL"/>
+              <a:t>Drugi poziom</a:t>
+            </a:r>
+          </a:p>
+          <a:p>
+            <a:pPr lvl="2"/>
+            <a:r>
+              <a:rPr lang="pl-PL"/>
+              <a:t>Trzeci poziom</a:t>
+            </a:r>
+          </a:p>
+          <a:p>
+            <a:pPr lvl="3"/>
+            <a:r>
+              <a:rPr lang="pl-PL"/>
+              <a:t>Czwarty poziom</a:t>
+            </a:r>
+          </a:p>
+          <a:p>
+            <a:pPr lvl="4"/>
+            <a:r>
+              <a:rPr lang="pl-PL"/>
+              <a:t>Piąty poziom</a:t>
+            </a:r>
+            <a:endParaRPr lang="en-US" dirty="0"/>
+          </a:p>
+        </p:txBody>
+      </p:sp>
+      <p:sp>
+        <p:nvSpPr>
+          <p:cNvPr id="7" name="Date Placeholder 6"/>
+          <p:cNvSpPr>
+            <a:spLocks noGrp="1"/>
+          </p:cNvSpPr>
+          <p:nvPr>
+            <p:ph type="dt" sz="half" idx="10"/>
+          </p:nvPr>
+        </p:nvSpPr>
+        <p:spPr/>
+        <p:txBody>
+          <a:bodyPr/>
           <a:lstStyle/>
           <a:p>
+            <a:r>
+              <a:rPr lang="pl-PL" sz="1400">
+                <a:latin typeface="Times New Roman"/>
+              </a:rPr>
+              <a:t>&lt;data/godzina&gt;</a:t>
+            </a:r>
+            <a:endParaRPr lang="pl-PL"/>
+          </a:p>
+        </p:txBody>
+      </p:sp>
+      <p:sp>
+        <p:nvSpPr>
+          <p:cNvPr id="8" name="Footer Placeholder 7"/>
+          <p:cNvSpPr>
+            <a:spLocks noGrp="1"/>
+          </p:cNvSpPr>
+          <p:nvPr>
+            <p:ph type="ftr" sz="quarter" idx="11"/>
+          </p:nvPr>
+        </p:nvSpPr>
+        <p:spPr/>
+        <p:txBody>
+          <a:bodyPr/>
+          <a:lstStyle/>
+          <a:p>
             <a:pPr algn="ctr"/>
-            <a:endParaRPr/>
+            <a:r>
+              <a:rPr lang="pl-PL" sz="1400">
+                <a:latin typeface="Times New Roman"/>
+              </a:rPr>
+              <a:t>&lt;stopka&gt;</a:t>
+            </a:r>
+            <a:endParaRPr lang="pl-PL"/>
+          </a:p>
+        </p:txBody>
+      </p:sp>
+      <p:sp>
+        <p:nvSpPr>
+          <p:cNvPr id="9" name="Slide Number Placeholder 8"/>
+          <p:cNvSpPr>
+            <a:spLocks noGrp="1"/>
+          </p:cNvSpPr>
+          <p:nvPr>
+            <p:ph type="sldNum" sz="quarter" idx="12"/>
+          </p:nvPr>
+        </p:nvSpPr>
+        <p:spPr/>
+        <p:txBody>
+          <a:bodyPr/>
+          <a:lstStyle/>
+          <a:p>
+            <a:pPr algn="r"/>
+            <a:fld id="{4BB0830B-121A-4EDE-8C54-D202AEBFFBA7}" type="slidenum">
+              <a:rPr lang="pl-PL" sz="1400" smtClean="0">
+                <a:latin typeface="Times New Roman"/>
+              </a:rPr>
+              <a:t>‹#›</a:t>
+            </a:fld>
+            <a:endParaRPr lang="pl-PL"/>
           </a:p>
         </p:txBody>
       </p:sp>
     </p:spTree>
+    <p:extLst>
+      <p:ext uri="{BB962C8B-B14F-4D97-AF65-F5344CB8AC3E}">
+        <p14:creationId xmlns:p14="http://schemas.microsoft.com/office/powerpoint/2010/main" val="326683682"/>
+      </p:ext>
+    </p:extLst>
   </p:cSld>
   <p:clrMapOvr>
     <a:masterClrMapping/>
@@ -938,9 +4752,9 @@
 </p:sldLayout>
 </file>
 
-<file path=ppt/slideLayouts/slideLayout7.xml><?xml version="1.0" encoding="utf-8"?>
-<p:sldLayout xmlns:a="http://schemas.openxmlformats.org/drawingml/2006/main" xmlns:r="http://schemas.openxmlformats.org/officeDocument/2006/relationships" xmlns:p="http://schemas.openxmlformats.org/presentationml/2006/main" type="twoObjAndObj" preserve="1">
-  <p:cSld name="Title, 2 Content and Content">
+<file path=ppt/slideLayouts/slideLayout6.xml><?xml version="1.0" encoding="utf-8"?>
+<p:sldLayout xmlns:a="http://schemas.openxmlformats.org/drawingml/2006/main" xmlns:r="http://schemas.openxmlformats.org/officeDocument/2006/relationships" xmlns:p="http://schemas.openxmlformats.org/presentationml/2006/main" type="titleOnly" preserve="1">
+  <p:cSld name="Tylko tytuł">
     <p:spTree>
       <p:nvGrpSpPr>
         <p:cNvPr id="1" name=""/>
@@ -957,7 +4771,7 @@
       </p:grpSpPr>
       <p:sp>
         <p:nvSpPr>
-          <p:cNvPr id="14" name="PlaceHolder 1"/>
+          <p:cNvPr id="2" name="Title 1"/>
           <p:cNvSpPr>
             <a:spLocks noGrp="1"/>
           </p:cNvSpPr>
@@ -965,106 +4779,102 @@
             <p:ph type="title"/>
           </p:nvPr>
         </p:nvSpPr>
-        <p:spPr>
-          <a:xfrm>
-            <a:off x="504000" y="301320"/>
-            <a:ext cx="9071640" cy="1262160"/>
-          </a:xfrm>
-          <a:prstGeom prst="rect">
-            <a:avLst/>
-          </a:prstGeom>
-        </p:spPr>
-        <p:txBody>
-          <a:bodyPr lIns="0" tIns="0" rIns="0" bIns="0" anchor="ctr"/>
+        <p:spPr/>
+        <p:txBody>
+          <a:bodyPr/>
           <a:lstStyle/>
           <a:p>
-            <a:pPr algn="ctr"/>
-            <a:endParaRPr/>
-          </a:p>
-        </p:txBody>
-      </p:sp>
-      <p:sp>
-        <p:nvSpPr>
-          <p:cNvPr id="15" name="PlaceHolder 2"/>
+            <a:r>
+              <a:rPr lang="pl-PL"/>
+              <a:t>Kliknij, aby edytować styl</a:t>
+            </a:r>
+            <a:endParaRPr lang="en-US" dirty="0"/>
+          </a:p>
+        </p:txBody>
+      </p:sp>
+      <p:sp>
+        <p:nvSpPr>
+          <p:cNvPr id="3" name="Date Placeholder 2"/>
           <p:cNvSpPr>
             <a:spLocks noGrp="1"/>
           </p:cNvSpPr>
           <p:nvPr>
-            <p:ph type="body"/>
+            <p:ph type="dt" sz="half" idx="10"/>
           </p:nvPr>
         </p:nvSpPr>
-        <p:spPr>
-          <a:xfrm>
-            <a:off x="504000" y="1769040"/>
-            <a:ext cx="4426920" cy="2091240"/>
-          </a:xfrm>
-          <a:prstGeom prst="rect">
-            <a:avLst/>
-          </a:prstGeom>
-        </p:spPr>
-        <p:txBody>
-          <a:bodyPr lIns="0" tIns="0" rIns="0" bIns="0"/>
+        <p:spPr/>
+        <p:txBody>
+          <a:bodyPr/>
           <a:lstStyle/>
           <a:p>
-            <a:endParaRPr/>
-          </a:p>
-        </p:txBody>
-      </p:sp>
-      <p:sp>
-        <p:nvSpPr>
-          <p:cNvPr id="16" name="PlaceHolder 3"/>
+            <a:r>
+              <a:rPr lang="pl-PL" sz="1400">
+                <a:latin typeface="Times New Roman"/>
+              </a:rPr>
+              <a:t>&lt;data/godzina&gt;</a:t>
+            </a:r>
+            <a:endParaRPr lang="pl-PL"/>
+          </a:p>
+        </p:txBody>
+      </p:sp>
+      <p:sp>
+        <p:nvSpPr>
+          <p:cNvPr id="4" name="Footer Placeholder 3"/>
           <p:cNvSpPr>
             <a:spLocks noGrp="1"/>
           </p:cNvSpPr>
           <p:nvPr>
-            <p:ph type="body"/>
+            <p:ph type="ftr" sz="quarter" idx="11"/>
           </p:nvPr>
         </p:nvSpPr>
-        <p:spPr>
-          <a:xfrm>
-            <a:off x="504000" y="4059360"/>
-            <a:ext cx="4426920" cy="2091240"/>
-          </a:xfrm>
-          <a:prstGeom prst="rect">
-            <a:avLst/>
-          </a:prstGeom>
-        </p:spPr>
-        <p:txBody>
-          <a:bodyPr lIns="0" tIns="0" rIns="0" bIns="0"/>
+        <p:spPr/>
+        <p:txBody>
+          <a:bodyPr/>
           <a:lstStyle/>
           <a:p>
-            <a:endParaRPr/>
-          </a:p>
-        </p:txBody>
-      </p:sp>
-      <p:sp>
-        <p:nvSpPr>
-          <p:cNvPr id="17" name="PlaceHolder 4"/>
+            <a:pPr algn="ctr"/>
+            <a:r>
+              <a:rPr lang="pl-PL" sz="1400">
+                <a:latin typeface="Times New Roman"/>
+              </a:rPr>
+              <a:t>&lt;stopka&gt;</a:t>
+            </a:r>
+            <a:endParaRPr lang="pl-PL"/>
+          </a:p>
+        </p:txBody>
+      </p:sp>
+      <p:sp>
+        <p:nvSpPr>
+          <p:cNvPr id="5" name="Slide Number Placeholder 4"/>
           <p:cNvSpPr>
             <a:spLocks noGrp="1"/>
           </p:cNvSpPr>
           <p:nvPr>
-            <p:ph type="body"/>
+            <p:ph type="sldNum" sz="quarter" idx="12"/>
           </p:nvPr>
         </p:nvSpPr>
-        <p:spPr>
-          <a:xfrm>
-            <a:off x="5152680" y="1769040"/>
-            <a:ext cx="4426920" cy="4384440"/>
-          </a:xfrm>
-          <a:prstGeom prst="rect">
-            <a:avLst/>
-          </a:prstGeom>
-        </p:spPr>
-        <p:txBody>
-          <a:bodyPr lIns="0" tIns="0" rIns="0" bIns="0"/>
+        <p:spPr/>
+        <p:txBody>
+          <a:bodyPr/>
           <a:lstStyle/>
           <a:p>
-            <a:endParaRPr/>
+            <a:pPr algn="r"/>
+            <a:fld id="{4BB0830B-121A-4EDE-8C54-D202AEBFFBA7}" type="slidenum">
+              <a:rPr lang="pl-PL" sz="1400" smtClean="0">
+                <a:latin typeface="Times New Roman"/>
+              </a:rPr>
+              <a:t>‹#›</a:t>
+            </a:fld>
+            <a:endParaRPr lang="pl-PL"/>
           </a:p>
         </p:txBody>
       </p:sp>
     </p:spTree>
+    <p:extLst>
+      <p:ext uri="{BB962C8B-B14F-4D97-AF65-F5344CB8AC3E}">
+        <p14:creationId xmlns:p14="http://schemas.microsoft.com/office/powerpoint/2010/main" val="2826176737"/>
+      </p:ext>
+    </p:extLst>
   </p:cSld>
   <p:clrMapOvr>
     <a:masterClrMapping/>
@@ -1072,9 +4882,9 @@
 </p:sldLayout>
 </file>
 
-<file path=ppt/slideLayouts/slideLayout8.xml><?xml version="1.0" encoding="utf-8"?>
-<p:sldLayout xmlns:a="http://schemas.openxmlformats.org/drawingml/2006/main" xmlns:r="http://schemas.openxmlformats.org/officeDocument/2006/relationships" xmlns:p="http://schemas.openxmlformats.org/presentationml/2006/main" type="objAndTwoObj" preserve="1">
-  <p:cSld name="Title Content and 2 Content">
+<file path=ppt/slideLayouts/slideLayout7.xml><?xml version="1.0" encoding="utf-8"?>
+<p:sldLayout xmlns:a="http://schemas.openxmlformats.org/drawingml/2006/main" xmlns:r="http://schemas.openxmlformats.org/officeDocument/2006/relationships" xmlns:p="http://schemas.openxmlformats.org/presentationml/2006/main" type="blank" preserve="1">
+  <p:cSld name="Pusty">
     <p:spTree>
       <p:nvGrpSpPr>
         <p:cNvPr id="1" name=""/>
@@ -1091,114 +4901,87 @@
       </p:grpSpPr>
       <p:sp>
         <p:nvSpPr>
-          <p:cNvPr id="18" name="PlaceHolder 1"/>
+          <p:cNvPr id="2" name="Date Placeholder 1"/>
           <p:cNvSpPr>
             <a:spLocks noGrp="1"/>
           </p:cNvSpPr>
           <p:nvPr>
-            <p:ph type="title"/>
+            <p:ph type="dt" sz="half" idx="10"/>
           </p:nvPr>
         </p:nvSpPr>
-        <p:spPr>
-          <a:xfrm>
-            <a:off x="504000" y="301320"/>
-            <a:ext cx="9071640" cy="1262160"/>
-          </a:xfrm>
-          <a:prstGeom prst="rect">
-            <a:avLst/>
-          </a:prstGeom>
-        </p:spPr>
-        <p:txBody>
-          <a:bodyPr lIns="0" tIns="0" rIns="0" bIns="0" anchor="ctr"/>
+        <p:spPr/>
+        <p:txBody>
+          <a:bodyPr/>
           <a:lstStyle/>
           <a:p>
-            <a:pPr algn="ctr"/>
-            <a:endParaRPr/>
-          </a:p>
-        </p:txBody>
-      </p:sp>
-      <p:sp>
-        <p:nvSpPr>
-          <p:cNvPr id="19" name="PlaceHolder 2"/>
+            <a:r>
+              <a:rPr lang="pl-PL" sz="1400">
+                <a:latin typeface="Times New Roman"/>
+              </a:rPr>
+              <a:t>&lt;data/godzina&gt;</a:t>
+            </a:r>
+            <a:endParaRPr lang="pl-PL"/>
+          </a:p>
+        </p:txBody>
+      </p:sp>
+      <p:sp>
+        <p:nvSpPr>
+          <p:cNvPr id="3" name="Footer Placeholder 2"/>
           <p:cNvSpPr>
             <a:spLocks noGrp="1"/>
           </p:cNvSpPr>
           <p:nvPr>
-            <p:ph type="body"/>
+            <p:ph type="ftr" sz="quarter" idx="11"/>
           </p:nvPr>
         </p:nvSpPr>
-        <p:spPr>
-          <a:xfrm>
-            <a:off x="504000" y="1769040"/>
-            <a:ext cx="4426920" cy="4384440"/>
-          </a:xfrm>
-          <a:prstGeom prst="rect">
-            <a:avLst/>
-          </a:prstGeom>
-        </p:spPr>
-        <p:txBody>
-          <a:bodyPr lIns="0" tIns="0" rIns="0" bIns="0"/>
+        <p:spPr/>
+        <p:txBody>
+          <a:bodyPr/>
           <a:lstStyle/>
           <a:p>
-            <a:endParaRPr/>
-          </a:p>
-        </p:txBody>
-      </p:sp>
-      <p:sp>
-        <p:nvSpPr>
-          <p:cNvPr id="20" name="PlaceHolder 3"/>
+            <a:pPr algn="ctr"/>
+            <a:r>
+              <a:rPr lang="pl-PL" sz="1400">
+                <a:latin typeface="Times New Roman"/>
+              </a:rPr>
+              <a:t>&lt;stopka&gt;</a:t>
+            </a:r>
+            <a:endParaRPr lang="pl-PL"/>
+          </a:p>
+        </p:txBody>
+      </p:sp>
+      <p:sp>
+        <p:nvSpPr>
+          <p:cNvPr id="4" name="Slide Number Placeholder 3"/>
           <p:cNvSpPr>
             <a:spLocks noGrp="1"/>
           </p:cNvSpPr>
           <p:nvPr>
-            <p:ph type="body"/>
+            <p:ph type="sldNum" sz="quarter" idx="12"/>
           </p:nvPr>
         </p:nvSpPr>
-        <p:spPr>
-          <a:xfrm>
-            <a:off x="5152680" y="1769040"/>
-            <a:ext cx="4426920" cy="2091240"/>
-          </a:xfrm>
-          <a:prstGeom prst="rect">
-            <a:avLst/>
-          </a:prstGeom>
-        </p:spPr>
-        <p:txBody>
-          <a:bodyPr lIns="0" tIns="0" rIns="0" bIns="0"/>
+        <p:spPr/>
+        <p:txBody>
+          <a:bodyPr/>
           <a:lstStyle/>
           <a:p>
-            <a:endParaRPr/>
-          </a:p>
-        </p:txBody>
-      </p:sp>
-      <p:sp>
-        <p:nvSpPr>
-          <p:cNvPr id="21" name="PlaceHolder 4"/>
-          <p:cNvSpPr>
-            <a:spLocks noGrp="1"/>
-          </p:cNvSpPr>
-          <p:nvPr>
-            <p:ph type="body"/>
-          </p:nvPr>
-        </p:nvSpPr>
-        <p:spPr>
-          <a:xfrm>
-            <a:off x="5152680" y="4059360"/>
-            <a:ext cx="4426920" cy="2091240"/>
-          </a:xfrm>
-          <a:prstGeom prst="rect">
-            <a:avLst/>
-          </a:prstGeom>
-        </p:spPr>
-        <p:txBody>
-          <a:bodyPr lIns="0" tIns="0" rIns="0" bIns="0"/>
-          <a:lstStyle/>
-          <a:p>
-            <a:endParaRPr/>
+            <a:pPr algn="r"/>
+            <a:fld id="{4BB0830B-121A-4EDE-8C54-D202AEBFFBA7}" type="slidenum">
+              <a:rPr lang="pl-PL" sz="1400" smtClean="0">
+                <a:latin typeface="Times New Roman"/>
+              </a:rPr>
+              <a:t>‹#›</a:t>
+            </a:fld>
+            <a:endParaRPr lang="pl-PL"/>
           </a:p>
         </p:txBody>
       </p:sp>
     </p:spTree>
+    <p:extLst>
+      <p:ext uri="{BB962C8B-B14F-4D97-AF65-F5344CB8AC3E}">
+        <p14:creationId xmlns:p14="http://schemas.microsoft.com/office/powerpoint/2010/main" val="13886328"/>
+      </p:ext>
+    </p:extLst>
   </p:cSld>
   <p:clrMapOvr>
     <a:masterClrMapping/>
@@ -1206,9 +4989,9 @@
 </p:sldLayout>
 </file>
 
-<file path=ppt/slideLayouts/slideLayout9.xml><?xml version="1.0" encoding="utf-8"?>
-<p:sldLayout xmlns:a="http://schemas.openxmlformats.org/drawingml/2006/main" xmlns:r="http://schemas.openxmlformats.org/officeDocument/2006/relationships" xmlns:p="http://schemas.openxmlformats.org/presentationml/2006/main" type="twoObjOverTx" preserve="1">
-  <p:cSld name="Title, 2 Content over Content">
+<file path=ppt/slideLayouts/slideLayout8.xml><?xml version="1.0" encoding="utf-8"?>
+<p:sldLayout xmlns:a="http://schemas.openxmlformats.org/drawingml/2006/main" xmlns:r="http://schemas.openxmlformats.org/officeDocument/2006/relationships" xmlns:p="http://schemas.openxmlformats.org/presentationml/2006/main" type="objTx" preserve="1">
+  <p:cSld name="Zawartość z podpisem">
     <p:spTree>
       <p:nvGrpSpPr>
         <p:cNvPr id="1" name=""/>
@@ -1225,7 +5008,7 @@
       </p:grpSpPr>
       <p:sp>
         <p:nvSpPr>
-          <p:cNvPr id="22" name="PlaceHolder 1"/>
+          <p:cNvPr id="2" name="Title 1"/>
           <p:cNvSpPr>
             <a:spLocks noGrp="1"/>
           </p:cNvSpPr>
@@ -1235,104 +5018,568 @@
         </p:nvSpPr>
         <p:spPr>
           <a:xfrm>
-            <a:off x="504000" y="301320"/>
-            <a:ext cx="9071640" cy="1262160"/>
+            <a:off x="1227583" y="1763924"/>
+            <a:ext cx="2935259" cy="1511935"/>
           </a:xfrm>
-          <a:prstGeom prst="rect">
-            <a:avLst/>
-          </a:prstGeom>
         </p:spPr>
         <p:txBody>
-          <a:bodyPr lIns="0" tIns="0" rIns="0" bIns="0" anchor="ctr"/>
-          <a:lstStyle/>
-          <a:p>
-            <a:pPr algn="ctr"/>
-            <a:endParaRPr/>
-          </a:p>
-        </p:txBody>
-      </p:sp>
-      <p:sp>
-        <p:nvSpPr>
-          <p:cNvPr id="23" name="PlaceHolder 2"/>
+          <a:bodyPr anchor="b">
+            <a:normAutofit/>
+          </a:bodyPr>
+          <a:lstStyle>
+            <a:lvl1pPr algn="ctr">
+              <a:defRPr sz="2646" b="0"/>
+            </a:lvl1pPr>
+          </a:lstStyle>
+          <a:p>
+            <a:r>
+              <a:rPr lang="pl-PL"/>
+              <a:t>Kliknij, aby edytować styl</a:t>
+            </a:r>
+            <a:endParaRPr lang="en-US" dirty="0"/>
+          </a:p>
+        </p:txBody>
+      </p:sp>
+      <p:sp>
+        <p:nvSpPr>
+          <p:cNvPr id="3" name="Content Placeholder 2"/>
           <p:cNvSpPr>
             <a:spLocks noGrp="1"/>
           </p:cNvSpPr>
           <p:nvPr>
-            <p:ph type="body"/>
+            <p:ph idx="1"/>
           </p:nvPr>
         </p:nvSpPr>
         <p:spPr>
           <a:xfrm>
-            <a:off x="504000" y="1769040"/>
-            <a:ext cx="4426920" cy="2091240"/>
+            <a:off x="4351903" y="755968"/>
+            <a:ext cx="5161538" cy="5627759"/>
           </a:xfrm>
-          <a:prstGeom prst="rect">
-            <a:avLst/>
-          </a:prstGeom>
         </p:spPr>
         <p:txBody>
-          <a:bodyPr lIns="0" tIns="0" rIns="0" bIns="0"/>
-          <a:lstStyle/>
-          <a:p>
-            <a:endParaRPr/>
-          </a:p>
-        </p:txBody>
-      </p:sp>
-      <p:sp>
-        <p:nvSpPr>
-          <p:cNvPr id="24" name="PlaceHolder 3"/>
+          <a:bodyPr anchor="ctr">
+            <a:normAutofit/>
+          </a:bodyPr>
+          <a:lstStyle>
+            <a:lvl1pPr>
+              <a:defRPr sz="2205"/>
+            </a:lvl1pPr>
+            <a:lvl2pPr>
+              <a:defRPr sz="1984"/>
+            </a:lvl2pPr>
+            <a:lvl3pPr>
+              <a:defRPr sz="1764"/>
+            </a:lvl3pPr>
+            <a:lvl4pPr>
+              <a:defRPr sz="1543"/>
+            </a:lvl4pPr>
+            <a:lvl5pPr>
+              <a:defRPr sz="1543"/>
+            </a:lvl5pPr>
+            <a:lvl6pPr>
+              <a:defRPr sz="1543"/>
+            </a:lvl6pPr>
+            <a:lvl7pPr>
+              <a:defRPr sz="1543"/>
+            </a:lvl7pPr>
+            <a:lvl8pPr>
+              <a:defRPr sz="1543"/>
+            </a:lvl8pPr>
+            <a:lvl9pPr>
+              <a:defRPr sz="1543"/>
+            </a:lvl9pPr>
+          </a:lstStyle>
+          <a:p>
+            <a:pPr lvl="0"/>
+            <a:r>
+              <a:rPr lang="pl-PL"/>
+              <a:t>Edytuj style wzorca tekstu</a:t>
+            </a:r>
+          </a:p>
+          <a:p>
+            <a:pPr lvl="1"/>
+            <a:r>
+              <a:rPr lang="pl-PL"/>
+              <a:t>Drugi poziom</a:t>
+            </a:r>
+          </a:p>
+          <a:p>
+            <a:pPr lvl="2"/>
+            <a:r>
+              <a:rPr lang="pl-PL"/>
+              <a:t>Trzeci poziom</a:t>
+            </a:r>
+          </a:p>
+          <a:p>
+            <a:pPr lvl="3"/>
+            <a:r>
+              <a:rPr lang="pl-PL"/>
+              <a:t>Czwarty poziom</a:t>
+            </a:r>
+          </a:p>
+          <a:p>
+            <a:pPr lvl="4"/>
+            <a:r>
+              <a:rPr lang="pl-PL"/>
+              <a:t>Piąty poziom</a:t>
+            </a:r>
+            <a:endParaRPr lang="en-US" dirty="0"/>
+          </a:p>
+        </p:txBody>
+      </p:sp>
+      <p:sp>
+        <p:nvSpPr>
+          <p:cNvPr id="4" name="Text Placeholder 3"/>
           <p:cNvSpPr>
             <a:spLocks noGrp="1"/>
           </p:cNvSpPr>
           <p:nvPr>
-            <p:ph type="body"/>
+            <p:ph type="body" sz="half" idx="2"/>
           </p:nvPr>
         </p:nvSpPr>
         <p:spPr>
           <a:xfrm>
-            <a:off x="5152680" y="1769040"/>
-            <a:ext cx="4426920" cy="2091240"/>
+            <a:off x="1227583" y="3275859"/>
+            <a:ext cx="2935259" cy="2015913"/>
           </a:xfrm>
-          <a:prstGeom prst="rect">
-            <a:avLst/>
-          </a:prstGeom>
         </p:spPr>
         <p:txBody>
-          <a:bodyPr lIns="0" tIns="0" rIns="0" bIns="0"/>
-          <a:lstStyle/>
-          <a:p>
-            <a:endParaRPr/>
-          </a:p>
-        </p:txBody>
-      </p:sp>
-      <p:sp>
-        <p:nvSpPr>
-          <p:cNvPr id="25" name="PlaceHolder 4"/>
+          <a:bodyPr>
+            <a:normAutofit/>
+          </a:bodyPr>
+          <a:lstStyle>
+            <a:lvl1pPr marL="0" indent="0" algn="ctr">
+              <a:buNone/>
+              <a:defRPr sz="1764"/>
+            </a:lvl1pPr>
+            <a:lvl2pPr marL="503972" indent="0">
+              <a:buNone/>
+              <a:defRPr sz="1323"/>
+            </a:lvl2pPr>
+            <a:lvl3pPr marL="1007943" indent="0">
+              <a:buNone/>
+              <a:defRPr sz="1102"/>
+            </a:lvl3pPr>
+            <a:lvl4pPr marL="1511915" indent="0">
+              <a:buNone/>
+              <a:defRPr sz="992"/>
+            </a:lvl4pPr>
+            <a:lvl5pPr marL="2015886" indent="0">
+              <a:buNone/>
+              <a:defRPr sz="992"/>
+            </a:lvl5pPr>
+            <a:lvl6pPr marL="2519858" indent="0">
+              <a:buNone/>
+              <a:defRPr sz="992"/>
+            </a:lvl6pPr>
+            <a:lvl7pPr marL="3023829" indent="0">
+              <a:buNone/>
+              <a:defRPr sz="992"/>
+            </a:lvl7pPr>
+            <a:lvl8pPr marL="3527801" indent="0">
+              <a:buNone/>
+              <a:defRPr sz="992"/>
+            </a:lvl8pPr>
+            <a:lvl9pPr marL="4031772" indent="0">
+              <a:buNone/>
+              <a:defRPr sz="992"/>
+            </a:lvl9pPr>
+          </a:lstStyle>
+          <a:p>
+            <a:pPr lvl="0"/>
+            <a:r>
+              <a:rPr lang="pl-PL"/>
+              <a:t>Edytuj style wzorca tekstu</a:t>
+            </a:r>
+          </a:p>
+        </p:txBody>
+      </p:sp>
+      <p:sp>
+        <p:nvSpPr>
+          <p:cNvPr id="5" name="Date Placeholder 4"/>
           <p:cNvSpPr>
             <a:spLocks noGrp="1"/>
           </p:cNvSpPr>
           <p:nvPr>
-            <p:ph type="body"/>
+            <p:ph type="dt" sz="half" idx="10"/>
+          </p:nvPr>
+        </p:nvSpPr>
+        <p:spPr/>
+        <p:txBody>
+          <a:bodyPr/>
+          <a:lstStyle/>
+          <a:p>
+            <a:r>
+              <a:rPr lang="pl-PL" sz="1400">
+                <a:latin typeface="Times New Roman"/>
+              </a:rPr>
+              <a:t>&lt;data/godzina&gt;</a:t>
+            </a:r>
+            <a:endParaRPr lang="pl-PL"/>
+          </a:p>
+        </p:txBody>
+      </p:sp>
+      <p:sp>
+        <p:nvSpPr>
+          <p:cNvPr id="6" name="Footer Placeholder 5"/>
+          <p:cNvSpPr>
+            <a:spLocks noGrp="1"/>
+          </p:cNvSpPr>
+          <p:nvPr>
+            <p:ph type="ftr" sz="quarter" idx="11"/>
+          </p:nvPr>
+        </p:nvSpPr>
+        <p:spPr/>
+        <p:txBody>
+          <a:bodyPr/>
+          <a:lstStyle/>
+          <a:p>
+            <a:pPr algn="ctr"/>
+            <a:r>
+              <a:rPr lang="pl-PL" sz="1400">
+                <a:latin typeface="Times New Roman"/>
+              </a:rPr>
+              <a:t>&lt;stopka&gt;</a:t>
+            </a:r>
+            <a:endParaRPr lang="pl-PL"/>
+          </a:p>
+        </p:txBody>
+      </p:sp>
+      <p:sp>
+        <p:nvSpPr>
+          <p:cNvPr id="7" name="Slide Number Placeholder 6"/>
+          <p:cNvSpPr>
+            <a:spLocks noGrp="1"/>
+          </p:cNvSpPr>
+          <p:nvPr>
+            <p:ph type="sldNum" sz="quarter" idx="12"/>
+          </p:nvPr>
+        </p:nvSpPr>
+        <p:spPr/>
+        <p:txBody>
+          <a:bodyPr/>
+          <a:lstStyle/>
+          <a:p>
+            <a:pPr algn="r"/>
+            <a:fld id="{4BB0830B-121A-4EDE-8C54-D202AEBFFBA7}" type="slidenum">
+              <a:rPr lang="pl-PL" sz="1400" smtClean="0">
+                <a:latin typeface="Times New Roman"/>
+              </a:rPr>
+              <a:t>‹#›</a:t>
+            </a:fld>
+            <a:endParaRPr lang="pl-PL"/>
+          </a:p>
+        </p:txBody>
+      </p:sp>
+    </p:spTree>
+    <p:extLst>
+      <p:ext uri="{BB962C8B-B14F-4D97-AF65-F5344CB8AC3E}">
+        <p14:creationId xmlns:p14="http://schemas.microsoft.com/office/powerpoint/2010/main" val="2752451499"/>
+      </p:ext>
+    </p:extLst>
+  </p:cSld>
+  <p:clrMapOvr>
+    <a:masterClrMapping/>
+  </p:clrMapOvr>
+</p:sldLayout>
+</file>
+
+<file path=ppt/slideLayouts/slideLayout9.xml><?xml version="1.0" encoding="utf-8"?>
+<p:sldLayout xmlns:a="http://schemas.openxmlformats.org/drawingml/2006/main" xmlns:r="http://schemas.openxmlformats.org/officeDocument/2006/relationships" xmlns:p="http://schemas.openxmlformats.org/presentationml/2006/main" type="picTx" preserve="1">
+  <p:cSld name="Obraz z podpisem">
+    <p:spTree>
+      <p:nvGrpSpPr>
+        <p:cNvPr id="1" name=""/>
+        <p:cNvGrpSpPr/>
+        <p:nvPr/>
+      </p:nvGrpSpPr>
+      <p:grpSpPr>
+        <a:xfrm>
+          <a:off x="0" y="0"/>
+          <a:ext cx="0" cy="0"/>
+          <a:chOff x="0" y="0"/>
+          <a:chExt cx="0" cy="0"/>
+        </a:xfrm>
+      </p:grpSpPr>
+      <p:sp>
+        <p:nvSpPr>
+          <p:cNvPr id="2" name="Title 1"/>
+          <p:cNvSpPr>
+            <a:spLocks noGrp="1"/>
+          </p:cNvSpPr>
+          <p:nvPr>
+            <p:ph type="title"/>
           </p:nvPr>
         </p:nvSpPr>
         <p:spPr>
           <a:xfrm>
-            <a:off x="504000" y="4059360"/>
-            <a:ext cx="9071640" cy="2091240"/>
+            <a:off x="1226269" y="1931916"/>
+            <a:ext cx="4487641" cy="1511935"/>
           </a:xfrm>
-          <a:prstGeom prst="rect">
-            <a:avLst/>
+        </p:spPr>
+        <p:txBody>
+          <a:bodyPr anchor="b">
+            <a:normAutofit/>
+          </a:bodyPr>
+          <a:lstStyle>
+            <a:lvl1pPr algn="ctr">
+              <a:defRPr sz="3086" b="0"/>
+            </a:lvl1pPr>
+          </a:lstStyle>
+          <a:p>
+            <a:r>
+              <a:rPr lang="pl-PL"/>
+              <a:t>Kliknij, aby edytować styl</a:t>
+            </a:r>
+            <a:endParaRPr lang="en-US" dirty="0"/>
+          </a:p>
+        </p:txBody>
+      </p:sp>
+      <p:sp>
+        <p:nvSpPr>
+          <p:cNvPr id="14" name="Picture Placeholder 2"/>
+          <p:cNvSpPr>
+            <a:spLocks noGrp="1" noChangeAspect="1"/>
+          </p:cNvSpPr>
+          <p:nvPr>
+            <p:ph type="pic" idx="1"/>
+          </p:nvPr>
+        </p:nvSpPr>
+        <p:spPr>
+          <a:xfrm>
+            <a:off x="6281093" y="1007957"/>
+            <a:ext cx="2713491" cy="5039783"/>
+          </a:xfrm>
+          <a:prstGeom prst="roundRect">
+            <a:avLst>
+              <a:gd name="adj" fmla="val 4280"/>
+            </a:avLst>
           </a:prstGeom>
+          <a:ln w="38100">
+            <a:gradFill flip="none" rotWithShape="1">
+              <a:gsLst>
+                <a:gs pos="0">
+                  <a:schemeClr val="bg2"/>
+                </a:gs>
+                <a:gs pos="100000">
+                  <a:schemeClr val="bg2">
+                    <a:lumMod val="75000"/>
+                  </a:schemeClr>
+                </a:gs>
+              </a:gsLst>
+              <a:lin ang="5400000" scaled="0"/>
+              <a:tileRect/>
+            </a:gradFill>
+          </a:ln>
+          <a:effectLst>
+            <a:innerShdw blurRad="57150" dist="38100" dir="14460000">
+              <a:srgbClr val="000000">
+                <a:alpha val="70000"/>
+              </a:srgbClr>
+            </a:innerShdw>
+          </a:effectLst>
         </p:spPr>
         <p:txBody>
-          <a:bodyPr lIns="0" tIns="0" rIns="0" bIns="0"/>
+          <a:bodyPr anchor="t">
+            <a:normAutofit/>
+          </a:bodyPr>
+          <a:lstStyle>
+            <a:lvl1pPr marL="0" indent="0" algn="ctr">
+              <a:buNone/>
+              <a:defRPr sz="1764"/>
+            </a:lvl1pPr>
+            <a:lvl2pPr marL="503972" indent="0">
+              <a:buNone/>
+              <a:defRPr sz="1764"/>
+            </a:lvl2pPr>
+            <a:lvl3pPr marL="1007943" indent="0">
+              <a:buNone/>
+              <a:defRPr sz="1764"/>
+            </a:lvl3pPr>
+            <a:lvl4pPr marL="1511915" indent="0">
+              <a:buNone/>
+              <a:defRPr sz="1764"/>
+            </a:lvl4pPr>
+            <a:lvl5pPr marL="2015886" indent="0">
+              <a:buNone/>
+              <a:defRPr sz="1764"/>
+            </a:lvl5pPr>
+            <a:lvl6pPr marL="2519858" indent="0">
+              <a:buNone/>
+              <a:defRPr sz="1764"/>
+            </a:lvl6pPr>
+            <a:lvl7pPr marL="3023829" indent="0">
+              <a:buNone/>
+              <a:defRPr sz="1764"/>
+            </a:lvl7pPr>
+            <a:lvl8pPr marL="3527801" indent="0">
+              <a:buNone/>
+              <a:defRPr sz="1764"/>
+            </a:lvl8pPr>
+            <a:lvl9pPr marL="4031772" indent="0">
+              <a:buNone/>
+              <a:defRPr sz="1764"/>
+            </a:lvl9pPr>
+          </a:lstStyle>
+          <a:p>
+            <a:r>
+              <a:rPr lang="pl-PL"/>
+              <a:t>Kliknij ikonę, aby dodać obraz</a:t>
+            </a:r>
+            <a:endParaRPr lang="en-US" dirty="0"/>
+          </a:p>
+        </p:txBody>
+      </p:sp>
+      <p:sp>
+        <p:nvSpPr>
+          <p:cNvPr id="4" name="Text Placeholder 3"/>
+          <p:cNvSpPr>
+            <a:spLocks noGrp="1"/>
+          </p:cNvSpPr>
+          <p:nvPr>
+            <p:ph type="body" sz="half" idx="2"/>
+          </p:nvPr>
+        </p:nvSpPr>
+        <p:spPr>
+          <a:xfrm>
+            <a:off x="1226269" y="3443851"/>
+            <a:ext cx="4487641" cy="2015913"/>
+          </a:xfrm>
+        </p:spPr>
+        <p:txBody>
+          <a:bodyPr>
+            <a:normAutofit/>
+          </a:bodyPr>
+          <a:lstStyle>
+            <a:lvl1pPr marL="0" indent="0" algn="ctr">
+              <a:buNone/>
+              <a:defRPr sz="1984"/>
+            </a:lvl1pPr>
+            <a:lvl2pPr marL="503972" indent="0">
+              <a:buNone/>
+              <a:defRPr sz="1323"/>
+            </a:lvl2pPr>
+            <a:lvl3pPr marL="1007943" indent="0">
+              <a:buNone/>
+              <a:defRPr sz="1102"/>
+            </a:lvl3pPr>
+            <a:lvl4pPr marL="1511915" indent="0">
+              <a:buNone/>
+              <a:defRPr sz="992"/>
+            </a:lvl4pPr>
+            <a:lvl5pPr marL="2015886" indent="0">
+              <a:buNone/>
+              <a:defRPr sz="992"/>
+            </a:lvl5pPr>
+            <a:lvl6pPr marL="2519858" indent="0">
+              <a:buNone/>
+              <a:defRPr sz="992"/>
+            </a:lvl6pPr>
+            <a:lvl7pPr marL="3023829" indent="0">
+              <a:buNone/>
+              <a:defRPr sz="992"/>
+            </a:lvl7pPr>
+            <a:lvl8pPr marL="3527801" indent="0">
+              <a:buNone/>
+              <a:defRPr sz="992"/>
+            </a:lvl8pPr>
+            <a:lvl9pPr marL="4031772" indent="0">
+              <a:buNone/>
+              <a:defRPr sz="992"/>
+            </a:lvl9pPr>
+          </a:lstStyle>
+          <a:p>
+            <a:pPr lvl="0"/>
+            <a:r>
+              <a:rPr lang="pl-PL"/>
+              <a:t>Edytuj style wzorca tekstu</a:t>
+            </a:r>
+          </a:p>
+        </p:txBody>
+      </p:sp>
+      <p:sp>
+        <p:nvSpPr>
+          <p:cNvPr id="5" name="Date Placeholder 4"/>
+          <p:cNvSpPr>
+            <a:spLocks noGrp="1"/>
+          </p:cNvSpPr>
+          <p:nvPr>
+            <p:ph type="dt" sz="half" idx="10"/>
+          </p:nvPr>
+        </p:nvSpPr>
+        <p:spPr/>
+        <p:txBody>
+          <a:bodyPr/>
           <a:lstStyle/>
           <a:p>
-            <a:endParaRPr/>
+            <a:r>
+              <a:rPr lang="pl-PL" sz="1400">
+                <a:latin typeface="Times New Roman"/>
+              </a:rPr>
+              <a:t>&lt;data/godzina&gt;</a:t>
+            </a:r>
+            <a:endParaRPr lang="pl-PL"/>
+          </a:p>
+        </p:txBody>
+      </p:sp>
+      <p:sp>
+        <p:nvSpPr>
+          <p:cNvPr id="6" name="Footer Placeholder 5"/>
+          <p:cNvSpPr>
+            <a:spLocks noGrp="1"/>
+          </p:cNvSpPr>
+          <p:nvPr>
+            <p:ph type="ftr" sz="quarter" idx="11"/>
+          </p:nvPr>
+        </p:nvSpPr>
+        <p:spPr/>
+        <p:txBody>
+          <a:bodyPr/>
+          <a:lstStyle/>
+          <a:p>
+            <a:pPr algn="ctr"/>
+            <a:r>
+              <a:rPr lang="pl-PL" sz="1400">
+                <a:latin typeface="Times New Roman"/>
+              </a:rPr>
+              <a:t>&lt;stopka&gt;</a:t>
+            </a:r>
+            <a:endParaRPr lang="pl-PL"/>
+          </a:p>
+        </p:txBody>
+      </p:sp>
+      <p:sp>
+        <p:nvSpPr>
+          <p:cNvPr id="7" name="Slide Number Placeholder 6"/>
+          <p:cNvSpPr>
+            <a:spLocks noGrp="1"/>
+          </p:cNvSpPr>
+          <p:nvPr>
+            <p:ph type="sldNum" sz="quarter" idx="12"/>
+          </p:nvPr>
+        </p:nvSpPr>
+        <p:spPr/>
+        <p:txBody>
+          <a:bodyPr/>
+          <a:lstStyle/>
+          <a:p>
+            <a:pPr algn="r"/>
+            <a:fld id="{4BB0830B-121A-4EDE-8C54-D202AEBFFBA7}" type="slidenum">
+              <a:rPr lang="pl-PL" sz="1400" smtClean="0">
+                <a:latin typeface="Times New Roman"/>
+              </a:rPr>
+              <a:t>‹#›</a:t>
+            </a:fld>
+            <a:endParaRPr lang="pl-PL"/>
           </a:p>
         </p:txBody>
       </p:sp>
     </p:spTree>
+    <p:extLst>
+      <p:ext uri="{BB962C8B-B14F-4D97-AF65-F5344CB8AC3E}">
+        <p14:creationId xmlns:p14="http://schemas.microsoft.com/office/powerpoint/2010/main" val="1516308566"/>
+      </p:ext>
+    </p:extLst>
   </p:cSld>
   <p:clrMapOvr>
     <a:masterClrMapping/>
@@ -1344,15 +5591,9 @@
 <p:sldMaster xmlns:a="http://schemas.openxmlformats.org/drawingml/2006/main" xmlns:r="http://schemas.openxmlformats.org/officeDocument/2006/relationships" xmlns:p="http://schemas.openxmlformats.org/presentationml/2006/main">
   <p:cSld>
     <p:bg>
-      <p:bgPr>
-        <a:blipFill>
-          <a:blip r:embed="rId14"/>
-          <a:stretch>
-            <a:fillRect/>
-          </a:stretch>
-        </a:blipFill>
-        <a:effectLst/>
-      </p:bgPr>
+      <p:bgRef idx="1003">
+        <a:schemeClr val="bg2"/>
+      </p:bgRef>
     </p:bg>
     <p:spTree>
       <p:nvGrpSpPr>
@@ -1368,9 +5609,319 @@
           <a:chExt cx="0" cy="0"/>
         </a:xfrm>
       </p:grpSpPr>
-      <p:sp>
-        <p:nvSpPr>
-          <p:cNvPr id="5" name="PlaceHolder 1"/>
+      <p:grpSp>
+        <p:nvGrpSpPr>
+          <p:cNvPr id="14" name="Group 13"/>
+          <p:cNvGrpSpPr/>
+          <p:nvPr/>
+        </p:nvGrpSpPr>
+        <p:grpSpPr>
+          <a:xfrm>
+            <a:off x="1" y="1"/>
+            <a:ext cx="2350396" cy="7559676"/>
+            <a:chOff x="0" y="0"/>
+            <a:chExt cx="2132013" cy="6858001"/>
+          </a:xfrm>
+        </p:grpSpPr>
+        <p:sp>
+          <p:nvSpPr>
+            <p:cNvPr id="15" name="Freeform 6"/>
+            <p:cNvSpPr/>
+            <p:nvPr/>
+          </p:nvSpPr>
+          <p:spPr bwMode="auto">
+            <a:xfrm>
+              <a:off x="0" y="0"/>
+              <a:ext cx="1073150" cy="5291138"/>
+            </a:xfrm>
+            <a:custGeom>
+              <a:avLst/>
+              <a:gdLst/>
+              <a:ahLst/>
+              <a:cxnLst/>
+              <a:rect l="0" t="0" r="r" b="b"/>
+              <a:pathLst>
+                <a:path w="676" h="3333">
+                  <a:moveTo>
+                    <a:pt x="0" y="3132"/>
+                  </a:moveTo>
+                  <a:lnTo>
+                    <a:pt x="0" y="3312"/>
+                  </a:lnTo>
+                  <a:lnTo>
+                    <a:pt x="126" y="3333"/>
+                  </a:lnTo>
+                  <a:lnTo>
+                    <a:pt x="676" y="0"/>
+                  </a:lnTo>
+                  <a:lnTo>
+                    <a:pt x="514" y="0"/>
+                  </a:lnTo>
+                  <a:lnTo>
+                    <a:pt x="0" y="3132"/>
+                  </a:lnTo>
+                  <a:close/>
+                </a:path>
+              </a:pathLst>
+            </a:custGeom>
+            <a:solidFill>
+              <a:schemeClr val="accent1"/>
+            </a:solidFill>
+            <a:ln>
+              <a:noFill/>
+            </a:ln>
+          </p:spPr>
+        </p:sp>
+        <p:sp>
+          <p:nvSpPr>
+            <p:cNvPr id="16" name="Freeform 7"/>
+            <p:cNvSpPr/>
+            <p:nvPr/>
+          </p:nvSpPr>
+          <p:spPr bwMode="auto">
+            <a:xfrm>
+              <a:off x="0" y="0"/>
+              <a:ext cx="758825" cy="4624388"/>
+            </a:xfrm>
+            <a:custGeom>
+              <a:avLst/>
+              <a:gdLst/>
+              <a:ahLst/>
+              <a:cxnLst/>
+              <a:rect l="0" t="0" r="r" b="b"/>
+              <a:pathLst>
+                <a:path w="478" h="2913">
+                  <a:moveTo>
+                    <a:pt x="478" y="0"/>
+                  </a:moveTo>
+                  <a:lnTo>
+                    <a:pt x="318" y="0"/>
+                  </a:lnTo>
+                  <a:lnTo>
+                    <a:pt x="0" y="1938"/>
+                  </a:lnTo>
+                  <a:lnTo>
+                    <a:pt x="0" y="2913"/>
+                  </a:lnTo>
+                  <a:lnTo>
+                    <a:pt x="478" y="0"/>
+                  </a:lnTo>
+                  <a:close/>
+                </a:path>
+              </a:pathLst>
+            </a:custGeom>
+            <a:solidFill>
+              <a:schemeClr val="tx1">
+                <a:lumMod val="65000"/>
+                <a:lumOff val="35000"/>
+              </a:schemeClr>
+            </a:solidFill>
+            <a:ln>
+              <a:noFill/>
+            </a:ln>
+          </p:spPr>
+        </p:sp>
+        <p:sp>
+          <p:nvSpPr>
+            <p:cNvPr id="17" name="Freeform 8"/>
+            <p:cNvSpPr/>
+            <p:nvPr/>
+          </p:nvSpPr>
+          <p:spPr bwMode="auto">
+            <a:xfrm>
+              <a:off x="0" y="5662613"/>
+              <a:ext cx="906463" cy="1195388"/>
+            </a:xfrm>
+            <a:custGeom>
+              <a:avLst/>
+              <a:gdLst/>
+              <a:ahLst/>
+              <a:cxnLst/>
+              <a:rect l="0" t="0" r="r" b="b"/>
+              <a:pathLst>
+                <a:path w="571" h="753">
+                  <a:moveTo>
+                    <a:pt x="0" y="0"/>
+                  </a:moveTo>
+                  <a:lnTo>
+                    <a:pt x="0" y="12"/>
+                  </a:lnTo>
+                  <a:lnTo>
+                    <a:pt x="538" y="753"/>
+                  </a:lnTo>
+                  <a:lnTo>
+                    <a:pt x="571" y="753"/>
+                  </a:lnTo>
+                  <a:lnTo>
+                    <a:pt x="0" y="0"/>
+                  </a:lnTo>
+                  <a:close/>
+                </a:path>
+              </a:pathLst>
+            </a:custGeom>
+            <a:solidFill>
+              <a:schemeClr val="tx1">
+                <a:lumMod val="85000"/>
+                <a:lumOff val="15000"/>
+              </a:schemeClr>
+            </a:solidFill>
+            <a:ln>
+              <a:noFill/>
+            </a:ln>
+          </p:spPr>
+        </p:sp>
+        <p:sp>
+          <p:nvSpPr>
+            <p:cNvPr id="18" name="Freeform 9"/>
+            <p:cNvSpPr/>
+            <p:nvPr/>
+          </p:nvSpPr>
+          <p:spPr bwMode="auto">
+            <a:xfrm>
+              <a:off x="0" y="5295900"/>
+              <a:ext cx="1487488" cy="1562100"/>
+            </a:xfrm>
+            <a:custGeom>
+              <a:avLst/>
+              <a:gdLst/>
+              <a:ahLst/>
+              <a:cxnLst/>
+              <a:rect l="0" t="0" r="r" b="b"/>
+              <a:pathLst>
+                <a:path w="937" h="984">
+                  <a:moveTo>
+                    <a:pt x="0" y="0"/>
+                  </a:moveTo>
+                  <a:lnTo>
+                    <a:pt x="0" y="3"/>
+                  </a:lnTo>
+                  <a:lnTo>
+                    <a:pt x="901" y="984"/>
+                  </a:lnTo>
+                  <a:lnTo>
+                    <a:pt x="937" y="984"/>
+                  </a:lnTo>
+                  <a:lnTo>
+                    <a:pt x="0" y="0"/>
+                  </a:lnTo>
+                  <a:close/>
+                </a:path>
+              </a:pathLst>
+            </a:custGeom>
+            <a:solidFill>
+              <a:schemeClr val="accent1">
+                <a:lumMod val="50000"/>
+              </a:schemeClr>
+            </a:solidFill>
+            <a:ln>
+              <a:noFill/>
+            </a:ln>
+          </p:spPr>
+        </p:sp>
+        <p:sp>
+          <p:nvSpPr>
+            <p:cNvPr id="19" name="Freeform 10"/>
+            <p:cNvSpPr/>
+            <p:nvPr/>
+          </p:nvSpPr>
+          <p:spPr bwMode="auto">
+            <a:xfrm>
+              <a:off x="0" y="5257800"/>
+              <a:ext cx="2132013" cy="1600200"/>
+            </a:xfrm>
+            <a:custGeom>
+              <a:avLst/>
+              <a:gdLst/>
+              <a:ahLst/>
+              <a:cxnLst/>
+              <a:rect l="0" t="0" r="r" b="b"/>
+              <a:pathLst>
+                <a:path w="1343" h="1008">
+                  <a:moveTo>
+                    <a:pt x="0" y="24"/>
+                  </a:moveTo>
+                  <a:lnTo>
+                    <a:pt x="937" y="1008"/>
+                  </a:lnTo>
+                  <a:lnTo>
+                    <a:pt x="1343" y="1008"/>
+                  </a:lnTo>
+                  <a:lnTo>
+                    <a:pt x="126" y="21"/>
+                  </a:lnTo>
+                  <a:lnTo>
+                    <a:pt x="0" y="0"/>
+                  </a:lnTo>
+                  <a:lnTo>
+                    <a:pt x="0" y="24"/>
+                  </a:lnTo>
+                  <a:close/>
+                </a:path>
+              </a:pathLst>
+            </a:custGeom>
+            <a:solidFill>
+              <a:schemeClr val="accent1">
+                <a:lumMod val="75000"/>
+              </a:schemeClr>
+            </a:solidFill>
+            <a:ln>
+              <a:noFill/>
+            </a:ln>
+          </p:spPr>
+        </p:sp>
+        <p:sp>
+          <p:nvSpPr>
+            <p:cNvPr id="20" name="Freeform 11"/>
+            <p:cNvSpPr/>
+            <p:nvPr/>
+          </p:nvSpPr>
+          <p:spPr bwMode="auto">
+            <a:xfrm>
+              <a:off x="0" y="5357813"/>
+              <a:ext cx="1377950" cy="1500188"/>
+            </a:xfrm>
+            <a:custGeom>
+              <a:avLst/>
+              <a:gdLst/>
+              <a:ahLst/>
+              <a:cxnLst/>
+              <a:rect l="0" t="0" r="r" b="b"/>
+              <a:pathLst>
+                <a:path w="868" h="945">
+                  <a:moveTo>
+                    <a:pt x="0" y="192"/>
+                  </a:moveTo>
+                  <a:lnTo>
+                    <a:pt x="571" y="945"/>
+                  </a:lnTo>
+                  <a:lnTo>
+                    <a:pt x="868" y="945"/>
+                  </a:lnTo>
+                  <a:lnTo>
+                    <a:pt x="0" y="0"/>
+                  </a:lnTo>
+                  <a:lnTo>
+                    <a:pt x="0" y="192"/>
+                  </a:lnTo>
+                  <a:close/>
+                </a:path>
+              </a:pathLst>
+            </a:custGeom>
+            <a:solidFill>
+              <a:schemeClr val="tx1">
+                <a:lumMod val="75000"/>
+                <a:lumOff val="25000"/>
+              </a:schemeClr>
+            </a:solidFill>
+            <a:ln>
+              <a:noFill/>
+            </a:ln>
+          </p:spPr>
+        </p:sp>
+      </p:grpSp>
+      <p:sp>
+        <p:nvSpPr>
+          <p:cNvPr id="2" name="Title Placeholder 1"/>
           <p:cNvSpPr>
             <a:spLocks noGrp="1"/>
           </p:cNvSpPr>
@@ -1380,299 +5931,559 @@
         </p:nvSpPr>
         <p:spPr>
           <a:xfrm>
-            <a:off x="504000" y="301320"/>
-            <a:ext cx="9071640" cy="1262160"/>
+            <a:off x="1082734" y="503979"/>
+            <a:ext cx="8493860" cy="2183906"/>
+          </a:xfrm>
+          <a:prstGeom prst="rect">
+            <a:avLst/>
+          </a:prstGeom>
+          <a:effectLst/>
+        </p:spPr>
+        <p:txBody>
+          <a:bodyPr vert="horz" lIns="91440" tIns="45720" rIns="91440" bIns="45720" rtlCol="0" anchor="ctr">
+            <a:normAutofit/>
+          </a:bodyPr>
+          <a:lstStyle/>
+          <a:p>
+            <a:r>
+              <a:rPr lang="pl-PL"/>
+              <a:t>Kliknij, aby edytować styl</a:t>
+            </a:r>
+            <a:endParaRPr lang="en-US" dirty="0"/>
+          </a:p>
+        </p:txBody>
+      </p:sp>
+      <p:sp>
+        <p:nvSpPr>
+          <p:cNvPr id="3" name="Text Placeholder 2"/>
+          <p:cNvSpPr>
+            <a:spLocks noGrp="1"/>
+          </p:cNvSpPr>
+          <p:nvPr>
+            <p:ph type="body" idx="1"/>
+          </p:nvPr>
+        </p:nvSpPr>
+        <p:spPr>
+          <a:xfrm>
+            <a:off x="1082735" y="2939874"/>
+            <a:ext cx="8493859" cy="3700465"/>
           </a:xfrm>
           <a:prstGeom prst="rect">
             <a:avLst/>
           </a:prstGeom>
         </p:spPr>
         <p:txBody>
-          <a:bodyPr lIns="0" tIns="0" rIns="0" bIns="0" anchor="ctr"/>
+          <a:bodyPr vert="horz" lIns="91440" tIns="45720" rIns="91440" bIns="45720" rtlCol="0" anchor="ctr">
+            <a:normAutofit/>
+          </a:bodyPr>
           <a:lstStyle/>
           <a:p>
-            <a:pPr algn="ctr"/>
-            <a:r>
-              <a:rPr lang="pl-PL" sz="4400">
-                <a:latin typeface="Arial"/>
-              </a:rPr>
-              <a:t>Kliknij, aby edytować format tekstu tytułu</a:t>
-            </a:r>
-            <a:endParaRPr/>
-          </a:p>
-        </p:txBody>
-      </p:sp>
-      <p:sp>
-        <p:nvSpPr>
-          <p:cNvPr id="6" name="PlaceHolder 2"/>
+            <a:pPr lvl="0"/>
+            <a:r>
+              <a:rPr lang="pl-PL"/>
+              <a:t>Edytuj style wzorca tekstu</a:t>
+            </a:r>
+          </a:p>
+          <a:p>
+            <a:pPr lvl="1"/>
+            <a:r>
+              <a:rPr lang="pl-PL"/>
+              <a:t>Drugi poziom</a:t>
+            </a:r>
+          </a:p>
+          <a:p>
+            <a:pPr lvl="2"/>
+            <a:r>
+              <a:rPr lang="pl-PL"/>
+              <a:t>Trzeci poziom</a:t>
+            </a:r>
+          </a:p>
+          <a:p>
+            <a:pPr lvl="3"/>
+            <a:r>
+              <a:rPr lang="pl-PL"/>
+              <a:t>Czwarty poziom</a:t>
+            </a:r>
+          </a:p>
+          <a:p>
+            <a:pPr lvl="4"/>
+            <a:r>
+              <a:rPr lang="pl-PL"/>
+              <a:t>Piąty poziom</a:t>
+            </a:r>
+            <a:endParaRPr lang="en-US" dirty="0"/>
+          </a:p>
+        </p:txBody>
+      </p:sp>
+      <p:sp>
+        <p:nvSpPr>
+          <p:cNvPr id="4" name="Date Placeholder 3"/>
           <p:cNvSpPr>
             <a:spLocks noGrp="1"/>
           </p:cNvSpPr>
           <p:nvPr>
-            <p:ph type="body"/>
+            <p:ph type="dt" sz="half" idx="2"/>
           </p:nvPr>
         </p:nvSpPr>
         <p:spPr>
           <a:xfrm>
-            <a:off x="504000" y="1769040"/>
-            <a:ext cx="9071640" cy="4384440"/>
+            <a:off x="8112433" y="6741835"/>
+            <a:ext cx="945304" cy="402483"/>
           </a:xfrm>
           <a:prstGeom prst="rect">
             <a:avLst/>
           </a:prstGeom>
         </p:spPr>
         <p:txBody>
-          <a:bodyPr lIns="0" tIns="0" rIns="0" bIns="0"/>
-          <a:lstStyle/>
-          <a:p>
-            <a:pPr>
-              <a:buSzPct val="45000"/>
-              <a:buFont typeface="StarSymbol"/>
-              <a:buChar char=""/>
-            </a:pPr>
-            <a:r>
-              <a:rPr lang="pl-PL" sz="3200">
-                <a:latin typeface="Arial"/>
+          <a:bodyPr vert="horz" lIns="91440" tIns="45720" rIns="91440" bIns="45720" rtlCol="0" anchor="ctr"/>
+          <a:lstStyle>
+            <a:lvl1pPr algn="r">
+              <a:defRPr sz="1102" b="0" i="0">
+                <a:solidFill>
+                  <a:schemeClr val="tx1"/>
+                </a:solidFill>
+                <a:effectLst/>
+                <a:latin typeface="+mn-lt"/>
+              </a:defRPr>
+            </a:lvl1pPr>
+          </a:lstStyle>
+          <a:p>
+            <a:r>
+              <a:rPr lang="pl-PL" sz="1400">
+                <a:latin typeface="Times New Roman"/>
               </a:rPr>
-              <a:t>Kliknij, aby edytować format tekstu konspektu</a:t>
-            </a:r>
-            <a:endParaRPr/>
-          </a:p>
-          <a:p>
-            <a:pPr lvl="1">
-              <a:buSzPct val="75000"/>
-              <a:buFont typeface="StarSymbol"/>
-              <a:buChar char=""/>
-            </a:pPr>
-            <a:r>
-              <a:rPr lang="pl-PL" sz="2800">
-                <a:latin typeface="Arial"/>
-              </a:rPr>
-              <a:t>Drugi poziom konspektu</a:t>
-            </a:r>
-            <a:endParaRPr/>
-          </a:p>
-          <a:p>
-            <a:pPr lvl="2">
-              <a:buSzPct val="45000"/>
-              <a:buFont typeface="StarSymbol"/>
-              <a:buChar char=""/>
-            </a:pPr>
-            <a:r>
-              <a:rPr lang="pl-PL" sz="2400">
-                <a:latin typeface="Arial"/>
-              </a:rPr>
-              <a:t>Trzeci poziom konspektu</a:t>
-            </a:r>
-            <a:endParaRPr/>
-          </a:p>
-          <a:p>
-            <a:pPr lvl="3">
-              <a:buSzPct val="75000"/>
-              <a:buFont typeface="StarSymbol"/>
-              <a:buChar char=""/>
-            </a:pPr>
-            <a:r>
-              <a:rPr lang="pl-PL" sz="2000">
-                <a:latin typeface="Arial"/>
-              </a:rPr>
-              <a:t>Czwarty poziom konspektu</a:t>
-            </a:r>
-            <a:endParaRPr/>
-          </a:p>
-          <a:p>
-            <a:pPr lvl="4">
-              <a:buSzPct val="45000"/>
-              <a:buFont typeface="StarSymbol"/>
-              <a:buChar char=""/>
-            </a:pPr>
-            <a:r>
-              <a:rPr lang="pl-PL" sz="2000">
-                <a:latin typeface="Arial"/>
-              </a:rPr>
-              <a:t>Piąty poziom konspektu</a:t>
-            </a:r>
-            <a:endParaRPr/>
-          </a:p>
-          <a:p>
-            <a:pPr lvl="5">
-              <a:buSzPct val="45000"/>
-              <a:buFont typeface="StarSymbol"/>
-              <a:buChar char=""/>
-            </a:pPr>
-            <a:r>
-              <a:rPr lang="pl-PL" sz="2000">
-                <a:latin typeface="Arial"/>
-              </a:rPr>
-              <a:t>Szósty poziom konspektu</a:t>
-            </a:r>
-            <a:endParaRPr/>
-          </a:p>
-          <a:p>
-            <a:pPr lvl="6">
-              <a:buSzPct val="45000"/>
-              <a:buFont typeface="StarSymbol"/>
-              <a:buChar char=""/>
-            </a:pPr>
-            <a:r>
-              <a:rPr lang="pl-PL" sz="2000">
-                <a:latin typeface="Arial"/>
-              </a:rPr>
-              <a:t>Siódmy poziom konspektu</a:t>
-            </a:r>
-            <a:endParaRPr/>
-          </a:p>
-        </p:txBody>
-      </p:sp>
-      <p:sp>
-        <p:nvSpPr>
-          <p:cNvPr id="2" name="PlaceHolder 3"/>
+              <a:t>&lt;data/godzina&gt;</a:t>
+            </a:r>
+            <a:endParaRPr lang="pl-PL"/>
+          </a:p>
+        </p:txBody>
+      </p:sp>
+      <p:sp>
+        <p:nvSpPr>
+          <p:cNvPr id="5" name="Footer Placeholder 4"/>
           <p:cNvSpPr>
             <a:spLocks noGrp="1"/>
           </p:cNvSpPr>
           <p:nvPr>
-            <p:ph type="dt"/>
+            <p:ph type="ftr" sz="quarter" idx="3"/>
           </p:nvPr>
         </p:nvSpPr>
         <p:spPr>
           <a:xfrm>
-            <a:off x="504000" y="6887160"/>
-            <a:ext cx="2348280" cy="521280"/>
+            <a:off x="2190527" y="6741835"/>
+            <a:ext cx="5858886" cy="402483"/>
           </a:xfrm>
           <a:prstGeom prst="rect">
             <a:avLst/>
           </a:prstGeom>
         </p:spPr>
         <p:txBody>
-          <a:bodyPr lIns="0" tIns="0" rIns="0" bIns="0"/>
-          <a:lstStyle/>
-          <a:p>
+          <a:bodyPr vert="horz" lIns="91440" tIns="45720" rIns="91440" bIns="45720" rtlCol="0" anchor="ctr"/>
+          <a:lstStyle>
+            <a:lvl1pPr algn="l">
+              <a:defRPr sz="1102" b="0" i="0">
+                <a:solidFill>
+                  <a:schemeClr val="tx1"/>
+                </a:solidFill>
+                <a:effectLst/>
+                <a:latin typeface="+mn-lt"/>
+              </a:defRPr>
+            </a:lvl1pPr>
+          </a:lstStyle>
+          <a:p>
+            <a:pPr algn="ctr"/>
             <a:r>
               <a:rPr lang="pl-PL" sz="1400">
                 <a:latin typeface="Times New Roman"/>
               </a:rPr>
-              <a:t>&lt;data/godzina&gt;</a:t>
-            </a:r>
-            <a:endParaRPr/>
-          </a:p>
-        </p:txBody>
-      </p:sp>
-      <p:sp>
-        <p:nvSpPr>
-          <p:cNvPr id="3" name="PlaceHolder 4"/>
+              <a:t>&lt;stopka&gt;</a:t>
+            </a:r>
+            <a:endParaRPr lang="pl-PL"/>
+          </a:p>
+        </p:txBody>
+      </p:sp>
+      <p:sp>
+        <p:nvSpPr>
+          <p:cNvPr id="6" name="Slide Number Placeholder 5"/>
           <p:cNvSpPr>
             <a:spLocks noGrp="1"/>
           </p:cNvSpPr>
           <p:nvPr>
-            <p:ph type="ftr"/>
+            <p:ph type="sldNum" sz="quarter" idx="4"/>
           </p:nvPr>
         </p:nvSpPr>
         <p:spPr>
           <a:xfrm>
-            <a:off x="3447360" y="6887160"/>
-            <a:ext cx="3195000" cy="521280"/>
+            <a:off x="9120758" y="6741835"/>
+            <a:ext cx="455836" cy="402483"/>
           </a:xfrm>
           <a:prstGeom prst="rect">
             <a:avLst/>
           </a:prstGeom>
         </p:spPr>
         <p:txBody>
-          <a:bodyPr lIns="0" tIns="0" rIns="0" bIns="0"/>
-          <a:lstStyle/>
-          <a:p>
-            <a:pPr algn="ctr"/>
-            <a:r>
-              <a:rPr lang="pl-PL" sz="1400">
-                <a:latin typeface="Times New Roman"/>
-              </a:rPr>
-              <a:t>&lt;stopka&gt;</a:t>
-            </a:r>
-            <a:endParaRPr/>
-          </a:p>
-        </p:txBody>
-      </p:sp>
-      <p:sp>
-        <p:nvSpPr>
-          <p:cNvPr id="4" name="PlaceHolder 5"/>
-          <p:cNvSpPr>
-            <a:spLocks noGrp="1"/>
-          </p:cNvSpPr>
-          <p:nvPr>
-            <p:ph type="sldNum"/>
-          </p:nvPr>
-        </p:nvSpPr>
-        <p:spPr>
-          <a:xfrm>
-            <a:off x="7227360" y="6887160"/>
-            <a:ext cx="2348280" cy="521280"/>
-          </a:xfrm>
-          <a:prstGeom prst="rect">
-            <a:avLst/>
-          </a:prstGeom>
-        </p:spPr>
-        <p:txBody>
-          <a:bodyPr lIns="0" tIns="0" rIns="0" bIns="0"/>
-          <a:lstStyle/>
+          <a:bodyPr vert="horz" lIns="91440" tIns="45720" rIns="91440" bIns="45720" rtlCol="0" anchor="ctr"/>
+          <a:lstStyle>
+            <a:lvl1pPr algn="r">
+              <a:defRPr sz="1102" b="0" i="0">
+                <a:solidFill>
+                  <a:schemeClr val="tx1"/>
+                </a:solidFill>
+                <a:effectLst/>
+                <a:latin typeface="+mn-lt"/>
+              </a:defRPr>
+            </a:lvl1pPr>
+          </a:lstStyle>
           <a:p>
             <a:pPr algn="r"/>
             <a:fld id="{4BB0830B-121A-4EDE-8C54-D202AEBFFBA7}" type="slidenum">
-              <a:rPr lang="pl-PL" sz="1400">
+              <a:rPr lang="pl-PL" sz="1400" smtClean="0">
                 <a:latin typeface="Times New Roman"/>
               </a:rPr>
               <a:t>‹#›</a:t>
             </a:fld>
-            <a:endParaRPr/>
+            <a:endParaRPr lang="pl-PL"/>
           </a:p>
         </p:txBody>
       </p:sp>
     </p:spTree>
+    <p:extLst>
+      <p:ext uri="{BB962C8B-B14F-4D97-AF65-F5344CB8AC3E}">
+        <p14:creationId xmlns:p14="http://schemas.microsoft.com/office/powerpoint/2010/main" val="872819679"/>
+      </p:ext>
+    </p:extLst>
   </p:cSld>
   <p:clrMap bg1="lt1" tx1="dk1" bg2="lt2" tx2="dk2" accent1="accent1" accent2="accent2" accent3="accent3" accent4="accent4" accent5="accent5" accent6="accent6" hlink="hlink" folHlink="folHlink"/>
   <p:sldLayoutIdLst>
-    <p:sldLayoutId id="2147483649" r:id="rId1"/>
-    <p:sldLayoutId id="2147483650" r:id="rId2"/>
-    <p:sldLayoutId id="2147483651" r:id="rId3"/>
-    <p:sldLayoutId id="2147483652" r:id="rId4"/>
-    <p:sldLayoutId id="2147483653" r:id="rId5"/>
-    <p:sldLayoutId id="2147483654" r:id="rId6"/>
-    <p:sldLayoutId id="2147483655" r:id="rId7"/>
-    <p:sldLayoutId id="2147483656" r:id="rId8"/>
-    <p:sldLayoutId id="2147483657" r:id="rId9"/>
-    <p:sldLayoutId id="2147483658" r:id="rId10"/>
-    <p:sldLayoutId id="2147483659" r:id="rId11"/>
-    <p:sldLayoutId id="2147483660" r:id="rId12"/>
+    <p:sldLayoutId id="2147483719" r:id="rId1"/>
+    <p:sldLayoutId id="2147483720" r:id="rId2"/>
+    <p:sldLayoutId id="2147483721" r:id="rId3"/>
+    <p:sldLayoutId id="2147483722" r:id="rId4"/>
+    <p:sldLayoutId id="2147483723" r:id="rId5"/>
+    <p:sldLayoutId id="2147483724" r:id="rId6"/>
+    <p:sldLayoutId id="2147483725" r:id="rId7"/>
+    <p:sldLayoutId id="2147483726" r:id="rId8"/>
+    <p:sldLayoutId id="2147483727" r:id="rId9"/>
+    <p:sldLayoutId id="2147483728" r:id="rId10"/>
+    <p:sldLayoutId id="2147483729" r:id="rId11"/>
+    <p:sldLayoutId id="2147483730" r:id="rId12"/>
+    <p:sldLayoutId id="2147483731" r:id="rId13"/>
+    <p:sldLayoutId id="2147483732" r:id="rId14"/>
+    <p:sldLayoutId id="2147483733" r:id="rId15"/>
+    <p:sldLayoutId id="2147483734" r:id="rId16"/>
+    <p:sldLayoutId id="2147483735" r:id="rId17"/>
+    <p:sldLayoutId id="2147483736" r:id="rId18"/>
   </p:sldLayoutIdLst>
   <p:txStyles>
     <p:titleStyle>
-      <a:lvl1pPr algn="l" defTabSz="914400" rtl="0" eaLnBrk="1" latinLnBrk="0" hangingPunct="1">
-        <a:lnSpc>
-          <a:spcPct val="90000"/>
-        </a:lnSpc>
+      <a:lvl1pPr algn="ctr" defTabSz="503972" rtl="0" eaLnBrk="1" latinLnBrk="0" hangingPunct="1">
         <a:spcBef>
           <a:spcPct val="0"/>
         </a:spcBef>
         <a:buNone/>
-        <a:defRPr sz="4400" kern="1200">
+        <a:defRPr sz="4409" kern="1200" cap="none">
+          <a:ln w="3175" cmpd="sng">
+            <a:noFill/>
+          </a:ln>
           <a:solidFill>
             <a:schemeClr val="tx1"/>
           </a:solidFill>
+          <a:effectLst/>
           <a:latin typeface="+mj-lt"/>
           <a:ea typeface="+mj-ea"/>
           <a:cs typeface="+mj-cs"/>
         </a:defRPr>
       </a:lvl1pPr>
+      <a:lvl2pPr eaLnBrk="1" hangingPunct="1">
+        <a:defRPr>
+          <a:solidFill>
+            <a:schemeClr val="tx2"/>
+          </a:solidFill>
+        </a:defRPr>
+      </a:lvl2pPr>
+      <a:lvl3pPr eaLnBrk="1" hangingPunct="1">
+        <a:defRPr>
+          <a:solidFill>
+            <a:schemeClr val="tx2"/>
+          </a:solidFill>
+        </a:defRPr>
+      </a:lvl3pPr>
+      <a:lvl4pPr eaLnBrk="1" hangingPunct="1">
+        <a:defRPr>
+          <a:solidFill>
+            <a:schemeClr val="tx2"/>
+          </a:solidFill>
+        </a:defRPr>
+      </a:lvl4pPr>
+      <a:lvl5pPr eaLnBrk="1" hangingPunct="1">
+        <a:defRPr>
+          <a:solidFill>
+            <a:schemeClr val="tx2"/>
+          </a:solidFill>
+        </a:defRPr>
+      </a:lvl5pPr>
+      <a:lvl6pPr eaLnBrk="1" hangingPunct="1">
+        <a:defRPr>
+          <a:solidFill>
+            <a:schemeClr val="tx2"/>
+          </a:solidFill>
+        </a:defRPr>
+      </a:lvl6pPr>
+      <a:lvl7pPr eaLnBrk="1" hangingPunct="1">
+        <a:defRPr>
+          <a:solidFill>
+            <a:schemeClr val="tx2"/>
+          </a:solidFill>
+        </a:defRPr>
+      </a:lvl7pPr>
+      <a:lvl8pPr eaLnBrk="1" hangingPunct="1">
+        <a:defRPr>
+          <a:solidFill>
+            <a:schemeClr val="tx2"/>
+          </a:solidFill>
+        </a:defRPr>
+      </a:lvl8pPr>
+      <a:lvl9pPr eaLnBrk="1" hangingPunct="1">
+        <a:defRPr>
+          <a:solidFill>
+            <a:schemeClr val="tx2"/>
+          </a:solidFill>
+        </a:defRPr>
+      </a:lvl9pPr>
     </p:titleStyle>
     <p:bodyStyle>
-      <a:lvl1pPr marL="228600" indent="-228600" algn="l" defTabSz="914400" rtl="0" eaLnBrk="1" latinLnBrk="0" hangingPunct="1">
-        <a:lnSpc>
-          <a:spcPct val="90000"/>
-        </a:lnSpc>
+      <a:lvl1pPr marL="314982" indent="-314982" algn="l" defTabSz="503972" rtl="0" eaLnBrk="1" latinLnBrk="0" hangingPunct="1">
         <a:spcBef>
-          <a:spcPts val="1000"/>
+          <a:spcPct val="20000"/>
         </a:spcBef>
-        <a:buFont typeface="Arial" panose="020B0604020202020204" pitchFamily="34" charset="0"/>
+        <a:spcAft>
+          <a:spcPts val="661"/>
+        </a:spcAft>
+        <a:buClr>
+          <a:schemeClr val="accent1">
+            <a:lumMod val="75000"/>
+          </a:schemeClr>
+        </a:buClr>
+        <a:buSzPct val="145000"/>
+        <a:buFont typeface="Arial"/>
         <a:buChar char="•"/>
-        <a:defRPr sz="2800" kern="1200">
+        <a:defRPr sz="2646" kern="1200" cap="none">
+          <a:solidFill>
+            <a:schemeClr val="tx1"/>
+          </a:solidFill>
+          <a:effectLst/>
+          <a:latin typeface="+mn-lt"/>
+          <a:ea typeface="+mn-ea"/>
+          <a:cs typeface="+mn-cs"/>
+        </a:defRPr>
+      </a:lvl1pPr>
+      <a:lvl2pPr marL="818954" indent="-314982" algn="l" defTabSz="503972" rtl="0" eaLnBrk="1" latinLnBrk="0" hangingPunct="1">
+        <a:spcBef>
+          <a:spcPct val="20000"/>
+        </a:spcBef>
+        <a:spcAft>
+          <a:spcPts val="661"/>
+        </a:spcAft>
+        <a:buClr>
+          <a:schemeClr val="accent1">
+            <a:lumMod val="75000"/>
+          </a:schemeClr>
+        </a:buClr>
+        <a:buSzPct val="145000"/>
+        <a:buFont typeface="Arial"/>
+        <a:buChar char="•"/>
+        <a:defRPr sz="2205" kern="1200" cap="none">
+          <a:solidFill>
+            <a:schemeClr val="tx1"/>
+          </a:solidFill>
+          <a:effectLst/>
+          <a:latin typeface="+mn-lt"/>
+          <a:ea typeface="+mn-ea"/>
+          <a:cs typeface="+mn-cs"/>
+        </a:defRPr>
+      </a:lvl2pPr>
+      <a:lvl3pPr marL="1322925" indent="-314982" algn="l" defTabSz="503972" rtl="0" eaLnBrk="1" latinLnBrk="0" hangingPunct="1">
+        <a:spcBef>
+          <a:spcPct val="20000"/>
+        </a:spcBef>
+        <a:spcAft>
+          <a:spcPts val="661"/>
+        </a:spcAft>
+        <a:buClr>
+          <a:schemeClr val="accent1">
+            <a:lumMod val="75000"/>
+          </a:schemeClr>
+        </a:buClr>
+        <a:buSzPct val="145000"/>
+        <a:buFont typeface="Arial"/>
+        <a:buChar char="•"/>
+        <a:defRPr sz="1984" kern="1200" cap="none">
+          <a:solidFill>
+            <a:schemeClr val="tx1"/>
+          </a:solidFill>
+          <a:effectLst/>
+          <a:latin typeface="+mn-lt"/>
+          <a:ea typeface="+mn-ea"/>
+          <a:cs typeface="+mn-cs"/>
+        </a:defRPr>
+      </a:lvl3pPr>
+      <a:lvl4pPr marL="1700904" indent="-188989" algn="l" defTabSz="503972" rtl="0" eaLnBrk="1" latinLnBrk="0" hangingPunct="1">
+        <a:spcBef>
+          <a:spcPct val="20000"/>
+        </a:spcBef>
+        <a:spcAft>
+          <a:spcPts val="661"/>
+        </a:spcAft>
+        <a:buClr>
+          <a:schemeClr val="accent1">
+            <a:lumMod val="75000"/>
+          </a:schemeClr>
+        </a:buClr>
+        <a:buSzPct val="145000"/>
+        <a:buFont typeface="Arial"/>
+        <a:buChar char="•"/>
+        <a:defRPr sz="1764" kern="1200" cap="none">
+          <a:solidFill>
+            <a:schemeClr val="tx1"/>
+          </a:solidFill>
+          <a:effectLst/>
+          <a:latin typeface="+mn-lt"/>
+          <a:ea typeface="+mn-ea"/>
+          <a:cs typeface="+mn-cs"/>
+        </a:defRPr>
+      </a:lvl4pPr>
+      <a:lvl5pPr marL="2204876" indent="-188989" algn="l" defTabSz="503972" rtl="0" eaLnBrk="1" latinLnBrk="0" hangingPunct="1">
+        <a:spcBef>
+          <a:spcPct val="20000"/>
+        </a:spcBef>
+        <a:spcAft>
+          <a:spcPts val="661"/>
+        </a:spcAft>
+        <a:buClr>
+          <a:schemeClr val="accent1">
+            <a:lumMod val="75000"/>
+          </a:schemeClr>
+        </a:buClr>
+        <a:buSzPct val="145000"/>
+        <a:buFont typeface="Arial"/>
+        <a:buChar char="•"/>
+        <a:defRPr sz="1543" kern="1200" cap="none">
+          <a:solidFill>
+            <a:schemeClr val="tx1"/>
+          </a:solidFill>
+          <a:effectLst/>
+          <a:latin typeface="+mn-lt"/>
+          <a:ea typeface="+mn-ea"/>
+          <a:cs typeface="+mn-cs"/>
+        </a:defRPr>
+      </a:lvl5pPr>
+      <a:lvl6pPr marL="2771844" indent="-251986" algn="l" defTabSz="503972" rtl="0" eaLnBrk="1" latinLnBrk="0" hangingPunct="1">
+        <a:spcBef>
+          <a:spcPct val="20000"/>
+        </a:spcBef>
+        <a:spcAft>
+          <a:spcPts val="661"/>
+        </a:spcAft>
+        <a:buClr>
+          <a:schemeClr val="accent1">
+            <a:lumMod val="75000"/>
+          </a:schemeClr>
+        </a:buClr>
+        <a:buSzPct val="145000"/>
+        <a:buFont typeface="Arial"/>
+        <a:buChar char="•"/>
+        <a:defRPr sz="1543" kern="1200" cap="none">
+          <a:solidFill>
+            <a:schemeClr val="tx1"/>
+          </a:solidFill>
+          <a:effectLst/>
+          <a:latin typeface="+mn-lt"/>
+          <a:ea typeface="+mn-ea"/>
+          <a:cs typeface="+mn-cs"/>
+        </a:defRPr>
+      </a:lvl6pPr>
+      <a:lvl7pPr marL="3275815" indent="-251986" algn="l" defTabSz="503972" rtl="0" eaLnBrk="1" latinLnBrk="0" hangingPunct="1">
+        <a:spcBef>
+          <a:spcPct val="20000"/>
+        </a:spcBef>
+        <a:spcAft>
+          <a:spcPts val="661"/>
+        </a:spcAft>
+        <a:buClr>
+          <a:schemeClr val="accent1">
+            <a:lumMod val="75000"/>
+          </a:schemeClr>
+        </a:buClr>
+        <a:buSzPct val="145000"/>
+        <a:buFont typeface="Arial"/>
+        <a:buChar char="•"/>
+        <a:defRPr sz="1543" kern="1200" cap="none">
+          <a:solidFill>
+            <a:schemeClr val="tx1"/>
+          </a:solidFill>
+          <a:effectLst/>
+          <a:latin typeface="+mn-lt"/>
+          <a:ea typeface="+mn-ea"/>
+          <a:cs typeface="+mn-cs"/>
+        </a:defRPr>
+      </a:lvl7pPr>
+      <a:lvl8pPr marL="3779787" indent="-251986" algn="l" defTabSz="503972" rtl="0" eaLnBrk="1" latinLnBrk="0" hangingPunct="1">
+        <a:spcBef>
+          <a:spcPct val="20000"/>
+        </a:spcBef>
+        <a:spcAft>
+          <a:spcPts val="661"/>
+        </a:spcAft>
+        <a:buClr>
+          <a:schemeClr val="accent1">
+            <a:lumMod val="75000"/>
+          </a:schemeClr>
+        </a:buClr>
+        <a:buSzPct val="145000"/>
+        <a:buFont typeface="Arial"/>
+        <a:buChar char="•"/>
+        <a:defRPr sz="1543" kern="1200" cap="none">
+          <a:solidFill>
+            <a:schemeClr val="tx1"/>
+          </a:solidFill>
+          <a:effectLst/>
+          <a:latin typeface="+mn-lt"/>
+          <a:ea typeface="+mn-ea"/>
+          <a:cs typeface="+mn-cs"/>
+        </a:defRPr>
+      </a:lvl8pPr>
+      <a:lvl9pPr marL="4283758" indent="-251986" algn="l" defTabSz="503972" rtl="0" eaLnBrk="1" latinLnBrk="0" hangingPunct="1">
+        <a:spcBef>
+          <a:spcPct val="20000"/>
+        </a:spcBef>
+        <a:spcAft>
+          <a:spcPts val="661"/>
+        </a:spcAft>
+        <a:buClr>
+          <a:schemeClr val="accent1">
+            <a:lumMod val="75000"/>
+          </a:schemeClr>
+        </a:buClr>
+        <a:buSzPct val="145000"/>
+        <a:buFont typeface="Arial"/>
+        <a:buChar char="•"/>
+        <a:defRPr sz="1543" kern="1200" cap="none">
+          <a:solidFill>
+            <a:schemeClr val="tx1"/>
+          </a:solidFill>
+          <a:effectLst/>
+          <a:latin typeface="+mn-lt"/>
+          <a:ea typeface="+mn-ea"/>
+          <a:cs typeface="+mn-cs"/>
+        </a:defRPr>
+      </a:lvl9pPr>
+    </p:bodyStyle>
+    <p:otherStyle>
+      <a:defPPr>
+        <a:defRPr lang="en-US"/>
+      </a:defPPr>
+      <a:lvl1pPr marL="0" algn="l" defTabSz="503972" rtl="0" eaLnBrk="1" latinLnBrk="0" hangingPunct="1">
+        <a:defRPr sz="1984" kern="1200">
           <a:solidFill>
             <a:schemeClr val="tx1"/>
           </a:solidFill>
@@ -1681,16 +6492,8 @@
           <a:cs typeface="+mn-cs"/>
         </a:defRPr>
       </a:lvl1pPr>
-      <a:lvl2pPr marL="685800" indent="-228600" algn="l" defTabSz="914400" rtl="0" eaLnBrk="1" latinLnBrk="0" hangingPunct="1">
-        <a:lnSpc>
-          <a:spcPct val="90000"/>
-        </a:lnSpc>
-        <a:spcBef>
-          <a:spcPts val="500"/>
-        </a:spcBef>
-        <a:buFont typeface="Arial" panose="020B0604020202020204" pitchFamily="34" charset="0"/>
-        <a:buChar char="•"/>
-        <a:defRPr sz="2400" kern="1200">
+      <a:lvl2pPr marL="503972" algn="l" defTabSz="503972" rtl="0" eaLnBrk="1" latinLnBrk="0" hangingPunct="1">
+        <a:defRPr sz="1984" kern="1200">
           <a:solidFill>
             <a:schemeClr val="tx1"/>
           </a:solidFill>
@@ -1699,16 +6502,8 @@
           <a:cs typeface="+mn-cs"/>
         </a:defRPr>
       </a:lvl2pPr>
-      <a:lvl3pPr marL="1143000" indent="-228600" algn="l" defTabSz="914400" rtl="0" eaLnBrk="1" latinLnBrk="0" hangingPunct="1">
-        <a:lnSpc>
-          <a:spcPct val="90000"/>
-        </a:lnSpc>
-        <a:spcBef>
-          <a:spcPts val="500"/>
-        </a:spcBef>
-        <a:buFont typeface="Arial" panose="020B0604020202020204" pitchFamily="34" charset="0"/>
-        <a:buChar char="•"/>
-        <a:defRPr sz="2000" kern="1200">
+      <a:lvl3pPr marL="1007943" algn="l" defTabSz="503972" rtl="0" eaLnBrk="1" latinLnBrk="0" hangingPunct="1">
+        <a:defRPr sz="1984" kern="1200">
           <a:solidFill>
             <a:schemeClr val="tx1"/>
           </a:solidFill>
@@ -1717,16 +6512,8 @@
           <a:cs typeface="+mn-cs"/>
         </a:defRPr>
       </a:lvl3pPr>
-      <a:lvl4pPr marL="1600200" indent="-228600" algn="l" defTabSz="914400" rtl="0" eaLnBrk="1" latinLnBrk="0" hangingPunct="1">
-        <a:lnSpc>
-          <a:spcPct val="90000"/>
-        </a:lnSpc>
-        <a:spcBef>
-          <a:spcPts val="500"/>
-        </a:spcBef>
-        <a:buFont typeface="Arial" panose="020B0604020202020204" pitchFamily="34" charset="0"/>
-        <a:buChar char="•"/>
-        <a:defRPr sz="1800" kern="1200">
+      <a:lvl4pPr marL="1511915" algn="l" defTabSz="503972" rtl="0" eaLnBrk="1" latinLnBrk="0" hangingPunct="1">
+        <a:defRPr sz="1984" kern="1200">
           <a:solidFill>
             <a:schemeClr val="tx1"/>
           </a:solidFill>
@@ -1735,16 +6522,8 @@
           <a:cs typeface="+mn-cs"/>
         </a:defRPr>
       </a:lvl4pPr>
-      <a:lvl5pPr marL="2057400" indent="-228600" algn="l" defTabSz="914400" rtl="0" eaLnBrk="1" latinLnBrk="0" hangingPunct="1">
-        <a:lnSpc>
-          <a:spcPct val="90000"/>
-        </a:lnSpc>
-        <a:spcBef>
-          <a:spcPts val="500"/>
-        </a:spcBef>
-        <a:buFont typeface="Arial" panose="020B0604020202020204" pitchFamily="34" charset="0"/>
-        <a:buChar char="•"/>
-        <a:defRPr sz="1800" kern="1200">
+      <a:lvl5pPr marL="2015886" algn="l" defTabSz="503972" rtl="0" eaLnBrk="1" latinLnBrk="0" hangingPunct="1">
+        <a:defRPr sz="1984" kern="1200">
           <a:solidFill>
             <a:schemeClr val="tx1"/>
           </a:solidFill>
@@ -1753,16 +6532,8 @@
           <a:cs typeface="+mn-cs"/>
         </a:defRPr>
       </a:lvl5pPr>
-      <a:lvl6pPr marL="2514600" indent="-228600" algn="l" defTabSz="914400" rtl="0" eaLnBrk="1" latinLnBrk="0" hangingPunct="1">
-        <a:lnSpc>
-          <a:spcPct val="90000"/>
-        </a:lnSpc>
-        <a:spcBef>
-          <a:spcPts val="500"/>
-        </a:spcBef>
-        <a:buFont typeface="Arial" panose="020B0604020202020204" pitchFamily="34" charset="0"/>
-        <a:buChar char="•"/>
-        <a:defRPr sz="1800" kern="1200">
+      <a:lvl6pPr marL="2519858" algn="l" defTabSz="503972" rtl="0" eaLnBrk="1" latinLnBrk="0" hangingPunct="1">
+        <a:defRPr sz="1984" kern="1200">
           <a:solidFill>
             <a:schemeClr val="tx1"/>
           </a:solidFill>
@@ -1771,16 +6542,8 @@
           <a:cs typeface="+mn-cs"/>
         </a:defRPr>
       </a:lvl6pPr>
-      <a:lvl7pPr marL="2971800" indent="-228600" algn="l" defTabSz="914400" rtl="0" eaLnBrk="1" latinLnBrk="0" hangingPunct="1">
-        <a:lnSpc>
-          <a:spcPct val="90000"/>
-        </a:lnSpc>
-        <a:spcBef>
-          <a:spcPts val="500"/>
-        </a:spcBef>
-        <a:buFont typeface="Arial" panose="020B0604020202020204" pitchFamily="34" charset="0"/>
-        <a:buChar char="•"/>
-        <a:defRPr sz="1800" kern="1200">
+      <a:lvl7pPr marL="3023829" algn="l" defTabSz="503972" rtl="0" eaLnBrk="1" latinLnBrk="0" hangingPunct="1">
+        <a:defRPr sz="1984" kern="1200">
           <a:solidFill>
             <a:schemeClr val="tx1"/>
           </a:solidFill>
@@ -1789,16 +6552,8 @@
           <a:cs typeface="+mn-cs"/>
         </a:defRPr>
       </a:lvl7pPr>
-      <a:lvl8pPr marL="3429000" indent="-228600" algn="l" defTabSz="914400" rtl="0" eaLnBrk="1" latinLnBrk="0" hangingPunct="1">
-        <a:lnSpc>
-          <a:spcPct val="90000"/>
-        </a:lnSpc>
-        <a:spcBef>
-          <a:spcPts val="500"/>
-        </a:spcBef>
-        <a:buFont typeface="Arial" panose="020B0604020202020204" pitchFamily="34" charset="0"/>
-        <a:buChar char="•"/>
-        <a:defRPr sz="1800" kern="1200">
+      <a:lvl8pPr marL="3527801" algn="l" defTabSz="503972" rtl="0" eaLnBrk="1" latinLnBrk="0" hangingPunct="1">
+        <a:defRPr sz="1984" kern="1200">
           <a:solidFill>
             <a:schemeClr val="tx1"/>
           </a:solidFill>
@@ -1807,111 +6562,8 @@
           <a:cs typeface="+mn-cs"/>
         </a:defRPr>
       </a:lvl8pPr>
-      <a:lvl9pPr marL="3886200" indent="-228600" algn="l" defTabSz="914400" rtl="0" eaLnBrk="1" latinLnBrk="0" hangingPunct="1">
-        <a:lnSpc>
-          <a:spcPct val="90000"/>
-        </a:lnSpc>
-        <a:spcBef>
-          <a:spcPts val="500"/>
-        </a:spcBef>
-        <a:buFont typeface="Arial" panose="020B0604020202020204" pitchFamily="34" charset="0"/>
-        <a:buChar char="•"/>
-        <a:defRPr sz="1800" kern="1200">
-          <a:solidFill>
-            <a:schemeClr val="tx1"/>
-          </a:solidFill>
-          <a:latin typeface="+mn-lt"/>
-          <a:ea typeface="+mn-ea"/>
-          <a:cs typeface="+mn-cs"/>
-        </a:defRPr>
-      </a:lvl9pPr>
-    </p:bodyStyle>
-    <p:otherStyle>
-      <a:defPPr>
-        <a:defRPr lang="pl-PL"/>
-      </a:defPPr>
-      <a:lvl1pPr marL="0" algn="l" defTabSz="914400" rtl="0" eaLnBrk="1" latinLnBrk="0" hangingPunct="1">
-        <a:defRPr sz="1800" kern="1200">
-          <a:solidFill>
-            <a:schemeClr val="tx1"/>
-          </a:solidFill>
-          <a:latin typeface="+mn-lt"/>
-          <a:ea typeface="+mn-ea"/>
-          <a:cs typeface="+mn-cs"/>
-        </a:defRPr>
-      </a:lvl1pPr>
-      <a:lvl2pPr marL="457200" algn="l" defTabSz="914400" rtl="0" eaLnBrk="1" latinLnBrk="0" hangingPunct="1">
-        <a:defRPr sz="1800" kern="1200">
-          <a:solidFill>
-            <a:schemeClr val="tx1"/>
-          </a:solidFill>
-          <a:latin typeface="+mn-lt"/>
-          <a:ea typeface="+mn-ea"/>
-          <a:cs typeface="+mn-cs"/>
-        </a:defRPr>
-      </a:lvl2pPr>
-      <a:lvl3pPr marL="914400" algn="l" defTabSz="914400" rtl="0" eaLnBrk="1" latinLnBrk="0" hangingPunct="1">
-        <a:defRPr sz="1800" kern="1200">
-          <a:solidFill>
-            <a:schemeClr val="tx1"/>
-          </a:solidFill>
-          <a:latin typeface="+mn-lt"/>
-          <a:ea typeface="+mn-ea"/>
-          <a:cs typeface="+mn-cs"/>
-        </a:defRPr>
-      </a:lvl3pPr>
-      <a:lvl4pPr marL="1371600" algn="l" defTabSz="914400" rtl="0" eaLnBrk="1" latinLnBrk="0" hangingPunct="1">
-        <a:defRPr sz="1800" kern="1200">
-          <a:solidFill>
-            <a:schemeClr val="tx1"/>
-          </a:solidFill>
-          <a:latin typeface="+mn-lt"/>
-          <a:ea typeface="+mn-ea"/>
-          <a:cs typeface="+mn-cs"/>
-        </a:defRPr>
-      </a:lvl4pPr>
-      <a:lvl5pPr marL="1828800" algn="l" defTabSz="914400" rtl="0" eaLnBrk="1" latinLnBrk="0" hangingPunct="1">
-        <a:defRPr sz="1800" kern="1200">
-          <a:solidFill>
-            <a:schemeClr val="tx1"/>
-          </a:solidFill>
-          <a:latin typeface="+mn-lt"/>
-          <a:ea typeface="+mn-ea"/>
-          <a:cs typeface="+mn-cs"/>
-        </a:defRPr>
-      </a:lvl5pPr>
-      <a:lvl6pPr marL="2286000" algn="l" defTabSz="914400" rtl="0" eaLnBrk="1" latinLnBrk="0" hangingPunct="1">
-        <a:defRPr sz="1800" kern="1200">
-          <a:solidFill>
-            <a:schemeClr val="tx1"/>
-          </a:solidFill>
-          <a:latin typeface="+mn-lt"/>
-          <a:ea typeface="+mn-ea"/>
-          <a:cs typeface="+mn-cs"/>
-        </a:defRPr>
-      </a:lvl6pPr>
-      <a:lvl7pPr marL="2743200" algn="l" defTabSz="914400" rtl="0" eaLnBrk="1" latinLnBrk="0" hangingPunct="1">
-        <a:defRPr sz="1800" kern="1200">
-          <a:solidFill>
-            <a:schemeClr val="tx1"/>
-          </a:solidFill>
-          <a:latin typeface="+mn-lt"/>
-          <a:ea typeface="+mn-ea"/>
-          <a:cs typeface="+mn-cs"/>
-        </a:defRPr>
-      </a:lvl7pPr>
-      <a:lvl8pPr marL="3200400" algn="l" defTabSz="914400" rtl="0" eaLnBrk="1" latinLnBrk="0" hangingPunct="1">
-        <a:defRPr sz="1800" kern="1200">
-          <a:solidFill>
-            <a:schemeClr val="tx1"/>
-          </a:solidFill>
-          <a:latin typeface="+mn-lt"/>
-          <a:ea typeface="+mn-ea"/>
-          <a:cs typeface="+mn-cs"/>
-        </a:defRPr>
-      </a:lvl8pPr>
-      <a:lvl9pPr marL="3657600" algn="l" defTabSz="914400" rtl="0" eaLnBrk="1" latinLnBrk="0" hangingPunct="1">
-        <a:defRPr sz="1800" kern="1200">
+      <a:lvl9pPr marL="4031772" algn="l" defTabSz="503972" rtl="0" eaLnBrk="1" latinLnBrk="0" hangingPunct="1">
+        <a:defRPr sz="1984" kern="1200">
           <a:solidFill>
             <a:schemeClr val="tx1"/>
           </a:solidFill>
@@ -1926,7 +6578,7 @@
 </file>
 
 <file path=ppt/slides/slide1.xml><?xml version="1.0" encoding="utf-8"?>
-<p:sld xmlns:a="http://schemas.openxmlformats.org/drawingml/2006/main" xmlns:r="http://schemas.openxmlformats.org/officeDocument/2006/relationships" xmlns:p="http://schemas.openxmlformats.org/presentationml/2006/main">
+<p:sld xmlns:a="http://schemas.openxmlformats.org/drawingml/2006/main" xmlns:r="http://schemas.openxmlformats.org/officeDocument/2006/relationships" xmlns:p="http://schemas.openxmlformats.org/presentationml/2006/main" showMasterSp="0">
   <p:cSld>
     <p:bg>
       <p:bgPr>
@@ -2235,8 +6887,8 @@
         </p:nvSpPr>
         <p:spPr>
           <a:xfrm>
-            <a:off x="504000" y="1769040"/>
-            <a:ext cx="9071640" cy="4384440"/>
+            <a:off x="836908" y="1769040"/>
+            <a:ext cx="8738732" cy="4384440"/>
           </a:xfrm>
           <a:prstGeom prst="rect">
             <a:avLst/>
@@ -2553,7 +7205,7 @@
                 <a:latin typeface="Cambria Math" panose="02040503050406030204" pitchFamily="18" charset="0"/>
                 <a:ea typeface="Cambria Math" panose="02040503050406030204" pitchFamily="18" charset="0"/>
               </a:rPr>
-              <a:t>     	</a:t>
+              <a:t>     		</a:t>
             </a:r>
             <a:r>
               <a:rPr lang="pl-PL" sz="3200" dirty="0" err="1">
@@ -4258,49 +8910,49 @@
           <p:nvPr>
             <p:extLst>
               <p:ext uri="{D42A27DB-BD31-4B8C-83A1-F6EECF244321}">
-                <p14:modId xmlns:p14="http://schemas.microsoft.com/office/powerpoint/2010/main" val="509021944"/>
+                <p14:modId xmlns:p14="http://schemas.microsoft.com/office/powerpoint/2010/main" val="126876346"/>
               </p:ext>
             </p:extLst>
           </p:nvPr>
         </p:nvGraphicFramePr>
         <p:xfrm>
-          <a:off x="482758" y="1307520"/>
-          <a:ext cx="8940210" cy="5796867"/>
+          <a:off x="991893" y="1307520"/>
+          <a:ext cx="8431075" cy="5796867"/>
         </p:xfrm>
         <a:graphic>
           <a:graphicData uri="http://schemas.openxmlformats.org/drawingml/2006/table">
             <a:tbl>
               <a:tblPr/>
               <a:tblGrid>
-                <a:gridCol w="1787758">
+                <a:gridCol w="1685947">
                   <a:extLst>
                     <a:ext uri="{9D8B030D-6E8A-4147-A177-3AD203B41FA5}">
                       <a16:colId xmlns:a16="http://schemas.microsoft.com/office/drawing/2014/main" val="20000"/>
                     </a:ext>
                   </a:extLst>
                 </a:gridCol>
-                <a:gridCol w="1787758">
+                <a:gridCol w="1685947">
                   <a:extLst>
                     <a:ext uri="{9D8B030D-6E8A-4147-A177-3AD203B41FA5}">
                       <a16:colId xmlns:a16="http://schemas.microsoft.com/office/drawing/2014/main" val="20001"/>
                     </a:ext>
                   </a:extLst>
                 </a:gridCol>
-                <a:gridCol w="1787758">
+                <a:gridCol w="1685947">
                   <a:extLst>
                     <a:ext uri="{9D8B030D-6E8A-4147-A177-3AD203B41FA5}">
                       <a16:colId xmlns:a16="http://schemas.microsoft.com/office/drawing/2014/main" val="20002"/>
                     </a:ext>
                   </a:extLst>
                 </a:gridCol>
-                <a:gridCol w="1787758">
+                <a:gridCol w="1685947">
                   <a:extLst>
                     <a:ext uri="{9D8B030D-6E8A-4147-A177-3AD203B41FA5}">
                       <a16:colId xmlns:a16="http://schemas.microsoft.com/office/drawing/2014/main" val="20003"/>
                     </a:ext>
                   </a:extLst>
                 </a:gridCol>
-                <a:gridCol w="1789178">
+                <a:gridCol w="1687287">
                   <a:extLst>
                     <a:ext uri="{9D8B030D-6E8A-4147-A177-3AD203B41FA5}">
                       <a16:colId xmlns:a16="http://schemas.microsoft.com/office/drawing/2014/main" val="20004"/>
@@ -4632,7 +9284,7 @@
                     <a:lstStyle/>
                     <a:p>
                       <a:r>
-                        <a:rPr lang="pl-PL" sz="1600" b="0" strike="noStrike">
+                        <a:rPr lang="pl-PL" sz="1600" b="0" strike="noStrike" dirty="0" err="1">
                           <a:solidFill>
                             <a:srgbClr val="000000"/>
                           </a:solidFill>
@@ -4641,7 +9293,7 @@
                         </a:rPr>
                         <a:t>voltmeter</a:t>
                       </a:r>
-                      <a:endParaRPr sz="1600" b="0">
+                      <a:endParaRPr sz="1600" b="0" dirty="0">
                         <a:latin typeface="Cambria Math" panose="02040503050406030204" pitchFamily="18" charset="0"/>
                         <a:ea typeface="Cambria Math" panose="02040503050406030204" pitchFamily="18" charset="0"/>
                       </a:endParaRPr>
@@ -5234,42 +9886,42 @@
           <p:nvPr>
             <p:extLst>
               <p:ext uri="{D42A27DB-BD31-4B8C-83A1-F6EECF244321}">
-                <p14:modId xmlns:p14="http://schemas.microsoft.com/office/powerpoint/2010/main" val="3447810659"/>
+                <p14:modId xmlns:p14="http://schemas.microsoft.com/office/powerpoint/2010/main" val="4122839989"/>
               </p:ext>
             </p:extLst>
           </p:nvPr>
         </p:nvGraphicFramePr>
         <p:xfrm>
-          <a:off x="510480" y="744840"/>
-          <a:ext cx="8664517" cy="6720840"/>
+          <a:off x="697423" y="744840"/>
+          <a:ext cx="8477574" cy="6748907"/>
         </p:xfrm>
         <a:graphic>
           <a:graphicData uri="http://schemas.openxmlformats.org/drawingml/2006/table">
             <a:tbl>
               <a:tblPr/>
               <a:tblGrid>
-                <a:gridCol w="2267640">
+                <a:gridCol w="2218714">
                   <a:extLst>
                     <a:ext uri="{9D8B030D-6E8A-4147-A177-3AD203B41FA5}">
                       <a16:colId xmlns:a16="http://schemas.microsoft.com/office/drawing/2014/main" val="20000"/>
                     </a:ext>
                   </a:extLst>
                 </a:gridCol>
-                <a:gridCol w="2267640">
+                <a:gridCol w="2218714">
                   <a:extLst>
                     <a:ext uri="{9D8B030D-6E8A-4147-A177-3AD203B41FA5}">
                       <a16:colId xmlns:a16="http://schemas.microsoft.com/office/drawing/2014/main" val="20001"/>
                     </a:ext>
                   </a:extLst>
                 </a:gridCol>
-                <a:gridCol w="2267640">
+                <a:gridCol w="2218714">
                   <a:extLst>
                     <a:ext uri="{9D8B030D-6E8A-4147-A177-3AD203B41FA5}">
                       <a16:colId xmlns:a16="http://schemas.microsoft.com/office/drawing/2014/main" val="20002"/>
                     </a:ext>
                   </a:extLst>
                 </a:gridCol>
-                <a:gridCol w="1861597">
+                <a:gridCol w="1821432">
                   <a:extLst>
                     <a:ext uri="{9D8B030D-6E8A-4147-A177-3AD203B41FA5}">
                       <a16:colId xmlns:a16="http://schemas.microsoft.com/office/drawing/2014/main" val="20003"/>
@@ -6240,8 +10892,8 @@
         </p:nvSpPr>
         <p:spPr>
           <a:xfrm>
-            <a:off x="504000" y="1769040"/>
-            <a:ext cx="9071640" cy="4384440"/>
+            <a:off x="883402" y="1769040"/>
+            <a:ext cx="8692237" cy="4384440"/>
           </a:xfrm>
           <a:prstGeom prst="rect">
             <a:avLst/>
@@ -6403,9 +11055,9 @@
 </file>
 
 <file path=ppt/theme/theme1.xml><?xml version="1.0" encoding="utf-8"?>
-<a:theme xmlns:a="http://schemas.openxmlformats.org/drawingml/2006/main" name="Office Theme">
+<a:theme xmlns:a="http://schemas.openxmlformats.org/drawingml/2006/main" name="Paralaksa">
   <a:themeElements>
-    <a:clrScheme name="Office">
+    <a:clrScheme name="Paralaksa">
       <a:dk1>
         <a:sysClr val="windowText" lastClr="000000"/>
       </a:dk1>
@@ -6413,49 +11065,109 @@
         <a:sysClr val="window" lastClr="FFFFFF"/>
       </a:lt1>
       <a:dk2>
-        <a:srgbClr val="1F497D"/>
+        <a:srgbClr val="212121"/>
       </a:dk2>
       <a:lt2>
-        <a:srgbClr val="EEECE1"/>
+        <a:srgbClr val="CDD0D1"/>
       </a:lt2>
       <a:accent1>
-        <a:srgbClr val="4F81BD"/>
+        <a:srgbClr val="EB8F22"/>
       </a:accent1>
       <a:accent2>
-        <a:srgbClr val="C0504D"/>
+        <a:srgbClr val="CD4223"/>
       </a:accent2>
       <a:accent3>
-        <a:srgbClr val="9BBB59"/>
+        <a:srgbClr val="A89374"/>
       </a:accent3>
       <a:accent4>
-        <a:srgbClr val="8064A2"/>
+        <a:srgbClr val="83AA67"/>
       </a:accent4>
       <a:accent5>
-        <a:srgbClr val="4BACC6"/>
+        <a:srgbClr val="4FA9C1"/>
       </a:accent5>
       <a:accent6>
-        <a:srgbClr val="F79646"/>
+        <a:srgbClr val="9390AF"/>
       </a:accent6>
       <a:hlink>
-        <a:srgbClr val="0000FF"/>
+        <a:srgbClr val="EC7220"/>
       </a:hlink>
       <a:folHlink>
-        <a:srgbClr val="800080"/>
+        <a:srgbClr val="F09355"/>
       </a:folHlink>
     </a:clrScheme>
-    <a:fontScheme name="Office">
+    <a:fontScheme name="Paralaksa">
       <a:majorFont>
-        <a:latin typeface="Arial"/>
-        <a:ea typeface="DejaVu Sans"/>
-        <a:cs typeface="DejaVu Sans"/>
+        <a:latin typeface="Corbel" panose="020B0503020204020204"/>
+        <a:ea typeface=""/>
+        <a:cs typeface=""/>
+        <a:font script="Jpan" typeface="HGｺﾞｼｯｸM"/>
+        <a:font script="Hang" typeface="HY엽서L"/>
+        <a:font script="Hans" typeface="华文楷体"/>
+        <a:font script="Hant" typeface="新細明體"/>
+        <a:font script="Arab" typeface="Tahoma"/>
+        <a:font script="Hebr" typeface="Miriam"/>
+        <a:font script="Thai" typeface="DilleniaUPC"/>
+        <a:font script="Ethi" typeface="Nyala"/>
+        <a:font script="Beng" typeface="Vrinda"/>
+        <a:font script="Gujr" typeface="Shruti"/>
+        <a:font script="Khmr" typeface="DaunPenh"/>
+        <a:font script="Knda" typeface="Tunga"/>
+        <a:font script="Guru" typeface="Raavi"/>
+        <a:font script="Cans" typeface="Euphemia"/>
+        <a:font script="Cher" typeface="Plantagenet Cherokee"/>
+        <a:font script="Yiii" typeface="Microsoft Yi Baiti"/>
+        <a:font script="Tibt" typeface="Microsoft Himalaya"/>
+        <a:font script="Thaa" typeface="MV Boli"/>
+        <a:font script="Deva" typeface="Mangal"/>
+        <a:font script="Telu" typeface="Gautami"/>
+        <a:font script="Taml" typeface="Latha"/>
+        <a:font script="Syrc" typeface="Estrangelo Edessa"/>
+        <a:font script="Orya" typeface="Kalinga"/>
+        <a:font script="Mlym" typeface="Kartika"/>
+        <a:font script="Laoo" typeface="DokChampa"/>
+        <a:font script="Sinh" typeface="Iskoola Pota"/>
+        <a:font script="Mong" typeface="Mongolian Baiti"/>
+        <a:font script="Viet" typeface="Arial"/>
+        <a:font script="Uigh" typeface="Microsoft Uighur"/>
+        <a:font script="Geor" typeface="Sylfaen"/>
       </a:majorFont>
       <a:minorFont>
-        <a:latin typeface="Arial"/>
-        <a:ea typeface="DejaVu Sans"/>
-        <a:cs typeface="DejaVu Sans"/>
+        <a:latin typeface="Corbel" panose="020B0503020204020204"/>
+        <a:ea typeface=""/>
+        <a:cs typeface=""/>
+        <a:font script="Jpan" typeface="HGｺﾞｼｯｸM"/>
+        <a:font script="Hang" typeface="HY엽서L"/>
+        <a:font script="Hans" typeface="华文楷体"/>
+        <a:font script="Hant" typeface="新細明體"/>
+        <a:font script="Arab" typeface="Tahoma"/>
+        <a:font script="Hebr" typeface="Miriam"/>
+        <a:font script="Thai" typeface="DilleniaUPC"/>
+        <a:font script="Ethi" typeface="Nyala"/>
+        <a:font script="Beng" typeface="Vrinda"/>
+        <a:font script="Gujr" typeface="Shruti"/>
+        <a:font script="Khmr" typeface="DaunPenh"/>
+        <a:font script="Knda" typeface="Tunga"/>
+        <a:font script="Guru" typeface="Raavi"/>
+        <a:font script="Cans" typeface="Euphemia"/>
+        <a:font script="Cher" typeface="Plantagenet Cherokee"/>
+        <a:font script="Yiii" typeface="Microsoft Yi Baiti"/>
+        <a:font script="Tibt" typeface="Microsoft Himalaya"/>
+        <a:font script="Thaa" typeface="MV Boli"/>
+        <a:font script="Deva" typeface="Mangal"/>
+        <a:font script="Telu" typeface="Gautami"/>
+        <a:font script="Taml" typeface="Latha"/>
+        <a:font script="Syrc" typeface="Estrangelo Edessa"/>
+        <a:font script="Orya" typeface="Kalinga"/>
+        <a:font script="Mlym" typeface="Kartika"/>
+        <a:font script="Laoo" typeface="DokChampa"/>
+        <a:font script="Sinh" typeface="Iskoola Pota"/>
+        <a:font script="Mong" typeface="Mongolian Baiti"/>
+        <a:font script="Viet" typeface="Arial"/>
+        <a:font script="Uigh" typeface="Microsoft Uighur"/>
+        <a:font script="Geor" typeface="Sylfaen"/>
       </a:minorFont>
     </a:fontScheme>
-    <a:fmtScheme name="Office">
+    <a:fmtScheme name="Paralaksa">
       <a:fillStyleLst>
         <a:solidFill>
           <a:schemeClr val="phClr"/>
@@ -6464,66 +11176,54 @@
           <a:gsLst>
             <a:gs pos="0">
               <a:schemeClr val="phClr">
-                <a:tint val="50000"/>
-                <a:satMod val="300000"/>
-              </a:schemeClr>
-            </a:gs>
-            <a:gs pos="35000">
-              <a:schemeClr val="phClr">
-                <a:tint val="37000"/>
-                <a:satMod val="300000"/>
+                <a:tint val="60000"/>
+                <a:lumMod val="104000"/>
               </a:schemeClr>
             </a:gs>
             <a:gs pos="100000">
               <a:schemeClr val="phClr">
-                <a:tint val="15000"/>
-                <a:satMod val="350000"/>
+                <a:tint val="84000"/>
               </a:schemeClr>
             </a:gs>
           </a:gsLst>
-          <a:lin ang="16200000" scaled="1"/>
+          <a:lin ang="5400000" scaled="0"/>
         </a:gradFill>
         <a:gradFill rotWithShape="1">
           <a:gsLst>
             <a:gs pos="0">
               <a:schemeClr val="phClr">
-                <a:shade val="51000"/>
-                <a:satMod val="130000"/>
-              </a:schemeClr>
-            </a:gs>
-            <a:gs pos="80000">
-              <a:schemeClr val="phClr">
-                <a:shade val="93000"/>
-                <a:satMod val="130000"/>
+                <a:tint val="96000"/>
+                <a:lumMod val="102000"/>
               </a:schemeClr>
             </a:gs>
             <a:gs pos="100000">
               <a:schemeClr val="phClr">
-                <a:shade val="94000"/>
-                <a:satMod val="135000"/>
+                <a:shade val="88000"/>
+                <a:lumMod val="94000"/>
               </a:schemeClr>
             </a:gs>
           </a:gsLst>
-          <a:lin ang="16200000" scaled="0"/>
+          <a:path path="circle">
+            <a:fillToRect l="50000" t="100000" r="100000" b="50000"/>
+          </a:path>
         </a:gradFill>
       </a:fillStyleLst>
       <a:lnStyleLst>
-        <a:ln w="9525" cap="flat" cmpd="sng" algn="ctr">
+        <a:ln w="9525" cap="rnd" cmpd="sng" algn="ctr">
           <a:solidFill>
             <a:schemeClr val="phClr">
-              <a:shade val="95000"/>
-              <a:satMod val="105000"/>
+              <a:tint val="60000"/>
             </a:schemeClr>
           </a:solidFill>
           <a:prstDash val="solid"/>
         </a:ln>
-        <a:ln w="25400" cap="flat" cmpd="sng" algn="ctr">
+        <a:ln w="15875" cap="rnd" cmpd="sng" algn="ctr">
           <a:solidFill>
             <a:schemeClr val="phClr"/>
           </a:solidFill>
           <a:prstDash val="solid"/>
         </a:ln>
-        <a:ln w="38100" cap="flat" cmpd="sng" algn="ctr">
+        <a:ln w="22225" cap="rnd" cmpd="sng" algn="ctr">
           <a:solidFill>
             <a:schemeClr val="phClr"/>
           </a:solidFill>
@@ -6532,28 +11232,18 @@
       </a:lnStyleLst>
       <a:effectStyleLst>
         <a:effectStyle>
+          <a:effectLst/>
+        </a:effectStyle>
+        <a:effectStyle>
           <a:effectLst>
-            <a:outerShdw blurRad="40000" dist="20000" dir="5400000" rotWithShape="0">
-              <a:srgbClr val="000000">
-                <a:alpha val="38000"/>
-              </a:srgbClr>
-            </a:outerShdw>
+            <a:reflection blurRad="12700" stA="26000" endPos="32000" dist="12700" dir="5400000" sy="-100000" rotWithShape="0"/>
           </a:effectLst>
         </a:effectStyle>
         <a:effectStyle>
           <a:effectLst>
-            <a:outerShdw blurRad="40000" dist="23000" dir="5400000" rotWithShape="0">
+            <a:outerShdw blurRad="38100" dist="25400" dir="5400000" rotWithShape="0">
               <a:srgbClr val="000000">
-                <a:alpha val="35000"/>
-              </a:srgbClr>
-            </a:outerShdw>
-          </a:effectLst>
-        </a:effectStyle>
-        <a:effectStyle>
-          <a:effectLst>
-            <a:outerShdw blurRad="40000" dist="23000" dir="5400000" rotWithShape="0">
-              <a:srgbClr val="000000">
-                <a:alpha val="35000"/>
+                <a:alpha val="64000"/>
               </a:srgbClr>
             </a:outerShdw>
           </a:effectLst>
@@ -6561,12 +11251,12 @@
             <a:camera prst="orthographicFront">
               <a:rot lat="0" lon="0" rev="0"/>
             </a:camera>
-            <a:lightRig rig="threePt" dir="t">
+            <a:lightRig rig="threePt" dir="tl">
               <a:rot lat="0" lon="0" rev="1200000"/>
             </a:lightRig>
           </a:scene3d>
           <a:sp3d>
-            <a:bevelT w="63500" h="25400"/>
+            <a:bevelT w="25400" h="12700"/>
           </a:sp3d>
         </a:effectStyle>
       </a:effectStyleLst>
@@ -6578,51 +11268,44 @@
           <a:gsLst>
             <a:gs pos="0">
               <a:schemeClr val="phClr">
-                <a:tint val="40000"/>
-                <a:satMod val="350000"/>
-              </a:schemeClr>
-            </a:gs>
-            <a:gs pos="40000">
-              <a:schemeClr val="phClr">
-                <a:tint val="45000"/>
-                <a:shade val="99000"/>
-                <a:satMod val="350000"/>
+                <a:tint val="90000"/>
+                <a:lumMod val="110000"/>
               </a:schemeClr>
             </a:gs>
             <a:gs pos="100000">
               <a:schemeClr val="phClr">
-                <a:shade val="20000"/>
-                <a:satMod val="255000"/>
+                <a:shade val="64000"/>
+                <a:lumMod val="98000"/>
               </a:schemeClr>
             </a:gs>
           </a:gsLst>
-          <a:path path="circle">
-            <a:fillToRect l="50000" t="-80000" r="50000" b="180000"/>
-          </a:path>
+          <a:lin ang="5400000" scaled="0"/>
         </a:gradFill>
-        <a:gradFill rotWithShape="1">
-          <a:gsLst>
-            <a:gs pos="0">
+        <a:blipFill rotWithShape="1">
+          <a:blip xmlns:r="http://schemas.openxmlformats.org/officeDocument/2006/relationships" r:embed="rId1">
+            <a:duotone>
+              <a:schemeClr val="phClr">
+                <a:shade val="76000"/>
+                <a:satMod val="180000"/>
+              </a:schemeClr>
               <a:schemeClr val="phClr">
                 <a:tint val="80000"/>
-                <a:satMod val="300000"/>
+                <a:satMod val="120000"/>
+                <a:lumMod val="180000"/>
               </a:schemeClr>
-            </a:gs>
-            <a:gs pos="100000">
-              <a:schemeClr val="phClr">
-                <a:shade val="30000"/>
-                <a:satMod val="200000"/>
-              </a:schemeClr>
-            </a:gs>
-          </a:gsLst>
-          <a:path path="circle">
-            <a:fillToRect l="50000" t="50000" r="50000" b="50000"/>
-          </a:path>
-        </a:gradFill>
+            </a:duotone>
+          </a:blip>
+          <a:stretch/>
+        </a:blipFill>
       </a:bgFillStyleLst>
     </a:fmtScheme>
   </a:themeElements>
   <a:objectDefaults/>
   <a:extraClrSchemeLst/>
+  <a:extLst>
+    <a:ext uri="{05A4C25C-085E-4340-85A3-A5531E510DB2}">
+      <thm15:themeFamily xmlns:thm15="http://schemas.microsoft.com/office/thememl/2012/main" name="Parallax" id="{3388167B-A2EB-4685-9635-1831D9AEF8C4}" vid="{1A9F9826-882C-40B9-8F38-5A3B8CFD196D}"/>
+    </a:ext>
+  </a:extLst>
 </a:theme>
 </file>